--- a/JobHoncho.pptx
+++ b/JobHoncho.pptx
@@ -2,30 +2,29 @@
 <file path=ppt/presentation.xml><?xml version="1.0" encoding="utf-8"?>
 <p:presentation xmlns:a="http://schemas.openxmlformats.org/drawingml/2006/main" xmlns:r="http://schemas.openxmlformats.org/officeDocument/2006/relationships" xmlns:p="http://schemas.openxmlformats.org/presentationml/2006/main" showSpecialPlsOnTitleSld="0" removePersonalInfoOnSave="1" saveSubsetFonts="1" autoCompressPictures="0">
   <p:sldMasterIdLst>
-    <p:sldMasterId id="2147483648" r:id="rId5"/>
-    <p:sldMasterId id="2147483907" r:id="rId6"/>
+    <p:sldMasterId id="2147483907" r:id="rId5"/>
   </p:sldMasterIdLst>
   <p:notesMasterIdLst>
-    <p:notesMasterId r:id="rId16"/>
+    <p:notesMasterId r:id="rId15"/>
   </p:notesMasterIdLst>
   <p:handoutMasterIdLst>
-    <p:handoutMasterId r:id="rId17"/>
+    <p:handoutMasterId r:id="rId16"/>
   </p:handoutMasterIdLst>
   <p:sldIdLst>
-    <p:sldId id="936" r:id="rId7"/>
-    <p:sldId id="1103" r:id="rId8"/>
-    <p:sldId id="2226" r:id="rId9"/>
-    <p:sldId id="965" r:id="rId10"/>
-    <p:sldId id="2227" r:id="rId11"/>
-    <p:sldId id="2228" r:id="rId12"/>
-    <p:sldId id="2229" r:id="rId13"/>
-    <p:sldId id="2230" r:id="rId14"/>
-    <p:sldId id="441" r:id="rId15"/>
+    <p:sldId id="256" r:id="rId6"/>
+    <p:sldId id="1103" r:id="rId7"/>
+    <p:sldId id="2226" r:id="rId8"/>
+    <p:sldId id="965" r:id="rId9"/>
+    <p:sldId id="2227" r:id="rId10"/>
+    <p:sldId id="2228" r:id="rId11"/>
+    <p:sldId id="2229" r:id="rId12"/>
+    <p:sldId id="2230" r:id="rId13"/>
+    <p:sldId id="2231" r:id="rId14"/>
   </p:sldIdLst>
   <p:sldSz cx="12192000" cy="6858000"/>
   <p:notesSz cx="9296400" cy="7010400"/>
   <p:custDataLst>
-    <p:tags r:id="rId18"/>
+    <p:tags r:id="rId17"/>
   </p:custDataLst>
   <p:defaultTextStyle>
     <a:defPPr>
@@ -247,7 +246,7 @@
               <a:rPr lang="en-US" smtClean="0">
                 <a:latin typeface="Arial" panose="020B0604020202020204" pitchFamily="34" charset="0"/>
               </a:rPr>
-              <a:t>5/18/2020</a:t>
+              <a:t>4/26/2022</a:t>
             </a:fld>
             <a:endParaRPr lang="en-US" dirty="0">
               <a:latin typeface="Arial" panose="020B0604020202020204" pitchFamily="34" charset="0"/>
@@ -426,7 +425,7 @@
             <a:fld id="{0BA5BBE4-AEA3-489A-A28E-0C2FAF2506E3}" type="datetimeFigureOut">
               <a:rPr lang="en-US" smtClean="0"/>
               <a:pPr/>
-              <a:t>5/18/2020</a:t>
+              <a:t>4/26/2022</a:t>
             </a:fld>
             <a:endParaRPr lang="en-US" dirty="0"/>
           </a:p>
@@ -1277,91 +1276,6 @@
 </p:notes>
 </file>
 
-<file path=ppt/notesSlides/notesSlide8.xml><?xml version="1.0" encoding="utf-8"?>
-<p:notes xmlns:a="http://schemas.openxmlformats.org/drawingml/2006/main" xmlns:r="http://schemas.openxmlformats.org/officeDocument/2006/relationships" xmlns:p="http://schemas.openxmlformats.org/presentationml/2006/main">
-  <p:cSld>
-    <p:spTree>
-      <p:nvGrpSpPr>
-        <p:cNvPr id="1" name=""/>
-        <p:cNvGrpSpPr/>
-        <p:nvPr/>
-      </p:nvGrpSpPr>
-      <p:grpSpPr>
-        <a:xfrm>
-          <a:off x="0" y="0"/>
-          <a:ext cx="0" cy="0"/>
-          <a:chOff x="0" y="0"/>
-          <a:chExt cx="0" cy="0"/>
-        </a:xfrm>
-      </p:grpSpPr>
-      <p:sp>
-        <p:nvSpPr>
-          <p:cNvPr id="2" name="Slide Image Placeholder 1"/>
-          <p:cNvSpPr>
-            <a:spLocks noGrp="1" noRot="1" noChangeAspect="1"/>
-          </p:cNvSpPr>
-          <p:nvPr>
-            <p:ph type="sldImg"/>
-          </p:nvPr>
-        </p:nvSpPr>
-        <p:spPr/>
-      </p:sp>
-      <p:sp>
-        <p:nvSpPr>
-          <p:cNvPr id="3" name="Notes Placeholder 2"/>
-          <p:cNvSpPr>
-            <a:spLocks noGrp="1"/>
-          </p:cNvSpPr>
-          <p:nvPr>
-            <p:ph type="body" idx="1"/>
-          </p:nvPr>
-        </p:nvSpPr>
-        <p:spPr/>
-        <p:txBody>
-          <a:bodyPr/>
-          <a:lstStyle/>
-          <a:p>
-            <a:endParaRPr lang="en-US" dirty="0"/>
-          </a:p>
-        </p:txBody>
-      </p:sp>
-      <p:sp>
-        <p:nvSpPr>
-          <p:cNvPr id="4" name="Slide Number Placeholder 3"/>
-          <p:cNvSpPr>
-            <a:spLocks noGrp="1"/>
-          </p:cNvSpPr>
-          <p:nvPr>
-            <p:ph type="sldNum" sz="quarter" idx="10"/>
-          </p:nvPr>
-        </p:nvSpPr>
-        <p:spPr/>
-        <p:txBody>
-          <a:bodyPr/>
-          <a:lstStyle/>
-          <a:p>
-            <a:fld id="{C0F4A2C8-6C88-4E71-83EE-698B9D4FE22F}" type="slidenum">
-              <a:rPr lang="en-US" smtClean="0"/>
-              <a:pPr/>
-              <a:t>9</a:t>
-            </a:fld>
-            <a:endParaRPr lang="en-US" dirty="0"/>
-          </a:p>
-        </p:txBody>
-      </p:sp>
-    </p:spTree>
-    <p:extLst>
-      <p:ext uri="{BB962C8B-B14F-4D97-AF65-F5344CB8AC3E}">
-        <p14:creationId xmlns:p14="http://schemas.microsoft.com/office/powerpoint/2010/main" val="2347242417"/>
-      </p:ext>
-    </p:extLst>
-  </p:cSld>
-  <p:clrMapOvr>
-    <a:masterClrMapping/>
-  </p:clrMapOvr>
-</p:notes>
-</file>
-
 <file path=ppt/slideLayouts/slideLayout1.xml><?xml version="1.0" encoding="utf-8"?>
 <p:sldLayout xmlns:a="http://schemas.openxmlformats.org/drawingml/2006/main" xmlns:r="http://schemas.openxmlformats.org/officeDocument/2006/relationships" xmlns:p="http://schemas.openxmlformats.org/presentationml/2006/main" showMasterSp="0" preserve="1" userDrawn="1">
   <p:cSld name="Title Slide - White">
@@ -1555,7 +1469,7 @@
         </p:nvGrpSpPr>
         <p:grpSpPr>
           <a:xfrm>
-            <a:off x="475325" y="457200"/>
+            <a:off x="475325" y="386080"/>
             <a:ext cx="1998000" cy="374400"/>
             <a:chOff x="398463" y="404813"/>
             <a:chExt cx="1627187" cy="307976"/>
@@ -1609,7 +1523,7 @@
             <a:p>
               <a:endParaRPr lang="en-GB" sz="2600" dirty="0">
                 <a:solidFill>
-                  <a:schemeClr val="bg1"/>
+                  <a:prstClr val="white"/>
                 </a:solidFill>
               </a:endParaRPr>
             </a:p>
@@ -1824,7 +1738,7 @@
             <a:p>
               <a:endParaRPr lang="en-GB" sz="2600" dirty="0">
                 <a:solidFill>
-                  <a:schemeClr val="bg1"/>
+                  <a:prstClr val="white"/>
                 </a:solidFill>
               </a:endParaRPr>
             </a:p>
@@ -1873,7 +1787,7 @@
             <a:p>
               <a:endParaRPr lang="en-GB" sz="2600" dirty="0">
                 <a:solidFill>
-                  <a:schemeClr val="bg1"/>
+                  <a:prstClr val="white"/>
                 </a:solidFill>
               </a:endParaRPr>
             </a:p>
@@ -2118,7 +2032,7 @@
             <a:p>
               <a:endParaRPr lang="en-GB" sz="2600" dirty="0">
                 <a:solidFill>
-                  <a:schemeClr val="bg1"/>
+                  <a:prstClr val="white"/>
                 </a:solidFill>
               </a:endParaRPr>
             </a:p>
@@ -2167,7 +2081,7 @@
             <a:p>
               <a:endParaRPr lang="en-GB" sz="2600" dirty="0">
                 <a:solidFill>
-                  <a:schemeClr val="bg1"/>
+                  <a:prstClr val="white"/>
                 </a:solidFill>
               </a:endParaRPr>
             </a:p>
@@ -2216,7 +2130,7 @@
             <a:p>
               <a:endParaRPr lang="en-GB" sz="2600" dirty="0">
                 <a:solidFill>
-                  <a:schemeClr val="bg1"/>
+                  <a:prstClr val="white"/>
                 </a:solidFill>
               </a:endParaRPr>
             </a:p>
@@ -2463,7 +2377,7 @@
             <a:p>
               <a:endParaRPr lang="en-GB" sz="2600" dirty="0">
                 <a:solidFill>
-                  <a:schemeClr val="bg1"/>
+                  <a:prstClr val="white"/>
                 </a:solidFill>
               </a:endParaRPr>
             </a:p>
@@ -2710,7 +2624,7 @@
             <a:p>
               <a:endParaRPr lang="en-GB" sz="2600" dirty="0">
                 <a:solidFill>
-                  <a:schemeClr val="bg1"/>
+                  <a:prstClr val="white"/>
                 </a:solidFill>
               </a:endParaRPr>
             </a:p>
@@ -2984,7 +2898,7 @@
             <a:p>
               <a:endParaRPr lang="en-GB" sz="2600" dirty="0">
                 <a:solidFill>
-                  <a:schemeClr val="bg1"/>
+                  <a:prstClr val="white"/>
                 </a:solidFill>
               </a:endParaRPr>
             </a:p>
@@ -3258,7 +3172,7 @@
             <a:p>
               <a:endParaRPr lang="en-GB" sz="2600" dirty="0">
                 <a:solidFill>
-                  <a:schemeClr val="bg1"/>
+                  <a:prstClr val="white"/>
                 </a:solidFill>
               </a:endParaRPr>
             </a:p>
@@ -3268,7 +3182,7 @@
     </p:spTree>
     <p:extLst>
       <p:ext uri="{BB962C8B-B14F-4D97-AF65-F5344CB8AC3E}">
-        <p14:creationId xmlns:p14="http://schemas.microsoft.com/office/powerpoint/2010/main" val="2783079461"/>
+        <p14:creationId xmlns:p14="http://schemas.microsoft.com/office/powerpoint/2010/main" val="3895153409"/>
       </p:ext>
     </p:extLst>
   </p:cSld>
@@ -3281,7 +3195,7 @@
   <p:extLst>
     <p:ext uri="{DCECCB84-F9BA-43D5-87BE-67443E8EF086}">
       <p15:sldGuideLst xmlns:p15="http://schemas.microsoft.com/office/powerpoint/2012/main">
-        <p15:guide id="1" orient="horz" pos="4088" userDrawn="1">
+        <p15:guide id="1" orient="horz" pos="4088">
           <p15:clr>
             <a:srgbClr val="FBAE40"/>
           </p15:clr>
@@ -3292,7 +3206,120 @@
 </p:sldLayout>
 </file>
 
-<file path=ppt/slideLayouts/slideLayout10.xml><?xml version="1.0" encoding="utf-8"?>
+<file path=ppt/slideLayouts/slideLayout2.xml><?xml version="1.0" encoding="utf-8"?>
+<p:sldLayout xmlns:a="http://schemas.openxmlformats.org/drawingml/2006/main" xmlns:r="http://schemas.openxmlformats.org/officeDocument/2006/relationships" xmlns:p="http://schemas.openxmlformats.org/presentationml/2006/main" showMasterSp="0" preserve="1" userDrawn="1">
+  <p:cSld name="Divider - Deloitte green">
+    <p:spTree>
+      <p:nvGrpSpPr>
+        <p:cNvPr id="1" name=""/>
+        <p:cNvGrpSpPr/>
+        <p:nvPr/>
+      </p:nvGrpSpPr>
+      <p:grpSpPr>
+        <a:xfrm>
+          <a:off x="0" y="0"/>
+          <a:ext cx="0" cy="0"/>
+          <a:chOff x="0" y="0"/>
+          <a:chExt cx="0" cy="0"/>
+        </a:xfrm>
+      </p:grpSpPr>
+      <p:pic>
+        <p:nvPicPr>
+          <p:cNvPr id="3" name="Picture 2"/>
+          <p:cNvPicPr>
+            <a:picLocks noChangeAspect="1"/>
+          </p:cNvPicPr>
+          <p:nvPr userDrawn="1"/>
+        </p:nvPicPr>
+        <p:blipFill rotWithShape="1">
+          <a:blip r:embed="rId2" cstate="screen">
+            <a:extLst>
+              <a:ext uri="{28A0092B-C50C-407E-A947-70E740481C1C}">
+                <a14:useLocalDpi xmlns:a14="http://schemas.microsoft.com/office/drawing/2010/main"/>
+              </a:ext>
+            </a:extLst>
+          </a:blip>
+          <a:srcRect/>
+          <a:stretch/>
+        </p:blipFill>
+        <p:spPr>
+          <a:xfrm>
+            <a:off x="1" y="0"/>
+            <a:ext cx="12192000" cy="6858000"/>
+          </a:xfrm>
+          <a:prstGeom prst="rect">
+            <a:avLst/>
+          </a:prstGeom>
+        </p:spPr>
+      </p:pic>
+      <p:sp>
+        <p:nvSpPr>
+          <p:cNvPr id="4" name="Rectangle 3"/>
+          <p:cNvSpPr/>
+          <p:nvPr userDrawn="1"/>
+        </p:nvSpPr>
+        <p:spPr bwMode="gray">
+          <a:xfrm>
+            <a:off x="0" y="4756874"/>
+            <a:ext cx="12192001" cy="1542326"/>
+          </a:xfrm>
+          <a:prstGeom prst="rect">
+            <a:avLst/>
+          </a:prstGeom>
+          <a:solidFill>
+            <a:srgbClr val="FFC000">
+              <a:alpha val="90000"/>
+            </a:srgbClr>
+          </a:solidFill>
+        </p:spPr>
+        <p:txBody>
+          <a:bodyPr vert="horz" lIns="0" tIns="731520" rIns="0" bIns="731520" rtlCol="0" anchor="t" anchorCtr="0">
+            <a:noAutofit/>
+          </a:bodyPr>
+          <a:lstStyle/>
+          <a:p>
+            <a:pPr>
+              <a:spcBef>
+                <a:spcPct val="0"/>
+              </a:spcBef>
+            </a:pPr>
+            <a:endParaRPr lang="en-US" sz="3600" dirty="0">
+              <a:solidFill>
+                <a:prstClr val="white"/>
+              </a:solidFill>
+              <a:latin typeface="Open Sans" panose="020B0606030504020204" pitchFamily="34" charset="0"/>
+            </a:endParaRPr>
+          </a:p>
+        </p:txBody>
+      </p:sp>
+    </p:spTree>
+    <p:extLst>
+      <p:ext uri="{BB962C8B-B14F-4D97-AF65-F5344CB8AC3E}">
+        <p14:creationId xmlns:p14="http://schemas.microsoft.com/office/powerpoint/2010/main" val="2447665908"/>
+      </p:ext>
+    </p:extLst>
+  </p:cSld>
+  <p:clrMapOvr>
+    <a:masterClrMapping/>
+  </p:clrMapOvr>
+  <p:transition>
+    <p:fade/>
+  </p:transition>
+  <p:extLst>
+    <p:ext uri="{DCECCB84-F9BA-43D5-87BE-67443E8EF086}">
+      <p15:sldGuideLst xmlns:p15="http://schemas.microsoft.com/office/powerpoint/2012/main">
+        <p15:guide id="1" orient="horz" pos="2160">
+          <p15:clr>
+            <a:srgbClr val="FBAE40"/>
+          </p15:clr>
+        </p15:guide>
+      </p15:sldGuideLst>
+    </p:ext>
+  </p:extLst>
+</p:sldLayout>
+</file>
+
+<file path=ppt/slideLayouts/slideLayout3.xml><?xml version="1.0" encoding="utf-8"?>
 <p:sldLayout xmlns:a="http://schemas.openxmlformats.org/drawingml/2006/main" xmlns:r="http://schemas.openxmlformats.org/officeDocument/2006/relationships" xmlns:p="http://schemas.openxmlformats.org/presentationml/2006/main" preserve="1" userDrawn="1">
   <p:cSld name="AMS_Title &amp; subtitle">
     <p:spTree>
@@ -3362,7 +3389,7 @@
 </p:sldLayout>
 </file>
 
-<file path=ppt/slideLayouts/slideLayout11.xml><?xml version="1.0" encoding="utf-8"?>
+<file path=ppt/slideLayouts/slideLayout4.xml><?xml version="1.0" encoding="utf-8"?>
 <p:sldLayout xmlns:a="http://schemas.openxmlformats.org/drawingml/2006/main" xmlns:r="http://schemas.openxmlformats.org/officeDocument/2006/relationships" xmlns:p="http://schemas.openxmlformats.org/presentationml/2006/main" showMasterSp="0" userDrawn="1">
   <p:cSld name="End slide">
     <p:spTree>
@@ -5228,7 +5255,7 @@
 </p:sldLayout>
 </file>
 
-<file path=ppt/slideLayouts/slideLayout12.xml><?xml version="1.0" encoding="utf-8"?>
+<file path=ppt/slideLayouts/slideLayout5.xml><?xml version="1.0" encoding="utf-8"?>
 <p:sldLayout xmlns:a="http://schemas.openxmlformats.org/drawingml/2006/main" xmlns:r="http://schemas.openxmlformats.org/officeDocument/2006/relationships" xmlns:p="http://schemas.openxmlformats.org/presentationml/2006/main" userDrawn="1">
   <p:cSld name="Key statement white">
     <p:bg>
@@ -5338,7 +5365,7 @@
 </p:sldLayout>
 </file>
 
-<file path=ppt/slideLayouts/slideLayout13.xml><?xml version="1.0" encoding="utf-8"?>
+<file path=ppt/slideLayouts/slideLayout6.xml><?xml version="1.0" encoding="utf-8"?>
 <p:sldLayout xmlns:a="http://schemas.openxmlformats.org/drawingml/2006/main" xmlns:r="http://schemas.openxmlformats.org/officeDocument/2006/relationships" xmlns:p="http://schemas.openxmlformats.org/presentationml/2006/main" userDrawn="1">
   <p:cSld name="1_WB_Title &amp; subtitle">
     <p:spTree>
@@ -5456,7 +5483,7 @@
 </p:sldLayout>
 </file>
 
-<file path=ppt/slideLayouts/slideLayout14.xml><?xml version="1.0" encoding="utf-8"?>
+<file path=ppt/slideLayouts/slideLayout7.xml><?xml version="1.0" encoding="utf-8"?>
 <p:sldLayout xmlns:a="http://schemas.openxmlformats.org/drawingml/2006/main" xmlns:r="http://schemas.openxmlformats.org/officeDocument/2006/relationships" xmlns:p="http://schemas.openxmlformats.org/presentationml/2006/main" showMasterSp="0" userDrawn="1">
   <p:cSld name="Key statement black">
     <p:bg>
@@ -5623,1995 +5650,7 @@
 </p:sldLayout>
 </file>
 
-<file path=ppt/slideLayouts/slideLayout15.xml><?xml version="1.0" encoding="utf-8"?>
-<p:sldLayout xmlns:a="http://schemas.openxmlformats.org/drawingml/2006/main" xmlns:r="http://schemas.openxmlformats.org/officeDocument/2006/relationships" xmlns:p="http://schemas.openxmlformats.org/presentationml/2006/main" showMasterSp="0" userDrawn="1">
-  <p:cSld name="Title Slide - Black">
-    <p:bg bwMode="gray">
-      <p:bgPr>
-        <a:blipFill dpi="0" rotWithShape="1">
-          <a:blip r:embed="rId2" cstate="screen">
-            <a:lum/>
-            <a:extLst>
-              <a:ext uri="{28A0092B-C50C-407E-A947-70E740481C1C}">
-                <a14:useLocalDpi xmlns:a14="http://schemas.microsoft.com/office/drawing/2010/main"/>
-              </a:ext>
-            </a:extLst>
-          </a:blip>
-          <a:srcRect/>
-          <a:stretch>
-            <a:fillRect/>
-          </a:stretch>
-        </a:blipFill>
-        <a:effectLst/>
-      </p:bgPr>
-    </p:bg>
-    <p:spTree>
-      <p:nvGrpSpPr>
-        <p:cNvPr id="1" name=""/>
-        <p:cNvGrpSpPr/>
-        <p:nvPr/>
-      </p:nvGrpSpPr>
-      <p:grpSpPr>
-        <a:xfrm>
-          <a:off x="0" y="0"/>
-          <a:ext cx="0" cy="0"/>
-          <a:chOff x="0" y="0"/>
-          <a:chExt cx="0" cy="0"/>
-        </a:xfrm>
-      </p:grpSpPr>
-      <p:sp>
-        <p:nvSpPr>
-          <p:cNvPr id="3" name="Subtitle 2"/>
-          <p:cNvSpPr>
-            <a:spLocks noGrp="1"/>
-          </p:cNvSpPr>
-          <p:nvPr>
-            <p:ph type="subTitle" idx="1" hasCustomPrompt="1"/>
-          </p:nvPr>
-        </p:nvSpPr>
-        <p:spPr bwMode="gray">
-          <a:xfrm>
-            <a:off x="475200" y="5845180"/>
-            <a:ext cx="5592011" cy="505645"/>
-          </a:xfrm>
-          <a:prstGeom prst="rect">
-            <a:avLst/>
-          </a:prstGeom>
-        </p:spPr>
-        <p:txBody>
-          <a:bodyPr lIns="0" tIns="0" rIns="0" bIns="0" anchor="b" anchorCtr="0">
-            <a:noAutofit/>
-          </a:bodyPr>
-          <a:lstStyle>
-            <a:lvl1pPr marL="0" indent="0" algn="l">
-              <a:lnSpc>
-                <a:spcPct val="100000"/>
-              </a:lnSpc>
-              <a:spcAft>
-                <a:spcPts val="0"/>
-              </a:spcAft>
-              <a:buNone/>
-              <a:defRPr sz="1800" b="1">
-                <a:solidFill>
-                  <a:schemeClr val="bg1"/>
-                </a:solidFill>
-              </a:defRPr>
-            </a:lvl1pPr>
-            <a:lvl2pPr marL="0" indent="0" algn="l">
-              <a:buNone/>
-              <a:defRPr sz="1600" b="0">
-                <a:solidFill>
-                  <a:schemeClr val="bg1"/>
-                </a:solidFill>
-              </a:defRPr>
-            </a:lvl2pPr>
-            <a:lvl3pPr marL="1219170" indent="0" algn="ctr">
-              <a:buNone/>
-              <a:defRPr sz="2400"/>
-            </a:lvl3pPr>
-            <a:lvl4pPr marL="1828754" indent="0" algn="ctr">
-              <a:buNone/>
-              <a:defRPr sz="2133"/>
-            </a:lvl4pPr>
-            <a:lvl5pPr marL="2438339" indent="0" algn="ctr">
-              <a:buNone/>
-              <a:defRPr sz="2133"/>
-            </a:lvl5pPr>
-            <a:lvl6pPr marL="3047924" indent="0" algn="ctr">
-              <a:buNone/>
-              <a:defRPr sz="2133"/>
-            </a:lvl6pPr>
-            <a:lvl7pPr marL="3657509" indent="0" algn="ctr">
-              <a:buNone/>
-              <a:defRPr sz="2133"/>
-            </a:lvl7pPr>
-            <a:lvl8pPr marL="4267093" indent="0" algn="ctr">
-              <a:buNone/>
-              <a:defRPr sz="2133"/>
-            </a:lvl8pPr>
-            <a:lvl9pPr marL="4876678" indent="0" algn="ctr">
-              <a:buNone/>
-              <a:defRPr sz="2133"/>
-            </a:lvl9pPr>
-          </a:lstStyle>
-          <a:p>
-            <a:r>
-              <a:rPr lang="en-US" noProof="0" dirty="0"/>
-              <a:t>Click to edit Master title style</a:t>
-            </a:r>
-          </a:p>
-          <a:p>
-            <a:pPr lvl="1"/>
-            <a:r>
-              <a:rPr lang="en-US" noProof="0" dirty="0"/>
-              <a:t>Click to edit Master subtitle style</a:t>
-            </a:r>
-          </a:p>
-        </p:txBody>
-      </p:sp>
-      <p:sp>
-        <p:nvSpPr>
-          <p:cNvPr id="5" name="Text Placeholder 4"/>
-          <p:cNvSpPr>
-            <a:spLocks noGrp="1"/>
-          </p:cNvSpPr>
-          <p:nvPr>
-            <p:ph type="body" sz="quarter" idx="10"/>
-          </p:nvPr>
-        </p:nvSpPr>
-        <p:spPr>
-          <a:xfrm>
-            <a:off x="475200" y="6362699"/>
-            <a:ext cx="5594349" cy="298451"/>
-          </a:xfrm>
-          <a:prstGeom prst="rect">
-            <a:avLst/>
-          </a:prstGeom>
-        </p:spPr>
-        <p:txBody>
-          <a:bodyPr/>
-          <a:lstStyle>
-            <a:lvl1pPr>
-              <a:spcAft>
-                <a:spcPts val="0"/>
-              </a:spcAft>
-              <a:defRPr sz="1050">
-                <a:solidFill>
-                  <a:schemeClr val="bg1"/>
-                </a:solidFill>
-              </a:defRPr>
-            </a:lvl1pPr>
-            <a:lvl2pPr>
-              <a:defRPr>
-                <a:solidFill>
-                  <a:schemeClr val="bg1"/>
-                </a:solidFill>
-              </a:defRPr>
-            </a:lvl2pPr>
-            <a:lvl3pPr>
-              <a:defRPr>
-                <a:solidFill>
-                  <a:schemeClr val="bg1"/>
-                </a:solidFill>
-              </a:defRPr>
-            </a:lvl3pPr>
-            <a:lvl4pPr>
-              <a:defRPr>
-                <a:solidFill>
-                  <a:schemeClr val="bg1"/>
-                </a:solidFill>
-              </a:defRPr>
-            </a:lvl4pPr>
-            <a:lvl5pPr>
-              <a:defRPr>
-                <a:solidFill>
-                  <a:schemeClr val="bg1"/>
-                </a:solidFill>
-              </a:defRPr>
-            </a:lvl5pPr>
-          </a:lstStyle>
-          <a:p>
-            <a:pPr lvl="0"/>
-            <a:r>
-              <a:rPr lang="en-US" noProof="0"/>
-              <a:t>Click to edit Master text styles</a:t>
-            </a:r>
-          </a:p>
-        </p:txBody>
-      </p:sp>
-      <p:grpSp>
-        <p:nvGrpSpPr>
-          <p:cNvPr id="22" name="Group 21"/>
-          <p:cNvGrpSpPr>
-            <a:grpSpLocks noChangeAspect="1"/>
-          </p:cNvGrpSpPr>
-          <p:nvPr userDrawn="1"/>
-        </p:nvGrpSpPr>
-        <p:grpSpPr>
-          <a:xfrm>
-            <a:off x="469900" y="457761"/>
-            <a:ext cx="1998000" cy="374400"/>
-            <a:chOff x="398463" y="404813"/>
-            <a:chExt cx="1627187" cy="307976"/>
-          </a:xfrm>
-          <a:solidFill>
-            <a:schemeClr val="tx1"/>
-          </a:solidFill>
-        </p:grpSpPr>
-        <p:sp>
-          <p:nvSpPr>
-            <p:cNvPr id="23" name="Oval 5"/>
-            <p:cNvSpPr>
-              <a:spLocks noChangeArrowheads="1"/>
-            </p:cNvSpPr>
-            <p:nvPr userDrawn="1"/>
-          </p:nvSpPr>
-          <p:spPr bwMode="auto">
-            <a:xfrm>
-              <a:off x="1938338" y="625476"/>
-              <a:ext cx="87312" cy="87313"/>
-            </a:xfrm>
-            <a:prstGeom prst="ellipse">
-              <a:avLst/>
-            </a:prstGeom>
-            <a:solidFill>
-              <a:schemeClr val="accent1"/>
-            </a:solidFill>
-            <a:ln>
-              <a:noFill/>
-            </a:ln>
-            <a:extLst>
-              <a:ext uri="{91240B29-F687-4F45-9708-019B960494DF}">
-                <a14:hiddenLine xmlns:a14="http://schemas.microsoft.com/office/drawing/2010/main" w="9525">
-                  <a:solidFill>
-                    <a:srgbClr val="000000"/>
-                  </a:solidFill>
-                  <a:round/>
-                  <a:headEnd/>
-                  <a:tailEnd/>
-                </a14:hiddenLine>
-              </a:ext>
-            </a:extLst>
-          </p:spPr>
-          <p:txBody>
-            <a:bodyPr vert="horz" wrap="square" lIns="91440" tIns="45720" rIns="91440" bIns="45720" numCol="1" anchor="t" anchorCtr="0" compatLnSpc="1">
-              <a:prstTxWarp prst="textNoShape">
-                <a:avLst/>
-              </a:prstTxWarp>
-            </a:bodyPr>
-            <a:lstStyle/>
-            <a:p>
-              <a:endParaRPr lang="en-GB" sz="2600" dirty="0">
-                <a:solidFill>
-                  <a:schemeClr val="bg1"/>
-                </a:solidFill>
-              </a:endParaRPr>
-            </a:p>
-          </p:txBody>
-        </p:sp>
-        <p:sp>
-          <p:nvSpPr>
-            <p:cNvPr id="24" name="Freeform 6"/>
-            <p:cNvSpPr>
-              <a:spLocks noEditPoints="1"/>
-            </p:cNvSpPr>
-            <p:nvPr userDrawn="1"/>
-          </p:nvSpPr>
-          <p:spPr bwMode="auto">
-            <a:xfrm>
-              <a:off x="398463" y="406401"/>
-              <a:ext cx="247650" cy="301625"/>
-            </a:xfrm>
-            <a:custGeom>
-              <a:avLst/>
-              <a:gdLst>
-                <a:gd name="T0" fmla="*/ 287 w 287"/>
-                <a:gd name="T1" fmla="*/ 166 h 347"/>
-                <a:gd name="T2" fmla="*/ 240 w 287"/>
-                <a:gd name="T3" fmla="*/ 300 h 347"/>
-                <a:gd name="T4" fmla="*/ 109 w 287"/>
-                <a:gd name="T5" fmla="*/ 347 h 347"/>
-                <a:gd name="T6" fmla="*/ 0 w 287"/>
-                <a:gd name="T7" fmla="*/ 347 h 347"/>
-                <a:gd name="T8" fmla="*/ 0 w 287"/>
-                <a:gd name="T9" fmla="*/ 0 h 347"/>
-                <a:gd name="T10" fmla="*/ 117 w 287"/>
-                <a:gd name="T11" fmla="*/ 0 h 347"/>
-                <a:gd name="T12" fmla="*/ 243 w 287"/>
-                <a:gd name="T13" fmla="*/ 43 h 347"/>
-                <a:gd name="T14" fmla="*/ 287 w 287"/>
-                <a:gd name="T15" fmla="*/ 166 h 347"/>
-                <a:gd name="T16" fmla="*/ 192 w 287"/>
-                <a:gd name="T17" fmla="*/ 170 h 347"/>
-                <a:gd name="T18" fmla="*/ 174 w 287"/>
-                <a:gd name="T19" fmla="*/ 99 h 347"/>
-                <a:gd name="T20" fmla="*/ 118 w 287"/>
-                <a:gd name="T21" fmla="*/ 76 h 347"/>
-                <a:gd name="T22" fmla="*/ 91 w 287"/>
-                <a:gd name="T23" fmla="*/ 76 h 347"/>
-                <a:gd name="T24" fmla="*/ 91 w 287"/>
-                <a:gd name="T25" fmla="*/ 270 h 347"/>
-                <a:gd name="T26" fmla="*/ 111 w 287"/>
-                <a:gd name="T27" fmla="*/ 270 h 347"/>
-                <a:gd name="T28" fmla="*/ 173 w 287"/>
-                <a:gd name="T29" fmla="*/ 245 h 347"/>
-                <a:gd name="T30" fmla="*/ 192 w 287"/>
-                <a:gd name="T31" fmla="*/ 170 h 347"/>
-              </a:gdLst>
-              <a:ahLst/>
-              <a:cxnLst>
-                <a:cxn ang="0">
-                  <a:pos x="T0" y="T1"/>
-                </a:cxn>
-                <a:cxn ang="0">
-                  <a:pos x="T2" y="T3"/>
-                </a:cxn>
-                <a:cxn ang="0">
-                  <a:pos x="T4" y="T5"/>
-                </a:cxn>
-                <a:cxn ang="0">
-                  <a:pos x="T6" y="T7"/>
-                </a:cxn>
-                <a:cxn ang="0">
-                  <a:pos x="T8" y="T9"/>
-                </a:cxn>
-                <a:cxn ang="0">
-                  <a:pos x="T10" y="T11"/>
-                </a:cxn>
-                <a:cxn ang="0">
-                  <a:pos x="T12" y="T13"/>
-                </a:cxn>
-                <a:cxn ang="0">
-                  <a:pos x="T14" y="T15"/>
-                </a:cxn>
-                <a:cxn ang="0">
-                  <a:pos x="T16" y="T17"/>
-                </a:cxn>
-                <a:cxn ang="0">
-                  <a:pos x="T18" y="T19"/>
-                </a:cxn>
-                <a:cxn ang="0">
-                  <a:pos x="T20" y="T21"/>
-                </a:cxn>
-                <a:cxn ang="0">
-                  <a:pos x="T22" y="T23"/>
-                </a:cxn>
-                <a:cxn ang="0">
-                  <a:pos x="T24" y="T25"/>
-                </a:cxn>
-                <a:cxn ang="0">
-                  <a:pos x="T26" y="T27"/>
-                </a:cxn>
-                <a:cxn ang="0">
-                  <a:pos x="T28" y="T29"/>
-                </a:cxn>
-                <a:cxn ang="0">
-                  <a:pos x="T30" y="T31"/>
-                </a:cxn>
-              </a:cxnLst>
-              <a:rect l="0" t="0" r="r" b="b"/>
-              <a:pathLst>
-                <a:path w="287" h="347">
-                  <a:moveTo>
-                    <a:pt x="287" y="166"/>
-                  </a:moveTo>
-                  <a:cubicBezTo>
-                    <a:pt x="287" y="224"/>
-                    <a:pt x="271" y="269"/>
-                    <a:pt x="240" y="300"/>
-                  </a:cubicBezTo>
-                  <a:cubicBezTo>
-                    <a:pt x="209" y="331"/>
-                    <a:pt x="165" y="347"/>
-                    <a:pt x="109" y="347"/>
-                  </a:cubicBezTo>
-                  <a:cubicBezTo>
-                    <a:pt x="0" y="347"/>
-                    <a:pt x="0" y="347"/>
-                    <a:pt x="0" y="347"/>
-                  </a:cubicBezTo>
-                  <a:cubicBezTo>
-                    <a:pt x="0" y="0"/>
-                    <a:pt x="0" y="0"/>
-                    <a:pt x="0" y="0"/>
-                  </a:cubicBezTo>
-                  <a:cubicBezTo>
-                    <a:pt x="117" y="0"/>
-                    <a:pt x="117" y="0"/>
-                    <a:pt x="117" y="0"/>
-                  </a:cubicBezTo>
-                  <a:cubicBezTo>
-                    <a:pt x="171" y="0"/>
-                    <a:pt x="213" y="15"/>
-                    <a:pt x="243" y="43"/>
-                  </a:cubicBezTo>
-                  <a:cubicBezTo>
-                    <a:pt x="272" y="72"/>
-                    <a:pt x="287" y="113"/>
-                    <a:pt x="287" y="166"/>
-                  </a:cubicBezTo>
-                  <a:moveTo>
-                    <a:pt x="192" y="170"/>
-                  </a:moveTo>
-                  <a:cubicBezTo>
-                    <a:pt x="192" y="138"/>
-                    <a:pt x="186" y="114"/>
-                    <a:pt x="174" y="99"/>
-                  </a:cubicBezTo>
-                  <a:cubicBezTo>
-                    <a:pt x="161" y="84"/>
-                    <a:pt x="143" y="76"/>
-                    <a:pt x="118" y="76"/>
-                  </a:cubicBezTo>
-                  <a:cubicBezTo>
-                    <a:pt x="91" y="76"/>
-                    <a:pt x="91" y="76"/>
-                    <a:pt x="91" y="76"/>
-                  </a:cubicBezTo>
-                  <a:cubicBezTo>
-                    <a:pt x="91" y="270"/>
-                    <a:pt x="91" y="270"/>
-                    <a:pt x="91" y="270"/>
-                  </a:cubicBezTo>
-                  <a:cubicBezTo>
-                    <a:pt x="111" y="270"/>
-                    <a:pt x="111" y="270"/>
-                    <a:pt x="111" y="270"/>
-                  </a:cubicBezTo>
-                  <a:cubicBezTo>
-                    <a:pt x="139" y="270"/>
-                    <a:pt x="160" y="262"/>
-                    <a:pt x="173" y="245"/>
-                  </a:cubicBezTo>
-                  <a:cubicBezTo>
-                    <a:pt x="186" y="229"/>
-                    <a:pt x="192" y="204"/>
-                    <a:pt x="192" y="170"/>
-                  </a:cubicBezTo>
-                </a:path>
-              </a:pathLst>
-            </a:custGeom>
-            <a:solidFill>
-              <a:schemeClr val="bg1"/>
-            </a:solidFill>
-            <a:ln>
-              <a:noFill/>
-            </a:ln>
-            <a:extLst>
-              <a:ext uri="{91240B29-F687-4F45-9708-019B960494DF}">
-                <a14:hiddenLine xmlns:a14="http://schemas.microsoft.com/office/drawing/2010/main" w="9525">
-                  <a:solidFill>
-                    <a:srgbClr val="000000"/>
-                  </a:solidFill>
-                  <a:round/>
-                  <a:headEnd/>
-                  <a:tailEnd/>
-                </a14:hiddenLine>
-              </a:ext>
-            </a:extLst>
-          </p:spPr>
-          <p:txBody>
-            <a:bodyPr vert="horz" wrap="square" lIns="91440" tIns="45720" rIns="91440" bIns="45720" numCol="1" anchor="t" anchorCtr="0" compatLnSpc="1">
-              <a:prstTxWarp prst="textNoShape">
-                <a:avLst/>
-              </a:prstTxWarp>
-            </a:bodyPr>
-            <a:lstStyle/>
-            <a:p>
-              <a:endParaRPr lang="en-GB" sz="2600" dirty="0">
-                <a:solidFill>
-                  <a:schemeClr val="bg1"/>
-                </a:solidFill>
-              </a:endParaRPr>
-            </a:p>
-          </p:txBody>
-        </p:sp>
-        <p:sp>
-          <p:nvSpPr>
-            <p:cNvPr id="25" name="Rectangle 7"/>
-            <p:cNvSpPr>
-              <a:spLocks noChangeArrowheads="1"/>
-            </p:cNvSpPr>
-            <p:nvPr userDrawn="1"/>
-          </p:nvSpPr>
-          <p:spPr bwMode="auto">
-            <a:xfrm>
-              <a:off x="906463" y="404813"/>
-              <a:ext cx="74612" cy="303213"/>
-            </a:xfrm>
-            <a:prstGeom prst="rect">
-              <a:avLst/>
-            </a:prstGeom>
-            <a:solidFill>
-              <a:schemeClr val="bg1"/>
-            </a:solidFill>
-            <a:ln>
-              <a:noFill/>
-            </a:ln>
-            <a:extLst>
-              <a:ext uri="{91240B29-F687-4F45-9708-019B960494DF}">
-                <a14:hiddenLine xmlns:a14="http://schemas.microsoft.com/office/drawing/2010/main" w="9525">
-                  <a:solidFill>
-                    <a:srgbClr val="000000"/>
-                  </a:solidFill>
-                  <a:miter lim="800000"/>
-                  <a:headEnd/>
-                  <a:tailEnd/>
-                </a14:hiddenLine>
-              </a:ext>
-            </a:extLst>
-          </p:spPr>
-          <p:txBody>
-            <a:bodyPr vert="horz" wrap="square" lIns="91440" tIns="45720" rIns="91440" bIns="45720" numCol="1" anchor="t" anchorCtr="0" compatLnSpc="1">
-              <a:prstTxWarp prst="textNoShape">
-                <a:avLst/>
-              </a:prstTxWarp>
-            </a:bodyPr>
-            <a:lstStyle/>
-            <a:p>
-              <a:endParaRPr lang="en-GB" sz="2600" dirty="0">
-                <a:solidFill>
-                  <a:schemeClr val="bg1"/>
-                </a:solidFill>
-              </a:endParaRPr>
-            </a:p>
-          </p:txBody>
-        </p:sp>
-        <p:sp>
-          <p:nvSpPr>
-            <p:cNvPr id="26" name="Freeform 8"/>
-            <p:cNvSpPr>
-              <a:spLocks noEditPoints="1"/>
-            </p:cNvSpPr>
-            <p:nvPr userDrawn="1"/>
-          </p:nvSpPr>
-          <p:spPr bwMode="auto">
-            <a:xfrm>
-              <a:off x="1011238" y="479426"/>
-              <a:ext cx="215900" cy="231775"/>
-            </a:xfrm>
-            <a:custGeom>
-              <a:avLst/>
-              <a:gdLst>
-                <a:gd name="T0" fmla="*/ 252 w 252"/>
-                <a:gd name="T1" fmla="*/ 133 h 267"/>
-                <a:gd name="T2" fmla="*/ 218 w 252"/>
-                <a:gd name="T3" fmla="*/ 232 h 267"/>
-                <a:gd name="T4" fmla="*/ 125 w 252"/>
-                <a:gd name="T5" fmla="*/ 267 h 267"/>
-                <a:gd name="T6" fmla="*/ 34 w 252"/>
-                <a:gd name="T7" fmla="*/ 231 h 267"/>
-                <a:gd name="T8" fmla="*/ 0 w 252"/>
-                <a:gd name="T9" fmla="*/ 133 h 267"/>
-                <a:gd name="T10" fmla="*/ 33 w 252"/>
-                <a:gd name="T11" fmla="*/ 35 h 267"/>
-                <a:gd name="T12" fmla="*/ 127 w 252"/>
-                <a:gd name="T13" fmla="*/ 0 h 267"/>
-                <a:gd name="T14" fmla="*/ 192 w 252"/>
-                <a:gd name="T15" fmla="*/ 16 h 267"/>
-                <a:gd name="T16" fmla="*/ 236 w 252"/>
-                <a:gd name="T17" fmla="*/ 63 h 267"/>
-                <a:gd name="T18" fmla="*/ 252 w 252"/>
-                <a:gd name="T19" fmla="*/ 133 h 267"/>
-                <a:gd name="T20" fmla="*/ 88 w 252"/>
-                <a:gd name="T21" fmla="*/ 133 h 267"/>
-                <a:gd name="T22" fmla="*/ 97 w 252"/>
-                <a:gd name="T23" fmla="*/ 184 h 267"/>
-                <a:gd name="T24" fmla="*/ 126 w 252"/>
-                <a:gd name="T25" fmla="*/ 201 h 267"/>
-                <a:gd name="T26" fmla="*/ 155 w 252"/>
-                <a:gd name="T27" fmla="*/ 184 h 267"/>
-                <a:gd name="T28" fmla="*/ 163 w 252"/>
-                <a:gd name="T29" fmla="*/ 133 h 267"/>
-                <a:gd name="T30" fmla="*/ 155 w 252"/>
-                <a:gd name="T31" fmla="*/ 83 h 267"/>
-                <a:gd name="T32" fmla="*/ 126 w 252"/>
-                <a:gd name="T33" fmla="*/ 66 h 267"/>
-                <a:gd name="T34" fmla="*/ 97 w 252"/>
-                <a:gd name="T35" fmla="*/ 83 h 267"/>
-                <a:gd name="T36" fmla="*/ 88 w 252"/>
-                <a:gd name="T37" fmla="*/ 133 h 267"/>
-              </a:gdLst>
-              <a:ahLst/>
-              <a:cxnLst>
-                <a:cxn ang="0">
-                  <a:pos x="T0" y="T1"/>
-                </a:cxn>
-                <a:cxn ang="0">
-                  <a:pos x="T2" y="T3"/>
-                </a:cxn>
-                <a:cxn ang="0">
-                  <a:pos x="T4" y="T5"/>
-                </a:cxn>
-                <a:cxn ang="0">
-                  <a:pos x="T6" y="T7"/>
-                </a:cxn>
-                <a:cxn ang="0">
-                  <a:pos x="T8" y="T9"/>
-                </a:cxn>
-                <a:cxn ang="0">
-                  <a:pos x="T10" y="T11"/>
-                </a:cxn>
-                <a:cxn ang="0">
-                  <a:pos x="T12" y="T13"/>
-                </a:cxn>
-                <a:cxn ang="0">
-                  <a:pos x="T14" y="T15"/>
-                </a:cxn>
-                <a:cxn ang="0">
-                  <a:pos x="T16" y="T17"/>
-                </a:cxn>
-                <a:cxn ang="0">
-                  <a:pos x="T18" y="T19"/>
-                </a:cxn>
-                <a:cxn ang="0">
-                  <a:pos x="T20" y="T21"/>
-                </a:cxn>
-                <a:cxn ang="0">
-                  <a:pos x="T22" y="T23"/>
-                </a:cxn>
-                <a:cxn ang="0">
-                  <a:pos x="T24" y="T25"/>
-                </a:cxn>
-                <a:cxn ang="0">
-                  <a:pos x="T26" y="T27"/>
-                </a:cxn>
-                <a:cxn ang="0">
-                  <a:pos x="T28" y="T29"/>
-                </a:cxn>
-                <a:cxn ang="0">
-                  <a:pos x="T30" y="T31"/>
-                </a:cxn>
-                <a:cxn ang="0">
-                  <a:pos x="T32" y="T33"/>
-                </a:cxn>
-                <a:cxn ang="0">
-                  <a:pos x="T34" y="T35"/>
-                </a:cxn>
-                <a:cxn ang="0">
-                  <a:pos x="T36" y="T37"/>
-                </a:cxn>
-              </a:cxnLst>
-              <a:rect l="0" t="0" r="r" b="b"/>
-              <a:pathLst>
-                <a:path w="252" h="267">
-                  <a:moveTo>
-                    <a:pt x="252" y="133"/>
-                  </a:moveTo>
-                  <a:cubicBezTo>
-                    <a:pt x="252" y="175"/>
-                    <a:pt x="241" y="208"/>
-                    <a:pt x="218" y="232"/>
-                  </a:cubicBezTo>
-                  <a:cubicBezTo>
-                    <a:pt x="196" y="256"/>
-                    <a:pt x="165" y="267"/>
-                    <a:pt x="125" y="267"/>
-                  </a:cubicBezTo>
-                  <a:cubicBezTo>
-                    <a:pt x="87" y="267"/>
-                    <a:pt x="56" y="255"/>
-                    <a:pt x="34" y="231"/>
-                  </a:cubicBezTo>
-                  <a:cubicBezTo>
-                    <a:pt x="11" y="207"/>
-                    <a:pt x="0" y="174"/>
-                    <a:pt x="0" y="133"/>
-                  </a:cubicBezTo>
-                  <a:cubicBezTo>
-                    <a:pt x="0" y="91"/>
-                    <a:pt x="11" y="58"/>
-                    <a:pt x="33" y="35"/>
-                  </a:cubicBezTo>
-                  <a:cubicBezTo>
-                    <a:pt x="55" y="12"/>
-                    <a:pt x="86" y="0"/>
-                    <a:pt x="127" y="0"/>
-                  </a:cubicBezTo>
-                  <a:cubicBezTo>
-                    <a:pt x="151" y="0"/>
-                    <a:pt x="173" y="5"/>
-                    <a:pt x="192" y="16"/>
-                  </a:cubicBezTo>
-                  <a:cubicBezTo>
-                    <a:pt x="211" y="27"/>
-                    <a:pt x="226" y="42"/>
-                    <a:pt x="236" y="63"/>
-                  </a:cubicBezTo>
-                  <a:cubicBezTo>
-                    <a:pt x="247" y="83"/>
-                    <a:pt x="252" y="106"/>
-                    <a:pt x="252" y="133"/>
-                  </a:cubicBezTo>
-                  <a:moveTo>
-                    <a:pt x="88" y="133"/>
-                  </a:moveTo>
-                  <a:cubicBezTo>
-                    <a:pt x="88" y="155"/>
-                    <a:pt x="91" y="172"/>
-                    <a:pt x="97" y="184"/>
-                  </a:cubicBezTo>
-                  <a:cubicBezTo>
-                    <a:pt x="103" y="195"/>
-                    <a:pt x="112" y="201"/>
-                    <a:pt x="126" y="201"/>
-                  </a:cubicBezTo>
-                  <a:cubicBezTo>
-                    <a:pt x="140" y="201"/>
-                    <a:pt x="149" y="195"/>
-                    <a:pt x="155" y="184"/>
-                  </a:cubicBezTo>
-                  <a:cubicBezTo>
-                    <a:pt x="160" y="172"/>
-                    <a:pt x="163" y="155"/>
-                    <a:pt x="163" y="133"/>
-                  </a:cubicBezTo>
-                  <a:cubicBezTo>
-                    <a:pt x="163" y="111"/>
-                    <a:pt x="160" y="94"/>
-                    <a:pt x="155" y="83"/>
-                  </a:cubicBezTo>
-                  <a:cubicBezTo>
-                    <a:pt x="149" y="72"/>
-                    <a:pt x="139" y="66"/>
-                    <a:pt x="126" y="66"/>
-                  </a:cubicBezTo>
-                  <a:cubicBezTo>
-                    <a:pt x="112" y="66"/>
-                    <a:pt x="103" y="72"/>
-                    <a:pt x="97" y="83"/>
-                  </a:cubicBezTo>
-                  <a:cubicBezTo>
-                    <a:pt x="91" y="94"/>
-                    <a:pt x="88" y="111"/>
-                    <a:pt x="88" y="133"/>
-                  </a:cubicBezTo>
-                </a:path>
-              </a:pathLst>
-            </a:custGeom>
-            <a:solidFill>
-              <a:schemeClr val="bg1"/>
-            </a:solidFill>
-            <a:ln>
-              <a:noFill/>
-            </a:ln>
-            <a:extLst>
-              <a:ext uri="{91240B29-F687-4F45-9708-019B960494DF}">
-                <a14:hiddenLine xmlns:a14="http://schemas.microsoft.com/office/drawing/2010/main" w="9525">
-                  <a:solidFill>
-                    <a:srgbClr val="000000"/>
-                  </a:solidFill>
-                  <a:round/>
-                  <a:headEnd/>
-                  <a:tailEnd/>
-                </a14:hiddenLine>
-              </a:ext>
-            </a:extLst>
-          </p:spPr>
-          <p:txBody>
-            <a:bodyPr vert="horz" wrap="square" lIns="91440" tIns="45720" rIns="91440" bIns="45720" numCol="1" anchor="t" anchorCtr="0" compatLnSpc="1">
-              <a:prstTxWarp prst="textNoShape">
-                <a:avLst/>
-              </a:prstTxWarp>
-            </a:bodyPr>
-            <a:lstStyle/>
-            <a:p>
-              <a:endParaRPr lang="en-GB" sz="2600" dirty="0">
-                <a:solidFill>
-                  <a:schemeClr val="bg1"/>
-                </a:solidFill>
-              </a:endParaRPr>
-            </a:p>
-          </p:txBody>
-        </p:sp>
-        <p:sp>
-          <p:nvSpPr>
-            <p:cNvPr id="27" name="Rectangle 9"/>
-            <p:cNvSpPr>
-              <a:spLocks noChangeArrowheads="1"/>
-            </p:cNvSpPr>
-            <p:nvPr userDrawn="1"/>
-          </p:nvSpPr>
-          <p:spPr bwMode="auto">
-            <a:xfrm>
-              <a:off x="1257300" y="482601"/>
-              <a:ext cx="74612" cy="225425"/>
-            </a:xfrm>
-            <a:prstGeom prst="rect">
-              <a:avLst/>
-            </a:prstGeom>
-            <a:solidFill>
-              <a:schemeClr val="bg1"/>
-            </a:solidFill>
-            <a:ln>
-              <a:noFill/>
-            </a:ln>
-            <a:extLst>
-              <a:ext uri="{91240B29-F687-4F45-9708-019B960494DF}">
-                <a14:hiddenLine xmlns:a14="http://schemas.microsoft.com/office/drawing/2010/main" w="9525">
-                  <a:solidFill>
-                    <a:srgbClr val="000000"/>
-                  </a:solidFill>
-                  <a:miter lim="800000"/>
-                  <a:headEnd/>
-                  <a:tailEnd/>
-                </a14:hiddenLine>
-              </a:ext>
-            </a:extLst>
-          </p:spPr>
-          <p:txBody>
-            <a:bodyPr vert="horz" wrap="square" lIns="91440" tIns="45720" rIns="91440" bIns="45720" numCol="1" anchor="t" anchorCtr="0" compatLnSpc="1">
-              <a:prstTxWarp prst="textNoShape">
-                <a:avLst/>
-              </a:prstTxWarp>
-            </a:bodyPr>
-            <a:lstStyle/>
-            <a:p>
-              <a:endParaRPr lang="en-GB" sz="2600" dirty="0">
-                <a:solidFill>
-                  <a:schemeClr val="bg1"/>
-                </a:solidFill>
-              </a:endParaRPr>
-            </a:p>
-          </p:txBody>
-        </p:sp>
-        <p:sp>
-          <p:nvSpPr>
-            <p:cNvPr id="28" name="Rectangle 10"/>
-            <p:cNvSpPr>
-              <a:spLocks noChangeArrowheads="1"/>
-            </p:cNvSpPr>
-            <p:nvPr userDrawn="1"/>
-          </p:nvSpPr>
-          <p:spPr bwMode="auto">
-            <a:xfrm>
-              <a:off x="1257300" y="404813"/>
-              <a:ext cx="74612" cy="50800"/>
-            </a:xfrm>
-            <a:prstGeom prst="rect">
-              <a:avLst/>
-            </a:prstGeom>
-            <a:solidFill>
-              <a:schemeClr val="bg1"/>
-            </a:solidFill>
-            <a:ln>
-              <a:noFill/>
-            </a:ln>
-            <a:extLst>
-              <a:ext uri="{91240B29-F687-4F45-9708-019B960494DF}">
-                <a14:hiddenLine xmlns:a14="http://schemas.microsoft.com/office/drawing/2010/main" w="9525">
-                  <a:solidFill>
-                    <a:srgbClr val="000000"/>
-                  </a:solidFill>
-                  <a:miter lim="800000"/>
-                  <a:headEnd/>
-                  <a:tailEnd/>
-                </a14:hiddenLine>
-              </a:ext>
-            </a:extLst>
-          </p:spPr>
-          <p:txBody>
-            <a:bodyPr vert="horz" wrap="square" lIns="91440" tIns="45720" rIns="91440" bIns="45720" numCol="1" anchor="t" anchorCtr="0" compatLnSpc="1">
-              <a:prstTxWarp prst="textNoShape">
-                <a:avLst/>
-              </a:prstTxWarp>
-            </a:bodyPr>
-            <a:lstStyle/>
-            <a:p>
-              <a:endParaRPr lang="en-GB" sz="2600" dirty="0">
-                <a:solidFill>
-                  <a:schemeClr val="bg1"/>
-                </a:solidFill>
-              </a:endParaRPr>
-            </a:p>
-          </p:txBody>
-        </p:sp>
-        <p:sp>
-          <p:nvSpPr>
-            <p:cNvPr id="29" name="Freeform 11"/>
-            <p:cNvSpPr>
-              <a:spLocks/>
-            </p:cNvSpPr>
-            <p:nvPr userDrawn="1"/>
-          </p:nvSpPr>
-          <p:spPr bwMode="auto">
-            <a:xfrm>
-              <a:off x="1362075" y="411163"/>
-              <a:ext cx="158750" cy="300038"/>
-            </a:xfrm>
-            <a:custGeom>
-              <a:avLst/>
-              <a:gdLst>
-                <a:gd name="T0" fmla="*/ 142 w 184"/>
-                <a:gd name="T1" fmla="*/ 274 h 344"/>
-                <a:gd name="T2" fmla="*/ 184 w 184"/>
-                <a:gd name="T3" fmla="*/ 265 h 344"/>
-                <a:gd name="T4" fmla="*/ 184 w 184"/>
-                <a:gd name="T5" fmla="*/ 330 h 344"/>
-                <a:gd name="T6" fmla="*/ 150 w 184"/>
-                <a:gd name="T7" fmla="*/ 341 h 344"/>
-                <a:gd name="T8" fmla="*/ 113 w 184"/>
-                <a:gd name="T9" fmla="*/ 344 h 344"/>
-                <a:gd name="T10" fmla="*/ 50 w 184"/>
-                <a:gd name="T11" fmla="*/ 322 h 344"/>
-                <a:gd name="T12" fmla="*/ 30 w 184"/>
-                <a:gd name="T13" fmla="*/ 255 h 344"/>
-                <a:gd name="T14" fmla="*/ 30 w 184"/>
-                <a:gd name="T15" fmla="*/ 148 h 344"/>
-                <a:gd name="T16" fmla="*/ 0 w 184"/>
-                <a:gd name="T17" fmla="*/ 148 h 344"/>
-                <a:gd name="T18" fmla="*/ 0 w 184"/>
-                <a:gd name="T19" fmla="*/ 81 h 344"/>
-                <a:gd name="T20" fmla="*/ 30 w 184"/>
-                <a:gd name="T21" fmla="*/ 81 h 344"/>
-                <a:gd name="T22" fmla="*/ 30 w 184"/>
-                <a:gd name="T23" fmla="*/ 16 h 344"/>
-                <a:gd name="T24" fmla="*/ 118 w 184"/>
-                <a:gd name="T25" fmla="*/ 0 h 344"/>
-                <a:gd name="T26" fmla="*/ 118 w 184"/>
-                <a:gd name="T27" fmla="*/ 81 h 344"/>
-                <a:gd name="T28" fmla="*/ 174 w 184"/>
-                <a:gd name="T29" fmla="*/ 81 h 344"/>
-                <a:gd name="T30" fmla="*/ 174 w 184"/>
-                <a:gd name="T31" fmla="*/ 148 h 344"/>
-                <a:gd name="T32" fmla="*/ 118 w 184"/>
-                <a:gd name="T33" fmla="*/ 148 h 344"/>
-                <a:gd name="T34" fmla="*/ 118 w 184"/>
-                <a:gd name="T35" fmla="*/ 249 h 344"/>
-                <a:gd name="T36" fmla="*/ 142 w 184"/>
-                <a:gd name="T37" fmla="*/ 274 h 344"/>
-              </a:gdLst>
-              <a:ahLst/>
-              <a:cxnLst>
-                <a:cxn ang="0">
-                  <a:pos x="T0" y="T1"/>
-                </a:cxn>
-                <a:cxn ang="0">
-                  <a:pos x="T2" y="T3"/>
-                </a:cxn>
-                <a:cxn ang="0">
-                  <a:pos x="T4" y="T5"/>
-                </a:cxn>
-                <a:cxn ang="0">
-                  <a:pos x="T6" y="T7"/>
-                </a:cxn>
-                <a:cxn ang="0">
-                  <a:pos x="T8" y="T9"/>
-                </a:cxn>
-                <a:cxn ang="0">
-                  <a:pos x="T10" y="T11"/>
-                </a:cxn>
-                <a:cxn ang="0">
-                  <a:pos x="T12" y="T13"/>
-                </a:cxn>
-                <a:cxn ang="0">
-                  <a:pos x="T14" y="T15"/>
-                </a:cxn>
-                <a:cxn ang="0">
-                  <a:pos x="T16" y="T17"/>
-                </a:cxn>
-                <a:cxn ang="0">
-                  <a:pos x="T18" y="T19"/>
-                </a:cxn>
-                <a:cxn ang="0">
-                  <a:pos x="T20" y="T21"/>
-                </a:cxn>
-                <a:cxn ang="0">
-                  <a:pos x="T22" y="T23"/>
-                </a:cxn>
-                <a:cxn ang="0">
-                  <a:pos x="T24" y="T25"/>
-                </a:cxn>
-                <a:cxn ang="0">
-                  <a:pos x="T26" y="T27"/>
-                </a:cxn>
-                <a:cxn ang="0">
-                  <a:pos x="T28" y="T29"/>
-                </a:cxn>
-                <a:cxn ang="0">
-                  <a:pos x="T30" y="T31"/>
-                </a:cxn>
-                <a:cxn ang="0">
-                  <a:pos x="T32" y="T33"/>
-                </a:cxn>
-                <a:cxn ang="0">
-                  <a:pos x="T34" y="T35"/>
-                </a:cxn>
-                <a:cxn ang="0">
-                  <a:pos x="T36" y="T37"/>
-                </a:cxn>
-              </a:cxnLst>
-              <a:rect l="0" t="0" r="r" b="b"/>
-              <a:pathLst>
-                <a:path w="184" h="344">
-                  <a:moveTo>
-                    <a:pt x="142" y="274"/>
-                  </a:moveTo>
-                  <a:cubicBezTo>
-                    <a:pt x="153" y="274"/>
-                    <a:pt x="167" y="271"/>
-                    <a:pt x="184" y="265"/>
-                  </a:cubicBezTo>
-                  <a:cubicBezTo>
-                    <a:pt x="184" y="330"/>
-                    <a:pt x="184" y="330"/>
-                    <a:pt x="184" y="330"/>
-                  </a:cubicBezTo>
-                  <a:cubicBezTo>
-                    <a:pt x="172" y="335"/>
-                    <a:pt x="161" y="339"/>
-                    <a:pt x="150" y="341"/>
-                  </a:cubicBezTo>
-                  <a:cubicBezTo>
-                    <a:pt x="140" y="343"/>
-                    <a:pt x="127" y="344"/>
-                    <a:pt x="113" y="344"/>
-                  </a:cubicBezTo>
-                  <a:cubicBezTo>
-                    <a:pt x="84" y="344"/>
-                    <a:pt x="63" y="337"/>
-                    <a:pt x="50" y="322"/>
-                  </a:cubicBezTo>
-                  <a:cubicBezTo>
-                    <a:pt x="37" y="308"/>
-                    <a:pt x="30" y="285"/>
-                    <a:pt x="30" y="255"/>
-                  </a:cubicBezTo>
-                  <a:cubicBezTo>
-                    <a:pt x="30" y="148"/>
-                    <a:pt x="30" y="148"/>
-                    <a:pt x="30" y="148"/>
-                  </a:cubicBezTo>
-                  <a:cubicBezTo>
-                    <a:pt x="0" y="148"/>
-                    <a:pt x="0" y="148"/>
-                    <a:pt x="0" y="148"/>
-                  </a:cubicBezTo>
-                  <a:cubicBezTo>
-                    <a:pt x="0" y="81"/>
-                    <a:pt x="0" y="81"/>
-                    <a:pt x="0" y="81"/>
-                  </a:cubicBezTo>
-                  <a:cubicBezTo>
-                    <a:pt x="30" y="81"/>
-                    <a:pt x="30" y="81"/>
-                    <a:pt x="30" y="81"/>
-                  </a:cubicBezTo>
-                  <a:cubicBezTo>
-                    <a:pt x="30" y="16"/>
-                    <a:pt x="30" y="16"/>
-                    <a:pt x="30" y="16"/>
-                  </a:cubicBezTo>
-                  <a:cubicBezTo>
-                    <a:pt x="118" y="0"/>
-                    <a:pt x="118" y="0"/>
-                    <a:pt x="118" y="0"/>
-                  </a:cubicBezTo>
-                  <a:cubicBezTo>
-                    <a:pt x="118" y="81"/>
-                    <a:pt x="118" y="81"/>
-                    <a:pt x="118" y="81"/>
-                  </a:cubicBezTo>
-                  <a:cubicBezTo>
-                    <a:pt x="174" y="81"/>
-                    <a:pt x="174" y="81"/>
-                    <a:pt x="174" y="81"/>
-                  </a:cubicBezTo>
-                  <a:cubicBezTo>
-                    <a:pt x="174" y="148"/>
-                    <a:pt x="174" y="148"/>
-                    <a:pt x="174" y="148"/>
-                  </a:cubicBezTo>
-                  <a:cubicBezTo>
-                    <a:pt x="118" y="148"/>
-                    <a:pt x="118" y="148"/>
-                    <a:pt x="118" y="148"/>
-                  </a:cubicBezTo>
-                  <a:cubicBezTo>
-                    <a:pt x="118" y="249"/>
-                    <a:pt x="118" y="249"/>
-                    <a:pt x="118" y="249"/>
-                  </a:cubicBezTo>
-                  <a:cubicBezTo>
-                    <a:pt x="118" y="266"/>
-                    <a:pt x="126" y="274"/>
-                    <a:pt x="142" y="274"/>
-                  </a:cubicBezTo>
-                </a:path>
-              </a:pathLst>
-            </a:custGeom>
-            <a:solidFill>
-              <a:schemeClr val="bg1"/>
-            </a:solidFill>
-            <a:ln>
-              <a:noFill/>
-            </a:ln>
-            <a:extLst>
-              <a:ext uri="{91240B29-F687-4F45-9708-019B960494DF}">
-                <a14:hiddenLine xmlns:a14="http://schemas.microsoft.com/office/drawing/2010/main" w="9525">
-                  <a:solidFill>
-                    <a:srgbClr val="000000"/>
-                  </a:solidFill>
-                  <a:round/>
-                  <a:headEnd/>
-                  <a:tailEnd/>
-                </a14:hiddenLine>
-              </a:ext>
-            </a:extLst>
-          </p:spPr>
-          <p:txBody>
-            <a:bodyPr vert="horz" wrap="square" lIns="91440" tIns="45720" rIns="91440" bIns="45720" numCol="1" anchor="t" anchorCtr="0" compatLnSpc="1">
-              <a:prstTxWarp prst="textNoShape">
-                <a:avLst/>
-              </a:prstTxWarp>
-            </a:bodyPr>
-            <a:lstStyle/>
-            <a:p>
-              <a:endParaRPr lang="en-GB" sz="2600" dirty="0">
-                <a:solidFill>
-                  <a:schemeClr val="bg1"/>
-                </a:solidFill>
-              </a:endParaRPr>
-            </a:p>
-          </p:txBody>
-        </p:sp>
-        <p:sp>
-          <p:nvSpPr>
-            <p:cNvPr id="30" name="Freeform 12"/>
-            <p:cNvSpPr>
-              <a:spLocks/>
-            </p:cNvSpPr>
-            <p:nvPr userDrawn="1"/>
-          </p:nvSpPr>
-          <p:spPr bwMode="auto">
-            <a:xfrm>
-              <a:off x="1535113" y="411163"/>
-              <a:ext cx="158750" cy="300038"/>
-            </a:xfrm>
-            <a:custGeom>
-              <a:avLst/>
-              <a:gdLst>
-                <a:gd name="T0" fmla="*/ 142 w 184"/>
-                <a:gd name="T1" fmla="*/ 274 h 344"/>
-                <a:gd name="T2" fmla="*/ 184 w 184"/>
-                <a:gd name="T3" fmla="*/ 265 h 344"/>
-                <a:gd name="T4" fmla="*/ 184 w 184"/>
-                <a:gd name="T5" fmla="*/ 330 h 344"/>
-                <a:gd name="T6" fmla="*/ 151 w 184"/>
-                <a:gd name="T7" fmla="*/ 341 h 344"/>
-                <a:gd name="T8" fmla="*/ 114 w 184"/>
-                <a:gd name="T9" fmla="*/ 344 h 344"/>
-                <a:gd name="T10" fmla="*/ 50 w 184"/>
-                <a:gd name="T11" fmla="*/ 322 h 344"/>
-                <a:gd name="T12" fmla="*/ 31 w 184"/>
-                <a:gd name="T13" fmla="*/ 255 h 344"/>
-                <a:gd name="T14" fmla="*/ 31 w 184"/>
-                <a:gd name="T15" fmla="*/ 148 h 344"/>
-                <a:gd name="T16" fmla="*/ 0 w 184"/>
-                <a:gd name="T17" fmla="*/ 148 h 344"/>
-                <a:gd name="T18" fmla="*/ 0 w 184"/>
-                <a:gd name="T19" fmla="*/ 81 h 344"/>
-                <a:gd name="T20" fmla="*/ 31 w 184"/>
-                <a:gd name="T21" fmla="*/ 81 h 344"/>
-                <a:gd name="T22" fmla="*/ 31 w 184"/>
-                <a:gd name="T23" fmla="*/ 15 h 344"/>
-                <a:gd name="T24" fmla="*/ 119 w 184"/>
-                <a:gd name="T25" fmla="*/ 0 h 344"/>
-                <a:gd name="T26" fmla="*/ 119 w 184"/>
-                <a:gd name="T27" fmla="*/ 81 h 344"/>
-                <a:gd name="T28" fmla="*/ 174 w 184"/>
-                <a:gd name="T29" fmla="*/ 81 h 344"/>
-                <a:gd name="T30" fmla="*/ 174 w 184"/>
-                <a:gd name="T31" fmla="*/ 148 h 344"/>
-                <a:gd name="T32" fmla="*/ 119 w 184"/>
-                <a:gd name="T33" fmla="*/ 148 h 344"/>
-                <a:gd name="T34" fmla="*/ 119 w 184"/>
-                <a:gd name="T35" fmla="*/ 249 h 344"/>
-                <a:gd name="T36" fmla="*/ 142 w 184"/>
-                <a:gd name="T37" fmla="*/ 274 h 344"/>
-              </a:gdLst>
-              <a:ahLst/>
-              <a:cxnLst>
-                <a:cxn ang="0">
-                  <a:pos x="T0" y="T1"/>
-                </a:cxn>
-                <a:cxn ang="0">
-                  <a:pos x="T2" y="T3"/>
-                </a:cxn>
-                <a:cxn ang="0">
-                  <a:pos x="T4" y="T5"/>
-                </a:cxn>
-                <a:cxn ang="0">
-                  <a:pos x="T6" y="T7"/>
-                </a:cxn>
-                <a:cxn ang="0">
-                  <a:pos x="T8" y="T9"/>
-                </a:cxn>
-                <a:cxn ang="0">
-                  <a:pos x="T10" y="T11"/>
-                </a:cxn>
-                <a:cxn ang="0">
-                  <a:pos x="T12" y="T13"/>
-                </a:cxn>
-                <a:cxn ang="0">
-                  <a:pos x="T14" y="T15"/>
-                </a:cxn>
-                <a:cxn ang="0">
-                  <a:pos x="T16" y="T17"/>
-                </a:cxn>
-                <a:cxn ang="0">
-                  <a:pos x="T18" y="T19"/>
-                </a:cxn>
-                <a:cxn ang="0">
-                  <a:pos x="T20" y="T21"/>
-                </a:cxn>
-                <a:cxn ang="0">
-                  <a:pos x="T22" y="T23"/>
-                </a:cxn>
-                <a:cxn ang="0">
-                  <a:pos x="T24" y="T25"/>
-                </a:cxn>
-                <a:cxn ang="0">
-                  <a:pos x="T26" y="T27"/>
-                </a:cxn>
-                <a:cxn ang="0">
-                  <a:pos x="T28" y="T29"/>
-                </a:cxn>
-                <a:cxn ang="0">
-                  <a:pos x="T30" y="T31"/>
-                </a:cxn>
-                <a:cxn ang="0">
-                  <a:pos x="T32" y="T33"/>
-                </a:cxn>
-                <a:cxn ang="0">
-                  <a:pos x="T34" y="T35"/>
-                </a:cxn>
-                <a:cxn ang="0">
-                  <a:pos x="T36" y="T37"/>
-                </a:cxn>
-              </a:cxnLst>
-              <a:rect l="0" t="0" r="r" b="b"/>
-              <a:pathLst>
-                <a:path w="184" h="344">
-                  <a:moveTo>
-                    <a:pt x="142" y="274"/>
-                  </a:moveTo>
-                  <a:cubicBezTo>
-                    <a:pt x="154" y="274"/>
-                    <a:pt x="168" y="271"/>
-                    <a:pt x="184" y="265"/>
-                  </a:cubicBezTo>
-                  <a:cubicBezTo>
-                    <a:pt x="184" y="330"/>
-                    <a:pt x="184" y="330"/>
-                    <a:pt x="184" y="330"/>
-                  </a:cubicBezTo>
-                  <a:cubicBezTo>
-                    <a:pt x="173" y="335"/>
-                    <a:pt x="161" y="339"/>
-                    <a:pt x="151" y="341"/>
-                  </a:cubicBezTo>
-                  <a:cubicBezTo>
-                    <a:pt x="140" y="343"/>
-                    <a:pt x="128" y="344"/>
-                    <a:pt x="114" y="344"/>
-                  </a:cubicBezTo>
-                  <a:cubicBezTo>
-                    <a:pt x="84" y="344"/>
-                    <a:pt x="63" y="337"/>
-                    <a:pt x="50" y="322"/>
-                  </a:cubicBezTo>
-                  <a:cubicBezTo>
-                    <a:pt x="37" y="308"/>
-                    <a:pt x="31" y="285"/>
-                    <a:pt x="31" y="255"/>
-                  </a:cubicBezTo>
-                  <a:cubicBezTo>
-                    <a:pt x="31" y="148"/>
-                    <a:pt x="31" y="148"/>
-                    <a:pt x="31" y="148"/>
-                  </a:cubicBezTo>
-                  <a:cubicBezTo>
-                    <a:pt x="0" y="148"/>
-                    <a:pt x="0" y="148"/>
-                    <a:pt x="0" y="148"/>
-                  </a:cubicBezTo>
-                  <a:cubicBezTo>
-                    <a:pt x="0" y="81"/>
-                    <a:pt x="0" y="81"/>
-                    <a:pt x="0" y="81"/>
-                  </a:cubicBezTo>
-                  <a:cubicBezTo>
-                    <a:pt x="31" y="81"/>
-                    <a:pt x="31" y="81"/>
-                    <a:pt x="31" y="81"/>
-                  </a:cubicBezTo>
-                  <a:cubicBezTo>
-                    <a:pt x="31" y="15"/>
-                    <a:pt x="31" y="15"/>
-                    <a:pt x="31" y="15"/>
-                  </a:cubicBezTo>
-                  <a:cubicBezTo>
-                    <a:pt x="119" y="0"/>
-                    <a:pt x="119" y="0"/>
-                    <a:pt x="119" y="0"/>
-                  </a:cubicBezTo>
-                  <a:cubicBezTo>
-                    <a:pt x="119" y="81"/>
-                    <a:pt x="119" y="81"/>
-                    <a:pt x="119" y="81"/>
-                  </a:cubicBezTo>
-                  <a:cubicBezTo>
-                    <a:pt x="174" y="81"/>
-                    <a:pt x="174" y="81"/>
-                    <a:pt x="174" y="81"/>
-                  </a:cubicBezTo>
-                  <a:cubicBezTo>
-                    <a:pt x="174" y="148"/>
-                    <a:pt x="174" y="148"/>
-                    <a:pt x="174" y="148"/>
-                  </a:cubicBezTo>
-                  <a:cubicBezTo>
-                    <a:pt x="119" y="148"/>
-                    <a:pt x="119" y="148"/>
-                    <a:pt x="119" y="148"/>
-                  </a:cubicBezTo>
-                  <a:cubicBezTo>
-                    <a:pt x="119" y="249"/>
-                    <a:pt x="119" y="249"/>
-                    <a:pt x="119" y="249"/>
-                  </a:cubicBezTo>
-                  <a:cubicBezTo>
-                    <a:pt x="119" y="266"/>
-                    <a:pt x="127" y="274"/>
-                    <a:pt x="142" y="274"/>
-                  </a:cubicBezTo>
-                </a:path>
-              </a:pathLst>
-            </a:custGeom>
-            <a:solidFill>
-              <a:schemeClr val="bg1"/>
-            </a:solidFill>
-            <a:ln>
-              <a:noFill/>
-            </a:ln>
-            <a:extLst>
-              <a:ext uri="{91240B29-F687-4F45-9708-019B960494DF}">
-                <a14:hiddenLine xmlns:a14="http://schemas.microsoft.com/office/drawing/2010/main" w="9525">
-                  <a:solidFill>
-                    <a:srgbClr val="000000"/>
-                  </a:solidFill>
-                  <a:round/>
-                  <a:headEnd/>
-                  <a:tailEnd/>
-                </a14:hiddenLine>
-              </a:ext>
-            </a:extLst>
-          </p:spPr>
-          <p:txBody>
-            <a:bodyPr vert="horz" wrap="square" lIns="91440" tIns="45720" rIns="91440" bIns="45720" numCol="1" anchor="t" anchorCtr="0" compatLnSpc="1">
-              <a:prstTxWarp prst="textNoShape">
-                <a:avLst/>
-              </a:prstTxWarp>
-            </a:bodyPr>
-            <a:lstStyle/>
-            <a:p>
-              <a:endParaRPr lang="en-GB" sz="2600" dirty="0">
-                <a:solidFill>
-                  <a:schemeClr val="bg1"/>
-                </a:solidFill>
-              </a:endParaRPr>
-            </a:p>
-          </p:txBody>
-        </p:sp>
-        <p:sp>
-          <p:nvSpPr>
-            <p:cNvPr id="31" name="Freeform 13"/>
-            <p:cNvSpPr>
-              <a:spLocks noEditPoints="1"/>
-            </p:cNvSpPr>
-            <p:nvPr userDrawn="1"/>
-          </p:nvSpPr>
-          <p:spPr bwMode="auto">
-            <a:xfrm>
-              <a:off x="1709738" y="479426"/>
-              <a:ext cx="211137" cy="231775"/>
-            </a:xfrm>
-            <a:custGeom>
-              <a:avLst/>
-              <a:gdLst>
-                <a:gd name="T0" fmla="*/ 213 w 244"/>
-                <a:gd name="T1" fmla="*/ 30 h 267"/>
-                <a:gd name="T2" fmla="*/ 125 w 244"/>
-                <a:gd name="T3" fmla="*/ 0 h 267"/>
-                <a:gd name="T4" fmla="*/ 33 w 244"/>
-                <a:gd name="T5" fmla="*/ 35 h 267"/>
-                <a:gd name="T6" fmla="*/ 0 w 244"/>
-                <a:gd name="T7" fmla="*/ 135 h 267"/>
-                <a:gd name="T8" fmla="*/ 35 w 244"/>
-                <a:gd name="T9" fmla="*/ 233 h 267"/>
-                <a:gd name="T10" fmla="*/ 133 w 244"/>
-                <a:gd name="T11" fmla="*/ 267 h 267"/>
-                <a:gd name="T12" fmla="*/ 185 w 244"/>
-                <a:gd name="T13" fmla="*/ 263 h 267"/>
-                <a:gd name="T14" fmla="*/ 227 w 244"/>
-                <a:gd name="T15" fmla="*/ 249 h 267"/>
-                <a:gd name="T16" fmla="*/ 214 w 244"/>
-                <a:gd name="T17" fmla="*/ 190 h 267"/>
-                <a:gd name="T18" fmla="*/ 186 w 244"/>
-                <a:gd name="T19" fmla="*/ 200 h 267"/>
-                <a:gd name="T20" fmla="*/ 144 w 244"/>
-                <a:gd name="T21" fmla="*/ 204 h 267"/>
-                <a:gd name="T22" fmla="*/ 104 w 244"/>
-                <a:gd name="T23" fmla="*/ 192 h 267"/>
-                <a:gd name="T24" fmla="*/ 88 w 244"/>
-                <a:gd name="T25" fmla="*/ 158 h 267"/>
-                <a:gd name="T26" fmla="*/ 244 w 244"/>
-                <a:gd name="T27" fmla="*/ 158 h 267"/>
-                <a:gd name="T28" fmla="*/ 244 w 244"/>
-                <a:gd name="T29" fmla="*/ 118 h 267"/>
-                <a:gd name="T30" fmla="*/ 213 w 244"/>
-                <a:gd name="T31" fmla="*/ 30 h 267"/>
-                <a:gd name="T32" fmla="*/ 90 w 244"/>
-                <a:gd name="T33" fmla="*/ 102 h 267"/>
-                <a:gd name="T34" fmla="*/ 102 w 244"/>
-                <a:gd name="T35" fmla="*/ 70 h 267"/>
-                <a:gd name="T36" fmla="*/ 128 w 244"/>
-                <a:gd name="T37" fmla="*/ 61 h 267"/>
-                <a:gd name="T38" fmla="*/ 155 w 244"/>
-                <a:gd name="T39" fmla="*/ 72 h 267"/>
-                <a:gd name="T40" fmla="*/ 165 w 244"/>
-                <a:gd name="T41" fmla="*/ 102 h 267"/>
-                <a:gd name="T42" fmla="*/ 90 w 244"/>
-                <a:gd name="T43" fmla="*/ 102 h 267"/>
-              </a:gdLst>
-              <a:ahLst/>
-              <a:cxnLst>
-                <a:cxn ang="0">
-                  <a:pos x="T0" y="T1"/>
-                </a:cxn>
-                <a:cxn ang="0">
-                  <a:pos x="T2" y="T3"/>
-                </a:cxn>
-                <a:cxn ang="0">
-                  <a:pos x="T4" y="T5"/>
-                </a:cxn>
-                <a:cxn ang="0">
-                  <a:pos x="T6" y="T7"/>
-                </a:cxn>
-                <a:cxn ang="0">
-                  <a:pos x="T8" y="T9"/>
-                </a:cxn>
-                <a:cxn ang="0">
-                  <a:pos x="T10" y="T11"/>
-                </a:cxn>
-                <a:cxn ang="0">
-                  <a:pos x="T12" y="T13"/>
-                </a:cxn>
-                <a:cxn ang="0">
-                  <a:pos x="T14" y="T15"/>
-                </a:cxn>
-                <a:cxn ang="0">
-                  <a:pos x="T16" y="T17"/>
-                </a:cxn>
-                <a:cxn ang="0">
-                  <a:pos x="T18" y="T19"/>
-                </a:cxn>
-                <a:cxn ang="0">
-                  <a:pos x="T20" y="T21"/>
-                </a:cxn>
-                <a:cxn ang="0">
-                  <a:pos x="T22" y="T23"/>
-                </a:cxn>
-                <a:cxn ang="0">
-                  <a:pos x="T24" y="T25"/>
-                </a:cxn>
-                <a:cxn ang="0">
-                  <a:pos x="T26" y="T27"/>
-                </a:cxn>
-                <a:cxn ang="0">
-                  <a:pos x="T28" y="T29"/>
-                </a:cxn>
-                <a:cxn ang="0">
-                  <a:pos x="T30" y="T31"/>
-                </a:cxn>
-                <a:cxn ang="0">
-                  <a:pos x="T32" y="T33"/>
-                </a:cxn>
-                <a:cxn ang="0">
-                  <a:pos x="T34" y="T35"/>
-                </a:cxn>
-                <a:cxn ang="0">
-                  <a:pos x="T36" y="T37"/>
-                </a:cxn>
-                <a:cxn ang="0">
-                  <a:pos x="T38" y="T39"/>
-                </a:cxn>
-                <a:cxn ang="0">
-                  <a:pos x="T40" y="T41"/>
-                </a:cxn>
-                <a:cxn ang="0">
-                  <a:pos x="T42" y="T43"/>
-                </a:cxn>
-              </a:cxnLst>
-              <a:rect l="0" t="0" r="r" b="b"/>
-              <a:pathLst>
-                <a:path w="244" h="267">
-                  <a:moveTo>
-                    <a:pt x="213" y="30"/>
-                  </a:moveTo>
-                  <a:cubicBezTo>
-                    <a:pt x="192" y="10"/>
-                    <a:pt x="163" y="0"/>
-                    <a:pt x="125" y="0"/>
-                  </a:cubicBezTo>
-                  <a:cubicBezTo>
-                    <a:pt x="85" y="0"/>
-                    <a:pt x="54" y="12"/>
-                    <a:pt x="33" y="35"/>
-                  </a:cubicBezTo>
-                  <a:cubicBezTo>
-                    <a:pt x="11" y="58"/>
-                    <a:pt x="0" y="92"/>
-                    <a:pt x="0" y="135"/>
-                  </a:cubicBezTo>
-                  <a:cubicBezTo>
-                    <a:pt x="0" y="178"/>
-                    <a:pt x="12" y="210"/>
-                    <a:pt x="35" y="233"/>
-                  </a:cubicBezTo>
-                  <a:cubicBezTo>
-                    <a:pt x="59" y="256"/>
-                    <a:pt x="91" y="267"/>
-                    <a:pt x="133" y="267"/>
-                  </a:cubicBezTo>
-                  <a:cubicBezTo>
-                    <a:pt x="153" y="267"/>
-                    <a:pt x="171" y="266"/>
-                    <a:pt x="185" y="263"/>
-                  </a:cubicBezTo>
-                  <a:cubicBezTo>
-                    <a:pt x="200" y="261"/>
-                    <a:pt x="214" y="256"/>
-                    <a:pt x="227" y="249"/>
-                  </a:cubicBezTo>
-                  <a:cubicBezTo>
-                    <a:pt x="214" y="190"/>
-                    <a:pt x="214" y="190"/>
-                    <a:pt x="214" y="190"/>
-                  </a:cubicBezTo>
-                  <a:cubicBezTo>
-                    <a:pt x="204" y="194"/>
-                    <a:pt x="195" y="197"/>
-                    <a:pt x="186" y="200"/>
-                  </a:cubicBezTo>
-                  <a:cubicBezTo>
-                    <a:pt x="173" y="202"/>
-                    <a:pt x="159" y="204"/>
-                    <a:pt x="144" y="204"/>
-                  </a:cubicBezTo>
-                  <a:cubicBezTo>
-                    <a:pt x="127" y="204"/>
-                    <a:pt x="114" y="200"/>
-                    <a:pt x="104" y="192"/>
-                  </a:cubicBezTo>
-                  <a:cubicBezTo>
-                    <a:pt x="94" y="183"/>
-                    <a:pt x="89" y="172"/>
-                    <a:pt x="88" y="158"/>
-                  </a:cubicBezTo>
-                  <a:cubicBezTo>
-                    <a:pt x="244" y="158"/>
-                    <a:pt x="244" y="158"/>
-                    <a:pt x="244" y="158"/>
-                  </a:cubicBezTo>
-                  <a:cubicBezTo>
-                    <a:pt x="244" y="118"/>
-                    <a:pt x="244" y="118"/>
-                    <a:pt x="244" y="118"/>
-                  </a:cubicBezTo>
-                  <a:cubicBezTo>
-                    <a:pt x="244" y="80"/>
-                    <a:pt x="234" y="51"/>
-                    <a:pt x="213" y="30"/>
-                  </a:cubicBezTo>
-                  <a:moveTo>
-                    <a:pt x="90" y="102"/>
-                  </a:moveTo>
-                  <a:cubicBezTo>
-                    <a:pt x="91" y="87"/>
-                    <a:pt x="95" y="77"/>
-                    <a:pt x="102" y="70"/>
-                  </a:cubicBezTo>
-                  <a:cubicBezTo>
-                    <a:pt x="109" y="64"/>
-                    <a:pt x="118" y="61"/>
-                    <a:pt x="128" y="61"/>
-                  </a:cubicBezTo>
-                  <a:cubicBezTo>
-                    <a:pt x="139" y="61"/>
-                    <a:pt x="148" y="64"/>
-                    <a:pt x="155" y="72"/>
-                  </a:cubicBezTo>
-                  <a:cubicBezTo>
-                    <a:pt x="161" y="79"/>
-                    <a:pt x="165" y="89"/>
-                    <a:pt x="165" y="102"/>
-                  </a:cubicBezTo>
-                  <a:lnTo>
-                    <a:pt x="90" y="102"/>
-                  </a:lnTo>
-                  <a:close/>
-                </a:path>
-              </a:pathLst>
-            </a:custGeom>
-            <a:solidFill>
-              <a:schemeClr val="bg1"/>
-            </a:solidFill>
-            <a:ln>
-              <a:noFill/>
-            </a:ln>
-            <a:extLst>
-              <a:ext uri="{91240B29-F687-4F45-9708-019B960494DF}">
-                <a14:hiddenLine xmlns:a14="http://schemas.microsoft.com/office/drawing/2010/main" w="9525">
-                  <a:solidFill>
-                    <a:srgbClr val="000000"/>
-                  </a:solidFill>
-                  <a:round/>
-                  <a:headEnd/>
-                  <a:tailEnd/>
-                </a14:hiddenLine>
-              </a:ext>
-            </a:extLst>
-          </p:spPr>
-          <p:txBody>
-            <a:bodyPr vert="horz" wrap="square" lIns="91440" tIns="45720" rIns="91440" bIns="45720" numCol="1" anchor="t" anchorCtr="0" compatLnSpc="1">
-              <a:prstTxWarp prst="textNoShape">
-                <a:avLst/>
-              </a:prstTxWarp>
-            </a:bodyPr>
-            <a:lstStyle/>
-            <a:p>
-              <a:endParaRPr lang="en-GB" sz="2600" dirty="0">
-                <a:solidFill>
-                  <a:schemeClr val="bg1"/>
-                </a:solidFill>
-              </a:endParaRPr>
-            </a:p>
-          </p:txBody>
-        </p:sp>
-        <p:sp>
-          <p:nvSpPr>
-            <p:cNvPr id="32" name="Freeform 14"/>
-            <p:cNvSpPr>
-              <a:spLocks noEditPoints="1"/>
-            </p:cNvSpPr>
-            <p:nvPr userDrawn="1"/>
-          </p:nvSpPr>
-          <p:spPr bwMode="auto">
-            <a:xfrm>
-              <a:off x="668338" y="479426"/>
-              <a:ext cx="209550" cy="231775"/>
-            </a:xfrm>
-            <a:custGeom>
-              <a:avLst/>
-              <a:gdLst>
-                <a:gd name="T0" fmla="*/ 212 w 243"/>
-                <a:gd name="T1" fmla="*/ 30 h 267"/>
-                <a:gd name="T2" fmla="*/ 124 w 243"/>
-                <a:gd name="T3" fmla="*/ 0 h 267"/>
-                <a:gd name="T4" fmla="*/ 32 w 243"/>
-                <a:gd name="T5" fmla="*/ 35 h 267"/>
-                <a:gd name="T6" fmla="*/ 0 w 243"/>
-                <a:gd name="T7" fmla="*/ 135 h 267"/>
-                <a:gd name="T8" fmla="*/ 35 w 243"/>
-                <a:gd name="T9" fmla="*/ 233 h 267"/>
-                <a:gd name="T10" fmla="*/ 132 w 243"/>
-                <a:gd name="T11" fmla="*/ 267 h 267"/>
-                <a:gd name="T12" fmla="*/ 184 w 243"/>
-                <a:gd name="T13" fmla="*/ 263 h 267"/>
-                <a:gd name="T14" fmla="*/ 227 w 243"/>
-                <a:gd name="T15" fmla="*/ 249 h 267"/>
-                <a:gd name="T16" fmla="*/ 213 w 243"/>
-                <a:gd name="T17" fmla="*/ 190 h 267"/>
-                <a:gd name="T18" fmla="*/ 185 w 243"/>
-                <a:gd name="T19" fmla="*/ 200 h 267"/>
-                <a:gd name="T20" fmla="*/ 143 w 243"/>
-                <a:gd name="T21" fmla="*/ 204 h 267"/>
-                <a:gd name="T22" fmla="*/ 103 w 243"/>
-                <a:gd name="T23" fmla="*/ 192 h 267"/>
-                <a:gd name="T24" fmla="*/ 88 w 243"/>
-                <a:gd name="T25" fmla="*/ 158 h 267"/>
-                <a:gd name="T26" fmla="*/ 243 w 243"/>
-                <a:gd name="T27" fmla="*/ 158 h 267"/>
-                <a:gd name="T28" fmla="*/ 243 w 243"/>
-                <a:gd name="T29" fmla="*/ 118 h 267"/>
-                <a:gd name="T30" fmla="*/ 212 w 243"/>
-                <a:gd name="T31" fmla="*/ 30 h 267"/>
-                <a:gd name="T32" fmla="*/ 89 w 243"/>
-                <a:gd name="T33" fmla="*/ 102 h 267"/>
-                <a:gd name="T34" fmla="*/ 102 w 243"/>
-                <a:gd name="T35" fmla="*/ 70 h 267"/>
-                <a:gd name="T36" fmla="*/ 127 w 243"/>
-                <a:gd name="T37" fmla="*/ 61 h 267"/>
-                <a:gd name="T38" fmla="*/ 154 w 243"/>
-                <a:gd name="T39" fmla="*/ 72 h 267"/>
-                <a:gd name="T40" fmla="*/ 164 w 243"/>
-                <a:gd name="T41" fmla="*/ 102 h 267"/>
-                <a:gd name="T42" fmla="*/ 89 w 243"/>
-                <a:gd name="T43" fmla="*/ 102 h 267"/>
-              </a:gdLst>
-              <a:ahLst/>
-              <a:cxnLst>
-                <a:cxn ang="0">
-                  <a:pos x="T0" y="T1"/>
-                </a:cxn>
-                <a:cxn ang="0">
-                  <a:pos x="T2" y="T3"/>
-                </a:cxn>
-                <a:cxn ang="0">
-                  <a:pos x="T4" y="T5"/>
-                </a:cxn>
-                <a:cxn ang="0">
-                  <a:pos x="T6" y="T7"/>
-                </a:cxn>
-                <a:cxn ang="0">
-                  <a:pos x="T8" y="T9"/>
-                </a:cxn>
-                <a:cxn ang="0">
-                  <a:pos x="T10" y="T11"/>
-                </a:cxn>
-                <a:cxn ang="0">
-                  <a:pos x="T12" y="T13"/>
-                </a:cxn>
-                <a:cxn ang="0">
-                  <a:pos x="T14" y="T15"/>
-                </a:cxn>
-                <a:cxn ang="0">
-                  <a:pos x="T16" y="T17"/>
-                </a:cxn>
-                <a:cxn ang="0">
-                  <a:pos x="T18" y="T19"/>
-                </a:cxn>
-                <a:cxn ang="0">
-                  <a:pos x="T20" y="T21"/>
-                </a:cxn>
-                <a:cxn ang="0">
-                  <a:pos x="T22" y="T23"/>
-                </a:cxn>
-                <a:cxn ang="0">
-                  <a:pos x="T24" y="T25"/>
-                </a:cxn>
-                <a:cxn ang="0">
-                  <a:pos x="T26" y="T27"/>
-                </a:cxn>
-                <a:cxn ang="0">
-                  <a:pos x="T28" y="T29"/>
-                </a:cxn>
-                <a:cxn ang="0">
-                  <a:pos x="T30" y="T31"/>
-                </a:cxn>
-                <a:cxn ang="0">
-                  <a:pos x="T32" y="T33"/>
-                </a:cxn>
-                <a:cxn ang="0">
-                  <a:pos x="T34" y="T35"/>
-                </a:cxn>
-                <a:cxn ang="0">
-                  <a:pos x="T36" y="T37"/>
-                </a:cxn>
-                <a:cxn ang="0">
-                  <a:pos x="T38" y="T39"/>
-                </a:cxn>
-                <a:cxn ang="0">
-                  <a:pos x="T40" y="T41"/>
-                </a:cxn>
-                <a:cxn ang="0">
-                  <a:pos x="T42" y="T43"/>
-                </a:cxn>
-              </a:cxnLst>
-              <a:rect l="0" t="0" r="r" b="b"/>
-              <a:pathLst>
-                <a:path w="243" h="267">
-                  <a:moveTo>
-                    <a:pt x="212" y="30"/>
-                  </a:moveTo>
-                  <a:cubicBezTo>
-                    <a:pt x="191" y="10"/>
-                    <a:pt x="162" y="0"/>
-                    <a:pt x="124" y="0"/>
-                  </a:cubicBezTo>
-                  <a:cubicBezTo>
-                    <a:pt x="84" y="0"/>
-                    <a:pt x="53" y="12"/>
-                    <a:pt x="32" y="35"/>
-                  </a:cubicBezTo>
-                  <a:cubicBezTo>
-                    <a:pt x="10" y="58"/>
-                    <a:pt x="0" y="92"/>
-                    <a:pt x="0" y="135"/>
-                  </a:cubicBezTo>
-                  <a:cubicBezTo>
-                    <a:pt x="0" y="178"/>
-                    <a:pt x="11" y="210"/>
-                    <a:pt x="35" y="233"/>
-                  </a:cubicBezTo>
-                  <a:cubicBezTo>
-                    <a:pt x="58" y="256"/>
-                    <a:pt x="90" y="267"/>
-                    <a:pt x="132" y="267"/>
-                  </a:cubicBezTo>
-                  <a:cubicBezTo>
-                    <a:pt x="153" y="267"/>
-                    <a:pt x="170" y="266"/>
-                    <a:pt x="184" y="263"/>
-                  </a:cubicBezTo>
-                  <a:cubicBezTo>
-                    <a:pt x="199" y="261"/>
-                    <a:pt x="213" y="256"/>
-                    <a:pt x="227" y="249"/>
-                  </a:cubicBezTo>
-                  <a:cubicBezTo>
-                    <a:pt x="213" y="190"/>
-                    <a:pt x="213" y="190"/>
-                    <a:pt x="213" y="190"/>
-                  </a:cubicBezTo>
-                  <a:cubicBezTo>
-                    <a:pt x="203" y="194"/>
-                    <a:pt x="194" y="197"/>
-                    <a:pt x="185" y="200"/>
-                  </a:cubicBezTo>
-                  <a:cubicBezTo>
-                    <a:pt x="172" y="202"/>
-                    <a:pt x="158" y="204"/>
-                    <a:pt x="143" y="204"/>
-                  </a:cubicBezTo>
-                  <a:cubicBezTo>
-                    <a:pt x="126" y="204"/>
-                    <a:pt x="113" y="200"/>
-                    <a:pt x="103" y="192"/>
-                  </a:cubicBezTo>
-                  <a:cubicBezTo>
-                    <a:pt x="93" y="183"/>
-                    <a:pt x="88" y="172"/>
-                    <a:pt x="88" y="158"/>
-                  </a:cubicBezTo>
-                  <a:cubicBezTo>
-                    <a:pt x="243" y="158"/>
-                    <a:pt x="243" y="158"/>
-                    <a:pt x="243" y="158"/>
-                  </a:cubicBezTo>
-                  <a:cubicBezTo>
-                    <a:pt x="243" y="118"/>
-                    <a:pt x="243" y="118"/>
-                    <a:pt x="243" y="118"/>
-                  </a:cubicBezTo>
-                  <a:cubicBezTo>
-                    <a:pt x="243" y="80"/>
-                    <a:pt x="233" y="51"/>
-                    <a:pt x="212" y="30"/>
-                  </a:cubicBezTo>
-                  <a:moveTo>
-                    <a:pt x="89" y="102"/>
-                  </a:moveTo>
-                  <a:cubicBezTo>
-                    <a:pt x="91" y="87"/>
-                    <a:pt x="95" y="77"/>
-                    <a:pt x="102" y="70"/>
-                  </a:cubicBezTo>
-                  <a:cubicBezTo>
-                    <a:pt x="108" y="64"/>
-                    <a:pt x="117" y="61"/>
-                    <a:pt x="127" y="61"/>
-                  </a:cubicBezTo>
-                  <a:cubicBezTo>
-                    <a:pt x="138" y="61"/>
-                    <a:pt x="147" y="64"/>
-                    <a:pt x="154" y="72"/>
-                  </a:cubicBezTo>
-                  <a:cubicBezTo>
-                    <a:pt x="160" y="79"/>
-                    <a:pt x="164" y="89"/>
-                    <a:pt x="164" y="102"/>
-                  </a:cubicBezTo>
-                  <a:lnTo>
-                    <a:pt x="89" y="102"/>
-                  </a:lnTo>
-                  <a:close/>
-                </a:path>
-              </a:pathLst>
-            </a:custGeom>
-            <a:solidFill>
-              <a:schemeClr val="bg1"/>
-            </a:solidFill>
-            <a:ln>
-              <a:noFill/>
-            </a:ln>
-            <a:extLst>
-              <a:ext uri="{91240B29-F687-4F45-9708-019B960494DF}">
-                <a14:hiddenLine xmlns:a14="http://schemas.microsoft.com/office/drawing/2010/main" w="9525">
-                  <a:solidFill>
-                    <a:srgbClr val="000000"/>
-                  </a:solidFill>
-                  <a:round/>
-                  <a:headEnd/>
-                  <a:tailEnd/>
-                </a14:hiddenLine>
-              </a:ext>
-            </a:extLst>
-          </p:spPr>
-          <p:txBody>
-            <a:bodyPr vert="horz" wrap="square" lIns="91440" tIns="45720" rIns="91440" bIns="45720" numCol="1" anchor="t" anchorCtr="0" compatLnSpc="1">
-              <a:prstTxWarp prst="textNoShape">
-                <a:avLst/>
-              </a:prstTxWarp>
-            </a:bodyPr>
-            <a:lstStyle/>
-            <a:p>
-              <a:endParaRPr lang="en-GB" sz="2600" dirty="0">
-                <a:solidFill>
-                  <a:schemeClr val="bg1"/>
-                </a:solidFill>
-              </a:endParaRPr>
-            </a:p>
-          </p:txBody>
-        </p:sp>
-      </p:grpSp>
-      <p:sp>
-        <p:nvSpPr>
-          <p:cNvPr id="33" name="Picture Placeholder 8"/>
-          <p:cNvSpPr>
-            <a:spLocks noGrp="1"/>
-          </p:cNvSpPr>
-          <p:nvPr>
-            <p:ph type="pic" sz="quarter" idx="11"/>
-          </p:nvPr>
-        </p:nvSpPr>
-        <p:spPr>
-          <a:xfrm>
-            <a:off x="3393716" y="727595"/>
-            <a:ext cx="5400000" cy="5400000"/>
-          </a:xfrm>
-          <a:prstGeom prst="rect">
-            <a:avLst/>
-          </a:prstGeom>
-        </p:spPr>
-        <p:txBody>
-          <a:bodyPr/>
-          <a:lstStyle/>
-          <a:p>
-            <a:r>
-              <a:rPr lang="en-US" noProof="0" dirty="0"/>
-              <a:t>Click icon to add picture</a:t>
-            </a:r>
-          </a:p>
-        </p:txBody>
-      </p:sp>
-    </p:spTree>
-    <p:extLst>
-      <p:ext uri="{BB962C8B-B14F-4D97-AF65-F5344CB8AC3E}">
-        <p14:creationId xmlns:p14="http://schemas.microsoft.com/office/powerpoint/2010/main" val="2825122239"/>
-      </p:ext>
-    </p:extLst>
-  </p:cSld>
-  <p:clrMapOvr>
-    <a:overrideClrMapping bg1="lt1" tx1="dk1" bg2="lt2" tx2="dk2" accent1="accent1" accent2="accent2" accent3="accent3" accent4="accent4" accent5="accent5" accent6="accent6" hlink="hlink" folHlink="folHlink"/>
-  </p:clrMapOvr>
-  <p:extLst>
-    <p:ext uri="{DCECCB84-F9BA-43D5-87BE-67443E8EF086}">
-      <p15:sldGuideLst xmlns:p15="http://schemas.microsoft.com/office/powerpoint/2012/main">
-        <p15:guide id="1" orient="horz" pos="4088">
-          <p15:clr>
-            <a:srgbClr val="FBAE40"/>
-          </p15:clr>
-        </p15:guide>
-      </p15:sldGuideLst>
-    </p:ext>
-  </p:extLst>
-</p:sldLayout>
-</file>
-
-<file path=ppt/slideLayouts/slideLayout16.xml><?xml version="1.0" encoding="utf-8"?>
+<file path=ppt/slideLayouts/slideLayout8.xml><?xml version="1.0" encoding="utf-8"?>
 <p:sldLayout xmlns:a="http://schemas.openxmlformats.org/drawingml/2006/main" xmlns:r="http://schemas.openxmlformats.org/officeDocument/2006/relationships" xmlns:p="http://schemas.openxmlformats.org/presentationml/2006/main" userDrawn="1">
   <p:cSld name="1 Column">
     <p:spTree>
@@ -7892,2095 +5931,7 @@
 </p:sldLayout>
 </file>
 
-<file path=ppt/slideLayouts/slideLayout2.xml><?xml version="1.0" encoding="utf-8"?>
-<p:sldLayout xmlns:a="http://schemas.openxmlformats.org/drawingml/2006/main" xmlns:r="http://schemas.openxmlformats.org/officeDocument/2006/relationships" xmlns:p="http://schemas.openxmlformats.org/presentationml/2006/main" showMasterSp="0" preserve="1" userDrawn="1">
-  <p:cSld name="Divider - Deloitte green">
-    <p:spTree>
-      <p:nvGrpSpPr>
-        <p:cNvPr id="1" name=""/>
-        <p:cNvGrpSpPr/>
-        <p:nvPr/>
-      </p:nvGrpSpPr>
-      <p:grpSpPr>
-        <a:xfrm>
-          <a:off x="0" y="0"/>
-          <a:ext cx="0" cy="0"/>
-          <a:chOff x="0" y="0"/>
-          <a:chExt cx="0" cy="0"/>
-        </a:xfrm>
-      </p:grpSpPr>
-      <p:pic>
-        <p:nvPicPr>
-          <p:cNvPr id="7" name="Picture 6"/>
-          <p:cNvPicPr>
-            <a:picLocks noChangeAspect="1"/>
-          </p:cNvPicPr>
-          <p:nvPr userDrawn="1"/>
-        </p:nvPicPr>
-        <p:blipFill rotWithShape="1">
-          <a:blip r:embed="rId2" cstate="hqprint">
-            <a:extLst>
-              <a:ext uri="{28A0092B-C50C-407E-A947-70E740481C1C}">
-                <a14:useLocalDpi xmlns:a14="http://schemas.microsoft.com/office/drawing/2010/main"/>
-              </a:ext>
-            </a:extLst>
-          </a:blip>
-          <a:srcRect/>
-          <a:stretch/>
-        </p:blipFill>
-        <p:spPr>
-          <a:xfrm>
-            <a:off x="0" y="0"/>
-            <a:ext cx="12223377" cy="6858000"/>
-          </a:xfrm>
-          <a:prstGeom prst="rect">
-            <a:avLst/>
-          </a:prstGeom>
-        </p:spPr>
-      </p:pic>
-      <p:sp>
-        <p:nvSpPr>
-          <p:cNvPr id="2" name="Title 1"/>
-          <p:cNvSpPr>
-            <a:spLocks noGrp="1"/>
-          </p:cNvSpPr>
-          <p:nvPr>
-            <p:ph type="title"/>
-          </p:nvPr>
-        </p:nvSpPr>
-        <p:spPr bwMode="gray">
-          <a:xfrm>
-            <a:off x="1329531" y="3429000"/>
-            <a:ext cx="5535613" cy="3429000"/>
-          </a:xfrm>
-          <a:solidFill>
-            <a:srgbClr val="FFFFFF">
-              <a:alpha val="89804"/>
-            </a:srgbClr>
-          </a:solidFill>
-        </p:spPr>
-        <p:txBody>
-          <a:bodyPr lIns="365760" tIns="365760" rIns="365760" bIns="365760" anchor="t"/>
-          <a:lstStyle>
-            <a:lvl1pPr>
-              <a:lnSpc>
-                <a:spcPct val="95000"/>
-              </a:lnSpc>
-              <a:defRPr sz="3850" b="1">
-                <a:solidFill>
-                  <a:schemeClr val="tx1"/>
-                </a:solidFill>
-                <a:latin typeface="+mj-lt"/>
-                <a:ea typeface="Open Sans" panose="020B0606030504020204" pitchFamily="34" charset="0"/>
-                <a:cs typeface="Open Sans" panose="020B0606030504020204" pitchFamily="34" charset="0"/>
-              </a:defRPr>
-            </a:lvl1pPr>
-          </a:lstStyle>
-          <a:p>
-            <a:r>
-              <a:rPr lang="en-US" noProof="0" dirty="0"/>
-              <a:t>Click to edit Master title style</a:t>
-            </a:r>
-          </a:p>
-        </p:txBody>
-      </p:sp>
-    </p:spTree>
-    <p:extLst>
-      <p:ext uri="{BB962C8B-B14F-4D97-AF65-F5344CB8AC3E}">
-        <p14:creationId xmlns:p14="http://schemas.microsoft.com/office/powerpoint/2010/main" val="2104574128"/>
-      </p:ext>
-    </p:extLst>
-  </p:cSld>
-  <p:clrMapOvr>
-    <a:masterClrMapping/>
-  </p:clrMapOvr>
-  <p:transition>
-    <p:fade/>
-  </p:transition>
-  <p:extLst>
-    <p:ext uri="{DCECCB84-F9BA-43D5-87BE-67443E8EF086}">
-      <p15:sldGuideLst xmlns:p15="http://schemas.microsoft.com/office/powerpoint/2012/main">
-        <p15:guide id="1" orient="horz" pos="2160" userDrawn="1">
-          <p15:clr>
-            <a:srgbClr val="FBAE40"/>
-          </p15:clr>
-        </p15:guide>
-      </p15:sldGuideLst>
-    </p:ext>
-  </p:extLst>
-</p:sldLayout>
-</file>
-
-<file path=ppt/slideLayouts/slideLayout3.xml><?xml version="1.0" encoding="utf-8"?>
-<p:sldLayout xmlns:a="http://schemas.openxmlformats.org/drawingml/2006/main" xmlns:r="http://schemas.openxmlformats.org/officeDocument/2006/relationships" xmlns:p="http://schemas.openxmlformats.org/presentationml/2006/main" preserve="1" userDrawn="1">
-  <p:cSld name="Title &amp; subtitle">
-    <p:spTree>
-      <p:nvGrpSpPr>
-        <p:cNvPr id="1" name=""/>
-        <p:cNvGrpSpPr/>
-        <p:nvPr/>
-      </p:nvGrpSpPr>
-      <p:grpSpPr>
-        <a:xfrm>
-          <a:off x="0" y="0"/>
-          <a:ext cx="0" cy="0"/>
-          <a:chOff x="0" y="0"/>
-          <a:chExt cx="0" cy="0"/>
-        </a:xfrm>
-      </p:grpSpPr>
-      <p:sp>
-        <p:nvSpPr>
-          <p:cNvPr id="5" name="Title Placeholder 1"/>
-          <p:cNvSpPr>
-            <a:spLocks noGrp="1"/>
-          </p:cNvSpPr>
-          <p:nvPr>
-            <p:ph type="title"/>
-          </p:nvPr>
-        </p:nvSpPr>
-        <p:spPr>
-          <a:xfrm>
-            <a:off x="469900" y="402587"/>
-            <a:ext cx="11252200" cy="334102"/>
-          </a:xfrm>
-          <a:prstGeom prst="rect">
-            <a:avLst/>
-          </a:prstGeom>
-        </p:spPr>
-        <p:txBody>
-          <a:bodyPr vert="horz" lIns="0" tIns="0" rIns="0" bIns="0" rtlCol="0" anchor="t" anchorCtr="0">
-            <a:noAutofit/>
-          </a:bodyPr>
-          <a:lstStyle>
-            <a:lvl1pPr>
-              <a:defRPr sz="2000"/>
-            </a:lvl1pPr>
-          </a:lstStyle>
-          <a:p>
-            <a:r>
-              <a:rPr lang="en-US" noProof="0"/>
-              <a:t>Click to edit Master title style</a:t>
-            </a:r>
-            <a:endParaRPr lang="en-US" noProof="0" dirty="0"/>
-          </a:p>
-        </p:txBody>
-      </p:sp>
-    </p:spTree>
-    <p:extLst>
-      <p:ext uri="{BB962C8B-B14F-4D97-AF65-F5344CB8AC3E}">
-        <p14:creationId xmlns:p14="http://schemas.microsoft.com/office/powerpoint/2010/main" val="428195933"/>
-      </p:ext>
-    </p:extLst>
-  </p:cSld>
-  <p:clrMapOvr>
-    <a:masterClrMapping/>
-  </p:clrMapOvr>
-  <p:transition>
-    <p:fade/>
-  </p:transition>
-</p:sldLayout>
-</file>
-
-<file path=ppt/slideLayouts/slideLayout4.xml><?xml version="1.0" encoding="utf-8"?>
-<p:sldLayout xmlns:a="http://schemas.openxmlformats.org/drawingml/2006/main" xmlns:r="http://schemas.openxmlformats.org/officeDocument/2006/relationships" xmlns:p="http://schemas.openxmlformats.org/presentationml/2006/main" showMasterSp="0" userDrawn="1">
-  <p:cSld name="End slide">
-    <p:spTree>
-      <p:nvGrpSpPr>
-        <p:cNvPr id="1" name=""/>
-        <p:cNvGrpSpPr/>
-        <p:nvPr/>
-      </p:nvGrpSpPr>
-      <p:grpSpPr>
-        <a:xfrm>
-          <a:off x="0" y="0"/>
-          <a:ext cx="0" cy="0"/>
-          <a:chOff x="0" y="0"/>
-          <a:chExt cx="0" cy="0"/>
-        </a:xfrm>
-      </p:grpSpPr>
-      <p:sp>
-        <p:nvSpPr>
-          <p:cNvPr id="6" name="Text Placeholder 5"/>
-          <p:cNvSpPr>
-            <a:spLocks noGrp="1"/>
-          </p:cNvSpPr>
-          <p:nvPr>
-            <p:ph type="body" sz="quarter" idx="13"/>
-          </p:nvPr>
-        </p:nvSpPr>
-        <p:spPr>
-          <a:xfrm>
-            <a:off x="475325" y="4102100"/>
-            <a:ext cx="8555263" cy="2197101"/>
-          </a:xfrm>
-          <a:prstGeom prst="rect">
-            <a:avLst/>
-          </a:prstGeom>
-        </p:spPr>
-        <p:txBody>
-          <a:bodyPr anchor="b" anchorCtr="0">
-            <a:noAutofit/>
-          </a:bodyPr>
-          <a:lstStyle>
-            <a:lvl1pPr>
-              <a:lnSpc>
-                <a:spcPct val="100000"/>
-              </a:lnSpc>
-              <a:spcAft>
-                <a:spcPts val="800"/>
-              </a:spcAft>
-              <a:defRPr sz="900"/>
-            </a:lvl1pPr>
-          </a:lstStyle>
-          <a:p>
-            <a:pPr lvl="0"/>
-            <a:r>
-              <a:rPr lang="en-US" noProof="0"/>
-              <a:t>Click to edit Master text styles</a:t>
-            </a:r>
-          </a:p>
-        </p:txBody>
-      </p:sp>
-      <p:sp>
-        <p:nvSpPr>
-          <p:cNvPr id="3" name="Picture Placeholder 2"/>
-          <p:cNvSpPr>
-            <a:spLocks noGrp="1"/>
-          </p:cNvSpPr>
-          <p:nvPr>
-            <p:ph type="pic" sz="quarter" idx="14" hasCustomPrompt="1"/>
-          </p:nvPr>
-        </p:nvSpPr>
-        <p:spPr>
-          <a:xfrm>
-            <a:off x="9402597" y="4102100"/>
-            <a:ext cx="2319503" cy="1725448"/>
-          </a:xfrm>
-          <a:prstGeom prst="rect">
-            <a:avLst/>
-          </a:prstGeom>
-        </p:spPr>
-        <p:txBody>
-          <a:bodyPr anchor="ctr" anchorCtr="0"/>
-          <a:lstStyle>
-            <a:lvl1pPr algn="ctr">
-              <a:defRPr sz="1200"/>
-            </a:lvl1pPr>
-          </a:lstStyle>
-          <a:p>
-            <a:r>
-              <a:rPr lang="en-US" sz="1200" noProof="0" dirty="0"/>
-              <a:t>Insert sponsorship mark here</a:t>
-            </a:r>
-            <a:endParaRPr lang="en-US" noProof="0" dirty="0"/>
-          </a:p>
-        </p:txBody>
-      </p:sp>
-      <p:sp>
-        <p:nvSpPr>
-          <p:cNvPr id="8" name="Text Placeholder 7"/>
-          <p:cNvSpPr>
-            <a:spLocks noGrp="1"/>
-          </p:cNvSpPr>
-          <p:nvPr>
-            <p:ph type="body" sz="quarter" idx="15"/>
-          </p:nvPr>
-        </p:nvSpPr>
-        <p:spPr>
-          <a:xfrm>
-            <a:off x="9402598" y="5935479"/>
-            <a:ext cx="2319501" cy="363723"/>
-          </a:xfrm>
-          <a:prstGeom prst="rect">
-            <a:avLst/>
-          </a:prstGeom>
-        </p:spPr>
-        <p:txBody>
-          <a:bodyPr anchor="b" anchorCtr="0"/>
-          <a:lstStyle>
-            <a:lvl1pPr>
-              <a:lnSpc>
-                <a:spcPct val="100000"/>
-              </a:lnSpc>
-              <a:defRPr sz="1267"/>
-            </a:lvl1pPr>
-          </a:lstStyle>
-          <a:p>
-            <a:pPr lvl="0"/>
-            <a:r>
-              <a:rPr lang="en-US" noProof="0"/>
-              <a:t>Click to edit Master text styles</a:t>
-            </a:r>
-          </a:p>
-        </p:txBody>
-      </p:sp>
-      <p:grpSp>
-        <p:nvGrpSpPr>
-          <p:cNvPr id="20" name="Group 19"/>
-          <p:cNvGrpSpPr>
-            <a:grpSpLocks noChangeAspect="1"/>
-          </p:cNvGrpSpPr>
-          <p:nvPr userDrawn="1"/>
-        </p:nvGrpSpPr>
-        <p:grpSpPr>
-          <a:xfrm>
-            <a:off x="475325" y="457200"/>
-            <a:ext cx="1998000" cy="374400"/>
-            <a:chOff x="398463" y="404813"/>
-            <a:chExt cx="1627187" cy="307976"/>
-          </a:xfrm>
-          <a:solidFill>
-            <a:schemeClr val="tx1"/>
-          </a:solidFill>
-        </p:grpSpPr>
-        <p:sp>
-          <p:nvSpPr>
-            <p:cNvPr id="21" name="Oval 5"/>
-            <p:cNvSpPr>
-              <a:spLocks noChangeArrowheads="1"/>
-            </p:cNvSpPr>
-            <p:nvPr userDrawn="1"/>
-          </p:nvSpPr>
-          <p:spPr bwMode="auto">
-            <a:xfrm>
-              <a:off x="1938338" y="625476"/>
-              <a:ext cx="87312" cy="87313"/>
-            </a:xfrm>
-            <a:prstGeom prst="ellipse">
-              <a:avLst/>
-            </a:prstGeom>
-            <a:solidFill>
-              <a:schemeClr val="accent1"/>
-            </a:solidFill>
-            <a:ln>
-              <a:noFill/>
-            </a:ln>
-            <a:extLst>
-              <a:ext uri="{91240B29-F687-4F45-9708-019B960494DF}">
-                <a14:hiddenLine xmlns:a14="http://schemas.microsoft.com/office/drawing/2010/main" w="9525">
-                  <a:solidFill>
-                    <a:srgbClr val="000000"/>
-                  </a:solidFill>
-                  <a:round/>
-                  <a:headEnd/>
-                  <a:tailEnd/>
-                </a14:hiddenLine>
-              </a:ext>
-            </a:extLst>
-          </p:spPr>
-          <p:txBody>
-            <a:bodyPr vert="horz" wrap="square" lIns="91440" tIns="45720" rIns="91440" bIns="45720" numCol="1" anchor="t" anchorCtr="0" compatLnSpc="1">
-              <a:prstTxWarp prst="textNoShape">
-                <a:avLst/>
-              </a:prstTxWarp>
-            </a:bodyPr>
-            <a:lstStyle/>
-            <a:p>
-              <a:endParaRPr lang="en-GB" sz="2600" dirty="0">
-                <a:solidFill>
-                  <a:schemeClr val="bg1"/>
-                </a:solidFill>
-              </a:endParaRPr>
-            </a:p>
-          </p:txBody>
-        </p:sp>
-        <p:sp>
-          <p:nvSpPr>
-            <p:cNvPr id="22" name="Freeform 6"/>
-            <p:cNvSpPr>
-              <a:spLocks noEditPoints="1"/>
-            </p:cNvSpPr>
-            <p:nvPr userDrawn="1"/>
-          </p:nvSpPr>
-          <p:spPr bwMode="auto">
-            <a:xfrm>
-              <a:off x="398463" y="406401"/>
-              <a:ext cx="247650" cy="301625"/>
-            </a:xfrm>
-            <a:custGeom>
-              <a:avLst/>
-              <a:gdLst>
-                <a:gd name="T0" fmla="*/ 287 w 287"/>
-                <a:gd name="T1" fmla="*/ 166 h 347"/>
-                <a:gd name="T2" fmla="*/ 240 w 287"/>
-                <a:gd name="T3" fmla="*/ 300 h 347"/>
-                <a:gd name="T4" fmla="*/ 109 w 287"/>
-                <a:gd name="T5" fmla="*/ 347 h 347"/>
-                <a:gd name="T6" fmla="*/ 0 w 287"/>
-                <a:gd name="T7" fmla="*/ 347 h 347"/>
-                <a:gd name="T8" fmla="*/ 0 w 287"/>
-                <a:gd name="T9" fmla="*/ 0 h 347"/>
-                <a:gd name="T10" fmla="*/ 117 w 287"/>
-                <a:gd name="T11" fmla="*/ 0 h 347"/>
-                <a:gd name="T12" fmla="*/ 243 w 287"/>
-                <a:gd name="T13" fmla="*/ 43 h 347"/>
-                <a:gd name="T14" fmla="*/ 287 w 287"/>
-                <a:gd name="T15" fmla="*/ 166 h 347"/>
-                <a:gd name="T16" fmla="*/ 192 w 287"/>
-                <a:gd name="T17" fmla="*/ 170 h 347"/>
-                <a:gd name="T18" fmla="*/ 174 w 287"/>
-                <a:gd name="T19" fmla="*/ 99 h 347"/>
-                <a:gd name="T20" fmla="*/ 118 w 287"/>
-                <a:gd name="T21" fmla="*/ 76 h 347"/>
-                <a:gd name="T22" fmla="*/ 91 w 287"/>
-                <a:gd name="T23" fmla="*/ 76 h 347"/>
-                <a:gd name="T24" fmla="*/ 91 w 287"/>
-                <a:gd name="T25" fmla="*/ 270 h 347"/>
-                <a:gd name="T26" fmla="*/ 111 w 287"/>
-                <a:gd name="T27" fmla="*/ 270 h 347"/>
-                <a:gd name="T28" fmla="*/ 173 w 287"/>
-                <a:gd name="T29" fmla="*/ 245 h 347"/>
-                <a:gd name="T30" fmla="*/ 192 w 287"/>
-                <a:gd name="T31" fmla="*/ 170 h 347"/>
-              </a:gdLst>
-              <a:ahLst/>
-              <a:cxnLst>
-                <a:cxn ang="0">
-                  <a:pos x="T0" y="T1"/>
-                </a:cxn>
-                <a:cxn ang="0">
-                  <a:pos x="T2" y="T3"/>
-                </a:cxn>
-                <a:cxn ang="0">
-                  <a:pos x="T4" y="T5"/>
-                </a:cxn>
-                <a:cxn ang="0">
-                  <a:pos x="T6" y="T7"/>
-                </a:cxn>
-                <a:cxn ang="0">
-                  <a:pos x="T8" y="T9"/>
-                </a:cxn>
-                <a:cxn ang="0">
-                  <a:pos x="T10" y="T11"/>
-                </a:cxn>
-                <a:cxn ang="0">
-                  <a:pos x="T12" y="T13"/>
-                </a:cxn>
-                <a:cxn ang="0">
-                  <a:pos x="T14" y="T15"/>
-                </a:cxn>
-                <a:cxn ang="0">
-                  <a:pos x="T16" y="T17"/>
-                </a:cxn>
-                <a:cxn ang="0">
-                  <a:pos x="T18" y="T19"/>
-                </a:cxn>
-                <a:cxn ang="0">
-                  <a:pos x="T20" y="T21"/>
-                </a:cxn>
-                <a:cxn ang="0">
-                  <a:pos x="T22" y="T23"/>
-                </a:cxn>
-                <a:cxn ang="0">
-                  <a:pos x="T24" y="T25"/>
-                </a:cxn>
-                <a:cxn ang="0">
-                  <a:pos x="T26" y="T27"/>
-                </a:cxn>
-                <a:cxn ang="0">
-                  <a:pos x="T28" y="T29"/>
-                </a:cxn>
-                <a:cxn ang="0">
-                  <a:pos x="T30" y="T31"/>
-                </a:cxn>
-              </a:cxnLst>
-              <a:rect l="0" t="0" r="r" b="b"/>
-              <a:pathLst>
-                <a:path w="287" h="347">
-                  <a:moveTo>
-                    <a:pt x="287" y="166"/>
-                  </a:moveTo>
-                  <a:cubicBezTo>
-                    <a:pt x="287" y="224"/>
-                    <a:pt x="271" y="269"/>
-                    <a:pt x="240" y="300"/>
-                  </a:cubicBezTo>
-                  <a:cubicBezTo>
-                    <a:pt x="209" y="331"/>
-                    <a:pt x="165" y="347"/>
-                    <a:pt x="109" y="347"/>
-                  </a:cubicBezTo>
-                  <a:cubicBezTo>
-                    <a:pt x="0" y="347"/>
-                    <a:pt x="0" y="347"/>
-                    <a:pt x="0" y="347"/>
-                  </a:cubicBezTo>
-                  <a:cubicBezTo>
-                    <a:pt x="0" y="0"/>
-                    <a:pt x="0" y="0"/>
-                    <a:pt x="0" y="0"/>
-                  </a:cubicBezTo>
-                  <a:cubicBezTo>
-                    <a:pt x="117" y="0"/>
-                    <a:pt x="117" y="0"/>
-                    <a:pt x="117" y="0"/>
-                  </a:cubicBezTo>
-                  <a:cubicBezTo>
-                    <a:pt x="171" y="0"/>
-                    <a:pt x="213" y="15"/>
-                    <a:pt x="243" y="43"/>
-                  </a:cubicBezTo>
-                  <a:cubicBezTo>
-                    <a:pt x="272" y="72"/>
-                    <a:pt x="287" y="113"/>
-                    <a:pt x="287" y="166"/>
-                  </a:cubicBezTo>
-                  <a:moveTo>
-                    <a:pt x="192" y="170"/>
-                  </a:moveTo>
-                  <a:cubicBezTo>
-                    <a:pt x="192" y="138"/>
-                    <a:pt x="186" y="114"/>
-                    <a:pt x="174" y="99"/>
-                  </a:cubicBezTo>
-                  <a:cubicBezTo>
-                    <a:pt x="161" y="84"/>
-                    <a:pt x="143" y="76"/>
-                    <a:pt x="118" y="76"/>
-                  </a:cubicBezTo>
-                  <a:cubicBezTo>
-                    <a:pt x="91" y="76"/>
-                    <a:pt x="91" y="76"/>
-                    <a:pt x="91" y="76"/>
-                  </a:cubicBezTo>
-                  <a:cubicBezTo>
-                    <a:pt x="91" y="270"/>
-                    <a:pt x="91" y="270"/>
-                    <a:pt x="91" y="270"/>
-                  </a:cubicBezTo>
-                  <a:cubicBezTo>
-                    <a:pt x="111" y="270"/>
-                    <a:pt x="111" y="270"/>
-                    <a:pt x="111" y="270"/>
-                  </a:cubicBezTo>
-                  <a:cubicBezTo>
-                    <a:pt x="139" y="270"/>
-                    <a:pt x="160" y="262"/>
-                    <a:pt x="173" y="245"/>
-                  </a:cubicBezTo>
-                  <a:cubicBezTo>
-                    <a:pt x="186" y="229"/>
-                    <a:pt x="192" y="204"/>
-                    <a:pt x="192" y="170"/>
-                  </a:cubicBezTo>
-                </a:path>
-              </a:pathLst>
-            </a:custGeom>
-            <a:grpFill/>
-            <a:ln>
-              <a:noFill/>
-            </a:ln>
-            <a:extLst>
-              <a:ext uri="{91240B29-F687-4F45-9708-019B960494DF}">
-                <a14:hiddenLine xmlns:a14="http://schemas.microsoft.com/office/drawing/2010/main" w="9525">
-                  <a:solidFill>
-                    <a:srgbClr val="000000"/>
-                  </a:solidFill>
-                  <a:round/>
-                  <a:headEnd/>
-                  <a:tailEnd/>
-                </a14:hiddenLine>
-              </a:ext>
-            </a:extLst>
-          </p:spPr>
-          <p:txBody>
-            <a:bodyPr vert="horz" wrap="square" lIns="91440" tIns="45720" rIns="91440" bIns="45720" numCol="1" anchor="t" anchorCtr="0" compatLnSpc="1">
-              <a:prstTxWarp prst="textNoShape">
-                <a:avLst/>
-              </a:prstTxWarp>
-            </a:bodyPr>
-            <a:lstStyle/>
-            <a:p>
-              <a:endParaRPr lang="en-GB" sz="2600" dirty="0">
-                <a:solidFill>
-                  <a:schemeClr val="bg1"/>
-                </a:solidFill>
-              </a:endParaRPr>
-            </a:p>
-          </p:txBody>
-        </p:sp>
-        <p:sp>
-          <p:nvSpPr>
-            <p:cNvPr id="23" name="Rectangle 7"/>
-            <p:cNvSpPr>
-              <a:spLocks noChangeArrowheads="1"/>
-            </p:cNvSpPr>
-            <p:nvPr userDrawn="1"/>
-          </p:nvSpPr>
-          <p:spPr bwMode="auto">
-            <a:xfrm>
-              <a:off x="906463" y="404813"/>
-              <a:ext cx="74612" cy="303213"/>
-            </a:xfrm>
-            <a:prstGeom prst="rect">
-              <a:avLst/>
-            </a:prstGeom>
-            <a:grpFill/>
-            <a:ln>
-              <a:noFill/>
-            </a:ln>
-            <a:extLst>
-              <a:ext uri="{91240B29-F687-4F45-9708-019B960494DF}">
-                <a14:hiddenLine xmlns:a14="http://schemas.microsoft.com/office/drawing/2010/main" w="9525">
-                  <a:solidFill>
-                    <a:srgbClr val="000000"/>
-                  </a:solidFill>
-                  <a:miter lim="800000"/>
-                  <a:headEnd/>
-                  <a:tailEnd/>
-                </a14:hiddenLine>
-              </a:ext>
-            </a:extLst>
-          </p:spPr>
-          <p:txBody>
-            <a:bodyPr vert="horz" wrap="square" lIns="91440" tIns="45720" rIns="91440" bIns="45720" numCol="1" anchor="t" anchorCtr="0" compatLnSpc="1">
-              <a:prstTxWarp prst="textNoShape">
-                <a:avLst/>
-              </a:prstTxWarp>
-            </a:bodyPr>
-            <a:lstStyle/>
-            <a:p>
-              <a:endParaRPr lang="en-GB" sz="2600" dirty="0">
-                <a:solidFill>
-                  <a:schemeClr val="bg1"/>
-                </a:solidFill>
-              </a:endParaRPr>
-            </a:p>
-          </p:txBody>
-        </p:sp>
-        <p:sp>
-          <p:nvSpPr>
-            <p:cNvPr id="24" name="Freeform 8"/>
-            <p:cNvSpPr>
-              <a:spLocks noEditPoints="1"/>
-            </p:cNvSpPr>
-            <p:nvPr userDrawn="1"/>
-          </p:nvSpPr>
-          <p:spPr bwMode="auto">
-            <a:xfrm>
-              <a:off x="1011238" y="479426"/>
-              <a:ext cx="215900" cy="231775"/>
-            </a:xfrm>
-            <a:custGeom>
-              <a:avLst/>
-              <a:gdLst>
-                <a:gd name="T0" fmla="*/ 252 w 252"/>
-                <a:gd name="T1" fmla="*/ 133 h 267"/>
-                <a:gd name="T2" fmla="*/ 218 w 252"/>
-                <a:gd name="T3" fmla="*/ 232 h 267"/>
-                <a:gd name="T4" fmla="*/ 125 w 252"/>
-                <a:gd name="T5" fmla="*/ 267 h 267"/>
-                <a:gd name="T6" fmla="*/ 34 w 252"/>
-                <a:gd name="T7" fmla="*/ 231 h 267"/>
-                <a:gd name="T8" fmla="*/ 0 w 252"/>
-                <a:gd name="T9" fmla="*/ 133 h 267"/>
-                <a:gd name="T10" fmla="*/ 33 w 252"/>
-                <a:gd name="T11" fmla="*/ 35 h 267"/>
-                <a:gd name="T12" fmla="*/ 127 w 252"/>
-                <a:gd name="T13" fmla="*/ 0 h 267"/>
-                <a:gd name="T14" fmla="*/ 192 w 252"/>
-                <a:gd name="T15" fmla="*/ 16 h 267"/>
-                <a:gd name="T16" fmla="*/ 236 w 252"/>
-                <a:gd name="T17" fmla="*/ 63 h 267"/>
-                <a:gd name="T18" fmla="*/ 252 w 252"/>
-                <a:gd name="T19" fmla="*/ 133 h 267"/>
-                <a:gd name="T20" fmla="*/ 88 w 252"/>
-                <a:gd name="T21" fmla="*/ 133 h 267"/>
-                <a:gd name="T22" fmla="*/ 97 w 252"/>
-                <a:gd name="T23" fmla="*/ 184 h 267"/>
-                <a:gd name="T24" fmla="*/ 126 w 252"/>
-                <a:gd name="T25" fmla="*/ 201 h 267"/>
-                <a:gd name="T26" fmla="*/ 155 w 252"/>
-                <a:gd name="T27" fmla="*/ 184 h 267"/>
-                <a:gd name="T28" fmla="*/ 163 w 252"/>
-                <a:gd name="T29" fmla="*/ 133 h 267"/>
-                <a:gd name="T30" fmla="*/ 155 w 252"/>
-                <a:gd name="T31" fmla="*/ 83 h 267"/>
-                <a:gd name="T32" fmla="*/ 126 w 252"/>
-                <a:gd name="T33" fmla="*/ 66 h 267"/>
-                <a:gd name="T34" fmla="*/ 97 w 252"/>
-                <a:gd name="T35" fmla="*/ 83 h 267"/>
-                <a:gd name="T36" fmla="*/ 88 w 252"/>
-                <a:gd name="T37" fmla="*/ 133 h 267"/>
-              </a:gdLst>
-              <a:ahLst/>
-              <a:cxnLst>
-                <a:cxn ang="0">
-                  <a:pos x="T0" y="T1"/>
-                </a:cxn>
-                <a:cxn ang="0">
-                  <a:pos x="T2" y="T3"/>
-                </a:cxn>
-                <a:cxn ang="0">
-                  <a:pos x="T4" y="T5"/>
-                </a:cxn>
-                <a:cxn ang="0">
-                  <a:pos x="T6" y="T7"/>
-                </a:cxn>
-                <a:cxn ang="0">
-                  <a:pos x="T8" y="T9"/>
-                </a:cxn>
-                <a:cxn ang="0">
-                  <a:pos x="T10" y="T11"/>
-                </a:cxn>
-                <a:cxn ang="0">
-                  <a:pos x="T12" y="T13"/>
-                </a:cxn>
-                <a:cxn ang="0">
-                  <a:pos x="T14" y="T15"/>
-                </a:cxn>
-                <a:cxn ang="0">
-                  <a:pos x="T16" y="T17"/>
-                </a:cxn>
-                <a:cxn ang="0">
-                  <a:pos x="T18" y="T19"/>
-                </a:cxn>
-                <a:cxn ang="0">
-                  <a:pos x="T20" y="T21"/>
-                </a:cxn>
-                <a:cxn ang="0">
-                  <a:pos x="T22" y="T23"/>
-                </a:cxn>
-                <a:cxn ang="0">
-                  <a:pos x="T24" y="T25"/>
-                </a:cxn>
-                <a:cxn ang="0">
-                  <a:pos x="T26" y="T27"/>
-                </a:cxn>
-                <a:cxn ang="0">
-                  <a:pos x="T28" y="T29"/>
-                </a:cxn>
-                <a:cxn ang="0">
-                  <a:pos x="T30" y="T31"/>
-                </a:cxn>
-                <a:cxn ang="0">
-                  <a:pos x="T32" y="T33"/>
-                </a:cxn>
-                <a:cxn ang="0">
-                  <a:pos x="T34" y="T35"/>
-                </a:cxn>
-                <a:cxn ang="0">
-                  <a:pos x="T36" y="T37"/>
-                </a:cxn>
-              </a:cxnLst>
-              <a:rect l="0" t="0" r="r" b="b"/>
-              <a:pathLst>
-                <a:path w="252" h="267">
-                  <a:moveTo>
-                    <a:pt x="252" y="133"/>
-                  </a:moveTo>
-                  <a:cubicBezTo>
-                    <a:pt x="252" y="175"/>
-                    <a:pt x="241" y="208"/>
-                    <a:pt x="218" y="232"/>
-                  </a:cubicBezTo>
-                  <a:cubicBezTo>
-                    <a:pt x="196" y="256"/>
-                    <a:pt x="165" y="267"/>
-                    <a:pt x="125" y="267"/>
-                  </a:cubicBezTo>
-                  <a:cubicBezTo>
-                    <a:pt x="87" y="267"/>
-                    <a:pt x="56" y="255"/>
-                    <a:pt x="34" y="231"/>
-                  </a:cubicBezTo>
-                  <a:cubicBezTo>
-                    <a:pt x="11" y="207"/>
-                    <a:pt x="0" y="174"/>
-                    <a:pt x="0" y="133"/>
-                  </a:cubicBezTo>
-                  <a:cubicBezTo>
-                    <a:pt x="0" y="91"/>
-                    <a:pt x="11" y="58"/>
-                    <a:pt x="33" y="35"/>
-                  </a:cubicBezTo>
-                  <a:cubicBezTo>
-                    <a:pt x="55" y="12"/>
-                    <a:pt x="86" y="0"/>
-                    <a:pt x="127" y="0"/>
-                  </a:cubicBezTo>
-                  <a:cubicBezTo>
-                    <a:pt x="151" y="0"/>
-                    <a:pt x="173" y="5"/>
-                    <a:pt x="192" y="16"/>
-                  </a:cubicBezTo>
-                  <a:cubicBezTo>
-                    <a:pt x="211" y="27"/>
-                    <a:pt x="226" y="42"/>
-                    <a:pt x="236" y="63"/>
-                  </a:cubicBezTo>
-                  <a:cubicBezTo>
-                    <a:pt x="247" y="83"/>
-                    <a:pt x="252" y="106"/>
-                    <a:pt x="252" y="133"/>
-                  </a:cubicBezTo>
-                  <a:moveTo>
-                    <a:pt x="88" y="133"/>
-                  </a:moveTo>
-                  <a:cubicBezTo>
-                    <a:pt x="88" y="155"/>
-                    <a:pt x="91" y="172"/>
-                    <a:pt x="97" y="184"/>
-                  </a:cubicBezTo>
-                  <a:cubicBezTo>
-                    <a:pt x="103" y="195"/>
-                    <a:pt x="112" y="201"/>
-                    <a:pt x="126" y="201"/>
-                  </a:cubicBezTo>
-                  <a:cubicBezTo>
-                    <a:pt x="140" y="201"/>
-                    <a:pt x="149" y="195"/>
-                    <a:pt x="155" y="184"/>
-                  </a:cubicBezTo>
-                  <a:cubicBezTo>
-                    <a:pt x="160" y="172"/>
-                    <a:pt x="163" y="155"/>
-                    <a:pt x="163" y="133"/>
-                  </a:cubicBezTo>
-                  <a:cubicBezTo>
-                    <a:pt x="163" y="111"/>
-                    <a:pt x="160" y="94"/>
-                    <a:pt x="155" y="83"/>
-                  </a:cubicBezTo>
-                  <a:cubicBezTo>
-                    <a:pt x="149" y="72"/>
-                    <a:pt x="139" y="66"/>
-                    <a:pt x="126" y="66"/>
-                  </a:cubicBezTo>
-                  <a:cubicBezTo>
-                    <a:pt x="112" y="66"/>
-                    <a:pt x="103" y="72"/>
-                    <a:pt x="97" y="83"/>
-                  </a:cubicBezTo>
-                  <a:cubicBezTo>
-                    <a:pt x="91" y="94"/>
-                    <a:pt x="88" y="111"/>
-                    <a:pt x="88" y="133"/>
-                  </a:cubicBezTo>
-                </a:path>
-              </a:pathLst>
-            </a:custGeom>
-            <a:grpFill/>
-            <a:ln>
-              <a:noFill/>
-            </a:ln>
-            <a:extLst>
-              <a:ext uri="{91240B29-F687-4F45-9708-019B960494DF}">
-                <a14:hiddenLine xmlns:a14="http://schemas.microsoft.com/office/drawing/2010/main" w="9525">
-                  <a:solidFill>
-                    <a:srgbClr val="000000"/>
-                  </a:solidFill>
-                  <a:round/>
-                  <a:headEnd/>
-                  <a:tailEnd/>
-                </a14:hiddenLine>
-              </a:ext>
-            </a:extLst>
-          </p:spPr>
-          <p:txBody>
-            <a:bodyPr vert="horz" wrap="square" lIns="91440" tIns="45720" rIns="91440" bIns="45720" numCol="1" anchor="t" anchorCtr="0" compatLnSpc="1">
-              <a:prstTxWarp prst="textNoShape">
-                <a:avLst/>
-              </a:prstTxWarp>
-            </a:bodyPr>
-            <a:lstStyle/>
-            <a:p>
-              <a:endParaRPr lang="en-GB" sz="2600" dirty="0">
-                <a:solidFill>
-                  <a:schemeClr val="bg1"/>
-                </a:solidFill>
-              </a:endParaRPr>
-            </a:p>
-          </p:txBody>
-        </p:sp>
-        <p:sp>
-          <p:nvSpPr>
-            <p:cNvPr id="25" name="Rectangle 9"/>
-            <p:cNvSpPr>
-              <a:spLocks noChangeArrowheads="1"/>
-            </p:cNvSpPr>
-            <p:nvPr userDrawn="1"/>
-          </p:nvSpPr>
-          <p:spPr bwMode="auto">
-            <a:xfrm>
-              <a:off x="1257300" y="482601"/>
-              <a:ext cx="74612" cy="225425"/>
-            </a:xfrm>
-            <a:prstGeom prst="rect">
-              <a:avLst/>
-            </a:prstGeom>
-            <a:grpFill/>
-            <a:ln>
-              <a:noFill/>
-            </a:ln>
-            <a:extLst>
-              <a:ext uri="{91240B29-F687-4F45-9708-019B960494DF}">
-                <a14:hiddenLine xmlns:a14="http://schemas.microsoft.com/office/drawing/2010/main" w="9525">
-                  <a:solidFill>
-                    <a:srgbClr val="000000"/>
-                  </a:solidFill>
-                  <a:miter lim="800000"/>
-                  <a:headEnd/>
-                  <a:tailEnd/>
-                </a14:hiddenLine>
-              </a:ext>
-            </a:extLst>
-          </p:spPr>
-          <p:txBody>
-            <a:bodyPr vert="horz" wrap="square" lIns="91440" tIns="45720" rIns="91440" bIns="45720" numCol="1" anchor="t" anchorCtr="0" compatLnSpc="1">
-              <a:prstTxWarp prst="textNoShape">
-                <a:avLst/>
-              </a:prstTxWarp>
-            </a:bodyPr>
-            <a:lstStyle/>
-            <a:p>
-              <a:endParaRPr lang="en-GB" sz="2600" dirty="0">
-                <a:solidFill>
-                  <a:schemeClr val="bg1"/>
-                </a:solidFill>
-              </a:endParaRPr>
-            </a:p>
-          </p:txBody>
-        </p:sp>
-        <p:sp>
-          <p:nvSpPr>
-            <p:cNvPr id="26" name="Rectangle 10"/>
-            <p:cNvSpPr>
-              <a:spLocks noChangeArrowheads="1"/>
-            </p:cNvSpPr>
-            <p:nvPr userDrawn="1"/>
-          </p:nvSpPr>
-          <p:spPr bwMode="auto">
-            <a:xfrm>
-              <a:off x="1257300" y="404813"/>
-              <a:ext cx="74612" cy="50800"/>
-            </a:xfrm>
-            <a:prstGeom prst="rect">
-              <a:avLst/>
-            </a:prstGeom>
-            <a:grpFill/>
-            <a:ln>
-              <a:noFill/>
-            </a:ln>
-            <a:extLst>
-              <a:ext uri="{91240B29-F687-4F45-9708-019B960494DF}">
-                <a14:hiddenLine xmlns:a14="http://schemas.microsoft.com/office/drawing/2010/main" w="9525">
-                  <a:solidFill>
-                    <a:srgbClr val="000000"/>
-                  </a:solidFill>
-                  <a:miter lim="800000"/>
-                  <a:headEnd/>
-                  <a:tailEnd/>
-                </a14:hiddenLine>
-              </a:ext>
-            </a:extLst>
-          </p:spPr>
-          <p:txBody>
-            <a:bodyPr vert="horz" wrap="square" lIns="91440" tIns="45720" rIns="91440" bIns="45720" numCol="1" anchor="t" anchorCtr="0" compatLnSpc="1">
-              <a:prstTxWarp prst="textNoShape">
-                <a:avLst/>
-              </a:prstTxWarp>
-            </a:bodyPr>
-            <a:lstStyle/>
-            <a:p>
-              <a:endParaRPr lang="en-GB" sz="2600" dirty="0">
-                <a:solidFill>
-                  <a:schemeClr val="bg1"/>
-                </a:solidFill>
-              </a:endParaRPr>
-            </a:p>
-          </p:txBody>
-        </p:sp>
-        <p:sp>
-          <p:nvSpPr>
-            <p:cNvPr id="27" name="Freeform 11"/>
-            <p:cNvSpPr>
-              <a:spLocks/>
-            </p:cNvSpPr>
-            <p:nvPr userDrawn="1"/>
-          </p:nvSpPr>
-          <p:spPr bwMode="auto">
-            <a:xfrm>
-              <a:off x="1362075" y="411163"/>
-              <a:ext cx="158750" cy="300038"/>
-            </a:xfrm>
-            <a:custGeom>
-              <a:avLst/>
-              <a:gdLst>
-                <a:gd name="T0" fmla="*/ 142 w 184"/>
-                <a:gd name="T1" fmla="*/ 274 h 344"/>
-                <a:gd name="T2" fmla="*/ 184 w 184"/>
-                <a:gd name="T3" fmla="*/ 265 h 344"/>
-                <a:gd name="T4" fmla="*/ 184 w 184"/>
-                <a:gd name="T5" fmla="*/ 330 h 344"/>
-                <a:gd name="T6" fmla="*/ 150 w 184"/>
-                <a:gd name="T7" fmla="*/ 341 h 344"/>
-                <a:gd name="T8" fmla="*/ 113 w 184"/>
-                <a:gd name="T9" fmla="*/ 344 h 344"/>
-                <a:gd name="T10" fmla="*/ 50 w 184"/>
-                <a:gd name="T11" fmla="*/ 322 h 344"/>
-                <a:gd name="T12" fmla="*/ 30 w 184"/>
-                <a:gd name="T13" fmla="*/ 255 h 344"/>
-                <a:gd name="T14" fmla="*/ 30 w 184"/>
-                <a:gd name="T15" fmla="*/ 148 h 344"/>
-                <a:gd name="T16" fmla="*/ 0 w 184"/>
-                <a:gd name="T17" fmla="*/ 148 h 344"/>
-                <a:gd name="T18" fmla="*/ 0 w 184"/>
-                <a:gd name="T19" fmla="*/ 81 h 344"/>
-                <a:gd name="T20" fmla="*/ 30 w 184"/>
-                <a:gd name="T21" fmla="*/ 81 h 344"/>
-                <a:gd name="T22" fmla="*/ 30 w 184"/>
-                <a:gd name="T23" fmla="*/ 16 h 344"/>
-                <a:gd name="T24" fmla="*/ 118 w 184"/>
-                <a:gd name="T25" fmla="*/ 0 h 344"/>
-                <a:gd name="T26" fmla="*/ 118 w 184"/>
-                <a:gd name="T27" fmla="*/ 81 h 344"/>
-                <a:gd name="T28" fmla="*/ 174 w 184"/>
-                <a:gd name="T29" fmla="*/ 81 h 344"/>
-                <a:gd name="T30" fmla="*/ 174 w 184"/>
-                <a:gd name="T31" fmla="*/ 148 h 344"/>
-                <a:gd name="T32" fmla="*/ 118 w 184"/>
-                <a:gd name="T33" fmla="*/ 148 h 344"/>
-                <a:gd name="T34" fmla="*/ 118 w 184"/>
-                <a:gd name="T35" fmla="*/ 249 h 344"/>
-                <a:gd name="T36" fmla="*/ 142 w 184"/>
-                <a:gd name="T37" fmla="*/ 274 h 344"/>
-              </a:gdLst>
-              <a:ahLst/>
-              <a:cxnLst>
-                <a:cxn ang="0">
-                  <a:pos x="T0" y="T1"/>
-                </a:cxn>
-                <a:cxn ang="0">
-                  <a:pos x="T2" y="T3"/>
-                </a:cxn>
-                <a:cxn ang="0">
-                  <a:pos x="T4" y="T5"/>
-                </a:cxn>
-                <a:cxn ang="0">
-                  <a:pos x="T6" y="T7"/>
-                </a:cxn>
-                <a:cxn ang="0">
-                  <a:pos x="T8" y="T9"/>
-                </a:cxn>
-                <a:cxn ang="0">
-                  <a:pos x="T10" y="T11"/>
-                </a:cxn>
-                <a:cxn ang="0">
-                  <a:pos x="T12" y="T13"/>
-                </a:cxn>
-                <a:cxn ang="0">
-                  <a:pos x="T14" y="T15"/>
-                </a:cxn>
-                <a:cxn ang="0">
-                  <a:pos x="T16" y="T17"/>
-                </a:cxn>
-                <a:cxn ang="0">
-                  <a:pos x="T18" y="T19"/>
-                </a:cxn>
-                <a:cxn ang="0">
-                  <a:pos x="T20" y="T21"/>
-                </a:cxn>
-                <a:cxn ang="0">
-                  <a:pos x="T22" y="T23"/>
-                </a:cxn>
-                <a:cxn ang="0">
-                  <a:pos x="T24" y="T25"/>
-                </a:cxn>
-                <a:cxn ang="0">
-                  <a:pos x="T26" y="T27"/>
-                </a:cxn>
-                <a:cxn ang="0">
-                  <a:pos x="T28" y="T29"/>
-                </a:cxn>
-                <a:cxn ang="0">
-                  <a:pos x="T30" y="T31"/>
-                </a:cxn>
-                <a:cxn ang="0">
-                  <a:pos x="T32" y="T33"/>
-                </a:cxn>
-                <a:cxn ang="0">
-                  <a:pos x="T34" y="T35"/>
-                </a:cxn>
-                <a:cxn ang="0">
-                  <a:pos x="T36" y="T37"/>
-                </a:cxn>
-              </a:cxnLst>
-              <a:rect l="0" t="0" r="r" b="b"/>
-              <a:pathLst>
-                <a:path w="184" h="344">
-                  <a:moveTo>
-                    <a:pt x="142" y="274"/>
-                  </a:moveTo>
-                  <a:cubicBezTo>
-                    <a:pt x="153" y="274"/>
-                    <a:pt x="167" y="271"/>
-                    <a:pt x="184" y="265"/>
-                  </a:cubicBezTo>
-                  <a:cubicBezTo>
-                    <a:pt x="184" y="330"/>
-                    <a:pt x="184" y="330"/>
-                    <a:pt x="184" y="330"/>
-                  </a:cubicBezTo>
-                  <a:cubicBezTo>
-                    <a:pt x="172" y="335"/>
-                    <a:pt x="161" y="339"/>
-                    <a:pt x="150" y="341"/>
-                  </a:cubicBezTo>
-                  <a:cubicBezTo>
-                    <a:pt x="140" y="343"/>
-                    <a:pt x="127" y="344"/>
-                    <a:pt x="113" y="344"/>
-                  </a:cubicBezTo>
-                  <a:cubicBezTo>
-                    <a:pt x="84" y="344"/>
-                    <a:pt x="63" y="337"/>
-                    <a:pt x="50" y="322"/>
-                  </a:cubicBezTo>
-                  <a:cubicBezTo>
-                    <a:pt x="37" y="308"/>
-                    <a:pt x="30" y="285"/>
-                    <a:pt x="30" y="255"/>
-                  </a:cubicBezTo>
-                  <a:cubicBezTo>
-                    <a:pt x="30" y="148"/>
-                    <a:pt x="30" y="148"/>
-                    <a:pt x="30" y="148"/>
-                  </a:cubicBezTo>
-                  <a:cubicBezTo>
-                    <a:pt x="0" y="148"/>
-                    <a:pt x="0" y="148"/>
-                    <a:pt x="0" y="148"/>
-                  </a:cubicBezTo>
-                  <a:cubicBezTo>
-                    <a:pt x="0" y="81"/>
-                    <a:pt x="0" y="81"/>
-                    <a:pt x="0" y="81"/>
-                  </a:cubicBezTo>
-                  <a:cubicBezTo>
-                    <a:pt x="30" y="81"/>
-                    <a:pt x="30" y="81"/>
-                    <a:pt x="30" y="81"/>
-                  </a:cubicBezTo>
-                  <a:cubicBezTo>
-                    <a:pt x="30" y="16"/>
-                    <a:pt x="30" y="16"/>
-                    <a:pt x="30" y="16"/>
-                  </a:cubicBezTo>
-                  <a:cubicBezTo>
-                    <a:pt x="118" y="0"/>
-                    <a:pt x="118" y="0"/>
-                    <a:pt x="118" y="0"/>
-                  </a:cubicBezTo>
-                  <a:cubicBezTo>
-                    <a:pt x="118" y="81"/>
-                    <a:pt x="118" y="81"/>
-                    <a:pt x="118" y="81"/>
-                  </a:cubicBezTo>
-                  <a:cubicBezTo>
-                    <a:pt x="174" y="81"/>
-                    <a:pt x="174" y="81"/>
-                    <a:pt x="174" y="81"/>
-                  </a:cubicBezTo>
-                  <a:cubicBezTo>
-                    <a:pt x="174" y="148"/>
-                    <a:pt x="174" y="148"/>
-                    <a:pt x="174" y="148"/>
-                  </a:cubicBezTo>
-                  <a:cubicBezTo>
-                    <a:pt x="118" y="148"/>
-                    <a:pt x="118" y="148"/>
-                    <a:pt x="118" y="148"/>
-                  </a:cubicBezTo>
-                  <a:cubicBezTo>
-                    <a:pt x="118" y="249"/>
-                    <a:pt x="118" y="249"/>
-                    <a:pt x="118" y="249"/>
-                  </a:cubicBezTo>
-                  <a:cubicBezTo>
-                    <a:pt x="118" y="266"/>
-                    <a:pt x="126" y="274"/>
-                    <a:pt x="142" y="274"/>
-                  </a:cubicBezTo>
-                </a:path>
-              </a:pathLst>
-            </a:custGeom>
-            <a:grpFill/>
-            <a:ln>
-              <a:noFill/>
-            </a:ln>
-            <a:extLst>
-              <a:ext uri="{91240B29-F687-4F45-9708-019B960494DF}">
-                <a14:hiddenLine xmlns:a14="http://schemas.microsoft.com/office/drawing/2010/main" w="9525">
-                  <a:solidFill>
-                    <a:srgbClr val="000000"/>
-                  </a:solidFill>
-                  <a:round/>
-                  <a:headEnd/>
-                  <a:tailEnd/>
-                </a14:hiddenLine>
-              </a:ext>
-            </a:extLst>
-          </p:spPr>
-          <p:txBody>
-            <a:bodyPr vert="horz" wrap="square" lIns="91440" tIns="45720" rIns="91440" bIns="45720" numCol="1" anchor="t" anchorCtr="0" compatLnSpc="1">
-              <a:prstTxWarp prst="textNoShape">
-                <a:avLst/>
-              </a:prstTxWarp>
-            </a:bodyPr>
-            <a:lstStyle/>
-            <a:p>
-              <a:endParaRPr lang="en-GB" sz="2600" dirty="0">
-                <a:solidFill>
-                  <a:schemeClr val="bg1"/>
-                </a:solidFill>
-              </a:endParaRPr>
-            </a:p>
-          </p:txBody>
-        </p:sp>
-        <p:sp>
-          <p:nvSpPr>
-            <p:cNvPr id="28" name="Freeform 12"/>
-            <p:cNvSpPr>
-              <a:spLocks/>
-            </p:cNvSpPr>
-            <p:nvPr userDrawn="1"/>
-          </p:nvSpPr>
-          <p:spPr bwMode="auto">
-            <a:xfrm>
-              <a:off x="1535113" y="411163"/>
-              <a:ext cx="158750" cy="300038"/>
-            </a:xfrm>
-            <a:custGeom>
-              <a:avLst/>
-              <a:gdLst>
-                <a:gd name="T0" fmla="*/ 142 w 184"/>
-                <a:gd name="T1" fmla="*/ 274 h 344"/>
-                <a:gd name="T2" fmla="*/ 184 w 184"/>
-                <a:gd name="T3" fmla="*/ 265 h 344"/>
-                <a:gd name="T4" fmla="*/ 184 w 184"/>
-                <a:gd name="T5" fmla="*/ 330 h 344"/>
-                <a:gd name="T6" fmla="*/ 151 w 184"/>
-                <a:gd name="T7" fmla="*/ 341 h 344"/>
-                <a:gd name="T8" fmla="*/ 114 w 184"/>
-                <a:gd name="T9" fmla="*/ 344 h 344"/>
-                <a:gd name="T10" fmla="*/ 50 w 184"/>
-                <a:gd name="T11" fmla="*/ 322 h 344"/>
-                <a:gd name="T12" fmla="*/ 31 w 184"/>
-                <a:gd name="T13" fmla="*/ 255 h 344"/>
-                <a:gd name="T14" fmla="*/ 31 w 184"/>
-                <a:gd name="T15" fmla="*/ 148 h 344"/>
-                <a:gd name="T16" fmla="*/ 0 w 184"/>
-                <a:gd name="T17" fmla="*/ 148 h 344"/>
-                <a:gd name="T18" fmla="*/ 0 w 184"/>
-                <a:gd name="T19" fmla="*/ 81 h 344"/>
-                <a:gd name="T20" fmla="*/ 31 w 184"/>
-                <a:gd name="T21" fmla="*/ 81 h 344"/>
-                <a:gd name="T22" fmla="*/ 31 w 184"/>
-                <a:gd name="T23" fmla="*/ 15 h 344"/>
-                <a:gd name="T24" fmla="*/ 119 w 184"/>
-                <a:gd name="T25" fmla="*/ 0 h 344"/>
-                <a:gd name="T26" fmla="*/ 119 w 184"/>
-                <a:gd name="T27" fmla="*/ 81 h 344"/>
-                <a:gd name="T28" fmla="*/ 174 w 184"/>
-                <a:gd name="T29" fmla="*/ 81 h 344"/>
-                <a:gd name="T30" fmla="*/ 174 w 184"/>
-                <a:gd name="T31" fmla="*/ 148 h 344"/>
-                <a:gd name="T32" fmla="*/ 119 w 184"/>
-                <a:gd name="T33" fmla="*/ 148 h 344"/>
-                <a:gd name="T34" fmla="*/ 119 w 184"/>
-                <a:gd name="T35" fmla="*/ 249 h 344"/>
-                <a:gd name="T36" fmla="*/ 142 w 184"/>
-                <a:gd name="T37" fmla="*/ 274 h 344"/>
-              </a:gdLst>
-              <a:ahLst/>
-              <a:cxnLst>
-                <a:cxn ang="0">
-                  <a:pos x="T0" y="T1"/>
-                </a:cxn>
-                <a:cxn ang="0">
-                  <a:pos x="T2" y="T3"/>
-                </a:cxn>
-                <a:cxn ang="0">
-                  <a:pos x="T4" y="T5"/>
-                </a:cxn>
-                <a:cxn ang="0">
-                  <a:pos x="T6" y="T7"/>
-                </a:cxn>
-                <a:cxn ang="0">
-                  <a:pos x="T8" y="T9"/>
-                </a:cxn>
-                <a:cxn ang="0">
-                  <a:pos x="T10" y="T11"/>
-                </a:cxn>
-                <a:cxn ang="0">
-                  <a:pos x="T12" y="T13"/>
-                </a:cxn>
-                <a:cxn ang="0">
-                  <a:pos x="T14" y="T15"/>
-                </a:cxn>
-                <a:cxn ang="0">
-                  <a:pos x="T16" y="T17"/>
-                </a:cxn>
-                <a:cxn ang="0">
-                  <a:pos x="T18" y="T19"/>
-                </a:cxn>
-                <a:cxn ang="0">
-                  <a:pos x="T20" y="T21"/>
-                </a:cxn>
-                <a:cxn ang="0">
-                  <a:pos x="T22" y="T23"/>
-                </a:cxn>
-                <a:cxn ang="0">
-                  <a:pos x="T24" y="T25"/>
-                </a:cxn>
-                <a:cxn ang="0">
-                  <a:pos x="T26" y="T27"/>
-                </a:cxn>
-                <a:cxn ang="0">
-                  <a:pos x="T28" y="T29"/>
-                </a:cxn>
-                <a:cxn ang="0">
-                  <a:pos x="T30" y="T31"/>
-                </a:cxn>
-                <a:cxn ang="0">
-                  <a:pos x="T32" y="T33"/>
-                </a:cxn>
-                <a:cxn ang="0">
-                  <a:pos x="T34" y="T35"/>
-                </a:cxn>
-                <a:cxn ang="0">
-                  <a:pos x="T36" y="T37"/>
-                </a:cxn>
-              </a:cxnLst>
-              <a:rect l="0" t="0" r="r" b="b"/>
-              <a:pathLst>
-                <a:path w="184" h="344">
-                  <a:moveTo>
-                    <a:pt x="142" y="274"/>
-                  </a:moveTo>
-                  <a:cubicBezTo>
-                    <a:pt x="154" y="274"/>
-                    <a:pt x="168" y="271"/>
-                    <a:pt x="184" y="265"/>
-                  </a:cubicBezTo>
-                  <a:cubicBezTo>
-                    <a:pt x="184" y="330"/>
-                    <a:pt x="184" y="330"/>
-                    <a:pt x="184" y="330"/>
-                  </a:cubicBezTo>
-                  <a:cubicBezTo>
-                    <a:pt x="173" y="335"/>
-                    <a:pt x="161" y="339"/>
-                    <a:pt x="151" y="341"/>
-                  </a:cubicBezTo>
-                  <a:cubicBezTo>
-                    <a:pt x="140" y="343"/>
-                    <a:pt x="128" y="344"/>
-                    <a:pt x="114" y="344"/>
-                  </a:cubicBezTo>
-                  <a:cubicBezTo>
-                    <a:pt x="84" y="344"/>
-                    <a:pt x="63" y="337"/>
-                    <a:pt x="50" y="322"/>
-                  </a:cubicBezTo>
-                  <a:cubicBezTo>
-                    <a:pt x="37" y="308"/>
-                    <a:pt x="31" y="285"/>
-                    <a:pt x="31" y="255"/>
-                  </a:cubicBezTo>
-                  <a:cubicBezTo>
-                    <a:pt x="31" y="148"/>
-                    <a:pt x="31" y="148"/>
-                    <a:pt x="31" y="148"/>
-                  </a:cubicBezTo>
-                  <a:cubicBezTo>
-                    <a:pt x="0" y="148"/>
-                    <a:pt x="0" y="148"/>
-                    <a:pt x="0" y="148"/>
-                  </a:cubicBezTo>
-                  <a:cubicBezTo>
-                    <a:pt x="0" y="81"/>
-                    <a:pt x="0" y="81"/>
-                    <a:pt x="0" y="81"/>
-                  </a:cubicBezTo>
-                  <a:cubicBezTo>
-                    <a:pt x="31" y="81"/>
-                    <a:pt x="31" y="81"/>
-                    <a:pt x="31" y="81"/>
-                  </a:cubicBezTo>
-                  <a:cubicBezTo>
-                    <a:pt x="31" y="15"/>
-                    <a:pt x="31" y="15"/>
-                    <a:pt x="31" y="15"/>
-                  </a:cubicBezTo>
-                  <a:cubicBezTo>
-                    <a:pt x="119" y="0"/>
-                    <a:pt x="119" y="0"/>
-                    <a:pt x="119" y="0"/>
-                  </a:cubicBezTo>
-                  <a:cubicBezTo>
-                    <a:pt x="119" y="81"/>
-                    <a:pt x="119" y="81"/>
-                    <a:pt x="119" y="81"/>
-                  </a:cubicBezTo>
-                  <a:cubicBezTo>
-                    <a:pt x="174" y="81"/>
-                    <a:pt x="174" y="81"/>
-                    <a:pt x="174" y="81"/>
-                  </a:cubicBezTo>
-                  <a:cubicBezTo>
-                    <a:pt x="174" y="148"/>
-                    <a:pt x="174" y="148"/>
-                    <a:pt x="174" y="148"/>
-                  </a:cubicBezTo>
-                  <a:cubicBezTo>
-                    <a:pt x="119" y="148"/>
-                    <a:pt x="119" y="148"/>
-                    <a:pt x="119" y="148"/>
-                  </a:cubicBezTo>
-                  <a:cubicBezTo>
-                    <a:pt x="119" y="249"/>
-                    <a:pt x="119" y="249"/>
-                    <a:pt x="119" y="249"/>
-                  </a:cubicBezTo>
-                  <a:cubicBezTo>
-                    <a:pt x="119" y="266"/>
-                    <a:pt x="127" y="274"/>
-                    <a:pt x="142" y="274"/>
-                  </a:cubicBezTo>
-                </a:path>
-              </a:pathLst>
-            </a:custGeom>
-            <a:grpFill/>
-            <a:ln>
-              <a:noFill/>
-            </a:ln>
-            <a:extLst>
-              <a:ext uri="{91240B29-F687-4F45-9708-019B960494DF}">
-                <a14:hiddenLine xmlns:a14="http://schemas.microsoft.com/office/drawing/2010/main" w="9525">
-                  <a:solidFill>
-                    <a:srgbClr val="000000"/>
-                  </a:solidFill>
-                  <a:round/>
-                  <a:headEnd/>
-                  <a:tailEnd/>
-                </a14:hiddenLine>
-              </a:ext>
-            </a:extLst>
-          </p:spPr>
-          <p:txBody>
-            <a:bodyPr vert="horz" wrap="square" lIns="91440" tIns="45720" rIns="91440" bIns="45720" numCol="1" anchor="t" anchorCtr="0" compatLnSpc="1">
-              <a:prstTxWarp prst="textNoShape">
-                <a:avLst/>
-              </a:prstTxWarp>
-            </a:bodyPr>
-            <a:lstStyle/>
-            <a:p>
-              <a:endParaRPr lang="en-GB" sz="2600" dirty="0">
-                <a:solidFill>
-                  <a:schemeClr val="bg1"/>
-                </a:solidFill>
-              </a:endParaRPr>
-            </a:p>
-          </p:txBody>
-        </p:sp>
-        <p:sp>
-          <p:nvSpPr>
-            <p:cNvPr id="29" name="Freeform 13"/>
-            <p:cNvSpPr>
-              <a:spLocks noEditPoints="1"/>
-            </p:cNvSpPr>
-            <p:nvPr userDrawn="1"/>
-          </p:nvSpPr>
-          <p:spPr bwMode="auto">
-            <a:xfrm>
-              <a:off x="1709738" y="479426"/>
-              <a:ext cx="211137" cy="231775"/>
-            </a:xfrm>
-            <a:custGeom>
-              <a:avLst/>
-              <a:gdLst>
-                <a:gd name="T0" fmla="*/ 213 w 244"/>
-                <a:gd name="T1" fmla="*/ 30 h 267"/>
-                <a:gd name="T2" fmla="*/ 125 w 244"/>
-                <a:gd name="T3" fmla="*/ 0 h 267"/>
-                <a:gd name="T4" fmla="*/ 33 w 244"/>
-                <a:gd name="T5" fmla="*/ 35 h 267"/>
-                <a:gd name="T6" fmla="*/ 0 w 244"/>
-                <a:gd name="T7" fmla="*/ 135 h 267"/>
-                <a:gd name="T8" fmla="*/ 35 w 244"/>
-                <a:gd name="T9" fmla="*/ 233 h 267"/>
-                <a:gd name="T10" fmla="*/ 133 w 244"/>
-                <a:gd name="T11" fmla="*/ 267 h 267"/>
-                <a:gd name="T12" fmla="*/ 185 w 244"/>
-                <a:gd name="T13" fmla="*/ 263 h 267"/>
-                <a:gd name="T14" fmla="*/ 227 w 244"/>
-                <a:gd name="T15" fmla="*/ 249 h 267"/>
-                <a:gd name="T16" fmla="*/ 214 w 244"/>
-                <a:gd name="T17" fmla="*/ 190 h 267"/>
-                <a:gd name="T18" fmla="*/ 186 w 244"/>
-                <a:gd name="T19" fmla="*/ 200 h 267"/>
-                <a:gd name="T20" fmla="*/ 144 w 244"/>
-                <a:gd name="T21" fmla="*/ 204 h 267"/>
-                <a:gd name="T22" fmla="*/ 104 w 244"/>
-                <a:gd name="T23" fmla="*/ 192 h 267"/>
-                <a:gd name="T24" fmla="*/ 88 w 244"/>
-                <a:gd name="T25" fmla="*/ 158 h 267"/>
-                <a:gd name="T26" fmla="*/ 244 w 244"/>
-                <a:gd name="T27" fmla="*/ 158 h 267"/>
-                <a:gd name="T28" fmla="*/ 244 w 244"/>
-                <a:gd name="T29" fmla="*/ 118 h 267"/>
-                <a:gd name="T30" fmla="*/ 213 w 244"/>
-                <a:gd name="T31" fmla="*/ 30 h 267"/>
-                <a:gd name="T32" fmla="*/ 90 w 244"/>
-                <a:gd name="T33" fmla="*/ 102 h 267"/>
-                <a:gd name="T34" fmla="*/ 102 w 244"/>
-                <a:gd name="T35" fmla="*/ 70 h 267"/>
-                <a:gd name="T36" fmla="*/ 128 w 244"/>
-                <a:gd name="T37" fmla="*/ 61 h 267"/>
-                <a:gd name="T38" fmla="*/ 155 w 244"/>
-                <a:gd name="T39" fmla="*/ 72 h 267"/>
-                <a:gd name="T40" fmla="*/ 165 w 244"/>
-                <a:gd name="T41" fmla="*/ 102 h 267"/>
-                <a:gd name="T42" fmla="*/ 90 w 244"/>
-                <a:gd name="T43" fmla="*/ 102 h 267"/>
-              </a:gdLst>
-              <a:ahLst/>
-              <a:cxnLst>
-                <a:cxn ang="0">
-                  <a:pos x="T0" y="T1"/>
-                </a:cxn>
-                <a:cxn ang="0">
-                  <a:pos x="T2" y="T3"/>
-                </a:cxn>
-                <a:cxn ang="0">
-                  <a:pos x="T4" y="T5"/>
-                </a:cxn>
-                <a:cxn ang="0">
-                  <a:pos x="T6" y="T7"/>
-                </a:cxn>
-                <a:cxn ang="0">
-                  <a:pos x="T8" y="T9"/>
-                </a:cxn>
-                <a:cxn ang="0">
-                  <a:pos x="T10" y="T11"/>
-                </a:cxn>
-                <a:cxn ang="0">
-                  <a:pos x="T12" y="T13"/>
-                </a:cxn>
-                <a:cxn ang="0">
-                  <a:pos x="T14" y="T15"/>
-                </a:cxn>
-                <a:cxn ang="0">
-                  <a:pos x="T16" y="T17"/>
-                </a:cxn>
-                <a:cxn ang="0">
-                  <a:pos x="T18" y="T19"/>
-                </a:cxn>
-                <a:cxn ang="0">
-                  <a:pos x="T20" y="T21"/>
-                </a:cxn>
-                <a:cxn ang="0">
-                  <a:pos x="T22" y="T23"/>
-                </a:cxn>
-                <a:cxn ang="0">
-                  <a:pos x="T24" y="T25"/>
-                </a:cxn>
-                <a:cxn ang="0">
-                  <a:pos x="T26" y="T27"/>
-                </a:cxn>
-                <a:cxn ang="0">
-                  <a:pos x="T28" y="T29"/>
-                </a:cxn>
-                <a:cxn ang="0">
-                  <a:pos x="T30" y="T31"/>
-                </a:cxn>
-                <a:cxn ang="0">
-                  <a:pos x="T32" y="T33"/>
-                </a:cxn>
-                <a:cxn ang="0">
-                  <a:pos x="T34" y="T35"/>
-                </a:cxn>
-                <a:cxn ang="0">
-                  <a:pos x="T36" y="T37"/>
-                </a:cxn>
-                <a:cxn ang="0">
-                  <a:pos x="T38" y="T39"/>
-                </a:cxn>
-                <a:cxn ang="0">
-                  <a:pos x="T40" y="T41"/>
-                </a:cxn>
-                <a:cxn ang="0">
-                  <a:pos x="T42" y="T43"/>
-                </a:cxn>
-              </a:cxnLst>
-              <a:rect l="0" t="0" r="r" b="b"/>
-              <a:pathLst>
-                <a:path w="244" h="267">
-                  <a:moveTo>
-                    <a:pt x="213" y="30"/>
-                  </a:moveTo>
-                  <a:cubicBezTo>
-                    <a:pt x="192" y="10"/>
-                    <a:pt x="163" y="0"/>
-                    <a:pt x="125" y="0"/>
-                  </a:cubicBezTo>
-                  <a:cubicBezTo>
-                    <a:pt x="85" y="0"/>
-                    <a:pt x="54" y="12"/>
-                    <a:pt x="33" y="35"/>
-                  </a:cubicBezTo>
-                  <a:cubicBezTo>
-                    <a:pt x="11" y="58"/>
-                    <a:pt x="0" y="92"/>
-                    <a:pt x="0" y="135"/>
-                  </a:cubicBezTo>
-                  <a:cubicBezTo>
-                    <a:pt x="0" y="178"/>
-                    <a:pt x="12" y="210"/>
-                    <a:pt x="35" y="233"/>
-                  </a:cubicBezTo>
-                  <a:cubicBezTo>
-                    <a:pt x="59" y="256"/>
-                    <a:pt x="91" y="267"/>
-                    <a:pt x="133" y="267"/>
-                  </a:cubicBezTo>
-                  <a:cubicBezTo>
-                    <a:pt x="153" y="267"/>
-                    <a:pt x="171" y="266"/>
-                    <a:pt x="185" y="263"/>
-                  </a:cubicBezTo>
-                  <a:cubicBezTo>
-                    <a:pt x="200" y="261"/>
-                    <a:pt x="214" y="256"/>
-                    <a:pt x="227" y="249"/>
-                  </a:cubicBezTo>
-                  <a:cubicBezTo>
-                    <a:pt x="214" y="190"/>
-                    <a:pt x="214" y="190"/>
-                    <a:pt x="214" y="190"/>
-                  </a:cubicBezTo>
-                  <a:cubicBezTo>
-                    <a:pt x="204" y="194"/>
-                    <a:pt x="195" y="197"/>
-                    <a:pt x="186" y="200"/>
-                  </a:cubicBezTo>
-                  <a:cubicBezTo>
-                    <a:pt x="173" y="202"/>
-                    <a:pt x="159" y="204"/>
-                    <a:pt x="144" y="204"/>
-                  </a:cubicBezTo>
-                  <a:cubicBezTo>
-                    <a:pt x="127" y="204"/>
-                    <a:pt x="114" y="200"/>
-                    <a:pt x="104" y="192"/>
-                  </a:cubicBezTo>
-                  <a:cubicBezTo>
-                    <a:pt x="94" y="183"/>
-                    <a:pt x="89" y="172"/>
-                    <a:pt x="88" y="158"/>
-                  </a:cubicBezTo>
-                  <a:cubicBezTo>
-                    <a:pt x="244" y="158"/>
-                    <a:pt x="244" y="158"/>
-                    <a:pt x="244" y="158"/>
-                  </a:cubicBezTo>
-                  <a:cubicBezTo>
-                    <a:pt x="244" y="118"/>
-                    <a:pt x="244" y="118"/>
-                    <a:pt x="244" y="118"/>
-                  </a:cubicBezTo>
-                  <a:cubicBezTo>
-                    <a:pt x="244" y="80"/>
-                    <a:pt x="234" y="51"/>
-                    <a:pt x="213" y="30"/>
-                  </a:cubicBezTo>
-                  <a:moveTo>
-                    <a:pt x="90" y="102"/>
-                  </a:moveTo>
-                  <a:cubicBezTo>
-                    <a:pt x="91" y="87"/>
-                    <a:pt x="95" y="77"/>
-                    <a:pt x="102" y="70"/>
-                  </a:cubicBezTo>
-                  <a:cubicBezTo>
-                    <a:pt x="109" y="64"/>
-                    <a:pt x="118" y="61"/>
-                    <a:pt x="128" y="61"/>
-                  </a:cubicBezTo>
-                  <a:cubicBezTo>
-                    <a:pt x="139" y="61"/>
-                    <a:pt x="148" y="64"/>
-                    <a:pt x="155" y="72"/>
-                  </a:cubicBezTo>
-                  <a:cubicBezTo>
-                    <a:pt x="161" y="79"/>
-                    <a:pt x="165" y="89"/>
-                    <a:pt x="165" y="102"/>
-                  </a:cubicBezTo>
-                  <a:lnTo>
-                    <a:pt x="90" y="102"/>
-                  </a:lnTo>
-                  <a:close/>
-                </a:path>
-              </a:pathLst>
-            </a:custGeom>
-            <a:grpFill/>
-            <a:ln>
-              <a:noFill/>
-            </a:ln>
-            <a:extLst>
-              <a:ext uri="{91240B29-F687-4F45-9708-019B960494DF}">
-                <a14:hiddenLine xmlns:a14="http://schemas.microsoft.com/office/drawing/2010/main" w="9525">
-                  <a:solidFill>
-                    <a:srgbClr val="000000"/>
-                  </a:solidFill>
-                  <a:round/>
-                  <a:headEnd/>
-                  <a:tailEnd/>
-                </a14:hiddenLine>
-              </a:ext>
-            </a:extLst>
-          </p:spPr>
-          <p:txBody>
-            <a:bodyPr vert="horz" wrap="square" lIns="91440" tIns="45720" rIns="91440" bIns="45720" numCol="1" anchor="t" anchorCtr="0" compatLnSpc="1">
-              <a:prstTxWarp prst="textNoShape">
-                <a:avLst/>
-              </a:prstTxWarp>
-            </a:bodyPr>
-            <a:lstStyle/>
-            <a:p>
-              <a:endParaRPr lang="en-GB" sz="2600" dirty="0">
-                <a:solidFill>
-                  <a:schemeClr val="bg1"/>
-                </a:solidFill>
-              </a:endParaRPr>
-            </a:p>
-          </p:txBody>
-        </p:sp>
-        <p:sp>
-          <p:nvSpPr>
-            <p:cNvPr id="30" name="Freeform 14"/>
-            <p:cNvSpPr>
-              <a:spLocks noEditPoints="1"/>
-            </p:cNvSpPr>
-            <p:nvPr userDrawn="1"/>
-          </p:nvSpPr>
-          <p:spPr bwMode="auto">
-            <a:xfrm>
-              <a:off x="668338" y="479426"/>
-              <a:ext cx="209550" cy="231775"/>
-            </a:xfrm>
-            <a:custGeom>
-              <a:avLst/>
-              <a:gdLst>
-                <a:gd name="T0" fmla="*/ 212 w 243"/>
-                <a:gd name="T1" fmla="*/ 30 h 267"/>
-                <a:gd name="T2" fmla="*/ 124 w 243"/>
-                <a:gd name="T3" fmla="*/ 0 h 267"/>
-                <a:gd name="T4" fmla="*/ 32 w 243"/>
-                <a:gd name="T5" fmla="*/ 35 h 267"/>
-                <a:gd name="T6" fmla="*/ 0 w 243"/>
-                <a:gd name="T7" fmla="*/ 135 h 267"/>
-                <a:gd name="T8" fmla="*/ 35 w 243"/>
-                <a:gd name="T9" fmla="*/ 233 h 267"/>
-                <a:gd name="T10" fmla="*/ 132 w 243"/>
-                <a:gd name="T11" fmla="*/ 267 h 267"/>
-                <a:gd name="T12" fmla="*/ 184 w 243"/>
-                <a:gd name="T13" fmla="*/ 263 h 267"/>
-                <a:gd name="T14" fmla="*/ 227 w 243"/>
-                <a:gd name="T15" fmla="*/ 249 h 267"/>
-                <a:gd name="T16" fmla="*/ 213 w 243"/>
-                <a:gd name="T17" fmla="*/ 190 h 267"/>
-                <a:gd name="T18" fmla="*/ 185 w 243"/>
-                <a:gd name="T19" fmla="*/ 200 h 267"/>
-                <a:gd name="T20" fmla="*/ 143 w 243"/>
-                <a:gd name="T21" fmla="*/ 204 h 267"/>
-                <a:gd name="T22" fmla="*/ 103 w 243"/>
-                <a:gd name="T23" fmla="*/ 192 h 267"/>
-                <a:gd name="T24" fmla="*/ 88 w 243"/>
-                <a:gd name="T25" fmla="*/ 158 h 267"/>
-                <a:gd name="T26" fmla="*/ 243 w 243"/>
-                <a:gd name="T27" fmla="*/ 158 h 267"/>
-                <a:gd name="T28" fmla="*/ 243 w 243"/>
-                <a:gd name="T29" fmla="*/ 118 h 267"/>
-                <a:gd name="T30" fmla="*/ 212 w 243"/>
-                <a:gd name="T31" fmla="*/ 30 h 267"/>
-                <a:gd name="T32" fmla="*/ 89 w 243"/>
-                <a:gd name="T33" fmla="*/ 102 h 267"/>
-                <a:gd name="T34" fmla="*/ 102 w 243"/>
-                <a:gd name="T35" fmla="*/ 70 h 267"/>
-                <a:gd name="T36" fmla="*/ 127 w 243"/>
-                <a:gd name="T37" fmla="*/ 61 h 267"/>
-                <a:gd name="T38" fmla="*/ 154 w 243"/>
-                <a:gd name="T39" fmla="*/ 72 h 267"/>
-                <a:gd name="T40" fmla="*/ 164 w 243"/>
-                <a:gd name="T41" fmla="*/ 102 h 267"/>
-                <a:gd name="T42" fmla="*/ 89 w 243"/>
-                <a:gd name="T43" fmla="*/ 102 h 267"/>
-              </a:gdLst>
-              <a:ahLst/>
-              <a:cxnLst>
-                <a:cxn ang="0">
-                  <a:pos x="T0" y="T1"/>
-                </a:cxn>
-                <a:cxn ang="0">
-                  <a:pos x="T2" y="T3"/>
-                </a:cxn>
-                <a:cxn ang="0">
-                  <a:pos x="T4" y="T5"/>
-                </a:cxn>
-                <a:cxn ang="0">
-                  <a:pos x="T6" y="T7"/>
-                </a:cxn>
-                <a:cxn ang="0">
-                  <a:pos x="T8" y="T9"/>
-                </a:cxn>
-                <a:cxn ang="0">
-                  <a:pos x="T10" y="T11"/>
-                </a:cxn>
-                <a:cxn ang="0">
-                  <a:pos x="T12" y="T13"/>
-                </a:cxn>
-                <a:cxn ang="0">
-                  <a:pos x="T14" y="T15"/>
-                </a:cxn>
-                <a:cxn ang="0">
-                  <a:pos x="T16" y="T17"/>
-                </a:cxn>
-                <a:cxn ang="0">
-                  <a:pos x="T18" y="T19"/>
-                </a:cxn>
-                <a:cxn ang="0">
-                  <a:pos x="T20" y="T21"/>
-                </a:cxn>
-                <a:cxn ang="0">
-                  <a:pos x="T22" y="T23"/>
-                </a:cxn>
-                <a:cxn ang="0">
-                  <a:pos x="T24" y="T25"/>
-                </a:cxn>
-                <a:cxn ang="0">
-                  <a:pos x="T26" y="T27"/>
-                </a:cxn>
-                <a:cxn ang="0">
-                  <a:pos x="T28" y="T29"/>
-                </a:cxn>
-                <a:cxn ang="0">
-                  <a:pos x="T30" y="T31"/>
-                </a:cxn>
-                <a:cxn ang="0">
-                  <a:pos x="T32" y="T33"/>
-                </a:cxn>
-                <a:cxn ang="0">
-                  <a:pos x="T34" y="T35"/>
-                </a:cxn>
-                <a:cxn ang="0">
-                  <a:pos x="T36" y="T37"/>
-                </a:cxn>
-                <a:cxn ang="0">
-                  <a:pos x="T38" y="T39"/>
-                </a:cxn>
-                <a:cxn ang="0">
-                  <a:pos x="T40" y="T41"/>
-                </a:cxn>
-                <a:cxn ang="0">
-                  <a:pos x="T42" y="T43"/>
-                </a:cxn>
-              </a:cxnLst>
-              <a:rect l="0" t="0" r="r" b="b"/>
-              <a:pathLst>
-                <a:path w="243" h="267">
-                  <a:moveTo>
-                    <a:pt x="212" y="30"/>
-                  </a:moveTo>
-                  <a:cubicBezTo>
-                    <a:pt x="191" y="10"/>
-                    <a:pt x="162" y="0"/>
-                    <a:pt x="124" y="0"/>
-                  </a:cubicBezTo>
-                  <a:cubicBezTo>
-                    <a:pt x="84" y="0"/>
-                    <a:pt x="53" y="12"/>
-                    <a:pt x="32" y="35"/>
-                  </a:cubicBezTo>
-                  <a:cubicBezTo>
-                    <a:pt x="10" y="58"/>
-                    <a:pt x="0" y="92"/>
-                    <a:pt x="0" y="135"/>
-                  </a:cubicBezTo>
-                  <a:cubicBezTo>
-                    <a:pt x="0" y="178"/>
-                    <a:pt x="11" y="210"/>
-                    <a:pt x="35" y="233"/>
-                  </a:cubicBezTo>
-                  <a:cubicBezTo>
-                    <a:pt x="58" y="256"/>
-                    <a:pt x="90" y="267"/>
-                    <a:pt x="132" y="267"/>
-                  </a:cubicBezTo>
-                  <a:cubicBezTo>
-                    <a:pt x="153" y="267"/>
-                    <a:pt x="170" y="266"/>
-                    <a:pt x="184" y="263"/>
-                  </a:cubicBezTo>
-                  <a:cubicBezTo>
-                    <a:pt x="199" y="261"/>
-                    <a:pt x="213" y="256"/>
-                    <a:pt x="227" y="249"/>
-                  </a:cubicBezTo>
-                  <a:cubicBezTo>
-                    <a:pt x="213" y="190"/>
-                    <a:pt x="213" y="190"/>
-                    <a:pt x="213" y="190"/>
-                  </a:cubicBezTo>
-                  <a:cubicBezTo>
-                    <a:pt x="203" y="194"/>
-                    <a:pt x="194" y="197"/>
-                    <a:pt x="185" y="200"/>
-                  </a:cubicBezTo>
-                  <a:cubicBezTo>
-                    <a:pt x="172" y="202"/>
-                    <a:pt x="158" y="204"/>
-                    <a:pt x="143" y="204"/>
-                  </a:cubicBezTo>
-                  <a:cubicBezTo>
-                    <a:pt x="126" y="204"/>
-                    <a:pt x="113" y="200"/>
-                    <a:pt x="103" y="192"/>
-                  </a:cubicBezTo>
-                  <a:cubicBezTo>
-                    <a:pt x="93" y="183"/>
-                    <a:pt x="88" y="172"/>
-                    <a:pt x="88" y="158"/>
-                  </a:cubicBezTo>
-                  <a:cubicBezTo>
-                    <a:pt x="243" y="158"/>
-                    <a:pt x="243" y="158"/>
-                    <a:pt x="243" y="158"/>
-                  </a:cubicBezTo>
-                  <a:cubicBezTo>
-                    <a:pt x="243" y="118"/>
-                    <a:pt x="243" y="118"/>
-                    <a:pt x="243" y="118"/>
-                  </a:cubicBezTo>
-                  <a:cubicBezTo>
-                    <a:pt x="243" y="80"/>
-                    <a:pt x="233" y="51"/>
-                    <a:pt x="212" y="30"/>
-                  </a:cubicBezTo>
-                  <a:moveTo>
-                    <a:pt x="89" y="102"/>
-                  </a:moveTo>
-                  <a:cubicBezTo>
-                    <a:pt x="91" y="87"/>
-                    <a:pt x="95" y="77"/>
-                    <a:pt x="102" y="70"/>
-                  </a:cubicBezTo>
-                  <a:cubicBezTo>
-                    <a:pt x="108" y="64"/>
-                    <a:pt x="117" y="61"/>
-                    <a:pt x="127" y="61"/>
-                  </a:cubicBezTo>
-                  <a:cubicBezTo>
-                    <a:pt x="138" y="61"/>
-                    <a:pt x="147" y="64"/>
-                    <a:pt x="154" y="72"/>
-                  </a:cubicBezTo>
-                  <a:cubicBezTo>
-                    <a:pt x="160" y="79"/>
-                    <a:pt x="164" y="89"/>
-                    <a:pt x="164" y="102"/>
-                  </a:cubicBezTo>
-                  <a:lnTo>
-                    <a:pt x="89" y="102"/>
-                  </a:lnTo>
-                  <a:close/>
-                </a:path>
-              </a:pathLst>
-            </a:custGeom>
-            <a:grpFill/>
-            <a:ln>
-              <a:noFill/>
-            </a:ln>
-            <a:extLst>
-              <a:ext uri="{91240B29-F687-4F45-9708-019B960494DF}">
-                <a14:hiddenLine xmlns:a14="http://schemas.microsoft.com/office/drawing/2010/main" w="9525">
-                  <a:solidFill>
-                    <a:srgbClr val="000000"/>
-                  </a:solidFill>
-                  <a:round/>
-                  <a:headEnd/>
-                  <a:tailEnd/>
-                </a14:hiddenLine>
-              </a:ext>
-            </a:extLst>
-          </p:spPr>
-          <p:txBody>
-            <a:bodyPr vert="horz" wrap="square" lIns="91440" tIns="45720" rIns="91440" bIns="45720" numCol="1" anchor="t" anchorCtr="0" compatLnSpc="1">
-              <a:prstTxWarp prst="textNoShape">
-                <a:avLst/>
-              </a:prstTxWarp>
-            </a:bodyPr>
-            <a:lstStyle/>
-            <a:p>
-              <a:endParaRPr lang="en-GB" sz="2600" dirty="0">
-                <a:solidFill>
-                  <a:schemeClr val="bg1"/>
-                </a:solidFill>
-              </a:endParaRPr>
-            </a:p>
-          </p:txBody>
-        </p:sp>
-      </p:grpSp>
-    </p:spTree>
-    <p:extLst>
-      <p:ext uri="{BB962C8B-B14F-4D97-AF65-F5344CB8AC3E}">
-        <p14:creationId xmlns:p14="http://schemas.microsoft.com/office/powerpoint/2010/main" val="285527516"/>
-      </p:ext>
-    </p:extLst>
-  </p:cSld>
-  <p:clrMapOvr>
-    <a:masterClrMapping/>
-  </p:clrMapOvr>
-</p:sldLayout>
-</file>
-
-<file path=ppt/slideLayouts/slideLayout5.xml><?xml version="1.0" encoding="utf-8"?>
-<p:sldLayout xmlns:a="http://schemas.openxmlformats.org/drawingml/2006/main" xmlns:r="http://schemas.openxmlformats.org/officeDocument/2006/relationships" xmlns:p="http://schemas.openxmlformats.org/presentationml/2006/main" userDrawn="1">
-  <p:cSld name="Blank">
-    <p:spTree>
-      <p:nvGrpSpPr>
-        <p:cNvPr id="1" name=""/>
-        <p:cNvGrpSpPr/>
-        <p:nvPr/>
-      </p:nvGrpSpPr>
-      <p:grpSpPr>
-        <a:xfrm>
-          <a:off x="0" y="0"/>
-          <a:ext cx="0" cy="0"/>
-          <a:chOff x="0" y="0"/>
-          <a:chExt cx="0" cy="0"/>
-        </a:xfrm>
-      </p:grpSpPr>
-    </p:spTree>
-    <p:extLst>
-      <p:ext uri="{BB962C8B-B14F-4D97-AF65-F5344CB8AC3E}">
-        <p14:creationId xmlns:p14="http://schemas.microsoft.com/office/powerpoint/2010/main" val="3274047899"/>
-      </p:ext>
-    </p:extLst>
-  </p:cSld>
-  <p:clrMapOvr>
-    <a:masterClrMapping/>
-  </p:clrMapOvr>
-  <p:transition>
-    <p:fade/>
-  </p:transition>
-</p:sldLayout>
-</file>
-
-<file path=ppt/slideLayouts/slideLayout6.xml><?xml version="1.0" encoding="utf-8"?>
+<file path=ppt/slideLayouts/slideLayout9.xml><?xml version="1.0" encoding="utf-8"?>
 <p:sldLayout xmlns:a="http://schemas.openxmlformats.org/drawingml/2006/main" xmlns:r="http://schemas.openxmlformats.org/officeDocument/2006/relationships" xmlns:p="http://schemas.openxmlformats.org/presentationml/2006/main" type="title">
   <p:cSld name="Title Slide">
     <p:spTree>
@@ -9999,7 +5950,13 @@
       </p:grpSpPr>
       <p:sp>
         <p:nvSpPr>
-          <p:cNvPr id="2" name="Title 1"/>
+          <p:cNvPr id="2" name="Title 1">
+            <a:extLst>
+              <a:ext uri="{FF2B5EF4-FFF2-40B4-BE49-F238E27FC236}">
+                <a16:creationId xmlns:a16="http://schemas.microsoft.com/office/drawing/2014/main" id="{9E7072FB-D510-44C5-A1A8-321A02A17B48}"/>
+              </a:ext>
+            </a:extLst>
+          </p:cNvPr>
           <p:cNvSpPr>
             <a:spLocks noGrp="1"/>
           </p:cNvSpPr>
@@ -10025,12 +5982,19 @@
               <a:rPr lang="en-US"/>
               <a:t>Click to edit Master title style</a:t>
             </a:r>
+            <a:endParaRPr lang="en-IN"/>
           </a:p>
         </p:txBody>
       </p:sp>
       <p:sp>
         <p:nvSpPr>
-          <p:cNvPr id="3" name="Subtitle 2"/>
+          <p:cNvPr id="3" name="Subtitle 2">
+            <a:extLst>
+              <a:ext uri="{FF2B5EF4-FFF2-40B4-BE49-F238E27FC236}">
+                <a16:creationId xmlns:a16="http://schemas.microsoft.com/office/drawing/2014/main" id="{E6F9D098-3108-4FC1-B3CE-2BD293ADDB51}"/>
+              </a:ext>
+            </a:extLst>
+          </p:cNvPr>
           <p:cNvSpPr>
             <a:spLocks noGrp="1"/>
           </p:cNvSpPr>
@@ -10043,9 +6007,6 @@
             <a:off x="1524000" y="3602038"/>
             <a:ext cx="9144000" cy="1655762"/>
           </a:xfrm>
-          <a:prstGeom prst="rect">
-            <a:avLst/>
-          </a:prstGeom>
         </p:spPr>
         <p:txBody>
           <a:bodyPr/>
@@ -10092,204 +6053,19 @@
               <a:rPr lang="en-US"/>
               <a:t>Click to edit Master subtitle style</a:t>
             </a:r>
+            <a:endParaRPr lang="en-IN"/>
           </a:p>
         </p:txBody>
       </p:sp>
       <p:sp>
         <p:nvSpPr>
-          <p:cNvPr id="4" name="Date Placeholder 3"/>
-          <p:cNvSpPr>
-            <a:spLocks noGrp="1"/>
-          </p:cNvSpPr>
-          <p:nvPr>
-            <p:ph type="dt" sz="half" idx="10"/>
-          </p:nvPr>
-        </p:nvSpPr>
-        <p:spPr>
-          <a:xfrm>
-            <a:off x="838200" y="6356350"/>
-            <a:ext cx="2743200" cy="365125"/>
-          </a:xfrm>
-          <a:prstGeom prst="rect">
-            <a:avLst/>
-          </a:prstGeom>
-        </p:spPr>
-        <p:txBody>
-          <a:bodyPr/>
-          <a:lstStyle/>
-          <a:p>
-            <a:fld id="{26C3AF7F-6EF3-4FE5-BD70-05A29097B5CB}" type="datetimeFigureOut">
-              <a:rPr lang="en-US" smtClean="0"/>
-              <a:t>5/18/2020</a:t>
-            </a:fld>
-            <a:endParaRPr lang="en-US"/>
-          </a:p>
-        </p:txBody>
-      </p:sp>
-      <p:sp>
-        <p:nvSpPr>
-          <p:cNvPr id="5" name="Footer Placeholder 4"/>
-          <p:cNvSpPr>
-            <a:spLocks noGrp="1"/>
-          </p:cNvSpPr>
-          <p:nvPr>
-            <p:ph type="ftr" sz="quarter" idx="11"/>
-          </p:nvPr>
-        </p:nvSpPr>
-        <p:spPr>
-          <a:xfrm>
-            <a:off x="4038600" y="6356350"/>
-            <a:ext cx="4114800" cy="365125"/>
-          </a:xfrm>
-          <a:prstGeom prst="rect">
-            <a:avLst/>
-          </a:prstGeom>
-        </p:spPr>
-        <p:txBody>
-          <a:bodyPr/>
-          <a:lstStyle/>
-          <a:p>
-            <a:endParaRPr lang="en-US"/>
-          </a:p>
-        </p:txBody>
-      </p:sp>
-      <p:sp>
-        <p:nvSpPr>
-          <p:cNvPr id="6" name="Slide Number Placeholder 5"/>
-          <p:cNvSpPr>
-            <a:spLocks noGrp="1"/>
-          </p:cNvSpPr>
-          <p:nvPr>
-            <p:ph type="sldNum" sz="quarter" idx="12"/>
-          </p:nvPr>
-        </p:nvSpPr>
-        <p:spPr>
-          <a:xfrm>
-            <a:off x="8610600" y="6356350"/>
-            <a:ext cx="2743200" cy="365125"/>
-          </a:xfrm>
-          <a:prstGeom prst="rect">
-            <a:avLst/>
-          </a:prstGeom>
-        </p:spPr>
-        <p:txBody>
-          <a:bodyPr/>
-          <a:lstStyle/>
-          <a:p>
-            <a:fld id="{01044878-3F37-4A63-B82C-E42192FC8A5A}" type="slidenum">
-              <a:rPr lang="en-US" smtClean="0"/>
-              <a:t>‹#›</a:t>
-            </a:fld>
-            <a:endParaRPr lang="en-US"/>
-          </a:p>
-        </p:txBody>
-      </p:sp>
-    </p:spTree>
-    <p:extLst>
-      <p:ext uri="{BB962C8B-B14F-4D97-AF65-F5344CB8AC3E}">
-        <p14:creationId xmlns:p14="http://schemas.microsoft.com/office/powerpoint/2010/main" val="810083631"/>
-      </p:ext>
-    </p:extLst>
-  </p:cSld>
-  <p:clrMapOvr>
-    <a:masterClrMapping/>
-  </p:clrMapOvr>
-</p:sldLayout>
-</file>
-
-<file path=ppt/slideLayouts/slideLayout7.xml><?xml version="1.0" encoding="utf-8"?>
-<p:sldLayout xmlns:a="http://schemas.openxmlformats.org/drawingml/2006/main" xmlns:r="http://schemas.openxmlformats.org/officeDocument/2006/relationships" xmlns:p="http://schemas.openxmlformats.org/presentationml/2006/main" type="obj">
-  <p:cSld name="Title and Content">
-    <p:spTree>
-      <p:nvGrpSpPr>
-        <p:cNvPr id="1" name=""/>
-        <p:cNvGrpSpPr/>
-        <p:nvPr/>
-      </p:nvGrpSpPr>
-      <p:grpSpPr>
-        <a:xfrm>
-          <a:off x="0" y="0"/>
-          <a:ext cx="0" cy="0"/>
-          <a:chOff x="0" y="0"/>
-          <a:chExt cx="0" cy="0"/>
-        </a:xfrm>
-      </p:grpSpPr>
-      <p:sp>
-        <p:nvSpPr>
-          <p:cNvPr id="2" name="Title 1"/>
-          <p:cNvSpPr>
-            <a:spLocks noGrp="1"/>
-          </p:cNvSpPr>
-          <p:nvPr>
-            <p:ph type="title"/>
-          </p:nvPr>
-        </p:nvSpPr>
-        <p:spPr/>
-        <p:txBody>
-          <a:bodyPr/>
-          <a:lstStyle/>
-          <a:p>
-            <a:r>
-              <a:rPr lang="en-US"/>
-              <a:t>Click to edit Master title style</a:t>
-            </a:r>
-          </a:p>
-        </p:txBody>
-      </p:sp>
-      <p:sp>
-        <p:nvSpPr>
-          <p:cNvPr id="3" name="Content Placeholder 2"/>
-          <p:cNvSpPr>
-            <a:spLocks noGrp="1"/>
-          </p:cNvSpPr>
-          <p:nvPr>
-            <p:ph idx="1"/>
-          </p:nvPr>
-        </p:nvSpPr>
-        <p:spPr/>
-        <p:txBody>
-          <a:bodyPr/>
-          <a:lstStyle/>
-          <a:p>
-            <a:pPr lvl="0"/>
-            <a:r>
-              <a:rPr lang="en-US" dirty="0"/>
-              <a:t>Edit Master text styles</a:t>
-            </a:r>
-          </a:p>
-          <a:p>
-            <a:pPr lvl="1"/>
-            <a:r>
-              <a:rPr lang="en-US" dirty="0"/>
-              <a:t>Second level</a:t>
-            </a:r>
-          </a:p>
-          <a:p>
-            <a:pPr lvl="2"/>
-            <a:r>
-              <a:rPr lang="en-US" dirty="0"/>
-              <a:t>Third level</a:t>
-            </a:r>
-          </a:p>
-          <a:p>
-            <a:pPr lvl="3"/>
-            <a:r>
-              <a:rPr lang="en-US" dirty="0"/>
-              <a:t>Fourth level</a:t>
-            </a:r>
-          </a:p>
-          <a:p>
-            <a:pPr lvl="4"/>
-            <a:r>
-              <a:rPr lang="en-US" dirty="0"/>
-              <a:t>Fifth level</a:t>
-            </a:r>
-          </a:p>
-        </p:txBody>
-      </p:sp>
-      <p:sp>
-        <p:nvSpPr>
-          <p:cNvPr id="4" name="Date Placeholder 3"/>
+          <p:cNvPr id="4" name="Date Placeholder 3">
+            <a:extLst>
+              <a:ext uri="{FF2B5EF4-FFF2-40B4-BE49-F238E27FC236}">
+                <a16:creationId xmlns:a16="http://schemas.microsoft.com/office/drawing/2014/main" id="{2248A6D7-9DA2-4DF7-8171-3208133E68FD}"/>
+              </a:ext>
+            </a:extLst>
+          </p:cNvPr>
           <p:cNvSpPr>
             <a:spLocks noGrp="1"/>
           </p:cNvSpPr>
@@ -10302,17 +6078,23 @@
           <a:bodyPr/>
           <a:lstStyle/>
           <a:p>
-            <a:fld id="{6B15B18F-27C8-4A98-ACA8-DDC552F831AA}" type="datetimeFigureOut">
-              <a:rPr lang="en-US" smtClean="0"/>
-              <a:t>5/18/2020</a:t>
+            <a:fld id="{E06BEE62-CD6E-4DC9-B032-ED2951F1AED1}" type="datetimeFigureOut">
+              <a:rPr lang="en-IN" smtClean="0"/>
+              <a:t>26-04-2022</a:t>
             </a:fld>
-            <a:endParaRPr lang="en-US"/>
+            <a:endParaRPr lang="en-IN"/>
           </a:p>
         </p:txBody>
       </p:sp>
       <p:sp>
         <p:nvSpPr>
-          <p:cNvPr id="5" name="Footer Placeholder 4"/>
+          <p:cNvPr id="5" name="Footer Placeholder 4">
+            <a:extLst>
+              <a:ext uri="{FF2B5EF4-FFF2-40B4-BE49-F238E27FC236}">
+                <a16:creationId xmlns:a16="http://schemas.microsoft.com/office/drawing/2014/main" id="{5977F7C7-3E24-46C4-90B6-EE8F299E4D13}"/>
+              </a:ext>
+            </a:extLst>
+          </p:cNvPr>
           <p:cNvSpPr>
             <a:spLocks noGrp="1"/>
           </p:cNvSpPr>
@@ -10325,13 +6107,19 @@
           <a:bodyPr/>
           <a:lstStyle/>
           <a:p>
-            <a:endParaRPr lang="en-US"/>
+            <a:endParaRPr lang="en-IN"/>
           </a:p>
         </p:txBody>
       </p:sp>
       <p:sp>
         <p:nvSpPr>
-          <p:cNvPr id="6" name="Slide Number Placeholder 5"/>
+          <p:cNvPr id="6" name="Slide Number Placeholder 5">
+            <a:extLst>
+              <a:ext uri="{FF2B5EF4-FFF2-40B4-BE49-F238E27FC236}">
+                <a16:creationId xmlns:a16="http://schemas.microsoft.com/office/drawing/2014/main" id="{4874547B-EEC1-4D19-A7A1-EE04084D8C1A}"/>
+              </a:ext>
+            </a:extLst>
+          </p:cNvPr>
           <p:cNvSpPr>
             <a:spLocks noGrp="1"/>
           </p:cNvSpPr>
@@ -10344,18 +6132,18 @@
           <a:bodyPr/>
           <a:lstStyle/>
           <a:p>
-            <a:fld id="{3D67C8EE-7D71-4836-A999-7CF8C24E6BED}" type="slidenum">
-              <a:rPr lang="en-US" smtClean="0"/>
+            <a:fld id="{83BC6403-76C0-4D7D-826E-D15A0D0326D0}" type="slidenum">
+              <a:rPr lang="en-IN" smtClean="0"/>
               <a:t>‹#›</a:t>
             </a:fld>
-            <a:endParaRPr lang="en-US"/>
+            <a:endParaRPr lang="en-IN"/>
           </a:p>
         </p:txBody>
       </p:sp>
     </p:spTree>
     <p:extLst>
       <p:ext uri="{BB962C8B-B14F-4D97-AF65-F5344CB8AC3E}">
-        <p14:creationId xmlns:p14="http://schemas.microsoft.com/office/powerpoint/2010/main" val="3200329769"/>
+        <p14:creationId xmlns:p14="http://schemas.microsoft.com/office/powerpoint/2010/main" val="4196542214"/>
       </p:ext>
     </p:extLst>
   </p:cSld>
@@ -10365,2635 +6153,7 @@
 </p:sldLayout>
 </file>
 
-<file path=ppt/slideLayouts/slideLayout8.xml><?xml version="1.0" encoding="utf-8"?>
-<p:sldLayout xmlns:a="http://schemas.openxmlformats.org/drawingml/2006/main" xmlns:r="http://schemas.openxmlformats.org/officeDocument/2006/relationships" xmlns:p="http://schemas.openxmlformats.org/presentationml/2006/main" showMasterSp="0" preserve="1" userDrawn="1">
-  <p:cSld name="Title Slide - White">
-    <p:bg bwMode="gray">
-      <p:bgPr>
-        <a:solidFill>
-          <a:schemeClr val="bg1"/>
-        </a:solidFill>
-        <a:effectLst/>
-      </p:bgPr>
-    </p:bg>
-    <p:spTree>
-      <p:nvGrpSpPr>
-        <p:cNvPr id="1" name=""/>
-        <p:cNvGrpSpPr/>
-        <p:nvPr/>
-      </p:nvGrpSpPr>
-      <p:grpSpPr>
-        <a:xfrm>
-          <a:off x="0" y="0"/>
-          <a:ext cx="0" cy="0"/>
-          <a:chOff x="0" y="0"/>
-          <a:chExt cx="0" cy="0"/>
-        </a:xfrm>
-      </p:grpSpPr>
-      <p:sp>
-        <p:nvSpPr>
-          <p:cNvPr id="3" name="Subtitle 2"/>
-          <p:cNvSpPr>
-            <a:spLocks noGrp="1"/>
-          </p:cNvSpPr>
-          <p:nvPr>
-            <p:ph type="subTitle" idx="1" hasCustomPrompt="1"/>
-          </p:nvPr>
-        </p:nvSpPr>
-        <p:spPr bwMode="gray">
-          <a:xfrm>
-            <a:off x="475327" y="5344334"/>
-            <a:ext cx="5594348" cy="505645"/>
-          </a:xfrm>
-          <a:prstGeom prst="rect">
-            <a:avLst/>
-          </a:prstGeom>
-        </p:spPr>
-        <p:txBody>
-          <a:bodyPr lIns="0" tIns="0" rIns="0" bIns="0" anchor="b" anchorCtr="0">
-            <a:noAutofit/>
-          </a:bodyPr>
-          <a:lstStyle>
-            <a:lvl1pPr marL="0" indent="0" algn="l">
-              <a:lnSpc>
-                <a:spcPct val="100000"/>
-              </a:lnSpc>
-              <a:spcAft>
-                <a:spcPts val="0"/>
-              </a:spcAft>
-              <a:buNone/>
-              <a:defRPr sz="1800" b="1">
-                <a:solidFill>
-                  <a:schemeClr val="tx1"/>
-                </a:solidFill>
-              </a:defRPr>
-            </a:lvl1pPr>
-            <a:lvl2pPr marL="0" indent="0" algn="l">
-              <a:buNone/>
-              <a:defRPr sz="1600" b="0"/>
-            </a:lvl2pPr>
-            <a:lvl3pPr marL="1219170" indent="0" algn="ctr">
-              <a:buNone/>
-              <a:defRPr sz="2400"/>
-            </a:lvl3pPr>
-            <a:lvl4pPr marL="1828754" indent="0" algn="ctr">
-              <a:buNone/>
-              <a:defRPr sz="2133"/>
-            </a:lvl4pPr>
-            <a:lvl5pPr marL="2438339" indent="0" algn="ctr">
-              <a:buNone/>
-              <a:defRPr sz="2133"/>
-            </a:lvl5pPr>
-            <a:lvl6pPr marL="3047924" indent="0" algn="ctr">
-              <a:buNone/>
-              <a:defRPr sz="2133"/>
-            </a:lvl6pPr>
-            <a:lvl7pPr marL="3657509" indent="0" algn="ctr">
-              <a:buNone/>
-              <a:defRPr sz="2133"/>
-            </a:lvl7pPr>
-            <a:lvl8pPr marL="4267093" indent="0" algn="ctr">
-              <a:buNone/>
-              <a:defRPr sz="2133"/>
-            </a:lvl8pPr>
-            <a:lvl9pPr marL="4876678" indent="0" algn="ctr">
-              <a:buNone/>
-              <a:defRPr sz="2133"/>
-            </a:lvl9pPr>
-          </a:lstStyle>
-          <a:p>
-            <a:r>
-              <a:rPr lang="en-US" noProof="0" dirty="0"/>
-              <a:t>Click to edit Master title style</a:t>
-            </a:r>
-          </a:p>
-          <a:p>
-            <a:pPr lvl="1"/>
-            <a:r>
-              <a:rPr lang="en-US" noProof="0" dirty="0"/>
-              <a:t>Click to edit Master subtitle style</a:t>
-            </a:r>
-          </a:p>
-        </p:txBody>
-      </p:sp>
-      <p:sp>
-        <p:nvSpPr>
-          <p:cNvPr id="5" name="Text Placeholder 4"/>
-          <p:cNvSpPr>
-            <a:spLocks noGrp="1"/>
-          </p:cNvSpPr>
-          <p:nvPr>
-            <p:ph type="body" sz="quarter" idx="10"/>
-          </p:nvPr>
-        </p:nvSpPr>
-        <p:spPr>
-          <a:xfrm>
-            <a:off x="475325" y="6000749"/>
-            <a:ext cx="5594349" cy="298451"/>
-          </a:xfrm>
-          <a:prstGeom prst="rect">
-            <a:avLst/>
-          </a:prstGeom>
-        </p:spPr>
-        <p:txBody>
-          <a:bodyPr lIns="0" tIns="0" rIns="0" bIns="0">
-            <a:noAutofit/>
-          </a:bodyPr>
-          <a:lstStyle>
-            <a:lvl1pPr>
-              <a:spcAft>
-                <a:spcPts val="0"/>
-              </a:spcAft>
-              <a:defRPr sz="1050">
-                <a:solidFill>
-                  <a:schemeClr val="tx1"/>
-                </a:solidFill>
-              </a:defRPr>
-            </a:lvl1pPr>
-            <a:lvl2pPr>
-              <a:defRPr>
-                <a:solidFill>
-                  <a:schemeClr val="bg1"/>
-                </a:solidFill>
-              </a:defRPr>
-            </a:lvl2pPr>
-            <a:lvl3pPr>
-              <a:defRPr>
-                <a:solidFill>
-                  <a:schemeClr val="bg1"/>
-                </a:solidFill>
-              </a:defRPr>
-            </a:lvl3pPr>
-            <a:lvl4pPr>
-              <a:defRPr>
-                <a:solidFill>
-                  <a:schemeClr val="bg1"/>
-                </a:solidFill>
-              </a:defRPr>
-            </a:lvl4pPr>
-            <a:lvl5pPr>
-              <a:defRPr>
-                <a:solidFill>
-                  <a:schemeClr val="bg1"/>
-                </a:solidFill>
-              </a:defRPr>
-            </a:lvl5pPr>
-          </a:lstStyle>
-          <a:p>
-            <a:pPr lvl="0"/>
-            <a:r>
-              <a:rPr lang="en-US" noProof="0" dirty="0"/>
-              <a:t>Click to edit Master text styles</a:t>
-            </a:r>
-          </a:p>
-        </p:txBody>
-      </p:sp>
-      <p:grpSp>
-        <p:nvGrpSpPr>
-          <p:cNvPr id="19" name="Group 18"/>
-          <p:cNvGrpSpPr>
-            <a:grpSpLocks noChangeAspect="1"/>
-          </p:cNvGrpSpPr>
-          <p:nvPr userDrawn="1"/>
-        </p:nvGrpSpPr>
-        <p:grpSpPr>
-          <a:xfrm>
-            <a:off x="475325" y="386080"/>
-            <a:ext cx="1998000" cy="374400"/>
-            <a:chOff x="398463" y="404813"/>
-            <a:chExt cx="1627187" cy="307976"/>
-          </a:xfrm>
-          <a:solidFill>
-            <a:schemeClr val="tx1"/>
-          </a:solidFill>
-        </p:grpSpPr>
-        <p:sp>
-          <p:nvSpPr>
-            <p:cNvPr id="20" name="Oval 5"/>
-            <p:cNvSpPr>
-              <a:spLocks noChangeArrowheads="1"/>
-            </p:cNvSpPr>
-            <p:nvPr userDrawn="1"/>
-          </p:nvSpPr>
-          <p:spPr bwMode="auto">
-            <a:xfrm>
-              <a:off x="1938338" y="625476"/>
-              <a:ext cx="87312" cy="87313"/>
-            </a:xfrm>
-            <a:prstGeom prst="ellipse">
-              <a:avLst/>
-            </a:prstGeom>
-            <a:solidFill>
-              <a:schemeClr val="accent1"/>
-            </a:solidFill>
-            <a:ln>
-              <a:noFill/>
-            </a:ln>
-            <a:extLst>
-              <a:ext uri="{91240B29-F687-4F45-9708-019B960494DF}">
-                <a14:hiddenLine xmlns:a14="http://schemas.microsoft.com/office/drawing/2010/main" w="9525">
-                  <a:solidFill>
-                    <a:srgbClr val="000000"/>
-                  </a:solidFill>
-                  <a:round/>
-                  <a:headEnd/>
-                  <a:tailEnd/>
-                </a14:hiddenLine>
-              </a:ext>
-            </a:extLst>
-          </p:spPr>
-          <p:txBody>
-            <a:bodyPr vert="horz" wrap="square" lIns="91440" tIns="45720" rIns="91440" bIns="45720" numCol="1" anchor="t" anchorCtr="0" compatLnSpc="1">
-              <a:prstTxWarp prst="textNoShape">
-                <a:avLst/>
-              </a:prstTxWarp>
-            </a:bodyPr>
-            <a:lstStyle/>
-            <a:p>
-              <a:endParaRPr lang="en-GB" sz="2600" dirty="0">
-                <a:solidFill>
-                  <a:prstClr val="white"/>
-                </a:solidFill>
-              </a:endParaRPr>
-            </a:p>
-          </p:txBody>
-        </p:sp>
-        <p:sp>
-          <p:nvSpPr>
-            <p:cNvPr id="21" name="Freeform 6"/>
-            <p:cNvSpPr>
-              <a:spLocks noEditPoints="1"/>
-            </p:cNvSpPr>
-            <p:nvPr userDrawn="1"/>
-          </p:nvSpPr>
-          <p:spPr bwMode="auto">
-            <a:xfrm>
-              <a:off x="398463" y="406401"/>
-              <a:ext cx="247650" cy="301625"/>
-            </a:xfrm>
-            <a:custGeom>
-              <a:avLst/>
-              <a:gdLst>
-                <a:gd name="T0" fmla="*/ 287 w 287"/>
-                <a:gd name="T1" fmla="*/ 166 h 347"/>
-                <a:gd name="T2" fmla="*/ 240 w 287"/>
-                <a:gd name="T3" fmla="*/ 300 h 347"/>
-                <a:gd name="T4" fmla="*/ 109 w 287"/>
-                <a:gd name="T5" fmla="*/ 347 h 347"/>
-                <a:gd name="T6" fmla="*/ 0 w 287"/>
-                <a:gd name="T7" fmla="*/ 347 h 347"/>
-                <a:gd name="T8" fmla="*/ 0 w 287"/>
-                <a:gd name="T9" fmla="*/ 0 h 347"/>
-                <a:gd name="T10" fmla="*/ 117 w 287"/>
-                <a:gd name="T11" fmla="*/ 0 h 347"/>
-                <a:gd name="T12" fmla="*/ 243 w 287"/>
-                <a:gd name="T13" fmla="*/ 43 h 347"/>
-                <a:gd name="T14" fmla="*/ 287 w 287"/>
-                <a:gd name="T15" fmla="*/ 166 h 347"/>
-                <a:gd name="T16" fmla="*/ 192 w 287"/>
-                <a:gd name="T17" fmla="*/ 170 h 347"/>
-                <a:gd name="T18" fmla="*/ 174 w 287"/>
-                <a:gd name="T19" fmla="*/ 99 h 347"/>
-                <a:gd name="T20" fmla="*/ 118 w 287"/>
-                <a:gd name="T21" fmla="*/ 76 h 347"/>
-                <a:gd name="T22" fmla="*/ 91 w 287"/>
-                <a:gd name="T23" fmla="*/ 76 h 347"/>
-                <a:gd name="T24" fmla="*/ 91 w 287"/>
-                <a:gd name="T25" fmla="*/ 270 h 347"/>
-                <a:gd name="T26" fmla="*/ 111 w 287"/>
-                <a:gd name="T27" fmla="*/ 270 h 347"/>
-                <a:gd name="T28" fmla="*/ 173 w 287"/>
-                <a:gd name="T29" fmla="*/ 245 h 347"/>
-                <a:gd name="T30" fmla="*/ 192 w 287"/>
-                <a:gd name="T31" fmla="*/ 170 h 347"/>
-              </a:gdLst>
-              <a:ahLst/>
-              <a:cxnLst>
-                <a:cxn ang="0">
-                  <a:pos x="T0" y="T1"/>
-                </a:cxn>
-                <a:cxn ang="0">
-                  <a:pos x="T2" y="T3"/>
-                </a:cxn>
-                <a:cxn ang="0">
-                  <a:pos x="T4" y="T5"/>
-                </a:cxn>
-                <a:cxn ang="0">
-                  <a:pos x="T6" y="T7"/>
-                </a:cxn>
-                <a:cxn ang="0">
-                  <a:pos x="T8" y="T9"/>
-                </a:cxn>
-                <a:cxn ang="0">
-                  <a:pos x="T10" y="T11"/>
-                </a:cxn>
-                <a:cxn ang="0">
-                  <a:pos x="T12" y="T13"/>
-                </a:cxn>
-                <a:cxn ang="0">
-                  <a:pos x="T14" y="T15"/>
-                </a:cxn>
-                <a:cxn ang="0">
-                  <a:pos x="T16" y="T17"/>
-                </a:cxn>
-                <a:cxn ang="0">
-                  <a:pos x="T18" y="T19"/>
-                </a:cxn>
-                <a:cxn ang="0">
-                  <a:pos x="T20" y="T21"/>
-                </a:cxn>
-                <a:cxn ang="0">
-                  <a:pos x="T22" y="T23"/>
-                </a:cxn>
-                <a:cxn ang="0">
-                  <a:pos x="T24" y="T25"/>
-                </a:cxn>
-                <a:cxn ang="0">
-                  <a:pos x="T26" y="T27"/>
-                </a:cxn>
-                <a:cxn ang="0">
-                  <a:pos x="T28" y="T29"/>
-                </a:cxn>
-                <a:cxn ang="0">
-                  <a:pos x="T30" y="T31"/>
-                </a:cxn>
-              </a:cxnLst>
-              <a:rect l="0" t="0" r="r" b="b"/>
-              <a:pathLst>
-                <a:path w="287" h="347">
-                  <a:moveTo>
-                    <a:pt x="287" y="166"/>
-                  </a:moveTo>
-                  <a:cubicBezTo>
-                    <a:pt x="287" y="224"/>
-                    <a:pt x="271" y="269"/>
-                    <a:pt x="240" y="300"/>
-                  </a:cubicBezTo>
-                  <a:cubicBezTo>
-                    <a:pt x="209" y="331"/>
-                    <a:pt x="165" y="347"/>
-                    <a:pt x="109" y="347"/>
-                  </a:cubicBezTo>
-                  <a:cubicBezTo>
-                    <a:pt x="0" y="347"/>
-                    <a:pt x="0" y="347"/>
-                    <a:pt x="0" y="347"/>
-                  </a:cubicBezTo>
-                  <a:cubicBezTo>
-                    <a:pt x="0" y="0"/>
-                    <a:pt x="0" y="0"/>
-                    <a:pt x="0" y="0"/>
-                  </a:cubicBezTo>
-                  <a:cubicBezTo>
-                    <a:pt x="117" y="0"/>
-                    <a:pt x="117" y="0"/>
-                    <a:pt x="117" y="0"/>
-                  </a:cubicBezTo>
-                  <a:cubicBezTo>
-                    <a:pt x="171" y="0"/>
-                    <a:pt x="213" y="15"/>
-                    <a:pt x="243" y="43"/>
-                  </a:cubicBezTo>
-                  <a:cubicBezTo>
-                    <a:pt x="272" y="72"/>
-                    <a:pt x="287" y="113"/>
-                    <a:pt x="287" y="166"/>
-                  </a:cubicBezTo>
-                  <a:moveTo>
-                    <a:pt x="192" y="170"/>
-                  </a:moveTo>
-                  <a:cubicBezTo>
-                    <a:pt x="192" y="138"/>
-                    <a:pt x="186" y="114"/>
-                    <a:pt x="174" y="99"/>
-                  </a:cubicBezTo>
-                  <a:cubicBezTo>
-                    <a:pt x="161" y="84"/>
-                    <a:pt x="143" y="76"/>
-                    <a:pt x="118" y="76"/>
-                  </a:cubicBezTo>
-                  <a:cubicBezTo>
-                    <a:pt x="91" y="76"/>
-                    <a:pt x="91" y="76"/>
-                    <a:pt x="91" y="76"/>
-                  </a:cubicBezTo>
-                  <a:cubicBezTo>
-                    <a:pt x="91" y="270"/>
-                    <a:pt x="91" y="270"/>
-                    <a:pt x="91" y="270"/>
-                  </a:cubicBezTo>
-                  <a:cubicBezTo>
-                    <a:pt x="111" y="270"/>
-                    <a:pt x="111" y="270"/>
-                    <a:pt x="111" y="270"/>
-                  </a:cubicBezTo>
-                  <a:cubicBezTo>
-                    <a:pt x="139" y="270"/>
-                    <a:pt x="160" y="262"/>
-                    <a:pt x="173" y="245"/>
-                  </a:cubicBezTo>
-                  <a:cubicBezTo>
-                    <a:pt x="186" y="229"/>
-                    <a:pt x="192" y="204"/>
-                    <a:pt x="192" y="170"/>
-                  </a:cubicBezTo>
-                </a:path>
-              </a:pathLst>
-            </a:custGeom>
-            <a:grpFill/>
-            <a:ln>
-              <a:noFill/>
-            </a:ln>
-            <a:extLst>
-              <a:ext uri="{91240B29-F687-4F45-9708-019B960494DF}">
-                <a14:hiddenLine xmlns:a14="http://schemas.microsoft.com/office/drawing/2010/main" w="9525">
-                  <a:solidFill>
-                    <a:srgbClr val="000000"/>
-                  </a:solidFill>
-                  <a:round/>
-                  <a:headEnd/>
-                  <a:tailEnd/>
-                </a14:hiddenLine>
-              </a:ext>
-            </a:extLst>
-          </p:spPr>
-          <p:txBody>
-            <a:bodyPr vert="horz" wrap="square" lIns="91440" tIns="45720" rIns="91440" bIns="45720" numCol="1" anchor="t" anchorCtr="0" compatLnSpc="1">
-              <a:prstTxWarp prst="textNoShape">
-                <a:avLst/>
-              </a:prstTxWarp>
-            </a:bodyPr>
-            <a:lstStyle/>
-            <a:p>
-              <a:endParaRPr lang="en-GB" sz="2600" dirty="0">
-                <a:solidFill>
-                  <a:prstClr val="white"/>
-                </a:solidFill>
-              </a:endParaRPr>
-            </a:p>
-          </p:txBody>
-        </p:sp>
-        <p:sp>
-          <p:nvSpPr>
-            <p:cNvPr id="22" name="Rectangle 7"/>
-            <p:cNvSpPr>
-              <a:spLocks noChangeArrowheads="1"/>
-            </p:cNvSpPr>
-            <p:nvPr userDrawn="1"/>
-          </p:nvSpPr>
-          <p:spPr bwMode="auto">
-            <a:xfrm>
-              <a:off x="906463" y="404813"/>
-              <a:ext cx="74612" cy="303213"/>
-            </a:xfrm>
-            <a:prstGeom prst="rect">
-              <a:avLst/>
-            </a:prstGeom>
-            <a:grpFill/>
-            <a:ln>
-              <a:noFill/>
-            </a:ln>
-            <a:extLst>
-              <a:ext uri="{91240B29-F687-4F45-9708-019B960494DF}">
-                <a14:hiddenLine xmlns:a14="http://schemas.microsoft.com/office/drawing/2010/main" w="9525">
-                  <a:solidFill>
-                    <a:srgbClr val="000000"/>
-                  </a:solidFill>
-                  <a:miter lim="800000"/>
-                  <a:headEnd/>
-                  <a:tailEnd/>
-                </a14:hiddenLine>
-              </a:ext>
-            </a:extLst>
-          </p:spPr>
-          <p:txBody>
-            <a:bodyPr vert="horz" wrap="square" lIns="91440" tIns="45720" rIns="91440" bIns="45720" numCol="1" anchor="t" anchorCtr="0" compatLnSpc="1">
-              <a:prstTxWarp prst="textNoShape">
-                <a:avLst/>
-              </a:prstTxWarp>
-            </a:bodyPr>
-            <a:lstStyle/>
-            <a:p>
-              <a:endParaRPr lang="en-GB" sz="2600" dirty="0">
-                <a:solidFill>
-                  <a:prstClr val="white"/>
-                </a:solidFill>
-              </a:endParaRPr>
-            </a:p>
-          </p:txBody>
-        </p:sp>
-        <p:sp>
-          <p:nvSpPr>
-            <p:cNvPr id="23" name="Freeform 8"/>
-            <p:cNvSpPr>
-              <a:spLocks noEditPoints="1"/>
-            </p:cNvSpPr>
-            <p:nvPr userDrawn="1"/>
-          </p:nvSpPr>
-          <p:spPr bwMode="auto">
-            <a:xfrm>
-              <a:off x="1011238" y="479426"/>
-              <a:ext cx="215900" cy="231775"/>
-            </a:xfrm>
-            <a:custGeom>
-              <a:avLst/>
-              <a:gdLst>
-                <a:gd name="T0" fmla="*/ 252 w 252"/>
-                <a:gd name="T1" fmla="*/ 133 h 267"/>
-                <a:gd name="T2" fmla="*/ 218 w 252"/>
-                <a:gd name="T3" fmla="*/ 232 h 267"/>
-                <a:gd name="T4" fmla="*/ 125 w 252"/>
-                <a:gd name="T5" fmla="*/ 267 h 267"/>
-                <a:gd name="T6" fmla="*/ 34 w 252"/>
-                <a:gd name="T7" fmla="*/ 231 h 267"/>
-                <a:gd name="T8" fmla="*/ 0 w 252"/>
-                <a:gd name="T9" fmla="*/ 133 h 267"/>
-                <a:gd name="T10" fmla="*/ 33 w 252"/>
-                <a:gd name="T11" fmla="*/ 35 h 267"/>
-                <a:gd name="T12" fmla="*/ 127 w 252"/>
-                <a:gd name="T13" fmla="*/ 0 h 267"/>
-                <a:gd name="T14" fmla="*/ 192 w 252"/>
-                <a:gd name="T15" fmla="*/ 16 h 267"/>
-                <a:gd name="T16" fmla="*/ 236 w 252"/>
-                <a:gd name="T17" fmla="*/ 63 h 267"/>
-                <a:gd name="T18" fmla="*/ 252 w 252"/>
-                <a:gd name="T19" fmla="*/ 133 h 267"/>
-                <a:gd name="T20" fmla="*/ 88 w 252"/>
-                <a:gd name="T21" fmla="*/ 133 h 267"/>
-                <a:gd name="T22" fmla="*/ 97 w 252"/>
-                <a:gd name="T23" fmla="*/ 184 h 267"/>
-                <a:gd name="T24" fmla="*/ 126 w 252"/>
-                <a:gd name="T25" fmla="*/ 201 h 267"/>
-                <a:gd name="T26" fmla="*/ 155 w 252"/>
-                <a:gd name="T27" fmla="*/ 184 h 267"/>
-                <a:gd name="T28" fmla="*/ 163 w 252"/>
-                <a:gd name="T29" fmla="*/ 133 h 267"/>
-                <a:gd name="T30" fmla="*/ 155 w 252"/>
-                <a:gd name="T31" fmla="*/ 83 h 267"/>
-                <a:gd name="T32" fmla="*/ 126 w 252"/>
-                <a:gd name="T33" fmla="*/ 66 h 267"/>
-                <a:gd name="T34" fmla="*/ 97 w 252"/>
-                <a:gd name="T35" fmla="*/ 83 h 267"/>
-                <a:gd name="T36" fmla="*/ 88 w 252"/>
-                <a:gd name="T37" fmla="*/ 133 h 267"/>
-              </a:gdLst>
-              <a:ahLst/>
-              <a:cxnLst>
-                <a:cxn ang="0">
-                  <a:pos x="T0" y="T1"/>
-                </a:cxn>
-                <a:cxn ang="0">
-                  <a:pos x="T2" y="T3"/>
-                </a:cxn>
-                <a:cxn ang="0">
-                  <a:pos x="T4" y="T5"/>
-                </a:cxn>
-                <a:cxn ang="0">
-                  <a:pos x="T6" y="T7"/>
-                </a:cxn>
-                <a:cxn ang="0">
-                  <a:pos x="T8" y="T9"/>
-                </a:cxn>
-                <a:cxn ang="0">
-                  <a:pos x="T10" y="T11"/>
-                </a:cxn>
-                <a:cxn ang="0">
-                  <a:pos x="T12" y="T13"/>
-                </a:cxn>
-                <a:cxn ang="0">
-                  <a:pos x="T14" y="T15"/>
-                </a:cxn>
-                <a:cxn ang="0">
-                  <a:pos x="T16" y="T17"/>
-                </a:cxn>
-                <a:cxn ang="0">
-                  <a:pos x="T18" y="T19"/>
-                </a:cxn>
-                <a:cxn ang="0">
-                  <a:pos x="T20" y="T21"/>
-                </a:cxn>
-                <a:cxn ang="0">
-                  <a:pos x="T22" y="T23"/>
-                </a:cxn>
-                <a:cxn ang="0">
-                  <a:pos x="T24" y="T25"/>
-                </a:cxn>
-                <a:cxn ang="0">
-                  <a:pos x="T26" y="T27"/>
-                </a:cxn>
-                <a:cxn ang="0">
-                  <a:pos x="T28" y="T29"/>
-                </a:cxn>
-                <a:cxn ang="0">
-                  <a:pos x="T30" y="T31"/>
-                </a:cxn>
-                <a:cxn ang="0">
-                  <a:pos x="T32" y="T33"/>
-                </a:cxn>
-                <a:cxn ang="0">
-                  <a:pos x="T34" y="T35"/>
-                </a:cxn>
-                <a:cxn ang="0">
-                  <a:pos x="T36" y="T37"/>
-                </a:cxn>
-              </a:cxnLst>
-              <a:rect l="0" t="0" r="r" b="b"/>
-              <a:pathLst>
-                <a:path w="252" h="267">
-                  <a:moveTo>
-                    <a:pt x="252" y="133"/>
-                  </a:moveTo>
-                  <a:cubicBezTo>
-                    <a:pt x="252" y="175"/>
-                    <a:pt x="241" y="208"/>
-                    <a:pt x="218" y="232"/>
-                  </a:cubicBezTo>
-                  <a:cubicBezTo>
-                    <a:pt x="196" y="256"/>
-                    <a:pt x="165" y="267"/>
-                    <a:pt x="125" y="267"/>
-                  </a:cubicBezTo>
-                  <a:cubicBezTo>
-                    <a:pt x="87" y="267"/>
-                    <a:pt x="56" y="255"/>
-                    <a:pt x="34" y="231"/>
-                  </a:cubicBezTo>
-                  <a:cubicBezTo>
-                    <a:pt x="11" y="207"/>
-                    <a:pt x="0" y="174"/>
-                    <a:pt x="0" y="133"/>
-                  </a:cubicBezTo>
-                  <a:cubicBezTo>
-                    <a:pt x="0" y="91"/>
-                    <a:pt x="11" y="58"/>
-                    <a:pt x="33" y="35"/>
-                  </a:cubicBezTo>
-                  <a:cubicBezTo>
-                    <a:pt x="55" y="12"/>
-                    <a:pt x="86" y="0"/>
-                    <a:pt x="127" y="0"/>
-                  </a:cubicBezTo>
-                  <a:cubicBezTo>
-                    <a:pt x="151" y="0"/>
-                    <a:pt x="173" y="5"/>
-                    <a:pt x="192" y="16"/>
-                  </a:cubicBezTo>
-                  <a:cubicBezTo>
-                    <a:pt x="211" y="27"/>
-                    <a:pt x="226" y="42"/>
-                    <a:pt x="236" y="63"/>
-                  </a:cubicBezTo>
-                  <a:cubicBezTo>
-                    <a:pt x="247" y="83"/>
-                    <a:pt x="252" y="106"/>
-                    <a:pt x="252" y="133"/>
-                  </a:cubicBezTo>
-                  <a:moveTo>
-                    <a:pt x="88" y="133"/>
-                  </a:moveTo>
-                  <a:cubicBezTo>
-                    <a:pt x="88" y="155"/>
-                    <a:pt x="91" y="172"/>
-                    <a:pt x="97" y="184"/>
-                  </a:cubicBezTo>
-                  <a:cubicBezTo>
-                    <a:pt x="103" y="195"/>
-                    <a:pt x="112" y="201"/>
-                    <a:pt x="126" y="201"/>
-                  </a:cubicBezTo>
-                  <a:cubicBezTo>
-                    <a:pt x="140" y="201"/>
-                    <a:pt x="149" y="195"/>
-                    <a:pt x="155" y="184"/>
-                  </a:cubicBezTo>
-                  <a:cubicBezTo>
-                    <a:pt x="160" y="172"/>
-                    <a:pt x="163" y="155"/>
-                    <a:pt x="163" y="133"/>
-                  </a:cubicBezTo>
-                  <a:cubicBezTo>
-                    <a:pt x="163" y="111"/>
-                    <a:pt x="160" y="94"/>
-                    <a:pt x="155" y="83"/>
-                  </a:cubicBezTo>
-                  <a:cubicBezTo>
-                    <a:pt x="149" y="72"/>
-                    <a:pt x="139" y="66"/>
-                    <a:pt x="126" y="66"/>
-                  </a:cubicBezTo>
-                  <a:cubicBezTo>
-                    <a:pt x="112" y="66"/>
-                    <a:pt x="103" y="72"/>
-                    <a:pt x="97" y="83"/>
-                  </a:cubicBezTo>
-                  <a:cubicBezTo>
-                    <a:pt x="91" y="94"/>
-                    <a:pt x="88" y="111"/>
-                    <a:pt x="88" y="133"/>
-                  </a:cubicBezTo>
-                </a:path>
-              </a:pathLst>
-            </a:custGeom>
-            <a:grpFill/>
-            <a:ln>
-              <a:noFill/>
-            </a:ln>
-            <a:extLst>
-              <a:ext uri="{91240B29-F687-4F45-9708-019B960494DF}">
-                <a14:hiddenLine xmlns:a14="http://schemas.microsoft.com/office/drawing/2010/main" w="9525">
-                  <a:solidFill>
-                    <a:srgbClr val="000000"/>
-                  </a:solidFill>
-                  <a:round/>
-                  <a:headEnd/>
-                  <a:tailEnd/>
-                </a14:hiddenLine>
-              </a:ext>
-            </a:extLst>
-          </p:spPr>
-          <p:txBody>
-            <a:bodyPr vert="horz" wrap="square" lIns="91440" tIns="45720" rIns="91440" bIns="45720" numCol="1" anchor="t" anchorCtr="0" compatLnSpc="1">
-              <a:prstTxWarp prst="textNoShape">
-                <a:avLst/>
-              </a:prstTxWarp>
-            </a:bodyPr>
-            <a:lstStyle/>
-            <a:p>
-              <a:endParaRPr lang="en-GB" sz="2600" dirty="0">
-                <a:solidFill>
-                  <a:prstClr val="white"/>
-                </a:solidFill>
-              </a:endParaRPr>
-            </a:p>
-          </p:txBody>
-        </p:sp>
-        <p:sp>
-          <p:nvSpPr>
-            <p:cNvPr id="24" name="Rectangle 9"/>
-            <p:cNvSpPr>
-              <a:spLocks noChangeArrowheads="1"/>
-            </p:cNvSpPr>
-            <p:nvPr userDrawn="1"/>
-          </p:nvSpPr>
-          <p:spPr bwMode="auto">
-            <a:xfrm>
-              <a:off x="1257300" y="482601"/>
-              <a:ext cx="74612" cy="225425"/>
-            </a:xfrm>
-            <a:prstGeom prst="rect">
-              <a:avLst/>
-            </a:prstGeom>
-            <a:grpFill/>
-            <a:ln>
-              <a:noFill/>
-            </a:ln>
-            <a:extLst>
-              <a:ext uri="{91240B29-F687-4F45-9708-019B960494DF}">
-                <a14:hiddenLine xmlns:a14="http://schemas.microsoft.com/office/drawing/2010/main" w="9525">
-                  <a:solidFill>
-                    <a:srgbClr val="000000"/>
-                  </a:solidFill>
-                  <a:miter lim="800000"/>
-                  <a:headEnd/>
-                  <a:tailEnd/>
-                </a14:hiddenLine>
-              </a:ext>
-            </a:extLst>
-          </p:spPr>
-          <p:txBody>
-            <a:bodyPr vert="horz" wrap="square" lIns="91440" tIns="45720" rIns="91440" bIns="45720" numCol="1" anchor="t" anchorCtr="0" compatLnSpc="1">
-              <a:prstTxWarp prst="textNoShape">
-                <a:avLst/>
-              </a:prstTxWarp>
-            </a:bodyPr>
-            <a:lstStyle/>
-            <a:p>
-              <a:endParaRPr lang="en-GB" sz="2600" dirty="0">
-                <a:solidFill>
-                  <a:prstClr val="white"/>
-                </a:solidFill>
-              </a:endParaRPr>
-            </a:p>
-          </p:txBody>
-        </p:sp>
-        <p:sp>
-          <p:nvSpPr>
-            <p:cNvPr id="25" name="Rectangle 10"/>
-            <p:cNvSpPr>
-              <a:spLocks noChangeArrowheads="1"/>
-            </p:cNvSpPr>
-            <p:nvPr userDrawn="1"/>
-          </p:nvSpPr>
-          <p:spPr bwMode="auto">
-            <a:xfrm>
-              <a:off x="1257300" y="404813"/>
-              <a:ext cx="74612" cy="50800"/>
-            </a:xfrm>
-            <a:prstGeom prst="rect">
-              <a:avLst/>
-            </a:prstGeom>
-            <a:grpFill/>
-            <a:ln>
-              <a:noFill/>
-            </a:ln>
-            <a:extLst>
-              <a:ext uri="{91240B29-F687-4F45-9708-019B960494DF}">
-                <a14:hiddenLine xmlns:a14="http://schemas.microsoft.com/office/drawing/2010/main" w="9525">
-                  <a:solidFill>
-                    <a:srgbClr val="000000"/>
-                  </a:solidFill>
-                  <a:miter lim="800000"/>
-                  <a:headEnd/>
-                  <a:tailEnd/>
-                </a14:hiddenLine>
-              </a:ext>
-            </a:extLst>
-          </p:spPr>
-          <p:txBody>
-            <a:bodyPr vert="horz" wrap="square" lIns="91440" tIns="45720" rIns="91440" bIns="45720" numCol="1" anchor="t" anchorCtr="0" compatLnSpc="1">
-              <a:prstTxWarp prst="textNoShape">
-                <a:avLst/>
-              </a:prstTxWarp>
-            </a:bodyPr>
-            <a:lstStyle/>
-            <a:p>
-              <a:endParaRPr lang="en-GB" sz="2600" dirty="0">
-                <a:solidFill>
-                  <a:prstClr val="white"/>
-                </a:solidFill>
-              </a:endParaRPr>
-            </a:p>
-          </p:txBody>
-        </p:sp>
-        <p:sp>
-          <p:nvSpPr>
-            <p:cNvPr id="26" name="Freeform 11"/>
-            <p:cNvSpPr>
-              <a:spLocks/>
-            </p:cNvSpPr>
-            <p:nvPr userDrawn="1"/>
-          </p:nvSpPr>
-          <p:spPr bwMode="auto">
-            <a:xfrm>
-              <a:off x="1362075" y="411163"/>
-              <a:ext cx="158750" cy="300038"/>
-            </a:xfrm>
-            <a:custGeom>
-              <a:avLst/>
-              <a:gdLst>
-                <a:gd name="T0" fmla="*/ 142 w 184"/>
-                <a:gd name="T1" fmla="*/ 274 h 344"/>
-                <a:gd name="T2" fmla="*/ 184 w 184"/>
-                <a:gd name="T3" fmla="*/ 265 h 344"/>
-                <a:gd name="T4" fmla="*/ 184 w 184"/>
-                <a:gd name="T5" fmla="*/ 330 h 344"/>
-                <a:gd name="T6" fmla="*/ 150 w 184"/>
-                <a:gd name="T7" fmla="*/ 341 h 344"/>
-                <a:gd name="T8" fmla="*/ 113 w 184"/>
-                <a:gd name="T9" fmla="*/ 344 h 344"/>
-                <a:gd name="T10" fmla="*/ 50 w 184"/>
-                <a:gd name="T11" fmla="*/ 322 h 344"/>
-                <a:gd name="T12" fmla="*/ 30 w 184"/>
-                <a:gd name="T13" fmla="*/ 255 h 344"/>
-                <a:gd name="T14" fmla="*/ 30 w 184"/>
-                <a:gd name="T15" fmla="*/ 148 h 344"/>
-                <a:gd name="T16" fmla="*/ 0 w 184"/>
-                <a:gd name="T17" fmla="*/ 148 h 344"/>
-                <a:gd name="T18" fmla="*/ 0 w 184"/>
-                <a:gd name="T19" fmla="*/ 81 h 344"/>
-                <a:gd name="T20" fmla="*/ 30 w 184"/>
-                <a:gd name="T21" fmla="*/ 81 h 344"/>
-                <a:gd name="T22" fmla="*/ 30 w 184"/>
-                <a:gd name="T23" fmla="*/ 16 h 344"/>
-                <a:gd name="T24" fmla="*/ 118 w 184"/>
-                <a:gd name="T25" fmla="*/ 0 h 344"/>
-                <a:gd name="T26" fmla="*/ 118 w 184"/>
-                <a:gd name="T27" fmla="*/ 81 h 344"/>
-                <a:gd name="T28" fmla="*/ 174 w 184"/>
-                <a:gd name="T29" fmla="*/ 81 h 344"/>
-                <a:gd name="T30" fmla="*/ 174 w 184"/>
-                <a:gd name="T31" fmla="*/ 148 h 344"/>
-                <a:gd name="T32" fmla="*/ 118 w 184"/>
-                <a:gd name="T33" fmla="*/ 148 h 344"/>
-                <a:gd name="T34" fmla="*/ 118 w 184"/>
-                <a:gd name="T35" fmla="*/ 249 h 344"/>
-                <a:gd name="T36" fmla="*/ 142 w 184"/>
-                <a:gd name="T37" fmla="*/ 274 h 344"/>
-              </a:gdLst>
-              <a:ahLst/>
-              <a:cxnLst>
-                <a:cxn ang="0">
-                  <a:pos x="T0" y="T1"/>
-                </a:cxn>
-                <a:cxn ang="0">
-                  <a:pos x="T2" y="T3"/>
-                </a:cxn>
-                <a:cxn ang="0">
-                  <a:pos x="T4" y="T5"/>
-                </a:cxn>
-                <a:cxn ang="0">
-                  <a:pos x="T6" y="T7"/>
-                </a:cxn>
-                <a:cxn ang="0">
-                  <a:pos x="T8" y="T9"/>
-                </a:cxn>
-                <a:cxn ang="0">
-                  <a:pos x="T10" y="T11"/>
-                </a:cxn>
-                <a:cxn ang="0">
-                  <a:pos x="T12" y="T13"/>
-                </a:cxn>
-                <a:cxn ang="0">
-                  <a:pos x="T14" y="T15"/>
-                </a:cxn>
-                <a:cxn ang="0">
-                  <a:pos x="T16" y="T17"/>
-                </a:cxn>
-                <a:cxn ang="0">
-                  <a:pos x="T18" y="T19"/>
-                </a:cxn>
-                <a:cxn ang="0">
-                  <a:pos x="T20" y="T21"/>
-                </a:cxn>
-                <a:cxn ang="0">
-                  <a:pos x="T22" y="T23"/>
-                </a:cxn>
-                <a:cxn ang="0">
-                  <a:pos x="T24" y="T25"/>
-                </a:cxn>
-                <a:cxn ang="0">
-                  <a:pos x="T26" y="T27"/>
-                </a:cxn>
-                <a:cxn ang="0">
-                  <a:pos x="T28" y="T29"/>
-                </a:cxn>
-                <a:cxn ang="0">
-                  <a:pos x="T30" y="T31"/>
-                </a:cxn>
-                <a:cxn ang="0">
-                  <a:pos x="T32" y="T33"/>
-                </a:cxn>
-                <a:cxn ang="0">
-                  <a:pos x="T34" y="T35"/>
-                </a:cxn>
-                <a:cxn ang="0">
-                  <a:pos x="T36" y="T37"/>
-                </a:cxn>
-              </a:cxnLst>
-              <a:rect l="0" t="0" r="r" b="b"/>
-              <a:pathLst>
-                <a:path w="184" h="344">
-                  <a:moveTo>
-                    <a:pt x="142" y="274"/>
-                  </a:moveTo>
-                  <a:cubicBezTo>
-                    <a:pt x="153" y="274"/>
-                    <a:pt x="167" y="271"/>
-                    <a:pt x="184" y="265"/>
-                  </a:cubicBezTo>
-                  <a:cubicBezTo>
-                    <a:pt x="184" y="330"/>
-                    <a:pt x="184" y="330"/>
-                    <a:pt x="184" y="330"/>
-                  </a:cubicBezTo>
-                  <a:cubicBezTo>
-                    <a:pt x="172" y="335"/>
-                    <a:pt x="161" y="339"/>
-                    <a:pt x="150" y="341"/>
-                  </a:cubicBezTo>
-                  <a:cubicBezTo>
-                    <a:pt x="140" y="343"/>
-                    <a:pt x="127" y="344"/>
-                    <a:pt x="113" y="344"/>
-                  </a:cubicBezTo>
-                  <a:cubicBezTo>
-                    <a:pt x="84" y="344"/>
-                    <a:pt x="63" y="337"/>
-                    <a:pt x="50" y="322"/>
-                  </a:cubicBezTo>
-                  <a:cubicBezTo>
-                    <a:pt x="37" y="308"/>
-                    <a:pt x="30" y="285"/>
-                    <a:pt x="30" y="255"/>
-                  </a:cubicBezTo>
-                  <a:cubicBezTo>
-                    <a:pt x="30" y="148"/>
-                    <a:pt x="30" y="148"/>
-                    <a:pt x="30" y="148"/>
-                  </a:cubicBezTo>
-                  <a:cubicBezTo>
-                    <a:pt x="0" y="148"/>
-                    <a:pt x="0" y="148"/>
-                    <a:pt x="0" y="148"/>
-                  </a:cubicBezTo>
-                  <a:cubicBezTo>
-                    <a:pt x="0" y="81"/>
-                    <a:pt x="0" y="81"/>
-                    <a:pt x="0" y="81"/>
-                  </a:cubicBezTo>
-                  <a:cubicBezTo>
-                    <a:pt x="30" y="81"/>
-                    <a:pt x="30" y="81"/>
-                    <a:pt x="30" y="81"/>
-                  </a:cubicBezTo>
-                  <a:cubicBezTo>
-                    <a:pt x="30" y="16"/>
-                    <a:pt x="30" y="16"/>
-                    <a:pt x="30" y="16"/>
-                  </a:cubicBezTo>
-                  <a:cubicBezTo>
-                    <a:pt x="118" y="0"/>
-                    <a:pt x="118" y="0"/>
-                    <a:pt x="118" y="0"/>
-                  </a:cubicBezTo>
-                  <a:cubicBezTo>
-                    <a:pt x="118" y="81"/>
-                    <a:pt x="118" y="81"/>
-                    <a:pt x="118" y="81"/>
-                  </a:cubicBezTo>
-                  <a:cubicBezTo>
-                    <a:pt x="174" y="81"/>
-                    <a:pt x="174" y="81"/>
-                    <a:pt x="174" y="81"/>
-                  </a:cubicBezTo>
-                  <a:cubicBezTo>
-                    <a:pt x="174" y="148"/>
-                    <a:pt x="174" y="148"/>
-                    <a:pt x="174" y="148"/>
-                  </a:cubicBezTo>
-                  <a:cubicBezTo>
-                    <a:pt x="118" y="148"/>
-                    <a:pt x="118" y="148"/>
-                    <a:pt x="118" y="148"/>
-                  </a:cubicBezTo>
-                  <a:cubicBezTo>
-                    <a:pt x="118" y="249"/>
-                    <a:pt x="118" y="249"/>
-                    <a:pt x="118" y="249"/>
-                  </a:cubicBezTo>
-                  <a:cubicBezTo>
-                    <a:pt x="118" y="266"/>
-                    <a:pt x="126" y="274"/>
-                    <a:pt x="142" y="274"/>
-                  </a:cubicBezTo>
-                </a:path>
-              </a:pathLst>
-            </a:custGeom>
-            <a:grpFill/>
-            <a:ln>
-              <a:noFill/>
-            </a:ln>
-            <a:extLst>
-              <a:ext uri="{91240B29-F687-4F45-9708-019B960494DF}">
-                <a14:hiddenLine xmlns:a14="http://schemas.microsoft.com/office/drawing/2010/main" w="9525">
-                  <a:solidFill>
-                    <a:srgbClr val="000000"/>
-                  </a:solidFill>
-                  <a:round/>
-                  <a:headEnd/>
-                  <a:tailEnd/>
-                </a14:hiddenLine>
-              </a:ext>
-            </a:extLst>
-          </p:spPr>
-          <p:txBody>
-            <a:bodyPr vert="horz" wrap="square" lIns="91440" tIns="45720" rIns="91440" bIns="45720" numCol="1" anchor="t" anchorCtr="0" compatLnSpc="1">
-              <a:prstTxWarp prst="textNoShape">
-                <a:avLst/>
-              </a:prstTxWarp>
-            </a:bodyPr>
-            <a:lstStyle/>
-            <a:p>
-              <a:endParaRPr lang="en-GB" sz="2600" dirty="0">
-                <a:solidFill>
-                  <a:prstClr val="white"/>
-                </a:solidFill>
-              </a:endParaRPr>
-            </a:p>
-          </p:txBody>
-        </p:sp>
-        <p:sp>
-          <p:nvSpPr>
-            <p:cNvPr id="27" name="Freeform 12"/>
-            <p:cNvSpPr>
-              <a:spLocks/>
-            </p:cNvSpPr>
-            <p:nvPr userDrawn="1"/>
-          </p:nvSpPr>
-          <p:spPr bwMode="auto">
-            <a:xfrm>
-              <a:off x="1535113" y="411163"/>
-              <a:ext cx="158750" cy="300038"/>
-            </a:xfrm>
-            <a:custGeom>
-              <a:avLst/>
-              <a:gdLst>
-                <a:gd name="T0" fmla="*/ 142 w 184"/>
-                <a:gd name="T1" fmla="*/ 274 h 344"/>
-                <a:gd name="T2" fmla="*/ 184 w 184"/>
-                <a:gd name="T3" fmla="*/ 265 h 344"/>
-                <a:gd name="T4" fmla="*/ 184 w 184"/>
-                <a:gd name="T5" fmla="*/ 330 h 344"/>
-                <a:gd name="T6" fmla="*/ 151 w 184"/>
-                <a:gd name="T7" fmla="*/ 341 h 344"/>
-                <a:gd name="T8" fmla="*/ 114 w 184"/>
-                <a:gd name="T9" fmla="*/ 344 h 344"/>
-                <a:gd name="T10" fmla="*/ 50 w 184"/>
-                <a:gd name="T11" fmla="*/ 322 h 344"/>
-                <a:gd name="T12" fmla="*/ 31 w 184"/>
-                <a:gd name="T13" fmla="*/ 255 h 344"/>
-                <a:gd name="T14" fmla="*/ 31 w 184"/>
-                <a:gd name="T15" fmla="*/ 148 h 344"/>
-                <a:gd name="T16" fmla="*/ 0 w 184"/>
-                <a:gd name="T17" fmla="*/ 148 h 344"/>
-                <a:gd name="T18" fmla="*/ 0 w 184"/>
-                <a:gd name="T19" fmla="*/ 81 h 344"/>
-                <a:gd name="T20" fmla="*/ 31 w 184"/>
-                <a:gd name="T21" fmla="*/ 81 h 344"/>
-                <a:gd name="T22" fmla="*/ 31 w 184"/>
-                <a:gd name="T23" fmla="*/ 15 h 344"/>
-                <a:gd name="T24" fmla="*/ 119 w 184"/>
-                <a:gd name="T25" fmla="*/ 0 h 344"/>
-                <a:gd name="T26" fmla="*/ 119 w 184"/>
-                <a:gd name="T27" fmla="*/ 81 h 344"/>
-                <a:gd name="T28" fmla="*/ 174 w 184"/>
-                <a:gd name="T29" fmla="*/ 81 h 344"/>
-                <a:gd name="T30" fmla="*/ 174 w 184"/>
-                <a:gd name="T31" fmla="*/ 148 h 344"/>
-                <a:gd name="T32" fmla="*/ 119 w 184"/>
-                <a:gd name="T33" fmla="*/ 148 h 344"/>
-                <a:gd name="T34" fmla="*/ 119 w 184"/>
-                <a:gd name="T35" fmla="*/ 249 h 344"/>
-                <a:gd name="T36" fmla="*/ 142 w 184"/>
-                <a:gd name="T37" fmla="*/ 274 h 344"/>
-              </a:gdLst>
-              <a:ahLst/>
-              <a:cxnLst>
-                <a:cxn ang="0">
-                  <a:pos x="T0" y="T1"/>
-                </a:cxn>
-                <a:cxn ang="0">
-                  <a:pos x="T2" y="T3"/>
-                </a:cxn>
-                <a:cxn ang="0">
-                  <a:pos x="T4" y="T5"/>
-                </a:cxn>
-                <a:cxn ang="0">
-                  <a:pos x="T6" y="T7"/>
-                </a:cxn>
-                <a:cxn ang="0">
-                  <a:pos x="T8" y="T9"/>
-                </a:cxn>
-                <a:cxn ang="0">
-                  <a:pos x="T10" y="T11"/>
-                </a:cxn>
-                <a:cxn ang="0">
-                  <a:pos x="T12" y="T13"/>
-                </a:cxn>
-                <a:cxn ang="0">
-                  <a:pos x="T14" y="T15"/>
-                </a:cxn>
-                <a:cxn ang="0">
-                  <a:pos x="T16" y="T17"/>
-                </a:cxn>
-                <a:cxn ang="0">
-                  <a:pos x="T18" y="T19"/>
-                </a:cxn>
-                <a:cxn ang="0">
-                  <a:pos x="T20" y="T21"/>
-                </a:cxn>
-                <a:cxn ang="0">
-                  <a:pos x="T22" y="T23"/>
-                </a:cxn>
-                <a:cxn ang="0">
-                  <a:pos x="T24" y="T25"/>
-                </a:cxn>
-                <a:cxn ang="0">
-                  <a:pos x="T26" y="T27"/>
-                </a:cxn>
-                <a:cxn ang="0">
-                  <a:pos x="T28" y="T29"/>
-                </a:cxn>
-                <a:cxn ang="0">
-                  <a:pos x="T30" y="T31"/>
-                </a:cxn>
-                <a:cxn ang="0">
-                  <a:pos x="T32" y="T33"/>
-                </a:cxn>
-                <a:cxn ang="0">
-                  <a:pos x="T34" y="T35"/>
-                </a:cxn>
-                <a:cxn ang="0">
-                  <a:pos x="T36" y="T37"/>
-                </a:cxn>
-              </a:cxnLst>
-              <a:rect l="0" t="0" r="r" b="b"/>
-              <a:pathLst>
-                <a:path w="184" h="344">
-                  <a:moveTo>
-                    <a:pt x="142" y="274"/>
-                  </a:moveTo>
-                  <a:cubicBezTo>
-                    <a:pt x="154" y="274"/>
-                    <a:pt x="168" y="271"/>
-                    <a:pt x="184" y="265"/>
-                  </a:cubicBezTo>
-                  <a:cubicBezTo>
-                    <a:pt x="184" y="330"/>
-                    <a:pt x="184" y="330"/>
-                    <a:pt x="184" y="330"/>
-                  </a:cubicBezTo>
-                  <a:cubicBezTo>
-                    <a:pt x="173" y="335"/>
-                    <a:pt x="161" y="339"/>
-                    <a:pt x="151" y="341"/>
-                  </a:cubicBezTo>
-                  <a:cubicBezTo>
-                    <a:pt x="140" y="343"/>
-                    <a:pt x="128" y="344"/>
-                    <a:pt x="114" y="344"/>
-                  </a:cubicBezTo>
-                  <a:cubicBezTo>
-                    <a:pt x="84" y="344"/>
-                    <a:pt x="63" y="337"/>
-                    <a:pt x="50" y="322"/>
-                  </a:cubicBezTo>
-                  <a:cubicBezTo>
-                    <a:pt x="37" y="308"/>
-                    <a:pt x="31" y="285"/>
-                    <a:pt x="31" y="255"/>
-                  </a:cubicBezTo>
-                  <a:cubicBezTo>
-                    <a:pt x="31" y="148"/>
-                    <a:pt x="31" y="148"/>
-                    <a:pt x="31" y="148"/>
-                  </a:cubicBezTo>
-                  <a:cubicBezTo>
-                    <a:pt x="0" y="148"/>
-                    <a:pt x="0" y="148"/>
-                    <a:pt x="0" y="148"/>
-                  </a:cubicBezTo>
-                  <a:cubicBezTo>
-                    <a:pt x="0" y="81"/>
-                    <a:pt x="0" y="81"/>
-                    <a:pt x="0" y="81"/>
-                  </a:cubicBezTo>
-                  <a:cubicBezTo>
-                    <a:pt x="31" y="81"/>
-                    <a:pt x="31" y="81"/>
-                    <a:pt x="31" y="81"/>
-                  </a:cubicBezTo>
-                  <a:cubicBezTo>
-                    <a:pt x="31" y="15"/>
-                    <a:pt x="31" y="15"/>
-                    <a:pt x="31" y="15"/>
-                  </a:cubicBezTo>
-                  <a:cubicBezTo>
-                    <a:pt x="119" y="0"/>
-                    <a:pt x="119" y="0"/>
-                    <a:pt x="119" y="0"/>
-                  </a:cubicBezTo>
-                  <a:cubicBezTo>
-                    <a:pt x="119" y="81"/>
-                    <a:pt x="119" y="81"/>
-                    <a:pt x="119" y="81"/>
-                  </a:cubicBezTo>
-                  <a:cubicBezTo>
-                    <a:pt x="174" y="81"/>
-                    <a:pt x="174" y="81"/>
-                    <a:pt x="174" y="81"/>
-                  </a:cubicBezTo>
-                  <a:cubicBezTo>
-                    <a:pt x="174" y="148"/>
-                    <a:pt x="174" y="148"/>
-                    <a:pt x="174" y="148"/>
-                  </a:cubicBezTo>
-                  <a:cubicBezTo>
-                    <a:pt x="119" y="148"/>
-                    <a:pt x="119" y="148"/>
-                    <a:pt x="119" y="148"/>
-                  </a:cubicBezTo>
-                  <a:cubicBezTo>
-                    <a:pt x="119" y="249"/>
-                    <a:pt x="119" y="249"/>
-                    <a:pt x="119" y="249"/>
-                  </a:cubicBezTo>
-                  <a:cubicBezTo>
-                    <a:pt x="119" y="266"/>
-                    <a:pt x="127" y="274"/>
-                    <a:pt x="142" y="274"/>
-                  </a:cubicBezTo>
-                </a:path>
-              </a:pathLst>
-            </a:custGeom>
-            <a:grpFill/>
-            <a:ln>
-              <a:noFill/>
-            </a:ln>
-            <a:extLst>
-              <a:ext uri="{91240B29-F687-4F45-9708-019B960494DF}">
-                <a14:hiddenLine xmlns:a14="http://schemas.microsoft.com/office/drawing/2010/main" w="9525">
-                  <a:solidFill>
-                    <a:srgbClr val="000000"/>
-                  </a:solidFill>
-                  <a:round/>
-                  <a:headEnd/>
-                  <a:tailEnd/>
-                </a14:hiddenLine>
-              </a:ext>
-            </a:extLst>
-          </p:spPr>
-          <p:txBody>
-            <a:bodyPr vert="horz" wrap="square" lIns="91440" tIns="45720" rIns="91440" bIns="45720" numCol="1" anchor="t" anchorCtr="0" compatLnSpc="1">
-              <a:prstTxWarp prst="textNoShape">
-                <a:avLst/>
-              </a:prstTxWarp>
-            </a:bodyPr>
-            <a:lstStyle/>
-            <a:p>
-              <a:endParaRPr lang="en-GB" sz="2600" dirty="0">
-                <a:solidFill>
-                  <a:prstClr val="white"/>
-                </a:solidFill>
-              </a:endParaRPr>
-            </a:p>
-          </p:txBody>
-        </p:sp>
-        <p:sp>
-          <p:nvSpPr>
-            <p:cNvPr id="28" name="Freeform 13"/>
-            <p:cNvSpPr>
-              <a:spLocks noEditPoints="1"/>
-            </p:cNvSpPr>
-            <p:nvPr userDrawn="1"/>
-          </p:nvSpPr>
-          <p:spPr bwMode="auto">
-            <a:xfrm>
-              <a:off x="1709738" y="479426"/>
-              <a:ext cx="211137" cy="231775"/>
-            </a:xfrm>
-            <a:custGeom>
-              <a:avLst/>
-              <a:gdLst>
-                <a:gd name="T0" fmla="*/ 213 w 244"/>
-                <a:gd name="T1" fmla="*/ 30 h 267"/>
-                <a:gd name="T2" fmla="*/ 125 w 244"/>
-                <a:gd name="T3" fmla="*/ 0 h 267"/>
-                <a:gd name="T4" fmla="*/ 33 w 244"/>
-                <a:gd name="T5" fmla="*/ 35 h 267"/>
-                <a:gd name="T6" fmla="*/ 0 w 244"/>
-                <a:gd name="T7" fmla="*/ 135 h 267"/>
-                <a:gd name="T8" fmla="*/ 35 w 244"/>
-                <a:gd name="T9" fmla="*/ 233 h 267"/>
-                <a:gd name="T10" fmla="*/ 133 w 244"/>
-                <a:gd name="T11" fmla="*/ 267 h 267"/>
-                <a:gd name="T12" fmla="*/ 185 w 244"/>
-                <a:gd name="T13" fmla="*/ 263 h 267"/>
-                <a:gd name="T14" fmla="*/ 227 w 244"/>
-                <a:gd name="T15" fmla="*/ 249 h 267"/>
-                <a:gd name="T16" fmla="*/ 214 w 244"/>
-                <a:gd name="T17" fmla="*/ 190 h 267"/>
-                <a:gd name="T18" fmla="*/ 186 w 244"/>
-                <a:gd name="T19" fmla="*/ 200 h 267"/>
-                <a:gd name="T20" fmla="*/ 144 w 244"/>
-                <a:gd name="T21" fmla="*/ 204 h 267"/>
-                <a:gd name="T22" fmla="*/ 104 w 244"/>
-                <a:gd name="T23" fmla="*/ 192 h 267"/>
-                <a:gd name="T24" fmla="*/ 88 w 244"/>
-                <a:gd name="T25" fmla="*/ 158 h 267"/>
-                <a:gd name="T26" fmla="*/ 244 w 244"/>
-                <a:gd name="T27" fmla="*/ 158 h 267"/>
-                <a:gd name="T28" fmla="*/ 244 w 244"/>
-                <a:gd name="T29" fmla="*/ 118 h 267"/>
-                <a:gd name="T30" fmla="*/ 213 w 244"/>
-                <a:gd name="T31" fmla="*/ 30 h 267"/>
-                <a:gd name="T32" fmla="*/ 90 w 244"/>
-                <a:gd name="T33" fmla="*/ 102 h 267"/>
-                <a:gd name="T34" fmla="*/ 102 w 244"/>
-                <a:gd name="T35" fmla="*/ 70 h 267"/>
-                <a:gd name="T36" fmla="*/ 128 w 244"/>
-                <a:gd name="T37" fmla="*/ 61 h 267"/>
-                <a:gd name="T38" fmla="*/ 155 w 244"/>
-                <a:gd name="T39" fmla="*/ 72 h 267"/>
-                <a:gd name="T40" fmla="*/ 165 w 244"/>
-                <a:gd name="T41" fmla="*/ 102 h 267"/>
-                <a:gd name="T42" fmla="*/ 90 w 244"/>
-                <a:gd name="T43" fmla="*/ 102 h 267"/>
-              </a:gdLst>
-              <a:ahLst/>
-              <a:cxnLst>
-                <a:cxn ang="0">
-                  <a:pos x="T0" y="T1"/>
-                </a:cxn>
-                <a:cxn ang="0">
-                  <a:pos x="T2" y="T3"/>
-                </a:cxn>
-                <a:cxn ang="0">
-                  <a:pos x="T4" y="T5"/>
-                </a:cxn>
-                <a:cxn ang="0">
-                  <a:pos x="T6" y="T7"/>
-                </a:cxn>
-                <a:cxn ang="0">
-                  <a:pos x="T8" y="T9"/>
-                </a:cxn>
-                <a:cxn ang="0">
-                  <a:pos x="T10" y="T11"/>
-                </a:cxn>
-                <a:cxn ang="0">
-                  <a:pos x="T12" y="T13"/>
-                </a:cxn>
-                <a:cxn ang="0">
-                  <a:pos x="T14" y="T15"/>
-                </a:cxn>
-                <a:cxn ang="0">
-                  <a:pos x="T16" y="T17"/>
-                </a:cxn>
-                <a:cxn ang="0">
-                  <a:pos x="T18" y="T19"/>
-                </a:cxn>
-                <a:cxn ang="0">
-                  <a:pos x="T20" y="T21"/>
-                </a:cxn>
-                <a:cxn ang="0">
-                  <a:pos x="T22" y="T23"/>
-                </a:cxn>
-                <a:cxn ang="0">
-                  <a:pos x="T24" y="T25"/>
-                </a:cxn>
-                <a:cxn ang="0">
-                  <a:pos x="T26" y="T27"/>
-                </a:cxn>
-                <a:cxn ang="0">
-                  <a:pos x="T28" y="T29"/>
-                </a:cxn>
-                <a:cxn ang="0">
-                  <a:pos x="T30" y="T31"/>
-                </a:cxn>
-                <a:cxn ang="0">
-                  <a:pos x="T32" y="T33"/>
-                </a:cxn>
-                <a:cxn ang="0">
-                  <a:pos x="T34" y="T35"/>
-                </a:cxn>
-                <a:cxn ang="0">
-                  <a:pos x="T36" y="T37"/>
-                </a:cxn>
-                <a:cxn ang="0">
-                  <a:pos x="T38" y="T39"/>
-                </a:cxn>
-                <a:cxn ang="0">
-                  <a:pos x="T40" y="T41"/>
-                </a:cxn>
-                <a:cxn ang="0">
-                  <a:pos x="T42" y="T43"/>
-                </a:cxn>
-              </a:cxnLst>
-              <a:rect l="0" t="0" r="r" b="b"/>
-              <a:pathLst>
-                <a:path w="244" h="267">
-                  <a:moveTo>
-                    <a:pt x="213" y="30"/>
-                  </a:moveTo>
-                  <a:cubicBezTo>
-                    <a:pt x="192" y="10"/>
-                    <a:pt x="163" y="0"/>
-                    <a:pt x="125" y="0"/>
-                  </a:cubicBezTo>
-                  <a:cubicBezTo>
-                    <a:pt x="85" y="0"/>
-                    <a:pt x="54" y="12"/>
-                    <a:pt x="33" y="35"/>
-                  </a:cubicBezTo>
-                  <a:cubicBezTo>
-                    <a:pt x="11" y="58"/>
-                    <a:pt x="0" y="92"/>
-                    <a:pt x="0" y="135"/>
-                  </a:cubicBezTo>
-                  <a:cubicBezTo>
-                    <a:pt x="0" y="178"/>
-                    <a:pt x="12" y="210"/>
-                    <a:pt x="35" y="233"/>
-                  </a:cubicBezTo>
-                  <a:cubicBezTo>
-                    <a:pt x="59" y="256"/>
-                    <a:pt x="91" y="267"/>
-                    <a:pt x="133" y="267"/>
-                  </a:cubicBezTo>
-                  <a:cubicBezTo>
-                    <a:pt x="153" y="267"/>
-                    <a:pt x="171" y="266"/>
-                    <a:pt x="185" y="263"/>
-                  </a:cubicBezTo>
-                  <a:cubicBezTo>
-                    <a:pt x="200" y="261"/>
-                    <a:pt x="214" y="256"/>
-                    <a:pt x="227" y="249"/>
-                  </a:cubicBezTo>
-                  <a:cubicBezTo>
-                    <a:pt x="214" y="190"/>
-                    <a:pt x="214" y="190"/>
-                    <a:pt x="214" y="190"/>
-                  </a:cubicBezTo>
-                  <a:cubicBezTo>
-                    <a:pt x="204" y="194"/>
-                    <a:pt x="195" y="197"/>
-                    <a:pt x="186" y="200"/>
-                  </a:cubicBezTo>
-                  <a:cubicBezTo>
-                    <a:pt x="173" y="202"/>
-                    <a:pt x="159" y="204"/>
-                    <a:pt x="144" y="204"/>
-                  </a:cubicBezTo>
-                  <a:cubicBezTo>
-                    <a:pt x="127" y="204"/>
-                    <a:pt x="114" y="200"/>
-                    <a:pt x="104" y="192"/>
-                  </a:cubicBezTo>
-                  <a:cubicBezTo>
-                    <a:pt x="94" y="183"/>
-                    <a:pt x="89" y="172"/>
-                    <a:pt x="88" y="158"/>
-                  </a:cubicBezTo>
-                  <a:cubicBezTo>
-                    <a:pt x="244" y="158"/>
-                    <a:pt x="244" y="158"/>
-                    <a:pt x="244" y="158"/>
-                  </a:cubicBezTo>
-                  <a:cubicBezTo>
-                    <a:pt x="244" y="118"/>
-                    <a:pt x="244" y="118"/>
-                    <a:pt x="244" y="118"/>
-                  </a:cubicBezTo>
-                  <a:cubicBezTo>
-                    <a:pt x="244" y="80"/>
-                    <a:pt x="234" y="51"/>
-                    <a:pt x="213" y="30"/>
-                  </a:cubicBezTo>
-                  <a:moveTo>
-                    <a:pt x="90" y="102"/>
-                  </a:moveTo>
-                  <a:cubicBezTo>
-                    <a:pt x="91" y="87"/>
-                    <a:pt x="95" y="77"/>
-                    <a:pt x="102" y="70"/>
-                  </a:cubicBezTo>
-                  <a:cubicBezTo>
-                    <a:pt x="109" y="64"/>
-                    <a:pt x="118" y="61"/>
-                    <a:pt x="128" y="61"/>
-                  </a:cubicBezTo>
-                  <a:cubicBezTo>
-                    <a:pt x="139" y="61"/>
-                    <a:pt x="148" y="64"/>
-                    <a:pt x="155" y="72"/>
-                  </a:cubicBezTo>
-                  <a:cubicBezTo>
-                    <a:pt x="161" y="79"/>
-                    <a:pt x="165" y="89"/>
-                    <a:pt x="165" y="102"/>
-                  </a:cubicBezTo>
-                  <a:lnTo>
-                    <a:pt x="90" y="102"/>
-                  </a:lnTo>
-                  <a:close/>
-                </a:path>
-              </a:pathLst>
-            </a:custGeom>
-            <a:grpFill/>
-            <a:ln>
-              <a:noFill/>
-            </a:ln>
-            <a:extLst>
-              <a:ext uri="{91240B29-F687-4F45-9708-019B960494DF}">
-                <a14:hiddenLine xmlns:a14="http://schemas.microsoft.com/office/drawing/2010/main" w="9525">
-                  <a:solidFill>
-                    <a:srgbClr val="000000"/>
-                  </a:solidFill>
-                  <a:round/>
-                  <a:headEnd/>
-                  <a:tailEnd/>
-                </a14:hiddenLine>
-              </a:ext>
-            </a:extLst>
-          </p:spPr>
-          <p:txBody>
-            <a:bodyPr vert="horz" wrap="square" lIns="91440" tIns="45720" rIns="91440" bIns="45720" numCol="1" anchor="t" anchorCtr="0" compatLnSpc="1">
-              <a:prstTxWarp prst="textNoShape">
-                <a:avLst/>
-              </a:prstTxWarp>
-            </a:bodyPr>
-            <a:lstStyle/>
-            <a:p>
-              <a:endParaRPr lang="en-GB" sz="2600" dirty="0">
-                <a:solidFill>
-                  <a:prstClr val="white"/>
-                </a:solidFill>
-              </a:endParaRPr>
-            </a:p>
-          </p:txBody>
-        </p:sp>
-        <p:sp>
-          <p:nvSpPr>
-            <p:cNvPr id="29" name="Freeform 14"/>
-            <p:cNvSpPr>
-              <a:spLocks noEditPoints="1"/>
-            </p:cNvSpPr>
-            <p:nvPr userDrawn="1"/>
-          </p:nvSpPr>
-          <p:spPr bwMode="auto">
-            <a:xfrm>
-              <a:off x="668338" y="479426"/>
-              <a:ext cx="209550" cy="231775"/>
-            </a:xfrm>
-            <a:custGeom>
-              <a:avLst/>
-              <a:gdLst>
-                <a:gd name="T0" fmla="*/ 212 w 243"/>
-                <a:gd name="T1" fmla="*/ 30 h 267"/>
-                <a:gd name="T2" fmla="*/ 124 w 243"/>
-                <a:gd name="T3" fmla="*/ 0 h 267"/>
-                <a:gd name="T4" fmla="*/ 32 w 243"/>
-                <a:gd name="T5" fmla="*/ 35 h 267"/>
-                <a:gd name="T6" fmla="*/ 0 w 243"/>
-                <a:gd name="T7" fmla="*/ 135 h 267"/>
-                <a:gd name="T8" fmla="*/ 35 w 243"/>
-                <a:gd name="T9" fmla="*/ 233 h 267"/>
-                <a:gd name="T10" fmla="*/ 132 w 243"/>
-                <a:gd name="T11" fmla="*/ 267 h 267"/>
-                <a:gd name="T12" fmla="*/ 184 w 243"/>
-                <a:gd name="T13" fmla="*/ 263 h 267"/>
-                <a:gd name="T14" fmla="*/ 227 w 243"/>
-                <a:gd name="T15" fmla="*/ 249 h 267"/>
-                <a:gd name="T16" fmla="*/ 213 w 243"/>
-                <a:gd name="T17" fmla="*/ 190 h 267"/>
-                <a:gd name="T18" fmla="*/ 185 w 243"/>
-                <a:gd name="T19" fmla="*/ 200 h 267"/>
-                <a:gd name="T20" fmla="*/ 143 w 243"/>
-                <a:gd name="T21" fmla="*/ 204 h 267"/>
-                <a:gd name="T22" fmla="*/ 103 w 243"/>
-                <a:gd name="T23" fmla="*/ 192 h 267"/>
-                <a:gd name="T24" fmla="*/ 88 w 243"/>
-                <a:gd name="T25" fmla="*/ 158 h 267"/>
-                <a:gd name="T26" fmla="*/ 243 w 243"/>
-                <a:gd name="T27" fmla="*/ 158 h 267"/>
-                <a:gd name="T28" fmla="*/ 243 w 243"/>
-                <a:gd name="T29" fmla="*/ 118 h 267"/>
-                <a:gd name="T30" fmla="*/ 212 w 243"/>
-                <a:gd name="T31" fmla="*/ 30 h 267"/>
-                <a:gd name="T32" fmla="*/ 89 w 243"/>
-                <a:gd name="T33" fmla="*/ 102 h 267"/>
-                <a:gd name="T34" fmla="*/ 102 w 243"/>
-                <a:gd name="T35" fmla="*/ 70 h 267"/>
-                <a:gd name="T36" fmla="*/ 127 w 243"/>
-                <a:gd name="T37" fmla="*/ 61 h 267"/>
-                <a:gd name="T38" fmla="*/ 154 w 243"/>
-                <a:gd name="T39" fmla="*/ 72 h 267"/>
-                <a:gd name="T40" fmla="*/ 164 w 243"/>
-                <a:gd name="T41" fmla="*/ 102 h 267"/>
-                <a:gd name="T42" fmla="*/ 89 w 243"/>
-                <a:gd name="T43" fmla="*/ 102 h 267"/>
-              </a:gdLst>
-              <a:ahLst/>
-              <a:cxnLst>
-                <a:cxn ang="0">
-                  <a:pos x="T0" y="T1"/>
-                </a:cxn>
-                <a:cxn ang="0">
-                  <a:pos x="T2" y="T3"/>
-                </a:cxn>
-                <a:cxn ang="0">
-                  <a:pos x="T4" y="T5"/>
-                </a:cxn>
-                <a:cxn ang="0">
-                  <a:pos x="T6" y="T7"/>
-                </a:cxn>
-                <a:cxn ang="0">
-                  <a:pos x="T8" y="T9"/>
-                </a:cxn>
-                <a:cxn ang="0">
-                  <a:pos x="T10" y="T11"/>
-                </a:cxn>
-                <a:cxn ang="0">
-                  <a:pos x="T12" y="T13"/>
-                </a:cxn>
-                <a:cxn ang="0">
-                  <a:pos x="T14" y="T15"/>
-                </a:cxn>
-                <a:cxn ang="0">
-                  <a:pos x="T16" y="T17"/>
-                </a:cxn>
-                <a:cxn ang="0">
-                  <a:pos x="T18" y="T19"/>
-                </a:cxn>
-                <a:cxn ang="0">
-                  <a:pos x="T20" y="T21"/>
-                </a:cxn>
-                <a:cxn ang="0">
-                  <a:pos x="T22" y="T23"/>
-                </a:cxn>
-                <a:cxn ang="0">
-                  <a:pos x="T24" y="T25"/>
-                </a:cxn>
-                <a:cxn ang="0">
-                  <a:pos x="T26" y="T27"/>
-                </a:cxn>
-                <a:cxn ang="0">
-                  <a:pos x="T28" y="T29"/>
-                </a:cxn>
-                <a:cxn ang="0">
-                  <a:pos x="T30" y="T31"/>
-                </a:cxn>
-                <a:cxn ang="0">
-                  <a:pos x="T32" y="T33"/>
-                </a:cxn>
-                <a:cxn ang="0">
-                  <a:pos x="T34" y="T35"/>
-                </a:cxn>
-                <a:cxn ang="0">
-                  <a:pos x="T36" y="T37"/>
-                </a:cxn>
-                <a:cxn ang="0">
-                  <a:pos x="T38" y="T39"/>
-                </a:cxn>
-                <a:cxn ang="0">
-                  <a:pos x="T40" y="T41"/>
-                </a:cxn>
-                <a:cxn ang="0">
-                  <a:pos x="T42" y="T43"/>
-                </a:cxn>
-              </a:cxnLst>
-              <a:rect l="0" t="0" r="r" b="b"/>
-              <a:pathLst>
-                <a:path w="243" h="267">
-                  <a:moveTo>
-                    <a:pt x="212" y="30"/>
-                  </a:moveTo>
-                  <a:cubicBezTo>
-                    <a:pt x="191" y="10"/>
-                    <a:pt x="162" y="0"/>
-                    <a:pt x="124" y="0"/>
-                  </a:cubicBezTo>
-                  <a:cubicBezTo>
-                    <a:pt x="84" y="0"/>
-                    <a:pt x="53" y="12"/>
-                    <a:pt x="32" y="35"/>
-                  </a:cubicBezTo>
-                  <a:cubicBezTo>
-                    <a:pt x="10" y="58"/>
-                    <a:pt x="0" y="92"/>
-                    <a:pt x="0" y="135"/>
-                  </a:cubicBezTo>
-                  <a:cubicBezTo>
-                    <a:pt x="0" y="178"/>
-                    <a:pt x="11" y="210"/>
-                    <a:pt x="35" y="233"/>
-                  </a:cubicBezTo>
-                  <a:cubicBezTo>
-                    <a:pt x="58" y="256"/>
-                    <a:pt x="90" y="267"/>
-                    <a:pt x="132" y="267"/>
-                  </a:cubicBezTo>
-                  <a:cubicBezTo>
-                    <a:pt x="153" y="267"/>
-                    <a:pt x="170" y="266"/>
-                    <a:pt x="184" y="263"/>
-                  </a:cubicBezTo>
-                  <a:cubicBezTo>
-                    <a:pt x="199" y="261"/>
-                    <a:pt x="213" y="256"/>
-                    <a:pt x="227" y="249"/>
-                  </a:cubicBezTo>
-                  <a:cubicBezTo>
-                    <a:pt x="213" y="190"/>
-                    <a:pt x="213" y="190"/>
-                    <a:pt x="213" y="190"/>
-                  </a:cubicBezTo>
-                  <a:cubicBezTo>
-                    <a:pt x="203" y="194"/>
-                    <a:pt x="194" y="197"/>
-                    <a:pt x="185" y="200"/>
-                  </a:cubicBezTo>
-                  <a:cubicBezTo>
-                    <a:pt x="172" y="202"/>
-                    <a:pt x="158" y="204"/>
-                    <a:pt x="143" y="204"/>
-                  </a:cubicBezTo>
-                  <a:cubicBezTo>
-                    <a:pt x="126" y="204"/>
-                    <a:pt x="113" y="200"/>
-                    <a:pt x="103" y="192"/>
-                  </a:cubicBezTo>
-                  <a:cubicBezTo>
-                    <a:pt x="93" y="183"/>
-                    <a:pt x="88" y="172"/>
-                    <a:pt x="88" y="158"/>
-                  </a:cubicBezTo>
-                  <a:cubicBezTo>
-                    <a:pt x="243" y="158"/>
-                    <a:pt x="243" y="158"/>
-                    <a:pt x="243" y="158"/>
-                  </a:cubicBezTo>
-                  <a:cubicBezTo>
-                    <a:pt x="243" y="118"/>
-                    <a:pt x="243" y="118"/>
-                    <a:pt x="243" y="118"/>
-                  </a:cubicBezTo>
-                  <a:cubicBezTo>
-                    <a:pt x="243" y="80"/>
-                    <a:pt x="233" y="51"/>
-                    <a:pt x="212" y="30"/>
-                  </a:cubicBezTo>
-                  <a:moveTo>
-                    <a:pt x="89" y="102"/>
-                  </a:moveTo>
-                  <a:cubicBezTo>
-                    <a:pt x="91" y="87"/>
-                    <a:pt x="95" y="77"/>
-                    <a:pt x="102" y="70"/>
-                  </a:cubicBezTo>
-                  <a:cubicBezTo>
-                    <a:pt x="108" y="64"/>
-                    <a:pt x="117" y="61"/>
-                    <a:pt x="127" y="61"/>
-                  </a:cubicBezTo>
-                  <a:cubicBezTo>
-                    <a:pt x="138" y="61"/>
-                    <a:pt x="147" y="64"/>
-                    <a:pt x="154" y="72"/>
-                  </a:cubicBezTo>
-                  <a:cubicBezTo>
-                    <a:pt x="160" y="79"/>
-                    <a:pt x="164" y="89"/>
-                    <a:pt x="164" y="102"/>
-                  </a:cubicBezTo>
-                  <a:lnTo>
-                    <a:pt x="89" y="102"/>
-                  </a:lnTo>
-                  <a:close/>
-                </a:path>
-              </a:pathLst>
-            </a:custGeom>
-            <a:grpFill/>
-            <a:ln>
-              <a:noFill/>
-            </a:ln>
-            <a:extLst>
-              <a:ext uri="{91240B29-F687-4F45-9708-019B960494DF}">
-                <a14:hiddenLine xmlns:a14="http://schemas.microsoft.com/office/drawing/2010/main" w="9525">
-                  <a:solidFill>
-                    <a:srgbClr val="000000"/>
-                  </a:solidFill>
-                  <a:round/>
-                  <a:headEnd/>
-                  <a:tailEnd/>
-                </a14:hiddenLine>
-              </a:ext>
-            </a:extLst>
-          </p:spPr>
-          <p:txBody>
-            <a:bodyPr vert="horz" wrap="square" lIns="91440" tIns="45720" rIns="91440" bIns="45720" numCol="1" anchor="t" anchorCtr="0" compatLnSpc="1">
-              <a:prstTxWarp prst="textNoShape">
-                <a:avLst/>
-              </a:prstTxWarp>
-            </a:bodyPr>
-            <a:lstStyle/>
-            <a:p>
-              <a:endParaRPr lang="en-GB" sz="2600" dirty="0">
-                <a:solidFill>
-                  <a:prstClr val="white"/>
-                </a:solidFill>
-              </a:endParaRPr>
-            </a:p>
-          </p:txBody>
-        </p:sp>
-      </p:grpSp>
-    </p:spTree>
-    <p:extLst>
-      <p:ext uri="{BB962C8B-B14F-4D97-AF65-F5344CB8AC3E}">
-        <p14:creationId xmlns:p14="http://schemas.microsoft.com/office/powerpoint/2010/main" val="3895153409"/>
-      </p:ext>
-    </p:extLst>
-  </p:cSld>
-  <p:clrMapOvr>
-    <a:masterClrMapping/>
-  </p:clrMapOvr>
-  <p:transition>
-    <p:fade/>
-  </p:transition>
-  <p:extLst>
-    <p:ext uri="{DCECCB84-F9BA-43D5-87BE-67443E8EF086}">
-      <p15:sldGuideLst xmlns:p15="http://schemas.microsoft.com/office/powerpoint/2012/main">
-        <p15:guide id="1" orient="horz" pos="4088">
-          <p15:clr>
-            <a:srgbClr val="FBAE40"/>
-          </p15:clr>
-        </p15:guide>
-      </p15:sldGuideLst>
-    </p:ext>
-  </p:extLst>
-</p:sldLayout>
-</file>
-
-<file path=ppt/slideLayouts/slideLayout9.xml><?xml version="1.0" encoding="utf-8"?>
-<p:sldLayout xmlns:a="http://schemas.openxmlformats.org/drawingml/2006/main" xmlns:r="http://schemas.openxmlformats.org/officeDocument/2006/relationships" xmlns:p="http://schemas.openxmlformats.org/presentationml/2006/main" showMasterSp="0" preserve="1" userDrawn="1">
-  <p:cSld name="Divider - Deloitte green">
-    <p:spTree>
-      <p:nvGrpSpPr>
-        <p:cNvPr id="1" name=""/>
-        <p:cNvGrpSpPr/>
-        <p:nvPr/>
-      </p:nvGrpSpPr>
-      <p:grpSpPr>
-        <a:xfrm>
-          <a:off x="0" y="0"/>
-          <a:ext cx="0" cy="0"/>
-          <a:chOff x="0" y="0"/>
-          <a:chExt cx="0" cy="0"/>
-        </a:xfrm>
-      </p:grpSpPr>
-      <p:pic>
-        <p:nvPicPr>
-          <p:cNvPr id="3" name="Picture 2"/>
-          <p:cNvPicPr>
-            <a:picLocks noChangeAspect="1"/>
-          </p:cNvPicPr>
-          <p:nvPr userDrawn="1"/>
-        </p:nvPicPr>
-        <p:blipFill rotWithShape="1">
-          <a:blip r:embed="rId2" cstate="screen">
-            <a:extLst>
-              <a:ext uri="{28A0092B-C50C-407E-A947-70E740481C1C}">
-                <a14:useLocalDpi xmlns:a14="http://schemas.microsoft.com/office/drawing/2010/main"/>
-              </a:ext>
-            </a:extLst>
-          </a:blip>
-          <a:srcRect/>
-          <a:stretch/>
-        </p:blipFill>
-        <p:spPr>
-          <a:xfrm>
-            <a:off x="1" y="0"/>
-            <a:ext cx="12192000" cy="6858000"/>
-          </a:xfrm>
-          <a:prstGeom prst="rect">
-            <a:avLst/>
-          </a:prstGeom>
-        </p:spPr>
-      </p:pic>
-      <p:sp>
-        <p:nvSpPr>
-          <p:cNvPr id="4" name="Rectangle 3"/>
-          <p:cNvSpPr/>
-          <p:nvPr userDrawn="1"/>
-        </p:nvSpPr>
-        <p:spPr bwMode="gray">
-          <a:xfrm>
-            <a:off x="0" y="4756874"/>
-            <a:ext cx="12192001" cy="1542326"/>
-          </a:xfrm>
-          <a:prstGeom prst="rect">
-            <a:avLst/>
-          </a:prstGeom>
-          <a:solidFill>
-            <a:srgbClr val="FFC000">
-              <a:alpha val="90000"/>
-            </a:srgbClr>
-          </a:solidFill>
-        </p:spPr>
-        <p:txBody>
-          <a:bodyPr vert="horz" lIns="0" tIns="731520" rIns="0" bIns="731520" rtlCol="0" anchor="t" anchorCtr="0">
-            <a:noAutofit/>
-          </a:bodyPr>
-          <a:lstStyle/>
-          <a:p>
-            <a:pPr>
-              <a:spcBef>
-                <a:spcPct val="0"/>
-              </a:spcBef>
-            </a:pPr>
-            <a:endParaRPr lang="en-US" sz="3600" dirty="0">
-              <a:solidFill>
-                <a:prstClr val="white"/>
-              </a:solidFill>
-              <a:latin typeface="Open Sans" panose="020B0606030504020204" pitchFamily="34" charset="0"/>
-            </a:endParaRPr>
-          </a:p>
-        </p:txBody>
-      </p:sp>
-    </p:spTree>
-    <p:extLst>
-      <p:ext uri="{BB962C8B-B14F-4D97-AF65-F5344CB8AC3E}">
-        <p14:creationId xmlns:p14="http://schemas.microsoft.com/office/powerpoint/2010/main" val="2447665908"/>
-      </p:ext>
-    </p:extLst>
-  </p:cSld>
-  <p:clrMapOvr>
-    <a:masterClrMapping/>
-  </p:clrMapOvr>
-  <p:transition>
-    <p:fade/>
-  </p:transition>
-  <p:extLst>
-    <p:ext uri="{DCECCB84-F9BA-43D5-87BE-67443E8EF086}">
-      <p15:sldGuideLst xmlns:p15="http://schemas.microsoft.com/office/powerpoint/2012/main">
-        <p15:guide id="1" orient="horz" pos="2160">
-          <p15:clr>
-            <a:srgbClr val="FBAE40"/>
-          </p15:clr>
-        </p15:guide>
-      </p15:sldGuideLst>
-    </p:ext>
-  </p:extLst>
-</p:sldLayout>
-</file>
-
 <file path=ppt/slideMasters/slideMaster1.xml><?xml version="1.0" encoding="utf-8"?>
-<p:sldMaster xmlns:a="http://schemas.openxmlformats.org/drawingml/2006/main" xmlns:r="http://schemas.openxmlformats.org/officeDocument/2006/relationships" xmlns:p="http://schemas.openxmlformats.org/presentationml/2006/main">
-  <p:cSld>
-    <p:bg>
-      <p:bgRef idx="1001">
-        <a:schemeClr val="bg1"/>
-      </p:bgRef>
-    </p:bg>
-    <p:spTree>
-      <p:nvGrpSpPr>
-        <p:cNvPr id="1" name=""/>
-        <p:cNvGrpSpPr/>
-        <p:nvPr/>
-      </p:nvGrpSpPr>
-      <p:grpSpPr>
-        <a:xfrm>
-          <a:off x="0" y="0"/>
-          <a:ext cx="0" cy="0"/>
-          <a:chOff x="0" y="0"/>
-          <a:chExt cx="0" cy="0"/>
-        </a:xfrm>
-      </p:grpSpPr>
-      <p:graphicFrame>
-        <p:nvGraphicFramePr>
-          <p:cNvPr id="4" name="Object 3" hidden="1"/>
-          <p:cNvGraphicFramePr>
-            <a:graphicFrameLocks noChangeAspect="1"/>
-          </p:cNvGraphicFramePr>
-          <p:nvPr>
-            <p:custDataLst>
-              <p:tags r:id="rId10"/>
-            </p:custDataLst>
-            <p:extLst>
-              <p:ext uri="{D42A27DB-BD31-4B8C-83A1-F6EECF244321}">
-                <p14:modId xmlns:p14="http://schemas.microsoft.com/office/powerpoint/2010/main" val="1616855049"/>
-              </p:ext>
-            </p:extLst>
-          </p:nvPr>
-        </p:nvGraphicFramePr>
-        <p:xfrm>
-          <a:off x="2119" y="1589"/>
-          <a:ext cx="2116" cy="1587"/>
-        </p:xfrm>
-        <a:graphic>
-          <a:graphicData uri="http://schemas.openxmlformats.org/presentationml/2006/ole">
-            <mc:AlternateContent xmlns:mc="http://schemas.openxmlformats.org/markup-compatibility/2006">
-              <mc:Choice xmlns:v="urn:schemas-microsoft-com:vml" Requires="v">
-                <p:oleObj spid="_x0000_s68716" name="think-cell Slide" r:id="rId11" imgW="270" imgH="270" progId="TCLayout.ActiveDocument.1">
-                  <p:embed/>
-                </p:oleObj>
-              </mc:Choice>
-              <mc:Fallback>
-                <p:oleObj name="think-cell Slide" r:id="rId11" imgW="270" imgH="270" progId="TCLayout.ActiveDocument.1">
-                  <p:embed/>
-                  <p:pic>
-                    <p:nvPicPr>
-                      <p:cNvPr id="0" name=""/>
-                      <p:cNvPicPr/>
-                      <p:nvPr/>
-                    </p:nvPicPr>
-                    <p:blipFill>
-                      <a:blip r:embed="rId12"/>
-                      <a:stretch>
-                        <a:fillRect/>
-                      </a:stretch>
-                    </p:blipFill>
-                    <p:spPr>
-                      <a:xfrm>
-                        <a:off x="2119" y="1589"/>
-                        <a:ext cx="2116" cy="1587"/>
-                      </a:xfrm>
-                      <a:prstGeom prst="rect">
-                        <a:avLst/>
-                      </a:prstGeom>
-                    </p:spPr>
-                  </p:pic>
-                </p:oleObj>
-              </mc:Fallback>
-            </mc:AlternateContent>
-          </a:graphicData>
-        </a:graphic>
-      </p:graphicFrame>
-      <p:sp>
-        <p:nvSpPr>
-          <p:cNvPr id="2" name="Title Placeholder 1"/>
-          <p:cNvSpPr>
-            <a:spLocks noGrp="1"/>
-          </p:cNvSpPr>
-          <p:nvPr>
-            <p:ph type="title"/>
-          </p:nvPr>
-        </p:nvSpPr>
-        <p:spPr bwMode="gray">
-          <a:xfrm>
-            <a:off x="469900" y="402586"/>
-            <a:ext cx="11252200" cy="692151"/>
-          </a:xfrm>
-          <a:prstGeom prst="rect">
-            <a:avLst/>
-          </a:prstGeom>
-        </p:spPr>
-        <p:txBody>
-          <a:bodyPr vert="horz" lIns="0" tIns="0" rIns="0" bIns="0" rtlCol="0" anchor="t" anchorCtr="0">
-            <a:noAutofit/>
-          </a:bodyPr>
-          <a:lstStyle/>
-          <a:p>
-            <a:r>
-              <a:rPr lang="en-US" noProof="0" dirty="0"/>
-              <a:t>Click to edit Master title style</a:t>
-            </a:r>
-          </a:p>
-        </p:txBody>
-      </p:sp>
-      <p:sp>
-        <p:nvSpPr>
-          <p:cNvPr id="12" name="TextBox 11"/>
-          <p:cNvSpPr txBox="1"/>
-          <p:nvPr userDrawn="1"/>
-        </p:nvSpPr>
-        <p:spPr>
-          <a:xfrm>
-            <a:off x="11410953" y="6477000"/>
-            <a:ext cx="307975" cy="100027"/>
-          </a:xfrm>
-          <a:prstGeom prst="rect">
-            <a:avLst/>
-          </a:prstGeom>
-          <a:noFill/>
-        </p:spPr>
-        <p:txBody>
-          <a:bodyPr wrap="square" lIns="0" tIns="0" rIns="0" bIns="0" rtlCol="0">
-            <a:spAutoFit/>
-          </a:bodyPr>
-          <a:lstStyle/>
-          <a:p>
-            <a:pPr marL="0" indent="0" algn="r">
-              <a:spcBef>
-                <a:spcPts val="800"/>
-              </a:spcBef>
-              <a:buSzPct val="100000"/>
-              <a:buFont typeface="Arial"/>
-              <a:buNone/>
-            </a:pPr>
-            <a:fld id="{C58DF478-B544-4ED8-9ED4-6A2648E2D233}" type="slidenum">
-              <a:rPr lang="en-US" sz="650" noProof="0" smtClean="0">
-                <a:solidFill>
-                  <a:schemeClr val="tx1"/>
-                </a:solidFill>
-              </a:rPr>
-              <a:pPr marL="0" indent="0" algn="r">
-                <a:spcBef>
-                  <a:spcPts val="800"/>
-                </a:spcBef>
-                <a:buSzPct val="100000"/>
-                <a:buFont typeface="Arial"/>
-                <a:buNone/>
-              </a:pPr>
-              <a:t>‹#›</a:t>
-            </a:fld>
-            <a:endParaRPr lang="en-US" sz="650" noProof="0" dirty="0">
-              <a:solidFill>
-                <a:schemeClr val="tx1"/>
-              </a:solidFill>
-            </a:endParaRPr>
-          </a:p>
-        </p:txBody>
-      </p:sp>
-    </p:spTree>
-  </p:cSld>
-  <p:clrMap bg1="lt1" tx1="dk1" bg2="lt2" tx2="dk2" accent1="accent1" accent2="accent2" accent3="accent3" accent4="accent4" accent5="accent5" accent6="accent6" hlink="hlink" folHlink="folHlink"/>
-  <p:sldLayoutIdLst>
-    <p:sldLayoutId id="2147483702" r:id="rId1"/>
-    <p:sldLayoutId id="2147483703" r:id="rId2"/>
-    <p:sldLayoutId id="2147483695" r:id="rId3"/>
-    <p:sldLayoutId id="2147483750" r:id="rId4"/>
-    <p:sldLayoutId id="2147484350" r:id="rId5"/>
-    <p:sldLayoutId id="2147484351" r:id="rId6"/>
-    <p:sldLayoutId id="2147484397" r:id="rId7"/>
-  </p:sldLayoutIdLst>
-  <p:transition>
-    <p:fade/>
-  </p:transition>
-  <p:hf hdr="0" dt="0"/>
-  <p:txStyles>
-    <p:titleStyle>
-      <a:lvl1pPr algn="l" defTabSz="1219170" rtl="0" eaLnBrk="1" latinLnBrk="0" hangingPunct="1">
-        <a:spcBef>
-          <a:spcPct val="0"/>
-        </a:spcBef>
-        <a:buNone/>
-        <a:defRPr sz="2000" kern="1200">
-          <a:solidFill>
-            <a:schemeClr val="tx1"/>
-          </a:solidFill>
-          <a:latin typeface="+mj-lt"/>
-          <a:ea typeface="+mj-ea"/>
-          <a:cs typeface="+mj-cs"/>
-        </a:defRPr>
-      </a:lvl1pPr>
-    </p:titleStyle>
-    <p:bodyStyle>
-      <a:lvl1pPr marL="0" indent="0" algn="l" defTabSz="1219170" rtl="0" eaLnBrk="1" latinLnBrk="0" hangingPunct="1">
-        <a:spcBef>
-          <a:spcPts val="0"/>
-        </a:spcBef>
-        <a:spcAft>
-          <a:spcPts val="1333"/>
-        </a:spcAft>
-        <a:buSzPct val="100000"/>
-        <a:buFontTx/>
-        <a:buNone/>
-        <a:defRPr sz="1200" b="0" kern="1200">
-          <a:solidFill>
-            <a:schemeClr val="tx1"/>
-          </a:solidFill>
-          <a:latin typeface="+mn-lt"/>
-          <a:ea typeface="+mn-ea"/>
-          <a:cs typeface="+mn-cs"/>
-        </a:defRPr>
-      </a:lvl1pPr>
-      <a:lvl2pPr marL="127000" indent="-127000" algn="l" defTabSz="1219170" rtl="0" eaLnBrk="1" latinLnBrk="0" hangingPunct="1">
-        <a:spcBef>
-          <a:spcPts val="0"/>
-        </a:spcBef>
-        <a:spcAft>
-          <a:spcPts val="1333"/>
-        </a:spcAft>
-        <a:buClrTx/>
-        <a:buSzPct val="100000"/>
-        <a:buFont typeface="Arial" panose="020B0604020202020204" pitchFamily="34" charset="0"/>
-        <a:buChar char="•"/>
-        <a:defRPr lang="en-US" sz="1200" b="0" kern="1200" dirty="0" smtClean="0">
-          <a:solidFill>
-            <a:schemeClr val="tx1"/>
-          </a:solidFill>
-          <a:latin typeface="+mn-lt"/>
-          <a:ea typeface="+mn-ea"/>
-          <a:cs typeface="+mn-cs"/>
-        </a:defRPr>
-      </a:lvl2pPr>
-      <a:lvl3pPr marL="279400" indent="-127000" algn="l" defTabSz="1219170" rtl="0" eaLnBrk="1" latinLnBrk="0" hangingPunct="1">
-        <a:spcBef>
-          <a:spcPts val="0"/>
-        </a:spcBef>
-        <a:spcAft>
-          <a:spcPts val="1333"/>
-        </a:spcAft>
-        <a:buClrTx/>
-        <a:buSzPct val="100000"/>
-        <a:buFont typeface="Arial" panose="020B0604020202020204" pitchFamily="34" charset="0"/>
-        <a:buChar char="−"/>
-        <a:defRPr lang="en-US" sz="1200" kern="1200" dirty="0" smtClean="0">
-          <a:solidFill>
-            <a:schemeClr val="tx1"/>
-          </a:solidFill>
-          <a:latin typeface="+mn-lt"/>
-          <a:ea typeface="+mn-ea"/>
-          <a:cs typeface="+mn-cs"/>
-        </a:defRPr>
-      </a:lvl3pPr>
-      <a:lvl4pPr marL="431800" indent="-127000" algn="l" defTabSz="1219170" rtl="0" eaLnBrk="1" latinLnBrk="0" hangingPunct="1">
-        <a:spcBef>
-          <a:spcPts val="0"/>
-        </a:spcBef>
-        <a:spcAft>
-          <a:spcPts val="1333"/>
-        </a:spcAft>
-        <a:buClrTx/>
-        <a:buSzPct val="100000"/>
-        <a:buFont typeface="Arial" panose="020B0604020202020204" pitchFamily="34" charset="0"/>
-        <a:buChar char="◦"/>
-        <a:defRPr lang="en-US" sz="1200" kern="1200" baseline="0" dirty="0" smtClean="0">
-          <a:solidFill>
-            <a:schemeClr val="tx1"/>
-          </a:solidFill>
-          <a:latin typeface="+mn-lt"/>
-          <a:ea typeface="+mn-ea"/>
-          <a:cs typeface="+mn-cs"/>
-        </a:defRPr>
-      </a:lvl4pPr>
-      <a:lvl5pPr marL="584200" indent="-127000" algn="l" defTabSz="1064657" rtl="0" eaLnBrk="1" latinLnBrk="0" hangingPunct="1">
-        <a:spcBef>
-          <a:spcPts val="0"/>
-        </a:spcBef>
-        <a:spcAft>
-          <a:spcPts val="1333"/>
-        </a:spcAft>
-        <a:buClrTx/>
-        <a:buSzPct val="100000"/>
-        <a:buFont typeface="Arial" panose="020B0604020202020204" pitchFamily="34" charset="0"/>
-        <a:buChar char="−"/>
-        <a:tabLst/>
-        <a:defRPr lang="en-US" sz="1200" kern="1200" baseline="0" dirty="0" smtClean="0">
-          <a:solidFill>
-            <a:schemeClr val="tx1"/>
-          </a:solidFill>
-          <a:latin typeface="+mn-lt"/>
-          <a:ea typeface="+mn-ea"/>
-          <a:cs typeface="+mn-cs"/>
-        </a:defRPr>
-      </a:lvl5pPr>
-      <a:lvl6pPr marL="710382" indent="-235194" algn="l" defTabSz="1219170" rtl="0" eaLnBrk="1" latinLnBrk="0" hangingPunct="1">
-        <a:spcBef>
-          <a:spcPts val="0"/>
-        </a:spcBef>
-        <a:spcAft>
-          <a:spcPts val="1333"/>
-        </a:spcAft>
-        <a:buFont typeface="Verdana" panose="020B0604030504040204" pitchFamily="34" charset="0"/>
-        <a:buChar char="−"/>
-        <a:defRPr sz="1600" kern="1200" baseline="0">
-          <a:solidFill>
-            <a:schemeClr val="tx1"/>
-          </a:solidFill>
-          <a:latin typeface="+mn-lt"/>
-          <a:ea typeface="+mn-ea"/>
-          <a:cs typeface="+mn-cs"/>
-        </a:defRPr>
-      </a:lvl6pPr>
-      <a:lvl7pPr marL="710382" indent="-235194" algn="l" defTabSz="1219170" rtl="0" eaLnBrk="1" latinLnBrk="0" hangingPunct="1">
-        <a:spcBef>
-          <a:spcPts val="0"/>
-        </a:spcBef>
-        <a:spcAft>
-          <a:spcPts val="1333"/>
-        </a:spcAft>
-        <a:buFont typeface="Verdana" panose="020B0604030504040204" pitchFamily="34" charset="0"/>
-        <a:buChar char="−"/>
-        <a:defRPr sz="1600" kern="1200">
-          <a:solidFill>
-            <a:schemeClr val="tx1"/>
-          </a:solidFill>
-          <a:latin typeface="+mn-lt"/>
-          <a:ea typeface="+mn-ea"/>
-          <a:cs typeface="+mn-cs"/>
-        </a:defRPr>
-      </a:lvl7pPr>
-      <a:lvl8pPr marL="710382" indent="-235194" algn="l" defTabSz="1219170" rtl="0" eaLnBrk="1" latinLnBrk="0" hangingPunct="1">
-        <a:spcBef>
-          <a:spcPts val="0"/>
-        </a:spcBef>
-        <a:spcAft>
-          <a:spcPts val="1333"/>
-        </a:spcAft>
-        <a:buFont typeface="Verdana" panose="020B0604030504040204" pitchFamily="34" charset="0"/>
-        <a:buChar char="−"/>
-        <a:defRPr sz="1600" kern="1200" baseline="0">
-          <a:solidFill>
-            <a:schemeClr val="tx1"/>
-          </a:solidFill>
-          <a:latin typeface="+mn-lt"/>
-          <a:ea typeface="+mn-ea"/>
-          <a:cs typeface="+mn-cs"/>
-        </a:defRPr>
-      </a:lvl8pPr>
-      <a:lvl9pPr marL="710382" indent="-235194" algn="l" defTabSz="1219170" rtl="0" eaLnBrk="1" latinLnBrk="0" hangingPunct="1">
-        <a:spcBef>
-          <a:spcPts val="0"/>
-        </a:spcBef>
-        <a:spcAft>
-          <a:spcPts val="1333"/>
-        </a:spcAft>
-        <a:buFont typeface="Verdana" panose="020B0604030504040204" pitchFamily="34" charset="0"/>
-        <a:buChar char="−"/>
-        <a:defRPr sz="1600" kern="1200" baseline="0">
-          <a:solidFill>
-            <a:schemeClr val="tx1"/>
-          </a:solidFill>
-          <a:latin typeface="+mn-lt"/>
-          <a:ea typeface="+mn-ea"/>
-          <a:cs typeface="+mn-cs"/>
-        </a:defRPr>
-      </a:lvl9pPr>
-    </p:bodyStyle>
-    <p:otherStyle>
-      <a:defPPr>
-        <a:defRPr lang="en-US"/>
-      </a:defPPr>
-      <a:lvl1pPr marL="0" algn="l" defTabSz="1219170" rtl="0" eaLnBrk="1" latinLnBrk="0" hangingPunct="1">
-        <a:defRPr sz="2400" kern="1200">
-          <a:solidFill>
-            <a:schemeClr val="tx1"/>
-          </a:solidFill>
-          <a:latin typeface="+mn-lt"/>
-          <a:ea typeface="+mn-ea"/>
-          <a:cs typeface="+mn-cs"/>
-        </a:defRPr>
-      </a:lvl1pPr>
-      <a:lvl2pPr marL="609585" algn="l" defTabSz="1219170" rtl="0" eaLnBrk="1" latinLnBrk="0" hangingPunct="1">
-        <a:defRPr sz="2400" kern="1200">
-          <a:solidFill>
-            <a:schemeClr val="tx1"/>
-          </a:solidFill>
-          <a:latin typeface="+mn-lt"/>
-          <a:ea typeface="+mn-ea"/>
-          <a:cs typeface="+mn-cs"/>
-        </a:defRPr>
-      </a:lvl2pPr>
-      <a:lvl3pPr marL="1219170" algn="l" defTabSz="1219170" rtl="0" eaLnBrk="1" latinLnBrk="0" hangingPunct="1">
-        <a:defRPr sz="2400" kern="1200">
-          <a:solidFill>
-            <a:schemeClr val="tx1"/>
-          </a:solidFill>
-          <a:latin typeface="+mn-lt"/>
-          <a:ea typeface="+mn-ea"/>
-          <a:cs typeface="+mn-cs"/>
-        </a:defRPr>
-      </a:lvl3pPr>
-      <a:lvl4pPr marL="1828754" algn="l" defTabSz="1219170" rtl="0" eaLnBrk="1" latinLnBrk="0" hangingPunct="1">
-        <a:defRPr sz="2400" kern="1200">
-          <a:solidFill>
-            <a:schemeClr val="tx1"/>
-          </a:solidFill>
-          <a:latin typeface="+mn-lt"/>
-          <a:ea typeface="+mn-ea"/>
-          <a:cs typeface="+mn-cs"/>
-        </a:defRPr>
-      </a:lvl4pPr>
-      <a:lvl5pPr marL="2438339" algn="l" defTabSz="1219170" rtl="0" eaLnBrk="1" latinLnBrk="0" hangingPunct="1">
-        <a:defRPr sz="2400" kern="1200">
-          <a:solidFill>
-            <a:schemeClr val="tx1"/>
-          </a:solidFill>
-          <a:latin typeface="+mn-lt"/>
-          <a:ea typeface="+mn-ea"/>
-          <a:cs typeface="+mn-cs"/>
-        </a:defRPr>
-      </a:lvl5pPr>
-      <a:lvl6pPr marL="3047924" algn="l" defTabSz="1219170" rtl="0" eaLnBrk="1" latinLnBrk="0" hangingPunct="1">
-        <a:defRPr sz="2400" kern="1200">
-          <a:solidFill>
-            <a:schemeClr val="tx1"/>
-          </a:solidFill>
-          <a:latin typeface="+mn-lt"/>
-          <a:ea typeface="+mn-ea"/>
-          <a:cs typeface="+mn-cs"/>
-        </a:defRPr>
-      </a:lvl6pPr>
-      <a:lvl7pPr marL="3657509" algn="l" defTabSz="1219170" rtl="0" eaLnBrk="1" latinLnBrk="0" hangingPunct="1">
-        <a:defRPr sz="2400" kern="1200">
-          <a:solidFill>
-            <a:schemeClr val="tx1"/>
-          </a:solidFill>
-          <a:latin typeface="+mn-lt"/>
-          <a:ea typeface="+mn-ea"/>
-          <a:cs typeface="+mn-cs"/>
-        </a:defRPr>
-      </a:lvl7pPr>
-      <a:lvl8pPr marL="4267093" algn="l" defTabSz="1219170" rtl="0" eaLnBrk="1" latinLnBrk="0" hangingPunct="1">
-        <a:defRPr sz="2400" kern="1200">
-          <a:solidFill>
-            <a:schemeClr val="tx1"/>
-          </a:solidFill>
-          <a:latin typeface="+mn-lt"/>
-          <a:ea typeface="+mn-ea"/>
-          <a:cs typeface="+mn-cs"/>
-        </a:defRPr>
-      </a:lvl8pPr>
-      <a:lvl9pPr marL="4876678" algn="l" defTabSz="1219170" rtl="0" eaLnBrk="1" latinLnBrk="0" hangingPunct="1">
-        <a:defRPr sz="2400" kern="1200">
-          <a:solidFill>
-            <a:schemeClr val="tx1"/>
-          </a:solidFill>
-          <a:latin typeface="+mn-lt"/>
-          <a:ea typeface="+mn-ea"/>
-          <a:cs typeface="+mn-cs"/>
-        </a:defRPr>
-      </a:lvl9pPr>
-    </p:otherStyle>
-  </p:txStyles>
-  <p:extLst>
-    <p:ext uri="{27BBF7A9-308A-43DC-89C8-2F10F3537804}">
-      <p15:sldGuideLst xmlns:p15="http://schemas.microsoft.com/office/powerpoint/2012/main">
-        <p15:guide id="1" pos="5098" userDrawn="1">
-          <p15:clr>
-            <a:srgbClr val="F26B43"/>
-          </p15:clr>
-        </p15:guide>
-        <p15:guide id="2" orient="horz" pos="2160" userDrawn="1">
-          <p15:clr>
-            <a:srgbClr val="F26B43"/>
-          </p15:clr>
-        </p15:guide>
-        <p15:guide id="3" orient="horz" pos="3968" userDrawn="1">
-          <p15:clr>
-            <a:srgbClr val="F26B43"/>
-          </p15:clr>
-        </p15:guide>
-        <p15:guide id="4" pos="296" userDrawn="1">
-          <p15:clr>
-            <a:srgbClr val="F26B43"/>
-          </p15:clr>
-        </p15:guide>
-        <p15:guide id="5" pos="7384" userDrawn="1">
-          <p15:clr>
-            <a:srgbClr val="F26B43"/>
-          </p15:clr>
-        </p15:guide>
-        <p15:guide id="6" orient="horz" pos="1071" userDrawn="1">
-          <p15:clr>
-            <a:srgbClr val="F26B43"/>
-          </p15:clr>
-        </p15:guide>
-        <p15:guide id="7" orient="horz" pos="245" userDrawn="1">
-          <p15:clr>
-            <a:srgbClr val="F26B43"/>
-          </p15:clr>
-        </p15:guide>
-        <p15:guide id="8" orient="horz" pos="4081" userDrawn="1">
-          <p15:clr>
-            <a:srgbClr val="F26B43"/>
-          </p15:clr>
-        </p15:guide>
-        <p15:guide id="10" pos="4986" userDrawn="1">
-          <p15:clr>
-            <a:srgbClr val="F26B43"/>
-          </p15:clr>
-        </p15:guide>
-        <p15:guide id="12" pos="1382" userDrawn="1">
-          <p15:clr>
-            <a:srgbClr val="F26B43"/>
-          </p15:clr>
-        </p15:guide>
-        <p15:guide id="13" pos="1496" userDrawn="1">
-          <p15:clr>
-            <a:srgbClr val="F26B43"/>
-          </p15:clr>
-        </p15:guide>
-        <p15:guide id="14" pos="2581" userDrawn="1">
-          <p15:clr>
-            <a:srgbClr val="F26B43"/>
-          </p15:clr>
-        </p15:guide>
-        <p15:guide id="15" pos="2695" userDrawn="1">
-          <p15:clr>
-            <a:srgbClr val="F26B43"/>
-          </p15:clr>
-        </p15:guide>
-        <p15:guide id="16" pos="6185" userDrawn="1">
-          <p15:clr>
-            <a:srgbClr val="F26B43"/>
-          </p15:clr>
-        </p15:guide>
-        <p15:guide id="17" pos="3783" userDrawn="1">
-          <p15:clr>
-            <a:srgbClr val="F26B43"/>
-          </p15:clr>
-        </p15:guide>
-        <p15:guide id="18" pos="3896" userDrawn="1">
-          <p15:clr>
-            <a:srgbClr val="F26B43"/>
-          </p15:clr>
-        </p15:guide>
-        <p15:guide id="19" pos="3840" userDrawn="1">
-          <p15:clr>
-            <a:srgbClr val="F26B43"/>
-          </p15:clr>
-        </p15:guide>
-        <p15:guide id="20" pos="6299" userDrawn="1">
-          <p15:clr>
-            <a:srgbClr val="F26B43"/>
-          </p15:clr>
-        </p15:guide>
-        <p15:guide id="21" orient="horz" pos="1049" userDrawn="1">
-          <p15:clr>
-            <a:srgbClr val="F26B43"/>
-          </p15:clr>
-        </p15:guide>
-        <p15:guide id="22" orient="horz" pos="641" userDrawn="1">
-          <p15:clr>
-            <a:srgbClr val="F26B43"/>
-          </p15:clr>
-        </p15:guide>
-        <p15:guide id="23" orient="horz" pos="288" userDrawn="1">
-          <p15:clr>
-            <a:srgbClr val="F26B43"/>
-          </p15:clr>
-        </p15:guide>
-      </p15:sldGuideLst>
-    </p:ext>
-  </p:extLst>
-</p:sldMaster>
-</file>
-
-<file path=ppt/slideMasters/slideMaster2.xml><?xml version="1.0" encoding="utf-8"?>
 <p:sldMaster xmlns:a="http://schemas.openxmlformats.org/drawingml/2006/main" xmlns:r="http://schemas.openxmlformats.org/officeDocument/2006/relationships" xmlns:p="http://schemas.openxmlformats.org/presentationml/2006/main">
   <p:cSld>
     <p:bg>
@@ -13035,7 +6195,7 @@
           <a:graphicData uri="http://schemas.openxmlformats.org/presentationml/2006/ole">
             <mc:AlternateContent xmlns:mc="http://schemas.openxmlformats.org/markup-compatibility/2006">
               <mc:Choice xmlns:v="urn:schemas-microsoft-com:vml" Requires="v">
-                <p:oleObj spid="_x0000_s68389" name="think-cell Slide" r:id="rId13" imgW="270" imgH="270" progId="TCLayout.ActiveDocument.1">
+                <p:oleObj spid="_x0000_s68391" name="think-cell Slide" r:id="rId13" imgW="270" imgH="270" progId="TCLayout.ActiveDocument.1">
                   <p:embed/>
                 </p:oleObj>
               </mc:Choice>
@@ -13172,8 +6332,8 @@
     <p:sldLayoutId id="2147484352" r:id="rId5"/>
     <p:sldLayoutId id="2147484399" r:id="rId6"/>
     <p:sldLayoutId id="2147484400" r:id="rId7"/>
-    <p:sldLayoutId id="2147484645" r:id="rId8"/>
-    <p:sldLayoutId id="2147484646" r:id="rId9"/>
+    <p:sldLayoutId id="2147484646" r:id="rId8"/>
+    <p:sldLayoutId id="2147484647" r:id="rId9"/>
   </p:sldLayoutIdLst>
   <p:transition>
     <p:fade/>
@@ -13573,6 +6733,14 @@
 <file path=ppt/slides/slide1.xml><?xml version="1.0" encoding="utf-8"?>
 <p:sld xmlns:a="http://schemas.openxmlformats.org/drawingml/2006/main" xmlns:r="http://schemas.openxmlformats.org/officeDocument/2006/relationships" xmlns:p="http://schemas.openxmlformats.org/presentationml/2006/main">
   <p:cSld>
+    <p:bg>
+      <p:bgPr>
+        <a:solidFill>
+          <a:schemeClr val="tx1"/>
+        </a:solidFill>
+        <a:effectLst/>
+      </p:bgPr>
+    </p:bg>
     <p:spTree>
       <p:nvGrpSpPr>
         <p:cNvPr id="1" name=""/>
@@ -13589,10 +6757,10 @@
       </p:grpSpPr>
       <p:sp>
         <p:nvSpPr>
-          <p:cNvPr id="2" name="Subtitle 1">
+          <p:cNvPr id="4" name="Subtitle 1">
             <a:extLst>
               <a:ext uri="{FF2B5EF4-FFF2-40B4-BE49-F238E27FC236}">
-                <a16:creationId xmlns:a16="http://schemas.microsoft.com/office/drawing/2014/main" id="{F71557A1-8A9B-453B-8B60-49CB0557F40A}"/>
+                <a16:creationId xmlns:a16="http://schemas.microsoft.com/office/drawing/2014/main" id="{ECC82746-E561-4E17-AD25-D4A6D786F859}"/>
               </a:ext>
             </a:extLst>
           </p:cNvPr>
@@ -13637,7 +6805,7 @@
           <p:cNvPr id="5" name="Subtitle 1">
             <a:extLst>
               <a:ext uri="{FF2B5EF4-FFF2-40B4-BE49-F238E27FC236}">
-                <a16:creationId xmlns:a16="http://schemas.microsoft.com/office/drawing/2014/main" id="{E172F062-8180-41AE-8E49-E5CAA084E1EA}"/>
+                <a16:creationId xmlns:a16="http://schemas.microsoft.com/office/drawing/2014/main" id="{C4B35121-4B94-4EC2-9F45-610C993AC138}"/>
               </a:ext>
             </a:extLst>
           </p:cNvPr>
@@ -13648,7 +6816,7 @@
         </p:nvSpPr>
         <p:spPr bwMode="gray">
           <a:xfrm>
-            <a:off x="457200" y="2133600"/>
+            <a:off x="457200" y="2161355"/>
             <a:ext cx="7354350" cy="505645"/>
           </a:xfrm>
           <a:prstGeom prst="rect">
@@ -13855,7 +7023,7 @@
               <a:defRPr/>
             </a:pPr>
             <a:r>
-              <a:rPr kumimoji="0" lang="en-US" sz="3200" b="0" i="0" u="none" strike="noStrike" kern="1200" cap="none" spc="0" normalizeH="0" baseline="0" noProof="0" dirty="0">
+              <a:rPr kumimoji="0" lang="en-US" sz="3200" i="0" u="none" strike="noStrike" kern="1200" cap="none" spc="0" normalizeH="0" baseline="0" noProof="0" dirty="0">
                 <a:ln>
                   <a:noFill/>
                 </a:ln>
@@ -13869,43 +7037,7 @@
                 <a:ea typeface="Open Sans" panose="020B0606030504020204" pitchFamily="34" charset="0"/>
                 <a:cs typeface="Open Sans" panose="020B0606030504020204" pitchFamily="34" charset="0"/>
               </a:rPr>
-              <a:t>Data Warehouse and </a:t>
-            </a:r>
-          </a:p>
-          <a:p>
-            <a:pPr marL="0" marR="0" lvl="0" indent="0" algn="l" defTabSz="1219170" rtl="0" eaLnBrk="1" fontAlgn="auto" latinLnBrk="0" hangingPunct="1">
-              <a:lnSpc>
-                <a:spcPct val="100000"/>
-              </a:lnSpc>
-              <a:spcBef>
-                <a:spcPts val="0"/>
-              </a:spcBef>
-              <a:spcAft>
-                <a:spcPts val="0"/>
-              </a:spcAft>
-              <a:buClrTx/>
-              <a:buSzPct val="100000"/>
-              <a:buFontTx/>
-              <a:buNone/>
-              <a:tabLst/>
-              <a:defRPr/>
-            </a:pPr>
-            <a:r>
-              <a:rPr kumimoji="0" lang="en-US" sz="3200" b="0" i="0" u="none" strike="noStrike" kern="1200" cap="none" spc="0" normalizeH="0" baseline="0" noProof="0" dirty="0">
-                <a:ln>
-                  <a:noFill/>
-                </a:ln>
-                <a:solidFill>
-                  <a:schemeClr val="accent1"/>
-                </a:solidFill>
-                <a:effectLst/>
-                <a:uLnTx/>
-                <a:uFillTx/>
-                <a:latin typeface="Open Sans" panose="020B0606030504020204" pitchFamily="34" charset="0"/>
-                <a:ea typeface="Open Sans" panose="020B0606030504020204" pitchFamily="34" charset="0"/>
-                <a:cs typeface="Open Sans" panose="020B0606030504020204" pitchFamily="34" charset="0"/>
-              </a:rPr>
-              <a:t>Business Intelligence</a:t>
+              <a:t>ETL Scheduler</a:t>
             </a:r>
           </a:p>
           <a:p>
@@ -13943,85 +7075,12 @@
           </a:p>
         </p:txBody>
       </p:sp>
-      <p:sp>
-        <p:nvSpPr>
-          <p:cNvPr id="10" name="object 15">
-            <a:extLst>
-              <a:ext uri="{FF2B5EF4-FFF2-40B4-BE49-F238E27FC236}">
-                <a16:creationId xmlns:a16="http://schemas.microsoft.com/office/drawing/2014/main" id="{9AA08BB1-FE2A-4C22-A1E2-D3406D5C1DD6}"/>
-              </a:ext>
-            </a:extLst>
-          </p:cNvPr>
-          <p:cNvSpPr txBox="1"/>
-          <p:nvPr/>
-        </p:nvSpPr>
-        <p:spPr>
-          <a:xfrm>
-            <a:off x="571500" y="5729606"/>
-            <a:ext cx="3990668" cy="469359"/>
-          </a:xfrm>
-          <a:prstGeom prst="rect">
-            <a:avLst/>
-          </a:prstGeom>
-        </p:spPr>
-        <p:txBody>
-          <a:bodyPr vert="horz" wrap="square" lIns="0" tIns="0" rIns="0" bIns="0" rtlCol="0">
-            <a:spAutoFit/>
-          </a:bodyPr>
-          <a:lstStyle/>
-          <a:p>
-            <a:pPr marL="12700">
-              <a:lnSpc>
-                <a:spcPct val="100000"/>
-              </a:lnSpc>
-            </a:pPr>
-            <a:r>
-              <a:rPr lang="en-US" sz="1700" b="0" spc="-30" dirty="0">
-                <a:solidFill>
-                  <a:schemeClr val="bg1"/>
-                </a:solidFill>
-                <a:latin typeface="Open Sans Light"/>
-                <a:cs typeface="Open Sans Light"/>
-              </a:rPr>
-              <a:t>Deloitte Consulting LLP</a:t>
-            </a:r>
-            <a:endParaRPr lang="en-US" sz="1700" b="0" dirty="0">
-              <a:solidFill>
-                <a:schemeClr val="bg1"/>
-              </a:solidFill>
-              <a:latin typeface="Open Sans Light"/>
-              <a:cs typeface="Open Sans Light"/>
-            </a:endParaRPr>
-          </a:p>
-          <a:p>
-            <a:pPr marL="12700">
-              <a:lnSpc>
-                <a:spcPct val="100000"/>
-              </a:lnSpc>
-            </a:pPr>
-            <a:r>
-              <a:rPr lang="en-US" sz="1350" spc="-20" dirty="0">
-                <a:solidFill>
-                  <a:srgbClr val="FFFFFF"/>
-                </a:solidFill>
-                <a:latin typeface="Open Sans"/>
-                <a:cs typeface="Open Sans"/>
-              </a:rPr>
-              <a:t>March,  2020</a:t>
-            </a:r>
-            <a:endParaRPr sz="1350" dirty="0">
-              <a:latin typeface="Open Sans"/>
-              <a:cs typeface="Open Sans"/>
-            </a:endParaRPr>
-          </a:p>
-        </p:txBody>
-      </p:sp>
       <p:pic>
         <p:nvPicPr>
           <p:cNvPr id="6" name="Picture 5">
             <a:extLst>
               <a:ext uri="{FF2B5EF4-FFF2-40B4-BE49-F238E27FC236}">
-                <a16:creationId xmlns:a16="http://schemas.microsoft.com/office/drawing/2014/main" id="{9D9C3AB6-228C-497E-8C6F-F9F454AD4117}"/>
+                <a16:creationId xmlns:a16="http://schemas.microsoft.com/office/drawing/2014/main" id="{1FA73A20-D09E-4B51-885C-BE9743EB0F4E}"/>
               </a:ext>
             </a:extLst>
           </p:cNvPr>
@@ -14046,28 +7105,510 @@
           </a:prstGeom>
         </p:spPr>
       </p:pic>
+      <p:sp>
+        <p:nvSpPr>
+          <p:cNvPr id="10" name="Subtitle 1">
+            <a:extLst>
+              <a:ext uri="{FF2B5EF4-FFF2-40B4-BE49-F238E27FC236}">
+                <a16:creationId xmlns:a16="http://schemas.microsoft.com/office/drawing/2014/main" id="{139D0007-C55F-4B69-BD9E-364DFFB33B23}"/>
+              </a:ext>
+            </a:extLst>
+          </p:cNvPr>
+          <p:cNvSpPr txBox="1">
+            <a:spLocks/>
+          </p:cNvSpPr>
+          <p:nvPr/>
+        </p:nvSpPr>
+        <p:spPr>
+          <a:xfrm>
+            <a:off x="685800" y="3613298"/>
+            <a:ext cx="6431437" cy="381000"/>
+          </a:xfrm>
+        </p:spPr>
+        <p:txBody>
+          <a:bodyPr anchor="t"/>
+          <a:lstStyle>
+            <a:lvl1pPr marL="0" indent="0" algn="ctr" defTabSz="1219170" rtl="0" eaLnBrk="1" latinLnBrk="0" hangingPunct="1">
+              <a:spcBef>
+                <a:spcPts val="0"/>
+              </a:spcBef>
+              <a:spcAft>
+                <a:spcPts val="1333"/>
+              </a:spcAft>
+              <a:buSzPct val="100000"/>
+              <a:buFontTx/>
+              <a:buNone/>
+              <a:defRPr sz="2400" b="0" kern="1200">
+                <a:solidFill>
+                  <a:schemeClr val="tx1"/>
+                </a:solidFill>
+                <a:latin typeface="+mn-lt"/>
+                <a:ea typeface="+mn-ea"/>
+                <a:cs typeface="+mn-cs"/>
+              </a:defRPr>
+            </a:lvl1pPr>
+            <a:lvl2pPr marL="457200" indent="0" algn="ctr" defTabSz="1219170" rtl="0" eaLnBrk="1" latinLnBrk="0" hangingPunct="1">
+              <a:spcBef>
+                <a:spcPts val="0"/>
+              </a:spcBef>
+              <a:spcAft>
+                <a:spcPts val="1333"/>
+              </a:spcAft>
+              <a:buClrTx/>
+              <a:buSzPct val="100000"/>
+              <a:buFont typeface="Arial" panose="020B0604020202020204" pitchFamily="34" charset="0"/>
+              <a:buNone/>
+              <a:defRPr lang="en-US" sz="2000" b="0" kern="1200" dirty="0" smtClean="0">
+                <a:solidFill>
+                  <a:schemeClr val="tx1"/>
+                </a:solidFill>
+                <a:latin typeface="+mn-lt"/>
+                <a:ea typeface="+mn-ea"/>
+                <a:cs typeface="+mn-cs"/>
+              </a:defRPr>
+            </a:lvl2pPr>
+            <a:lvl3pPr marL="914400" indent="0" algn="ctr" defTabSz="1219170" rtl="0" eaLnBrk="1" latinLnBrk="0" hangingPunct="1">
+              <a:spcBef>
+                <a:spcPts val="0"/>
+              </a:spcBef>
+              <a:spcAft>
+                <a:spcPts val="1333"/>
+              </a:spcAft>
+              <a:buClrTx/>
+              <a:buSzPct val="100000"/>
+              <a:buFont typeface="Arial" panose="020B0604020202020204" pitchFamily="34" charset="0"/>
+              <a:buNone/>
+              <a:defRPr lang="en-US" sz="1800" kern="1200" dirty="0" smtClean="0">
+                <a:solidFill>
+                  <a:schemeClr val="tx1"/>
+                </a:solidFill>
+                <a:latin typeface="+mn-lt"/>
+                <a:ea typeface="+mn-ea"/>
+                <a:cs typeface="+mn-cs"/>
+              </a:defRPr>
+            </a:lvl3pPr>
+            <a:lvl4pPr marL="1371600" indent="0" algn="ctr" defTabSz="1219170" rtl="0" eaLnBrk="1" latinLnBrk="0" hangingPunct="1">
+              <a:spcBef>
+                <a:spcPts val="0"/>
+              </a:spcBef>
+              <a:spcAft>
+                <a:spcPts val="1333"/>
+              </a:spcAft>
+              <a:buClrTx/>
+              <a:buSzPct val="100000"/>
+              <a:buFont typeface="Arial" panose="020B0604020202020204" pitchFamily="34" charset="0"/>
+              <a:buNone/>
+              <a:defRPr lang="en-US" sz="1600" kern="1200" baseline="0" dirty="0" smtClean="0">
+                <a:solidFill>
+                  <a:schemeClr val="tx1"/>
+                </a:solidFill>
+                <a:latin typeface="+mn-lt"/>
+                <a:ea typeface="+mn-ea"/>
+                <a:cs typeface="+mn-cs"/>
+              </a:defRPr>
+            </a:lvl4pPr>
+            <a:lvl5pPr marL="1828800" indent="0" algn="ctr" defTabSz="1064657" rtl="0" eaLnBrk="1" latinLnBrk="0" hangingPunct="1">
+              <a:spcBef>
+                <a:spcPts val="0"/>
+              </a:spcBef>
+              <a:spcAft>
+                <a:spcPts val="1333"/>
+              </a:spcAft>
+              <a:buClrTx/>
+              <a:buSzPct val="100000"/>
+              <a:buFont typeface="Arial" panose="020B0604020202020204" pitchFamily="34" charset="0"/>
+              <a:buNone/>
+              <a:tabLst/>
+              <a:defRPr lang="en-US" sz="1600" kern="1200" baseline="0" dirty="0" smtClean="0">
+                <a:solidFill>
+                  <a:schemeClr val="tx1"/>
+                </a:solidFill>
+                <a:latin typeface="+mn-lt"/>
+                <a:ea typeface="+mn-ea"/>
+                <a:cs typeface="+mn-cs"/>
+              </a:defRPr>
+            </a:lvl5pPr>
+            <a:lvl6pPr marL="2286000" indent="0" algn="ctr" defTabSz="1219170" rtl="0" eaLnBrk="1" latinLnBrk="0" hangingPunct="1">
+              <a:spcBef>
+                <a:spcPts val="0"/>
+              </a:spcBef>
+              <a:spcAft>
+                <a:spcPts val="1333"/>
+              </a:spcAft>
+              <a:buFont typeface="Verdana" panose="020B0604030504040204" pitchFamily="34" charset="0"/>
+              <a:buNone/>
+              <a:defRPr sz="1600" kern="1200" baseline="0">
+                <a:solidFill>
+                  <a:schemeClr val="tx1"/>
+                </a:solidFill>
+                <a:latin typeface="+mn-lt"/>
+                <a:ea typeface="+mn-ea"/>
+                <a:cs typeface="+mn-cs"/>
+              </a:defRPr>
+            </a:lvl6pPr>
+            <a:lvl7pPr marL="2743200" indent="0" algn="ctr" defTabSz="1219170" rtl="0" eaLnBrk="1" latinLnBrk="0" hangingPunct="1">
+              <a:spcBef>
+                <a:spcPts val="0"/>
+              </a:spcBef>
+              <a:spcAft>
+                <a:spcPts val="1333"/>
+              </a:spcAft>
+              <a:buFont typeface="Verdana" panose="020B0604030504040204" pitchFamily="34" charset="0"/>
+              <a:buNone/>
+              <a:defRPr sz="1600" kern="1200">
+                <a:solidFill>
+                  <a:schemeClr val="tx1"/>
+                </a:solidFill>
+                <a:latin typeface="+mn-lt"/>
+                <a:ea typeface="+mn-ea"/>
+                <a:cs typeface="+mn-cs"/>
+              </a:defRPr>
+            </a:lvl7pPr>
+            <a:lvl8pPr marL="3200400" indent="0" algn="ctr" defTabSz="1219170" rtl="0" eaLnBrk="1" latinLnBrk="0" hangingPunct="1">
+              <a:spcBef>
+                <a:spcPts val="0"/>
+              </a:spcBef>
+              <a:spcAft>
+                <a:spcPts val="1333"/>
+              </a:spcAft>
+              <a:buFont typeface="Verdana" panose="020B0604030504040204" pitchFamily="34" charset="0"/>
+              <a:buNone/>
+              <a:defRPr sz="1600" kern="1200" baseline="0">
+                <a:solidFill>
+                  <a:schemeClr val="tx1"/>
+                </a:solidFill>
+                <a:latin typeface="+mn-lt"/>
+                <a:ea typeface="+mn-ea"/>
+                <a:cs typeface="+mn-cs"/>
+              </a:defRPr>
+            </a:lvl8pPr>
+            <a:lvl9pPr marL="3657600" indent="0" algn="ctr" defTabSz="1219170" rtl="0" eaLnBrk="1" latinLnBrk="0" hangingPunct="1">
+              <a:spcBef>
+                <a:spcPts val="0"/>
+              </a:spcBef>
+              <a:spcAft>
+                <a:spcPts val="1333"/>
+              </a:spcAft>
+              <a:buFont typeface="Verdana" panose="020B0604030504040204" pitchFamily="34" charset="0"/>
+              <a:buNone/>
+              <a:defRPr sz="1600" kern="1200" baseline="0">
+                <a:solidFill>
+                  <a:schemeClr val="tx1"/>
+                </a:solidFill>
+                <a:latin typeface="+mn-lt"/>
+                <a:ea typeface="+mn-ea"/>
+                <a:cs typeface="+mn-cs"/>
+              </a:defRPr>
+            </a:lvl9pPr>
+          </a:lstStyle>
+          <a:p>
+            <a:r>
+              <a:rPr lang="en-US" sz="2200">
+                <a:latin typeface="Open Sans" panose="020B0606030504020204" pitchFamily="34" charset="0"/>
+                <a:ea typeface="Open Sans" panose="020B0606030504020204" pitchFamily="34" charset="0"/>
+                <a:cs typeface="Open Sans" panose="020B0606030504020204" pitchFamily="34" charset="0"/>
+              </a:rPr>
+              <a:t>ETL Workflow Scheduler : JobHoncho</a:t>
+            </a:r>
+            <a:endParaRPr lang="en-US" dirty="0">
+              <a:solidFill>
+                <a:schemeClr val="accent5"/>
+              </a:solidFill>
+              <a:latin typeface="Open Sans" panose="020B0606030504020204" pitchFamily="34" charset="0"/>
+              <a:ea typeface="Open Sans" panose="020B0606030504020204" pitchFamily="34" charset="0"/>
+              <a:cs typeface="Open Sans" panose="020B0606030504020204" pitchFamily="34" charset="0"/>
+            </a:endParaRPr>
+          </a:p>
+        </p:txBody>
+      </p:sp>
+      <p:sp>
+        <p:nvSpPr>
+          <p:cNvPr id="11" name="Subtitle 1">
+            <a:extLst>
+              <a:ext uri="{FF2B5EF4-FFF2-40B4-BE49-F238E27FC236}">
+                <a16:creationId xmlns:a16="http://schemas.microsoft.com/office/drawing/2014/main" id="{111E23A5-9D0C-40B2-84D3-922B55F788D1}"/>
+              </a:ext>
+            </a:extLst>
+          </p:cNvPr>
+          <p:cNvSpPr txBox="1">
+            <a:spLocks/>
+          </p:cNvSpPr>
+          <p:nvPr/>
+        </p:nvSpPr>
+        <p:spPr bwMode="gray">
+          <a:xfrm>
+            <a:off x="438150" y="5257800"/>
+            <a:ext cx="7354350" cy="505645"/>
+          </a:xfrm>
+          <a:prstGeom prst="rect">
+            <a:avLst/>
+          </a:prstGeom>
+        </p:spPr>
+        <p:txBody>
+          <a:bodyPr vert="horz" lIns="0" tIns="0" rIns="0" bIns="0" rtlCol="0" anchor="t" anchorCtr="0">
+            <a:noAutofit/>
+          </a:bodyPr>
+          <a:lstStyle>
+            <a:lvl1pPr marL="0" indent="0" algn="l" defTabSz="1219170" rtl="0" eaLnBrk="1" latinLnBrk="0" hangingPunct="1">
+              <a:lnSpc>
+                <a:spcPct val="100000"/>
+              </a:lnSpc>
+              <a:spcBef>
+                <a:spcPts val="0"/>
+              </a:spcBef>
+              <a:spcAft>
+                <a:spcPts val="0"/>
+              </a:spcAft>
+              <a:buSzPct val="100000"/>
+              <a:buFontTx/>
+              <a:buNone/>
+              <a:defRPr sz="1800" b="1" kern="1200">
+                <a:solidFill>
+                  <a:schemeClr val="bg1"/>
+                </a:solidFill>
+                <a:latin typeface="+mn-lt"/>
+                <a:ea typeface="+mn-ea"/>
+                <a:cs typeface="+mn-cs"/>
+              </a:defRPr>
+            </a:lvl1pPr>
+            <a:lvl2pPr marL="0" indent="0" algn="l" defTabSz="1219170" rtl="0" eaLnBrk="1" latinLnBrk="0" hangingPunct="1">
+              <a:spcBef>
+                <a:spcPts val="0"/>
+              </a:spcBef>
+              <a:spcAft>
+                <a:spcPts val="1333"/>
+              </a:spcAft>
+              <a:buClrTx/>
+              <a:buSzPct val="100000"/>
+              <a:buFont typeface="Arial" panose="020B0604020202020204" pitchFamily="34" charset="0"/>
+              <a:buNone/>
+              <a:defRPr lang="en-US" sz="1600" b="0" kern="1200">
+                <a:solidFill>
+                  <a:schemeClr val="bg1"/>
+                </a:solidFill>
+                <a:latin typeface="+mn-lt"/>
+                <a:ea typeface="+mn-ea"/>
+                <a:cs typeface="+mn-cs"/>
+              </a:defRPr>
+            </a:lvl2pPr>
+            <a:lvl3pPr marL="1219170" indent="0" algn="ctr" defTabSz="1219170" rtl="0" eaLnBrk="1" latinLnBrk="0" hangingPunct="1">
+              <a:spcBef>
+                <a:spcPts val="0"/>
+              </a:spcBef>
+              <a:spcAft>
+                <a:spcPts val="1333"/>
+              </a:spcAft>
+              <a:buClrTx/>
+              <a:buSzPct val="100000"/>
+              <a:buFont typeface="Arial" panose="020B0604020202020204" pitchFamily="34" charset="0"/>
+              <a:buNone/>
+              <a:defRPr lang="en-US" sz="2400" kern="1200">
+                <a:solidFill>
+                  <a:schemeClr val="tx1"/>
+                </a:solidFill>
+                <a:latin typeface="+mn-lt"/>
+                <a:ea typeface="+mn-ea"/>
+                <a:cs typeface="+mn-cs"/>
+              </a:defRPr>
+            </a:lvl3pPr>
+            <a:lvl4pPr marL="1828754" indent="0" algn="ctr" defTabSz="1219170" rtl="0" eaLnBrk="1" latinLnBrk="0" hangingPunct="1">
+              <a:spcBef>
+                <a:spcPts val="0"/>
+              </a:spcBef>
+              <a:spcAft>
+                <a:spcPts val="1333"/>
+              </a:spcAft>
+              <a:buClrTx/>
+              <a:buSzPct val="100000"/>
+              <a:buFont typeface="Arial" panose="020B0604020202020204" pitchFamily="34" charset="0"/>
+              <a:buNone/>
+              <a:defRPr lang="en-US" sz="2133" kern="1200" baseline="0">
+                <a:solidFill>
+                  <a:schemeClr val="tx1"/>
+                </a:solidFill>
+                <a:latin typeface="+mn-lt"/>
+                <a:ea typeface="+mn-ea"/>
+                <a:cs typeface="+mn-cs"/>
+              </a:defRPr>
+            </a:lvl4pPr>
+            <a:lvl5pPr marL="2438339" indent="0" algn="ctr" defTabSz="1064657" rtl="0" eaLnBrk="1" latinLnBrk="0" hangingPunct="1">
+              <a:spcBef>
+                <a:spcPts val="0"/>
+              </a:spcBef>
+              <a:spcAft>
+                <a:spcPts val="1333"/>
+              </a:spcAft>
+              <a:buClrTx/>
+              <a:buSzPct val="100000"/>
+              <a:buFont typeface="Arial" panose="020B0604020202020204" pitchFamily="34" charset="0"/>
+              <a:buNone/>
+              <a:tabLst/>
+              <a:defRPr lang="en-US" sz="2133" kern="1200" baseline="0">
+                <a:solidFill>
+                  <a:schemeClr val="tx1"/>
+                </a:solidFill>
+                <a:latin typeface="+mn-lt"/>
+                <a:ea typeface="+mn-ea"/>
+                <a:cs typeface="+mn-cs"/>
+              </a:defRPr>
+            </a:lvl5pPr>
+            <a:lvl6pPr marL="3047924" indent="0" algn="ctr" defTabSz="1219170" rtl="0" eaLnBrk="1" latinLnBrk="0" hangingPunct="1">
+              <a:spcBef>
+                <a:spcPts val="0"/>
+              </a:spcBef>
+              <a:spcAft>
+                <a:spcPts val="1333"/>
+              </a:spcAft>
+              <a:buFont typeface="Verdana" panose="020B0604030504040204" pitchFamily="34" charset="0"/>
+              <a:buNone/>
+              <a:defRPr sz="2133" kern="1200" baseline="0">
+                <a:solidFill>
+                  <a:schemeClr val="tx1"/>
+                </a:solidFill>
+                <a:latin typeface="+mn-lt"/>
+                <a:ea typeface="+mn-ea"/>
+                <a:cs typeface="+mn-cs"/>
+              </a:defRPr>
+            </a:lvl6pPr>
+            <a:lvl7pPr marL="3657509" indent="0" algn="ctr" defTabSz="1219170" rtl="0" eaLnBrk="1" latinLnBrk="0" hangingPunct="1">
+              <a:spcBef>
+                <a:spcPts val="0"/>
+              </a:spcBef>
+              <a:spcAft>
+                <a:spcPts val="1333"/>
+              </a:spcAft>
+              <a:buFont typeface="Verdana" panose="020B0604030504040204" pitchFamily="34" charset="0"/>
+              <a:buNone/>
+              <a:defRPr sz="2133" kern="1200">
+                <a:solidFill>
+                  <a:schemeClr val="tx1"/>
+                </a:solidFill>
+                <a:latin typeface="+mn-lt"/>
+                <a:ea typeface="+mn-ea"/>
+                <a:cs typeface="+mn-cs"/>
+              </a:defRPr>
+            </a:lvl7pPr>
+            <a:lvl8pPr marL="4267093" indent="0" algn="ctr" defTabSz="1219170" rtl="0" eaLnBrk="1" latinLnBrk="0" hangingPunct="1">
+              <a:spcBef>
+                <a:spcPts val="0"/>
+              </a:spcBef>
+              <a:spcAft>
+                <a:spcPts val="1333"/>
+              </a:spcAft>
+              <a:buFont typeface="Verdana" panose="020B0604030504040204" pitchFamily="34" charset="0"/>
+              <a:buNone/>
+              <a:defRPr sz="2133" kern="1200" baseline="0">
+                <a:solidFill>
+                  <a:schemeClr val="tx1"/>
+                </a:solidFill>
+                <a:latin typeface="+mn-lt"/>
+                <a:ea typeface="+mn-ea"/>
+                <a:cs typeface="+mn-cs"/>
+              </a:defRPr>
+            </a:lvl8pPr>
+            <a:lvl9pPr marL="4876678" indent="0" algn="ctr" defTabSz="1219170" rtl="0" eaLnBrk="1" latinLnBrk="0" hangingPunct="1">
+              <a:spcBef>
+                <a:spcPts val="0"/>
+              </a:spcBef>
+              <a:spcAft>
+                <a:spcPts val="1333"/>
+              </a:spcAft>
+              <a:buFont typeface="Verdana" panose="020B0604030504040204" pitchFamily="34" charset="0"/>
+              <a:buNone/>
+              <a:defRPr sz="2133" kern="1200" baseline="0">
+                <a:solidFill>
+                  <a:schemeClr val="tx1"/>
+                </a:solidFill>
+                <a:latin typeface="+mn-lt"/>
+                <a:ea typeface="+mn-ea"/>
+                <a:cs typeface="+mn-cs"/>
+              </a:defRPr>
+            </a:lvl9pPr>
+          </a:lstStyle>
+          <a:p>
+            <a:pPr marL="0" marR="0" lvl="0" indent="0" algn="l" defTabSz="1219170" rtl="0" eaLnBrk="1" fontAlgn="auto" latinLnBrk="0" hangingPunct="1">
+              <a:lnSpc>
+                <a:spcPct val="100000"/>
+              </a:lnSpc>
+              <a:spcBef>
+                <a:spcPts val="0"/>
+              </a:spcBef>
+              <a:spcAft>
+                <a:spcPts val="0"/>
+              </a:spcAft>
+              <a:buClrTx/>
+              <a:buSzPct val="100000"/>
+              <a:buFontTx/>
+              <a:buNone/>
+              <a:tabLst/>
+              <a:defRPr/>
+            </a:pPr>
+            <a:r>
+              <a:rPr kumimoji="0" lang="en-US" sz="2000" b="0" i="0" u="none" strike="noStrike" kern="1200" cap="none" spc="0" normalizeH="0" baseline="0" noProof="0" dirty="0">
+                <a:ln>
+                  <a:noFill/>
+                </a:ln>
+                <a:solidFill>
+                  <a:schemeClr val="accent1"/>
+                </a:solidFill>
+                <a:effectLst/>
+                <a:uLnTx/>
+                <a:uFillTx/>
+                <a:latin typeface="Open Sans" panose="020B0606030504020204" pitchFamily="34" charset="0"/>
+                <a:ea typeface="Open Sans" panose="020B0606030504020204" pitchFamily="34" charset="0"/>
+                <a:cs typeface="Open Sans" panose="020B0606030504020204" pitchFamily="34" charset="0"/>
+              </a:rPr>
+              <a:t>Data Warehouse and </a:t>
+            </a:r>
+          </a:p>
+          <a:p>
+            <a:pPr marL="0" marR="0" lvl="0" indent="0" algn="l" defTabSz="1219170" rtl="0" eaLnBrk="1" fontAlgn="auto" latinLnBrk="0" hangingPunct="1">
+              <a:lnSpc>
+                <a:spcPct val="100000"/>
+              </a:lnSpc>
+              <a:spcBef>
+                <a:spcPts val="0"/>
+              </a:spcBef>
+              <a:spcAft>
+                <a:spcPts val="0"/>
+              </a:spcAft>
+              <a:buClrTx/>
+              <a:buSzPct val="100000"/>
+              <a:buFontTx/>
+              <a:buNone/>
+              <a:tabLst/>
+              <a:defRPr/>
+            </a:pPr>
+            <a:r>
+              <a:rPr kumimoji="0" lang="en-US" sz="2000" b="0" i="0" u="none" strike="noStrike" kern="1200" cap="none" spc="0" normalizeH="0" baseline="0" noProof="0" dirty="0">
+                <a:ln>
+                  <a:noFill/>
+                </a:ln>
+                <a:solidFill>
+                  <a:schemeClr val="accent1"/>
+                </a:solidFill>
+                <a:effectLst/>
+                <a:uLnTx/>
+                <a:uFillTx/>
+                <a:latin typeface="Open Sans" panose="020B0606030504020204" pitchFamily="34" charset="0"/>
+                <a:ea typeface="Open Sans" panose="020B0606030504020204" pitchFamily="34" charset="0"/>
+                <a:cs typeface="Open Sans" panose="020B0606030504020204" pitchFamily="34" charset="0"/>
+              </a:rPr>
+              <a:t>Business Intelligence</a:t>
+            </a:r>
+          </a:p>
+        </p:txBody>
+      </p:sp>
     </p:spTree>
     <p:extLst>
       <p:ext uri="{BB962C8B-B14F-4D97-AF65-F5344CB8AC3E}">
-        <p14:creationId xmlns:p14="http://schemas.microsoft.com/office/powerpoint/2010/main" val="3947121343"/>
+        <p14:creationId xmlns:p14="http://schemas.microsoft.com/office/powerpoint/2010/main" val="2201428312"/>
       </p:ext>
     </p:extLst>
   </p:cSld>
   <p:clrMapOvr>
     <a:masterClrMapping/>
   </p:clrMapOvr>
-  <mc:AlternateContent xmlns:mc="http://schemas.openxmlformats.org/markup-compatibility/2006" xmlns:p159="http://schemas.microsoft.com/office/powerpoint/2015/09/main">
-    <mc:Choice Requires="p159">
-      <p:transition xmlns:p14="http://schemas.microsoft.com/office/powerpoint/2010/main" spd="slow" p14:dur="2000">
-        <p159:morph option="byObject"/>
-      </p:transition>
-    </mc:Choice>
-    <mc:Fallback xmlns="">
-      <p:transition spd="slow">
-        <p:fade/>
-      </p:transition>
-    </mc:Fallback>
-  </mc:AlternateContent>
 </p:sld>
 </file>
 
@@ -19802,277 +13343,63 @@
       </p:grpSpPr>
       <p:sp>
         <p:nvSpPr>
-          <p:cNvPr id="6" name="USOC_Text2"/>
-          <p:cNvSpPr txBox="1">
-            <a:spLocks/>
-          </p:cNvSpPr>
+          <p:cNvPr id="3" name="TextBox 2">
+            <a:extLst>
+              <a:ext uri="{FF2B5EF4-FFF2-40B4-BE49-F238E27FC236}">
+                <a16:creationId xmlns:a16="http://schemas.microsoft.com/office/drawing/2014/main" id="{1DC72E19-7867-414D-8554-70CA520BA699}"/>
+              </a:ext>
+            </a:extLst>
+          </p:cNvPr>
+          <p:cNvSpPr txBox="1"/>
           <p:nvPr/>
         </p:nvSpPr>
         <p:spPr bwMode="gray">
           <a:xfrm>
-            <a:off x="477509" y="4946073"/>
-            <a:ext cx="7079737" cy="1704353"/>
+            <a:off x="4610100" y="1600200"/>
+            <a:ext cx="2971800" cy="1828800"/>
           </a:xfrm>
           <a:prstGeom prst="rect">
             <a:avLst/>
           </a:prstGeom>
         </p:spPr>
         <p:txBody>
-          <a:bodyPr lIns="0" rIns="0" anchor="b" anchorCtr="0">
+          <a:bodyPr wrap="square" lIns="0" rIns="0" rtlCol="0" anchor="b" anchorCtr="0">
             <a:normAutofit/>
           </a:bodyPr>
-          <a:lstStyle>
-            <a:lvl1pPr marL="0" indent="0" algn="l" defTabSz="914400" rtl="0" eaLnBrk="1" latinLnBrk="0" hangingPunct="1">
-              <a:spcBef>
-                <a:spcPts val="1200"/>
-              </a:spcBef>
-              <a:buFont typeface="Arial" pitchFamily="34" charset="0"/>
-              <a:buNone/>
-              <a:defRPr sz="1800" b="0" kern="1200">
-                <a:solidFill>
-                  <a:schemeClr val="tx2"/>
-                </a:solidFill>
-                <a:latin typeface="+mn-lt"/>
-                <a:ea typeface="+mn-ea"/>
-                <a:cs typeface="+mn-cs"/>
-              </a:defRPr>
-            </a:lvl1pPr>
-            <a:lvl2pPr marL="266700" indent="-266700" algn="l" defTabSz="914400" rtl="0" eaLnBrk="1" latinLnBrk="0" hangingPunct="1">
-              <a:spcBef>
-                <a:spcPts val="1200"/>
-              </a:spcBef>
-              <a:buFont typeface="Arial" pitchFamily="34" charset="0"/>
-              <a:buChar char="•"/>
-              <a:defRPr sz="1800" kern="1200">
-                <a:solidFill>
-                  <a:schemeClr val="tx2"/>
-                </a:solidFill>
-                <a:latin typeface="+mn-lt"/>
-                <a:ea typeface="+mn-ea"/>
-                <a:cs typeface="+mn-cs"/>
-              </a:defRPr>
-            </a:lvl2pPr>
-            <a:lvl3pPr marL="266700" indent="-266700" algn="l" defTabSz="914400" rtl="0" eaLnBrk="1" latinLnBrk="0" hangingPunct="1">
-              <a:spcBef>
-                <a:spcPts val="1200"/>
-              </a:spcBef>
-              <a:buFont typeface="Arial" pitchFamily="34" charset="0"/>
-              <a:buChar char="•"/>
-              <a:defRPr sz="1800" i="1" kern="1200">
-                <a:solidFill>
-                  <a:schemeClr val="tx2"/>
-                </a:solidFill>
-                <a:latin typeface="+mn-lt"/>
-                <a:ea typeface="+mn-ea"/>
-                <a:cs typeface="+mn-cs"/>
-              </a:defRPr>
-            </a:lvl3pPr>
-            <a:lvl4pPr marL="539750" indent="-273050" algn="l" defTabSz="914400" rtl="0" eaLnBrk="1" latinLnBrk="0" hangingPunct="1">
-              <a:spcBef>
-                <a:spcPts val="1200"/>
-              </a:spcBef>
-              <a:buFont typeface="Arial" pitchFamily="34" charset="0"/>
-              <a:buChar char="−"/>
-              <a:defRPr sz="1800" kern="1200">
-                <a:solidFill>
-                  <a:schemeClr val="tx2"/>
-                </a:solidFill>
-                <a:latin typeface="+mn-lt"/>
-                <a:ea typeface="+mn-ea"/>
-                <a:cs typeface="+mn-cs"/>
-              </a:defRPr>
-            </a:lvl4pPr>
-            <a:lvl5pPr marL="806450" indent="-266700" algn="l" defTabSz="914400" rtl="0" eaLnBrk="1" latinLnBrk="0" hangingPunct="1">
-              <a:spcBef>
-                <a:spcPts val="1200"/>
-              </a:spcBef>
-              <a:buSzPct val="60000"/>
-              <a:buFont typeface="Courier New" panose="02070309020205020404" pitchFamily="49" charset="0"/>
-              <a:buChar char="o"/>
-              <a:defRPr sz="1800" kern="1200">
-                <a:solidFill>
-                  <a:schemeClr val="tx2"/>
-                </a:solidFill>
-                <a:latin typeface="+mn-lt"/>
-                <a:ea typeface="+mn-ea"/>
-                <a:cs typeface="+mn-cs"/>
-              </a:defRPr>
-            </a:lvl5pPr>
-            <a:lvl6pPr marL="2514600" indent="-228600" algn="l" defTabSz="914400" rtl="0" eaLnBrk="1" latinLnBrk="0" hangingPunct="1">
-              <a:spcBef>
-                <a:spcPct val="20000"/>
-              </a:spcBef>
-              <a:buFont typeface="Arial" pitchFamily="34" charset="0"/>
-              <a:buChar char="•"/>
-              <a:defRPr sz="2000" kern="1200">
+          <a:lstStyle/>
+          <a:p>
+            <a:pPr>
+              <a:lnSpc>
+                <a:spcPts val="900"/>
+              </a:lnSpc>
+            </a:pPr>
+            <a:r>
+              <a:rPr lang="en-US" sz="2800" b="1" kern="1200" dirty="0">
                 <a:solidFill>
                   <a:schemeClr val="tx1"/>
                 </a:solidFill>
                 <a:latin typeface="+mn-lt"/>
                 <a:ea typeface="+mn-ea"/>
                 <a:cs typeface="+mn-cs"/>
-              </a:defRPr>
-            </a:lvl6pPr>
-            <a:lvl7pPr marL="2971800" indent="-228600" algn="l" defTabSz="914400" rtl="0" eaLnBrk="1" latinLnBrk="0" hangingPunct="1">
-              <a:spcBef>
-                <a:spcPct val="20000"/>
-              </a:spcBef>
-              <a:buFont typeface="Arial" pitchFamily="34" charset="0"/>
-              <a:buChar char="•"/>
-              <a:defRPr sz="2000" kern="1200">
-                <a:solidFill>
-                  <a:schemeClr val="tx1"/>
-                </a:solidFill>
-                <a:latin typeface="+mn-lt"/>
-                <a:ea typeface="+mn-ea"/>
-                <a:cs typeface="+mn-cs"/>
-              </a:defRPr>
-            </a:lvl7pPr>
-            <a:lvl8pPr marL="3429000" indent="-228600" algn="l" defTabSz="914400" rtl="0" eaLnBrk="1" latinLnBrk="0" hangingPunct="1">
-              <a:spcBef>
-                <a:spcPct val="20000"/>
-              </a:spcBef>
-              <a:buFont typeface="Arial" pitchFamily="34" charset="0"/>
-              <a:buChar char="•"/>
-              <a:defRPr sz="2000" kern="1200">
-                <a:solidFill>
-                  <a:schemeClr val="tx1"/>
-                </a:solidFill>
-                <a:latin typeface="+mn-lt"/>
-                <a:ea typeface="+mn-ea"/>
-                <a:cs typeface="+mn-cs"/>
-              </a:defRPr>
-            </a:lvl8pPr>
-            <a:lvl9pPr marL="3886200" indent="-228600" algn="l" defTabSz="914400" rtl="0" eaLnBrk="1" latinLnBrk="0" hangingPunct="1">
-              <a:spcBef>
-                <a:spcPct val="20000"/>
-              </a:spcBef>
-              <a:buFont typeface="Arial" pitchFamily="34" charset="0"/>
-              <a:buChar char="•"/>
-              <a:defRPr sz="2000" kern="1200">
-                <a:solidFill>
-                  <a:schemeClr val="tx1"/>
-                </a:solidFill>
-                <a:latin typeface="+mn-lt"/>
-                <a:ea typeface="+mn-ea"/>
-                <a:cs typeface="+mn-cs"/>
-              </a:defRPr>
-            </a:lvl9pPr>
-          </a:lstStyle>
-          <a:p>
-            <a:pPr>
-              <a:lnSpc>
-                <a:spcPts val="900"/>
-              </a:lnSpc>
-            </a:pPr>
-            <a:r>
-              <a:rPr lang="en-US" sz="700" b="1" dirty="0">
-                <a:solidFill>
-                  <a:schemeClr val="tx1"/>
-                </a:solidFill>
               </a:rPr>
-              <a:t>About Deloitte</a:t>
+              <a:t>Thank You</a:t>
             </a:r>
-            <a:br>
-              <a:rPr lang="en-US" sz="700" dirty="0">
-                <a:solidFill>
-                  <a:schemeClr val="tx1"/>
-                </a:solidFill>
-              </a:rPr>
-            </a:br>
-            <a:r>
-              <a:rPr lang="en-US" sz="700" dirty="0">
-                <a:solidFill>
-                  <a:schemeClr val="tx1"/>
-                </a:solidFill>
-              </a:rPr>
-              <a:t>Deloitte refers to one or more of Deloitte </a:t>
-            </a:r>
-            <a:r>
-              <a:rPr lang="en-US" sz="700" noProof="1">
-                <a:solidFill>
-                  <a:schemeClr val="tx1"/>
-                </a:solidFill>
-              </a:rPr>
-              <a:t>Touche</a:t>
-            </a:r>
-            <a:r>
-              <a:rPr lang="en-US" sz="700" dirty="0">
-                <a:solidFill>
-                  <a:schemeClr val="tx1"/>
-                </a:solidFill>
-              </a:rPr>
-              <a:t> Tohmatsu Limited, a UK private company limited by guarantee (“DTTL”), its network of member firms, and their related entities. DTTL and each of its member firms are legally separate and independent entities. DTTL (also referred to as “Deloitte Global”) does not provide services to clients. In the United States, Deloitte refers to one or more of the US member firms of DTTL, their related entities that operate using the “Deloitte” name in the United States and their respective affiliates. Certain services may not be available to attest clients under the rules and regulations of public accounting. Please see </a:t>
-            </a:r>
-            <a:r>
-              <a:rPr lang="en-US" sz="700" dirty="0">
-                <a:solidFill>
-                  <a:schemeClr val="tx1"/>
-                </a:solidFill>
-                <a:hlinkClick r:id="rId3"/>
-              </a:rPr>
-              <a:t>www.deloitte.com/about</a:t>
-            </a:r>
-            <a:r>
-              <a:rPr lang="en-US" sz="700" dirty="0">
-                <a:solidFill>
-                  <a:schemeClr val="tx1"/>
-                </a:solidFill>
-              </a:rPr>
-              <a:t> to learn more about our global network of member firms.</a:t>
-            </a:r>
-          </a:p>
-          <a:p>
-            <a:pPr>
-              <a:lnSpc>
-                <a:spcPts val="900"/>
-              </a:lnSpc>
-            </a:pPr>
-            <a:r>
-              <a:rPr lang="en-US" sz="700" dirty="0">
-                <a:solidFill>
-                  <a:schemeClr val="tx1"/>
-                </a:solidFill>
-              </a:rPr>
-              <a:t>Copyright © 2017 Deloitte Development LLC. All rights reserved.</a:t>
-            </a:r>
-            <a:br>
-              <a:rPr lang="en-US" sz="700" dirty="0">
-                <a:solidFill>
-                  <a:schemeClr val="tx1"/>
-                </a:solidFill>
-              </a:rPr>
-            </a:br>
-            <a:endParaRPr lang="en-US" sz="700" dirty="0">
-              <a:solidFill>
-                <a:schemeClr val="tx1"/>
-              </a:solidFill>
-            </a:endParaRPr>
           </a:p>
         </p:txBody>
       </p:sp>
     </p:spTree>
     <p:extLst>
       <p:ext uri="{BB962C8B-B14F-4D97-AF65-F5344CB8AC3E}">
-        <p14:creationId xmlns:p14="http://schemas.microsoft.com/office/powerpoint/2010/main" val="3110574659"/>
+        <p14:creationId xmlns:p14="http://schemas.microsoft.com/office/powerpoint/2010/main" val="2424806456"/>
       </p:ext>
     </p:extLst>
   </p:cSld>
   <p:clrMapOvr>
     <a:masterClrMapping/>
   </p:clrMapOvr>
-  <mc:AlternateContent xmlns:mc="http://schemas.openxmlformats.org/markup-compatibility/2006" xmlns:p159="http://schemas.microsoft.com/office/powerpoint/2015/09/main">
-    <mc:Choice Requires="p159">
-      <p:transition xmlns:p14="http://schemas.microsoft.com/office/powerpoint/2010/main" spd="slow" p14:dur="2000">
-        <p159:morph option="byObject"/>
-      </p:transition>
-    </mc:Choice>
-    <mc:Fallback xmlns="">
-      <p:transition spd="slow">
-        <p:fade/>
-      </p:transition>
-    </mc:Fallback>
-  </mc:AlternateContent>
+  <p:transition>
+    <p:fade/>
+  </p:transition>
 </p:sld>
 </file>
 
@@ -20088,14 +13415,8 @@
 </p:tagLst>
 </file>
 
-<file path=ppt/tags/tag3.xml><?xml version="1.0" encoding="utf-8"?>
-<p:tagLst xmlns:a="http://schemas.openxmlformats.org/drawingml/2006/main" xmlns:r="http://schemas.openxmlformats.org/officeDocument/2006/relationships" xmlns:p="http://schemas.openxmlformats.org/presentationml/2006/main">
-  <p:tag name="THINKCELLSHAPEDONOTDELETE" val="thinkcellActiveDocDoNotDelete"/>
-</p:tagLst>
-</file>
-
 <file path=ppt/theme/theme1.xml><?xml version="1.0" encoding="utf-8"?>
-<a:theme xmlns:a="http://schemas.openxmlformats.org/drawingml/2006/main" name="Deloitte_US_Onscreen">
+<a:theme xmlns:a="http://schemas.openxmlformats.org/drawingml/2006/main" name="23_Deloitte_US_Onscreen">
   <a:themeElements>
     <a:clrScheme name="Deloitte colors">
       <a:dk1>
@@ -20498,409 +13819,6 @@
 </file>
 
 <file path=ppt/theme/theme2.xml><?xml version="1.0" encoding="utf-8"?>
-<a:theme xmlns:a="http://schemas.openxmlformats.org/drawingml/2006/main" name="23_Deloitte_US_Onscreen">
-  <a:themeElements>
-    <a:clrScheme name="Deloitte colors">
-      <a:dk1>
-        <a:sysClr val="windowText" lastClr="000000"/>
-      </a:dk1>
-      <a:lt1>
-        <a:sysClr val="window" lastClr="FFFFFF"/>
-      </a:lt1>
-      <a:dk2>
-        <a:srgbClr val="53565A"/>
-      </a:dk2>
-      <a:lt2>
-        <a:srgbClr val="D0D0CE"/>
-      </a:lt2>
-      <a:accent1>
-        <a:srgbClr val="86BC25"/>
-      </a:accent1>
-      <a:accent2>
-        <a:srgbClr val="046A38"/>
-      </a:accent2>
-      <a:accent3>
-        <a:srgbClr val="62B5E5"/>
-      </a:accent3>
-      <a:accent4>
-        <a:srgbClr val="012169"/>
-      </a:accent4>
-      <a:accent5>
-        <a:srgbClr val="0097A9"/>
-      </a:accent5>
-      <a:accent6>
-        <a:srgbClr val="75787B"/>
-      </a:accent6>
-      <a:hlink>
-        <a:srgbClr val="00A3E0"/>
-      </a:hlink>
-      <a:folHlink>
-        <a:srgbClr val="53565A"/>
-      </a:folHlink>
-    </a:clrScheme>
-    <a:fontScheme name="Deloitte Powerpoint font">
-      <a:majorFont>
-        <a:latin typeface="Verdana"/>
-        <a:ea typeface=""/>
-        <a:cs typeface=""/>
-      </a:majorFont>
-      <a:minorFont>
-        <a:latin typeface="Verdana"/>
-        <a:ea typeface=""/>
-        <a:cs typeface=""/>
-      </a:minorFont>
-    </a:fontScheme>
-    <a:fmtScheme name="Office">
-      <a:fillStyleLst>
-        <a:solidFill>
-          <a:schemeClr val="phClr"/>
-        </a:solidFill>
-        <a:gradFill rotWithShape="1">
-          <a:gsLst>
-            <a:gs pos="0">
-              <a:schemeClr val="phClr">
-                <a:tint val="50000"/>
-                <a:satMod val="300000"/>
-              </a:schemeClr>
-            </a:gs>
-            <a:gs pos="35000">
-              <a:schemeClr val="phClr">
-                <a:tint val="37000"/>
-                <a:satMod val="300000"/>
-              </a:schemeClr>
-            </a:gs>
-            <a:gs pos="100000">
-              <a:schemeClr val="phClr">
-                <a:tint val="15000"/>
-                <a:satMod val="350000"/>
-              </a:schemeClr>
-            </a:gs>
-          </a:gsLst>
-          <a:lin ang="16200000" scaled="1"/>
-        </a:gradFill>
-        <a:gradFill rotWithShape="1">
-          <a:gsLst>
-            <a:gs pos="0">
-              <a:schemeClr val="phClr">
-                <a:shade val="51000"/>
-                <a:satMod val="130000"/>
-              </a:schemeClr>
-            </a:gs>
-            <a:gs pos="80000">
-              <a:schemeClr val="phClr">
-                <a:shade val="93000"/>
-                <a:satMod val="130000"/>
-              </a:schemeClr>
-            </a:gs>
-            <a:gs pos="100000">
-              <a:schemeClr val="phClr">
-                <a:shade val="94000"/>
-                <a:satMod val="135000"/>
-              </a:schemeClr>
-            </a:gs>
-          </a:gsLst>
-          <a:lin ang="16200000" scaled="0"/>
-        </a:gradFill>
-      </a:fillStyleLst>
-      <a:lnStyleLst>
-        <a:ln w="9525" cap="flat" cmpd="sng" algn="ctr">
-          <a:solidFill>
-            <a:schemeClr val="phClr">
-              <a:shade val="95000"/>
-              <a:satMod val="105000"/>
-            </a:schemeClr>
-          </a:solidFill>
-          <a:prstDash val="solid"/>
-        </a:ln>
-        <a:ln w="25400" cap="flat" cmpd="sng" algn="ctr">
-          <a:solidFill>
-            <a:schemeClr val="phClr"/>
-          </a:solidFill>
-          <a:prstDash val="solid"/>
-        </a:ln>
-        <a:ln w="38100" cap="flat" cmpd="sng" algn="ctr">
-          <a:solidFill>
-            <a:schemeClr val="phClr"/>
-          </a:solidFill>
-          <a:prstDash val="solid"/>
-        </a:ln>
-      </a:lnStyleLst>
-      <a:effectStyleLst>
-        <a:effectStyle>
-          <a:effectLst>
-            <a:outerShdw blurRad="40000" dist="20000" dir="5400000" rotWithShape="0">
-              <a:srgbClr val="000000">
-                <a:alpha val="38000"/>
-              </a:srgbClr>
-            </a:outerShdw>
-          </a:effectLst>
-        </a:effectStyle>
-        <a:effectStyle>
-          <a:effectLst>
-            <a:outerShdw blurRad="40000" dist="23000" dir="5400000" rotWithShape="0">
-              <a:srgbClr val="000000">
-                <a:alpha val="35000"/>
-              </a:srgbClr>
-            </a:outerShdw>
-          </a:effectLst>
-        </a:effectStyle>
-        <a:effectStyle>
-          <a:effectLst>
-            <a:outerShdw blurRad="40000" dist="23000" dir="5400000" rotWithShape="0">
-              <a:srgbClr val="000000">
-                <a:alpha val="35000"/>
-              </a:srgbClr>
-            </a:outerShdw>
-          </a:effectLst>
-          <a:scene3d>
-            <a:camera prst="orthographicFront">
-              <a:rot lat="0" lon="0" rev="0"/>
-            </a:camera>
-            <a:lightRig rig="threePt" dir="t">
-              <a:rot lat="0" lon="0" rev="1200000"/>
-            </a:lightRig>
-          </a:scene3d>
-          <a:sp3d>
-            <a:bevelT w="63500" h="25400"/>
-          </a:sp3d>
-        </a:effectStyle>
-      </a:effectStyleLst>
-      <a:bgFillStyleLst>
-        <a:solidFill>
-          <a:schemeClr val="phClr"/>
-        </a:solidFill>
-        <a:gradFill rotWithShape="1">
-          <a:gsLst>
-            <a:gs pos="0">
-              <a:schemeClr val="phClr">
-                <a:tint val="40000"/>
-                <a:satMod val="350000"/>
-              </a:schemeClr>
-            </a:gs>
-            <a:gs pos="40000">
-              <a:schemeClr val="phClr">
-                <a:tint val="45000"/>
-                <a:shade val="99000"/>
-                <a:satMod val="350000"/>
-              </a:schemeClr>
-            </a:gs>
-            <a:gs pos="100000">
-              <a:schemeClr val="phClr">
-                <a:shade val="20000"/>
-                <a:satMod val="255000"/>
-              </a:schemeClr>
-            </a:gs>
-          </a:gsLst>
-          <a:path path="circle">
-            <a:fillToRect l="50000" t="-80000" r="50000" b="180000"/>
-          </a:path>
-        </a:gradFill>
-        <a:gradFill rotWithShape="1">
-          <a:gsLst>
-            <a:gs pos="0">
-              <a:schemeClr val="phClr">
-                <a:tint val="80000"/>
-                <a:satMod val="300000"/>
-              </a:schemeClr>
-            </a:gs>
-            <a:gs pos="100000">
-              <a:schemeClr val="phClr">
-                <a:shade val="30000"/>
-                <a:satMod val="200000"/>
-              </a:schemeClr>
-            </a:gs>
-          </a:gsLst>
-          <a:path path="circle">
-            <a:fillToRect l="50000" t="50000" r="50000" b="50000"/>
-          </a:path>
-        </a:gradFill>
-      </a:bgFillStyleLst>
-    </a:fmtScheme>
-  </a:themeElements>
-  <a:objectDefaults>
-    <a:spDef>
-      <a:spPr bwMode="gray">
-        <a:solidFill>
-          <a:schemeClr val="accent3"/>
-        </a:solidFill>
-        <a:ln w="19050" algn="ctr">
-          <a:noFill/>
-          <a:miter lim="800000"/>
-          <a:headEnd/>
-          <a:tailEnd/>
-        </a:ln>
-      </a:spPr>
-      <a:bodyPr wrap="square" lIns="88900" tIns="88900" rIns="88900" bIns="88900" rtlCol="0" anchor="ctr"/>
-      <a:lstStyle>
-        <a:defPPr>
-          <a:lnSpc>
-            <a:spcPct val="106000"/>
-          </a:lnSpc>
-          <a:buFont typeface="Wingdings 2" pitchFamily="18" charset="2"/>
-          <a:buNone/>
-          <a:defRPr sz="1600" b="1" dirty="0" smtClean="0">
-            <a:solidFill>
-              <a:schemeClr val="bg1"/>
-            </a:solidFill>
-          </a:defRPr>
-        </a:defPPr>
-      </a:lstStyle>
-    </a:spDef>
-    <a:lnDef>
-      <a:spPr>
-        <a:ln>
-          <a:solidFill>
-            <a:schemeClr val="tx2"/>
-          </a:solidFill>
-        </a:ln>
-      </a:spPr>
-      <a:bodyPr/>
-      <a:lstStyle/>
-      <a:style>
-        <a:lnRef idx="1">
-          <a:schemeClr val="accent1"/>
-        </a:lnRef>
-        <a:fillRef idx="0">
-          <a:schemeClr val="accent1"/>
-        </a:fillRef>
-        <a:effectRef idx="0">
-          <a:schemeClr val="accent1"/>
-        </a:effectRef>
-        <a:fontRef idx="minor">
-          <a:schemeClr val="tx1"/>
-        </a:fontRef>
-      </a:style>
-    </a:lnDef>
-    <a:txDef>
-      <a:spPr bwMode="gray"/>
-      <a:bodyPr lIns="0" rIns="0" anchor="b" anchorCtr="0">
-        <a:normAutofit fontScale="92500"/>
-      </a:bodyPr>
-      <a:lstStyle>
-        <a:defPPr>
-          <a:lnSpc>
-            <a:spcPts val="900"/>
-          </a:lnSpc>
-          <a:defRPr sz="1300" b="1" dirty="0">
-            <a:solidFill>
-              <a:schemeClr val="tx1"/>
-            </a:solidFill>
-          </a:defRPr>
-        </a:defPPr>
-      </a:lstStyle>
-    </a:txDef>
-  </a:objectDefaults>
-  <a:extraClrSchemeLst/>
-  <a:custClrLst>
-    <a:custClr name="Green 7">
-      <a:srgbClr val="2C5234"/>
-    </a:custClr>
-    <a:custClr name="Green 6">
-      <a:srgbClr val="046A38"/>
-    </a:custClr>
-    <a:custClr name="Green 5">
-      <a:srgbClr val="009A44"/>
-    </a:custClr>
-    <a:custClr name="Green 4">
-      <a:srgbClr val="43B02A"/>
-    </a:custClr>
-    <a:custClr name="Deloitte Green">
-      <a:srgbClr val="86BC25"/>
-    </a:custClr>
-    <a:custClr name="Green 2">
-      <a:srgbClr val="C4D600"/>
-    </a:custClr>
-    <a:custClr name="Green 1">
-      <a:srgbClr val="E3E48D"/>
-    </a:custClr>
-    <a:custClr name="Teal 7">
-      <a:srgbClr val="004F59"/>
-    </a:custClr>
-    <a:custClr name="Teal 6">
-      <a:srgbClr val="007680"/>
-    </a:custClr>
-    <a:custClr name="Teal 5">
-      <a:srgbClr val="0097A9"/>
-    </a:custClr>
-    <a:custClr name="Teal 4">
-      <a:srgbClr val="00ABAB"/>
-    </a:custClr>
-    <a:custClr name="Teal 3">
-      <a:srgbClr val="6FC2B4"/>
-    </a:custClr>
-    <a:custClr name="Teal 2">
-      <a:srgbClr val="9DD4CF"/>
-    </a:custClr>
-    <a:custClr name="Teal 1">
-      <a:srgbClr val="DDEFE8"/>
-    </a:custClr>
-    <a:custClr name="Blue 7">
-      <a:srgbClr val="041E42"/>
-    </a:custClr>
-    <a:custClr name="Blue 6">
-      <a:srgbClr val="012169"/>
-    </a:custClr>
-    <a:custClr name="Blue 5">
-      <a:srgbClr val="005587"/>
-    </a:custClr>
-    <a:custClr name="Blue 4">
-      <a:srgbClr val="0076A8"/>
-    </a:custClr>
-    <a:custClr name="Blue 3">
-      <a:srgbClr val="00A3E0"/>
-    </a:custClr>
-    <a:custClr name="Blue 2">
-      <a:srgbClr val="62B5E5"/>
-    </a:custClr>
-    <a:custClr name="Blue 1">
-      <a:srgbClr val="A0DCFF"/>
-    </a:custClr>
-    <a:custClr name="Cool Gray 11">
-      <a:srgbClr val="53565A"/>
-    </a:custClr>
-    <a:custClr name="Cool Gray 10">
-      <a:srgbClr val="63666A"/>
-    </a:custClr>
-    <a:custClr name="Cool Gray 9">
-      <a:srgbClr val="75787B"/>
-    </a:custClr>
-    <a:custClr name="Cool Gray 7">
-      <a:srgbClr val="97999B"/>
-    </a:custClr>
-    <a:custClr name="Cool Gray 6">
-      <a:srgbClr val="A7A8AA"/>
-    </a:custClr>
-    <a:custClr name="Cool Gray 4">
-      <a:srgbClr val="BBBCBC"/>
-    </a:custClr>
-    <a:custClr name="Cool Gray 2">
-      <a:srgbClr val="D0D0CE"/>
-    </a:custClr>
-    <a:custClr name="White">
-      <a:srgbClr val="FFFFFF"/>
-    </a:custClr>
-    <a:custClr name="Black">
-      <a:srgbClr val="000000"/>
-    </a:custClr>
-    <a:custClr name="Red">
-      <a:srgbClr val="DA291C"/>
-    </a:custClr>
-    <a:custClr name="Orange">
-      <a:srgbClr val="ED8B00"/>
-    </a:custClr>
-    <a:custClr name="Yellow">
-      <a:srgbClr val="FFCD00"/>
-    </a:custClr>
-  </a:custClrLst>
-  <a:extLst>
-    <a:ext uri="{05A4C25C-085E-4340-85A3-A5531E510DB2}">
-      <thm15:themeFamily xmlns:thm15="http://schemas.microsoft.com/office/thememl/2012/main" name="Presentation1" id="{BD9D60A4-7FEF-4394-BC40-395386A52B23}" vid="{30850DB0-321B-45CC-986F-67B0BBFB8DCF}"/>
-    </a:ext>
-  </a:extLst>
-</a:theme>
-</file>
-
-<file path=ppt/theme/theme3.xml><?xml version="1.0" encoding="utf-8"?>
 <a:theme xmlns:a="http://schemas.openxmlformats.org/drawingml/2006/main" name="Office Theme">
   <a:themeElements>
     <a:clrScheme name="Office">
@@ -21183,7 +14101,7 @@
 </a:theme>
 </file>
 
-<file path=ppt/theme/theme4.xml><?xml version="1.0" encoding="utf-8"?>
+<file path=ppt/theme/theme3.xml><?xml version="1.0" encoding="utf-8"?>
 <a:theme xmlns:a="http://schemas.openxmlformats.org/drawingml/2006/main" name="Office Theme">
   <a:themeElements>
     <a:clrScheme name="Office">
@@ -21469,6 +14387,223 @@
 </file>
 
 <file path=customXml/item1.xml><?xml version="1.0" encoding="utf-8"?>
+<p:properties xmlns:p="http://schemas.microsoft.com/office/2006/metadata/properties" xmlns:xsi="http://www.w3.org/2001/XMLSchema-instance" xmlns:pc="http://schemas.microsoft.com/office/infopath/2007/PartnerControls">
+  <documentManagement>
+    <Author_selected xmlns="http://schemas.microsoft.com/sharepoint/v3">
+      <UserInfo>
+        <DisplayName>Poopal, Chinmay</DisplayName>
+        <AccountId>196349</AccountId>
+        <AccountType/>
+      </UserInfo>
+    </Author_selected>
+    <Local_x0020_Internal_x0020_ServiceTaxHTField0 xmlns="7AF0C9C1-571A-469E-93FE-640E88AEF1EC">
+      <Terms xmlns="http://schemas.microsoft.com/office/infopath/2007/PartnerControls"/>
+    </Local_x0020_Internal_x0020_ServiceTaxHTField0>
+    <Abstract xmlns="513ae4d5-443f-4bc1-9f25-8f68dc5aa0c0">Deloitte proposes an Insurance client for support, maintenance and enhancements in their Data Warehouse and Business Intelligence structure.</Abstract>
+    <DescriptionHTML xmlns="http://schemas.microsoft.com/sharepoint/v3" xsi:nil="true"/>
+    <Global_x0020_Internal_x0020_ServiceTaxHTField0 xmlns="7AF0C9C1-571A-469E-93FE-640E88AEF1EC">
+      <Terms xmlns="http://schemas.microsoft.com/office/infopath/2007/PartnerControls"/>
+    </Global_x0020_Internal_x0020_ServiceTaxHTField0>
+    <KA_x0020_Resource xmlns="513ae4d5-443f-4bc1-9f25-8f68dc5aa0c0" xsi:nil="true"/>
+    <ContentDate xmlns="513ae4d5-443f-4bc1-9f25-8f68dc5aa0c0">2019-06-02T23:00:00+00:00</ContentDate>
+    <KAMActivityId xmlns="513ae4d5-443f-4bc1-9f25-8f68dc5aa0c0" xsi:nil="true"/>
+    <Local_x0020_Content_x0020_TypeTaxHTField0 xmlns="8DD08C88-CC4C-4D35-9129-A70DAA36BE5E">
+      <Terms xmlns="http://schemas.microsoft.com/office/infopath/2007/PartnerControls">
+        <TermInfo xmlns="http://schemas.microsoft.com/office/infopath/2007/PartnerControls">
+          <TermName xmlns="http://schemas.microsoft.com/office/infopath/2007/PartnerControls">United States:Sales and Marketing:Proposals:Oral Presentations</TermName>
+          <TermId xmlns="http://schemas.microsoft.com/office/infopath/2007/PartnerControls">a90429ed-8e0c-4924-a8c7-a8d625678cf9</TermId>
+        </TermInfo>
+      </Terms>
+    </Local_x0020_Content_x0020_TypeTaxHTField0>
+    <Client xmlns="http://schemas.microsoft.com/sharepoint/v3" xsi:nil="true"/>
+    <i67d27b5dd1e4ed29b03622e76ee750b xmlns="a3273937-55e7-450c-ac1f-0f7de532f690">
+      <Terms xmlns="http://schemas.microsoft.com/office/infopath/2007/PartnerControls"/>
+    </i67d27b5dd1e4ed29b03622e76ee750b>
+    <Primary_x0020_Global_x0020_IndustTaxHTField0 xmlns="83DDB362-4C05-4E52-A8D9-EF2F47978B8D">
+      <Terms xmlns="http://schemas.microsoft.com/office/infopath/2007/PartnerControls">
+        <TermInfo xmlns="http://schemas.microsoft.com/office/infopath/2007/PartnerControls">
+          <TermName xmlns="http://schemas.microsoft.com/office/infopath/2007/PartnerControls">Financial Services:Insurance</TermName>
+          <TermId xmlns="http://schemas.microsoft.com/office/infopath/2007/PartnerControls">65abf69a-df75-4924-8f82-e451e48c342c</TermId>
+        </TermInfo>
+      </Terms>
+    </Primary_x0020_Global_x0020_IndustTaxHTField0>
+    <ClientID xmlns="a3273937-55e7-450c-ac1f-0f7de532f690" xsi:nil="true"/>
+    <IPCO_x0020_DesignationTaxHTField0 xmlns="0DBE4740-AD0E-4EAB-9055-8EB1C48284D9">
+      <Terms xmlns="http://schemas.microsoft.com/office/infopath/2007/PartnerControls">
+        <TermInfo xmlns="http://schemas.microsoft.com/office/infopath/2007/PartnerControls">
+          <TermName xmlns="http://schemas.microsoft.com/office/infopath/2007/PartnerControls">May be edited and used internally or externally for any purpose (Category D)</TermName>
+          <TermId xmlns="http://schemas.microsoft.com/office/infopath/2007/PartnerControls">f8400f62-65c9-4658-9900-b0ea185e4722</TermId>
+        </TermInfo>
+      </Terms>
+    </IPCO_x0020_DesignationTaxHTField0>
+    <BusinessTitle xmlns="513ae4d5-443f-4bc1-9f25-8f68dc5aa0c0">Data Warehouse and Business Intelligence Proposal for an Insurance Client</BusinessTitle>
+    <Primary_x0020_Local_x0020_IndustTaxHTField0 xmlns="83DDB362-4C05-4E52-A8D9-EF2F47978B8D">
+      <Terms xmlns="http://schemas.microsoft.com/office/infopath/2007/PartnerControls">
+        <TermInfo xmlns="http://schemas.microsoft.com/office/infopath/2007/PartnerControls">
+          <TermName xmlns="http://schemas.microsoft.com/office/infopath/2007/PartnerControls">United States:Financial Services:Insurance</TermName>
+          <TermId xmlns="http://schemas.microsoft.com/office/infopath/2007/PartnerControls">d7b0f88b-f436-4b89-88d8-6bdcd2411959</TermId>
+        </TermInfo>
+      </Terms>
+    </Primary_x0020_Local_x0020_IndustTaxHTField0>
+    <Author_entered xmlns="http://schemas.microsoft.com/sharepoint/v3" xsi:nil="true"/>
+    <Contributor xmlns="http://schemas.microsoft.com/sharepoint/v3">
+      <UserInfo>
+        <DisplayName>Poopal, Chinmay</DisplayName>
+        <AccountId>196349</AccountId>
+        <AccountType/>
+      </UserInfo>
+    </Contributor>
+    <Global_x0020_Content_x0020_TypeTaxHTField0 xmlns="8DD08C88-CC4C-4D35-9129-A70DAA36BE5E">
+      <Terms xmlns="http://schemas.microsoft.com/office/infopath/2007/PartnerControls">
+        <TermInfo xmlns="http://schemas.microsoft.com/office/infopath/2007/PartnerControls">
+          <TermName xmlns="http://schemas.microsoft.com/office/infopath/2007/PartnerControls">Sales and Marketing:Proposals:Oral Presentations</TermName>
+          <TermId xmlns="http://schemas.microsoft.com/office/infopath/2007/PartnerControls">2c0dac0e-ee07-4e4a-9899-478266eebaef</TermId>
+        </TermInfo>
+      </Terms>
+    </Global_x0020_Content_x0020_TypeTaxHTField0>
+    <Primary_x0020_Global_x0020_ClientTaxHTField0 xmlns="7D1768DD-F29E-4DC2-9191-F2636B9FA92C">
+      <Terms xmlns="http://schemas.microsoft.com/office/infopath/2007/PartnerControls">
+        <TermInfo xmlns="http://schemas.microsoft.com/office/infopath/2007/PartnerControls">
+          <TermName xmlns="http://schemas.microsoft.com/office/infopath/2007/PartnerControls">Consulting:Enterprise Technology and Performance:Technology Strategy and Transformation:Business of Technology Transformation</TermName>
+          <TermId xmlns="http://schemas.microsoft.com/office/infopath/2007/PartnerControls">ac32eb09-4d94-43f6-a336-6a0d6091eeb1</TermId>
+        </TermInfo>
+      </Terms>
+    </Primary_x0020_Global_x0020_ClientTaxHTField0>
+    <Applicable_x0020_GeographyTaxHTField0 xmlns="5A51C775-C49C-428B-8C1E-2F89178D00F4">
+      <Terms xmlns="http://schemas.microsoft.com/office/infopath/2007/PartnerControls">
+        <TermInfo xmlns="http://schemas.microsoft.com/office/infopath/2007/PartnerControls">
+          <TermName xmlns="http://schemas.microsoft.com/office/infopath/2007/PartnerControls">Global</TermName>
+          <TermId xmlns="http://schemas.microsoft.com/office/infopath/2007/PartnerControls">f12aef73-b423-4016-a43f-15722d3a0a5e</TermId>
+        </TermInfo>
+      </Terms>
+    </Applicable_x0020_GeographyTaxHTField0>
+    <Designated_x0020_QA xmlns="513ae4d5-443f-4bc1-9f25-8f68dc5aa0c0" xsi:nil="true"/>
+    <KAM_x0020_LanguageTaxHTField0 xmlns="39C40E9B-856B-46A7-8793-65A6FC1828D8">
+      <Terms xmlns="http://schemas.microsoft.com/office/infopath/2007/PartnerControls">
+        <TermInfo xmlns="http://schemas.microsoft.com/office/infopath/2007/PartnerControls">
+          <TermName xmlns="http://schemas.microsoft.com/office/infopath/2007/PartnerControls">English</TermName>
+          <TermId xmlns="http://schemas.microsoft.com/office/infopath/2007/PartnerControls">b169a262-1aaa-4ccb-9acf-78a36c1d9bab</TermId>
+        </TermInfo>
+      </Terms>
+    </KAM_x0020_LanguageTaxHTField0>
+    <Secondary_x0020_Local_x0020_InduTaxHTField0 xmlns="546D9DE3-080E-4EC6-B7DD-508C11F603C7">
+      <Terms xmlns="http://schemas.microsoft.com/office/infopath/2007/PartnerControls"/>
+    </Secondary_x0020_Local_x0020_InduTaxHTField0>
+    <TaxCatchAll xmlns="a3273937-55e7-450c-ac1f-0f7de532f690">
+      <Value>15682</Value>
+      <Value>14528</Value>
+      <Value>14527</Value>
+      <Value>15262</Value>
+      <Value>16</Value>
+      <Value>14519</Value>
+      <Value>2899</Value>
+      <Value>16921</Value>
+      <Value>3155</Value>
+      <Value>14511</Value>
+      <Value>375</Value>
+      <Value>17710</Value>
+      <Value>4014</Value>
+    </TaxCatchAll>
+    <ClientLukup xmlns="a3273937-55e7-450c-ac1f-0f7de532f690">Insurance Holding Company #5 Sub #2</ClientLukup>
+    <Geography_x0020_of_x0020_OriginTaxHTField0 xmlns="994E32D3-2E21-4611-87E1-D68FC0813440">
+      <Terms xmlns="http://schemas.microsoft.com/office/infopath/2007/PartnerControls">
+        <TermInfo xmlns="http://schemas.microsoft.com/office/infopath/2007/PartnerControls">
+          <TermName xmlns="http://schemas.microsoft.com/office/infopath/2007/PartnerControls">Americas (Region):United States (MF):United States</TermName>
+          <TermId xmlns="http://schemas.microsoft.com/office/infopath/2007/PartnerControls">8cb0099f-1dbf-4b3c-9b7f-d98051a79fa3</TermId>
+        </TermInfo>
+      </Terms>
+    </Geography_x0020_of_x0020_OriginTaxHTField0>
+    <Secondary_x0020_Global_x0020_ClieTaxHTField0 xmlns="3A0186DE-B11E-4A29-9C82-428D45BCA71F">
+      <Terms xmlns="http://schemas.microsoft.com/office/infopath/2007/PartnerControls">
+        <TermInfo xmlns="http://schemas.microsoft.com/office/infopath/2007/PartnerControls">
+          <TermName xmlns="http://schemas.microsoft.com/office/infopath/2007/PartnerControls">Consulting:Strategy, Analytics and M＆A:Analytics and Cognitive:Data and Analytics Modernization</TermName>
+          <TermId xmlns="http://schemas.microsoft.com/office/infopath/2007/PartnerControls">ad4bd167-0761-406c-b936-2e5197ab37b3</TermId>
+        </TermInfo>
+      </Terms>
+    </Secondary_x0020_Global_x0020_ClieTaxHTField0>
+    <Primary_x0020_Local_x0020_ClientTaxHTField0 xmlns="7D1768DD-F29E-4DC2-9191-F2636B9FA92C">
+      <Terms xmlns="http://schemas.microsoft.com/office/infopath/2007/PartnerControls">
+        <TermInfo xmlns="http://schemas.microsoft.com/office/infopath/2007/PartnerControls">
+          <TermName xmlns="http://schemas.microsoft.com/office/infopath/2007/PartnerControls">United States:Consulting:Enterprise Performance:Technology Services Optimization:Technology Business Management</TermName>
+          <TermId xmlns="http://schemas.microsoft.com/office/infopath/2007/PartnerControls">a566d7f0-e640-4dd6-9d37-5aa65fbfa247</TermId>
+        </TermInfo>
+      </Terms>
+    </Primary_x0020_Local_x0020_ClientTaxHTField0>
+    <Secondary_x0020_Global_x0020_InduTaxHTField0 xmlns="546D9DE3-080E-4EC6-B7DD-508C11F603C7">
+      <Terms xmlns="http://schemas.microsoft.com/office/infopath/2007/PartnerControls"/>
+    </Secondary_x0020_Global_x0020_InduTaxHTField0>
+    <Secondary_x0020_Local_x0020_ClieTaxHTField0 xmlns="3A0186DE-B11E-4A29-9C82-428D45BCA71F">
+      <Terms xmlns="http://schemas.microsoft.com/office/infopath/2007/PartnerControls">
+        <TermInfo xmlns="http://schemas.microsoft.com/office/infopath/2007/PartnerControls">
+          <TermName xmlns="http://schemas.microsoft.com/office/infopath/2007/PartnerControls">United States:Consulting:Strategy and Analytics:Analytics and Cognitive:Data and Analytics Modernization</TermName>
+          <TermId xmlns="http://schemas.microsoft.com/office/infopath/2007/PartnerControls">863084ce-2162-4627-a0f4-a0b415d0f40d</TermId>
+        </TermInfo>
+      </Terms>
+    </Secondary_x0020_Local_x0020_ClieTaxHTField0>
+  </documentManagement>
+</p:properties>
+</file>
+
+<file path=customXml/item2.xml><?xml version="1.0" encoding="utf-8"?>
+<?mso-contentType ?>
+<FormTemplates xmlns="http://schemas.microsoft.com/sharepoint/v3/contenttype/forms">
+  <Display>DocumentLibraryForm</Display>
+  <Edit>DocumentLibraryForm</Edit>
+  <New>DocumentLibraryForm</New>
+</FormTemplates>
+</file>
+
+<file path=customXml/item3.xml><?xml version="1.0" encoding="utf-8"?>
+<?mso-contentType ?>
+<spe:Receivers xmlns:spe="http://schemas.microsoft.com/sharepoint/events">
+  <Receiver>
+    <Name>Document ID Generator</Name>
+    <Synchronization>Synchronous</Synchronization>
+    <Type>10001</Type>
+    <SequenceNumber>1000</SequenceNumber>
+    <Url/>
+    <Assembly>Microsoft.Office.DocumentManagement, Version=15.0.0.0, Culture=neutral, PublicKeyToken=71e9bce111e9429c</Assembly>
+    <Class>Microsoft.Office.DocumentManagement.Internal.DocIdHandler</Class>
+    <Data/>
+    <Filter/>
+  </Receiver>
+  <Receiver>
+    <Name>Document ID Generator</Name>
+    <Synchronization>Synchronous</Synchronization>
+    <Type>10002</Type>
+    <SequenceNumber>1001</SequenceNumber>
+    <Url/>
+    <Assembly>Microsoft.Office.DocumentManagement, Version=15.0.0.0, Culture=neutral, PublicKeyToken=71e9bce111e9429c</Assembly>
+    <Class>Microsoft.Office.DocumentManagement.Internal.DocIdHandler</Class>
+    <Data/>
+    <Filter/>
+  </Receiver>
+  <Receiver>
+    <Name>Document ID Generator</Name>
+    <Synchronization>Synchronous</Synchronization>
+    <Type>10004</Type>
+    <SequenceNumber>1002</SequenceNumber>
+    <Url/>
+    <Assembly>Microsoft.Office.DocumentManagement, Version=15.0.0.0, Culture=neutral, PublicKeyToken=71e9bce111e9429c</Assembly>
+    <Class>Microsoft.Office.DocumentManagement.Internal.DocIdHandler</Class>
+    <Data/>
+    <Filter/>
+  </Receiver>
+  <Receiver>
+    <Name>Document ID Generator</Name>
+    <Synchronization>Synchronous</Synchronization>
+    <Type>10006</Type>
+    <SequenceNumber>1003</SequenceNumber>
+    <Url/>
+    <Assembly>Microsoft.Office.DocumentManagement, Version=15.0.0.0, Culture=neutral, PublicKeyToken=71e9bce111e9429c</Assembly>
+    <Class>Microsoft.Office.DocumentManagement.Internal.DocIdHandler</Class>
+    <Data/>
+    <Filter/>
+  </Receiver>
+</spe:Receivers>
+</file>
+
+<file path=customXml/item4.xml><?xml version="1.0" encoding="utf-8"?>
 <ct:contentTypeSchema xmlns:ct="http://schemas.microsoft.com/office/2006/metadata/contentType" xmlns:ma="http://schemas.microsoft.com/office/2006/metadata/properties/metaAttributes" ct:_="" ma:_="" ma:contentTypeName="New Document" ma:contentTypeID="0x0101002880177DFDC248C38C745E1D664A5FC5009468A19E74275348838589BEFD6A9573" ma:contentTypeVersion="465" ma:contentTypeDescription="Create a new Document" ma:contentTypeScope="" ma:versionID="aeeed5dbca77bfd49f4af07ab5d9ef94">
   <xsd:schema xmlns:xsd="http://www.w3.org/2001/XMLSchema" xmlns:xs="http://www.w3.org/2001/XMLSchema" xmlns:p="http://schemas.microsoft.com/office/2006/metadata/properties" xmlns:ns1="http://schemas.microsoft.com/sharepoint/v3" xmlns:ns2="513ae4d5-443f-4bc1-9f25-8f68dc5aa0c0" xmlns:ns3="7AF0C9C1-571A-469E-93FE-640E88AEF1EC" xmlns:ns4="a3273937-55e7-450c-ac1f-0f7de532f690" xmlns:ns5="994E32D3-2E21-4611-87E1-D68FC0813440" xmlns:ns6="8DD08C88-CC4C-4D35-9129-A70DAA36BE5E" xmlns:ns7="83DDB362-4C05-4E52-A8D9-EF2F47978B8D" xmlns:ns8="7D1768DD-F29E-4DC2-9191-F2636B9FA92C" xmlns:ns9="0DBE4740-AD0E-4EAB-9055-8EB1C48284D9" xmlns:ns10="39C40E9B-856B-46A7-8793-65A6FC1828D8" xmlns:ns11="3A0186DE-B11E-4A29-9C82-428D45BCA71F" xmlns:ns12="546D9DE3-080E-4EC6-B7DD-508C11F603C7" xmlns:ns13="5A51C775-C49C-428B-8C1E-2F89178D00F4" targetNamespace="http://schemas.microsoft.com/office/2006/metadata/properties" ma:root="true" ma:fieldsID="0decc36a5c9104f5115239ea1cdcbfb2" ns1:_="" ns2:_="" ns3:_="" ns4:_="" ns5:_="" ns6:_="" ns7:_="" ns8:_="" ns9:_="" ns10:_="" ns11:_="" ns12:_="" ns13:_="">
     <xsd:import namespace="http://schemas.microsoft.com/sharepoint/v3"/>
@@ -21924,224 +15059,51 @@
 </ct:contentTypeSchema>
 </file>
 
-<file path=customXml/item2.xml><?xml version="1.0" encoding="utf-8"?>
-<?mso-contentType ?>
-<spe:Receivers xmlns:spe="http://schemas.microsoft.com/sharepoint/events">
-  <Receiver>
-    <Name>Document ID Generator</Name>
-    <Synchronization>Synchronous</Synchronization>
-    <Type>10001</Type>
-    <SequenceNumber>1000</SequenceNumber>
-    <Url/>
-    <Assembly>Microsoft.Office.DocumentManagement, Version=15.0.0.0, Culture=neutral, PublicKeyToken=71e9bce111e9429c</Assembly>
-    <Class>Microsoft.Office.DocumentManagement.Internal.DocIdHandler</Class>
-    <Data/>
-    <Filter/>
-  </Receiver>
-  <Receiver>
-    <Name>Document ID Generator</Name>
-    <Synchronization>Synchronous</Synchronization>
-    <Type>10002</Type>
-    <SequenceNumber>1001</SequenceNumber>
-    <Url/>
-    <Assembly>Microsoft.Office.DocumentManagement, Version=15.0.0.0, Culture=neutral, PublicKeyToken=71e9bce111e9429c</Assembly>
-    <Class>Microsoft.Office.DocumentManagement.Internal.DocIdHandler</Class>
-    <Data/>
-    <Filter/>
-  </Receiver>
-  <Receiver>
-    <Name>Document ID Generator</Name>
-    <Synchronization>Synchronous</Synchronization>
-    <Type>10004</Type>
-    <SequenceNumber>1002</SequenceNumber>
-    <Url/>
-    <Assembly>Microsoft.Office.DocumentManagement, Version=15.0.0.0, Culture=neutral, PublicKeyToken=71e9bce111e9429c</Assembly>
-    <Class>Microsoft.Office.DocumentManagement.Internal.DocIdHandler</Class>
-    <Data/>
-    <Filter/>
-  </Receiver>
-  <Receiver>
-    <Name>Document ID Generator</Name>
-    <Synchronization>Synchronous</Synchronization>
-    <Type>10006</Type>
-    <SequenceNumber>1003</SequenceNumber>
-    <Url/>
-    <Assembly>Microsoft.Office.DocumentManagement, Version=15.0.0.0, Culture=neutral, PublicKeyToken=71e9bce111e9429c</Assembly>
-    <Class>Microsoft.Office.DocumentManagement.Internal.DocIdHandler</Class>
-    <Data/>
-    <Filter/>
-  </Receiver>
-</spe:Receivers>
+<file path=customXml/itemProps1.xml><?xml version="1.0" encoding="utf-8"?>
+<ds:datastoreItem xmlns:ds="http://schemas.openxmlformats.org/officeDocument/2006/customXml" ds:itemID="{22D25CBF-9565-48BD-89D2-9796ED69D6DB}">
+  <ds:schemaRefs>
+    <ds:schemaRef ds:uri="a3273937-55e7-450c-ac1f-0f7de532f690"/>
+    <ds:schemaRef ds:uri="0DBE4740-AD0E-4EAB-9055-8EB1C48284D9"/>
+    <ds:schemaRef ds:uri="http://purl.org/dc/elements/1.1/"/>
+    <ds:schemaRef ds:uri="83DDB362-4C05-4E52-A8D9-EF2F47978B8D"/>
+    <ds:schemaRef ds:uri="39C40E9B-856B-46A7-8793-65A6FC1828D8"/>
+    <ds:schemaRef ds:uri="http://schemas.microsoft.com/office/2006/documentManagement/types"/>
+    <ds:schemaRef ds:uri="http://schemas.microsoft.com/sharepoint/v3"/>
+    <ds:schemaRef ds:uri="5A51C775-C49C-428B-8C1E-2F89178D00F4"/>
+    <ds:schemaRef ds:uri="http://purl.org/dc/terms/"/>
+    <ds:schemaRef ds:uri="http://www.w3.org/XML/1998/namespace"/>
+    <ds:schemaRef ds:uri="994E32D3-2E21-4611-87E1-D68FC0813440"/>
+    <ds:schemaRef ds:uri="7AF0C9C1-571A-469E-93FE-640E88AEF1EC"/>
+    <ds:schemaRef ds:uri="8DD08C88-CC4C-4D35-9129-A70DAA36BE5E"/>
+    <ds:schemaRef ds:uri="http://schemas.microsoft.com/office/infopath/2007/PartnerControls"/>
+    <ds:schemaRef ds:uri="7D1768DD-F29E-4DC2-9191-F2636B9FA92C"/>
+    <ds:schemaRef ds:uri="513ae4d5-443f-4bc1-9f25-8f68dc5aa0c0"/>
+    <ds:schemaRef ds:uri="http://schemas.openxmlformats.org/package/2006/metadata/core-properties"/>
+    <ds:schemaRef ds:uri="546D9DE3-080E-4EC6-B7DD-508C11F603C7"/>
+    <ds:schemaRef ds:uri="3A0186DE-B11E-4A29-9C82-428D45BCA71F"/>
+    <ds:schemaRef ds:uri="http://schemas.microsoft.com/office/2006/metadata/properties"/>
+    <ds:schemaRef ds:uri="http://purl.org/dc/dcmitype/"/>
+  </ds:schemaRefs>
+</ds:datastoreItem>
 </file>
 
-<file path=customXml/item3.xml><?xml version="1.0" encoding="utf-8"?>
-<?mso-contentType ?>
-<FormTemplates xmlns="http://schemas.microsoft.com/sharepoint/v3/contenttype/forms">
-  <Display>DocumentLibraryForm</Display>
-  <Edit>DocumentLibraryForm</Edit>
-  <New>DocumentLibraryForm</New>
-</FormTemplates>
+<file path=customXml/itemProps2.xml><?xml version="1.0" encoding="utf-8"?>
+<ds:datastoreItem xmlns:ds="http://schemas.openxmlformats.org/officeDocument/2006/customXml" ds:itemID="{9AA2B45F-2AAE-484A-AE34-30C67E584A89}">
+  <ds:schemaRefs>
+    <ds:schemaRef ds:uri="http://schemas.microsoft.com/sharepoint/v3/contenttype/forms"/>
+  </ds:schemaRefs>
+</ds:datastoreItem>
 </file>
 
-<file path=customXml/item4.xml><?xml version="1.0" encoding="utf-8"?>
-<p:properties xmlns:p="http://schemas.microsoft.com/office/2006/metadata/properties" xmlns:xsi="http://www.w3.org/2001/XMLSchema-instance" xmlns:pc="http://schemas.microsoft.com/office/infopath/2007/PartnerControls">
-  <documentManagement>
-    <Author_selected xmlns="http://schemas.microsoft.com/sharepoint/v3">
-      <UserInfo>
-        <DisplayName>Poopal, Chinmay</DisplayName>
-        <AccountId>196349</AccountId>
-        <AccountType/>
-      </UserInfo>
-    </Author_selected>
-    <Local_x0020_Internal_x0020_ServiceTaxHTField0 xmlns="7AF0C9C1-571A-469E-93FE-640E88AEF1EC">
-      <Terms xmlns="http://schemas.microsoft.com/office/infopath/2007/PartnerControls"/>
-    </Local_x0020_Internal_x0020_ServiceTaxHTField0>
-    <Abstract xmlns="513ae4d5-443f-4bc1-9f25-8f68dc5aa0c0">Deloitte proposes an Insurance client for support, maintenance and enhancements in their Data Warehouse and Business Intelligence structure.</Abstract>
-    <DescriptionHTML xmlns="http://schemas.microsoft.com/sharepoint/v3" xsi:nil="true"/>
-    <Global_x0020_Internal_x0020_ServiceTaxHTField0 xmlns="7AF0C9C1-571A-469E-93FE-640E88AEF1EC">
-      <Terms xmlns="http://schemas.microsoft.com/office/infopath/2007/PartnerControls"/>
-    </Global_x0020_Internal_x0020_ServiceTaxHTField0>
-    <KA_x0020_Resource xmlns="513ae4d5-443f-4bc1-9f25-8f68dc5aa0c0" xsi:nil="true"/>
-    <ContentDate xmlns="513ae4d5-443f-4bc1-9f25-8f68dc5aa0c0">2019-06-02T23:00:00+00:00</ContentDate>
-    <KAMActivityId xmlns="513ae4d5-443f-4bc1-9f25-8f68dc5aa0c0" xsi:nil="true"/>
-    <Local_x0020_Content_x0020_TypeTaxHTField0 xmlns="8DD08C88-CC4C-4D35-9129-A70DAA36BE5E">
-      <Terms xmlns="http://schemas.microsoft.com/office/infopath/2007/PartnerControls">
-        <TermInfo xmlns="http://schemas.microsoft.com/office/infopath/2007/PartnerControls">
-          <TermName xmlns="http://schemas.microsoft.com/office/infopath/2007/PartnerControls">United States:Sales and Marketing:Proposals:Oral Presentations</TermName>
-          <TermId xmlns="http://schemas.microsoft.com/office/infopath/2007/PartnerControls">a90429ed-8e0c-4924-a8c7-a8d625678cf9</TermId>
-        </TermInfo>
-      </Terms>
-    </Local_x0020_Content_x0020_TypeTaxHTField0>
-    <Client xmlns="http://schemas.microsoft.com/sharepoint/v3" xsi:nil="true"/>
-    <i67d27b5dd1e4ed29b03622e76ee750b xmlns="a3273937-55e7-450c-ac1f-0f7de532f690">
-      <Terms xmlns="http://schemas.microsoft.com/office/infopath/2007/PartnerControls"/>
-    </i67d27b5dd1e4ed29b03622e76ee750b>
-    <Primary_x0020_Global_x0020_IndustTaxHTField0 xmlns="83DDB362-4C05-4E52-A8D9-EF2F47978B8D">
-      <Terms xmlns="http://schemas.microsoft.com/office/infopath/2007/PartnerControls">
-        <TermInfo xmlns="http://schemas.microsoft.com/office/infopath/2007/PartnerControls">
-          <TermName xmlns="http://schemas.microsoft.com/office/infopath/2007/PartnerControls">Financial Services:Insurance</TermName>
-          <TermId xmlns="http://schemas.microsoft.com/office/infopath/2007/PartnerControls">65abf69a-df75-4924-8f82-e451e48c342c</TermId>
-        </TermInfo>
-      </Terms>
-    </Primary_x0020_Global_x0020_IndustTaxHTField0>
-    <ClientID xmlns="a3273937-55e7-450c-ac1f-0f7de532f690" xsi:nil="true"/>
-    <IPCO_x0020_DesignationTaxHTField0 xmlns="0DBE4740-AD0E-4EAB-9055-8EB1C48284D9">
-      <Terms xmlns="http://schemas.microsoft.com/office/infopath/2007/PartnerControls">
-        <TermInfo xmlns="http://schemas.microsoft.com/office/infopath/2007/PartnerControls">
-          <TermName xmlns="http://schemas.microsoft.com/office/infopath/2007/PartnerControls">May be edited and used internally or externally for any purpose (Category D)</TermName>
-          <TermId xmlns="http://schemas.microsoft.com/office/infopath/2007/PartnerControls">f8400f62-65c9-4658-9900-b0ea185e4722</TermId>
-        </TermInfo>
-      </Terms>
-    </IPCO_x0020_DesignationTaxHTField0>
-    <BusinessTitle xmlns="513ae4d5-443f-4bc1-9f25-8f68dc5aa0c0">Data Warehouse and Business Intelligence Proposal for an Insurance Client</BusinessTitle>
-    <Primary_x0020_Local_x0020_IndustTaxHTField0 xmlns="83DDB362-4C05-4E52-A8D9-EF2F47978B8D">
-      <Terms xmlns="http://schemas.microsoft.com/office/infopath/2007/PartnerControls">
-        <TermInfo xmlns="http://schemas.microsoft.com/office/infopath/2007/PartnerControls">
-          <TermName xmlns="http://schemas.microsoft.com/office/infopath/2007/PartnerControls">United States:Financial Services:Insurance</TermName>
-          <TermId xmlns="http://schemas.microsoft.com/office/infopath/2007/PartnerControls">d7b0f88b-f436-4b89-88d8-6bdcd2411959</TermId>
-        </TermInfo>
-      </Terms>
-    </Primary_x0020_Local_x0020_IndustTaxHTField0>
-    <Author_entered xmlns="http://schemas.microsoft.com/sharepoint/v3" xsi:nil="true"/>
-    <Contributor xmlns="http://schemas.microsoft.com/sharepoint/v3">
-      <UserInfo>
-        <DisplayName>Poopal, Chinmay</DisplayName>
-        <AccountId>196349</AccountId>
-        <AccountType/>
-      </UserInfo>
-    </Contributor>
-    <Global_x0020_Content_x0020_TypeTaxHTField0 xmlns="8DD08C88-CC4C-4D35-9129-A70DAA36BE5E">
-      <Terms xmlns="http://schemas.microsoft.com/office/infopath/2007/PartnerControls">
-        <TermInfo xmlns="http://schemas.microsoft.com/office/infopath/2007/PartnerControls">
-          <TermName xmlns="http://schemas.microsoft.com/office/infopath/2007/PartnerControls">Sales and Marketing:Proposals:Oral Presentations</TermName>
-          <TermId xmlns="http://schemas.microsoft.com/office/infopath/2007/PartnerControls">2c0dac0e-ee07-4e4a-9899-478266eebaef</TermId>
-        </TermInfo>
-      </Terms>
-    </Global_x0020_Content_x0020_TypeTaxHTField0>
-    <Primary_x0020_Global_x0020_ClientTaxHTField0 xmlns="7D1768DD-F29E-4DC2-9191-F2636B9FA92C">
-      <Terms xmlns="http://schemas.microsoft.com/office/infopath/2007/PartnerControls">
-        <TermInfo xmlns="http://schemas.microsoft.com/office/infopath/2007/PartnerControls">
-          <TermName xmlns="http://schemas.microsoft.com/office/infopath/2007/PartnerControls">Consulting:Enterprise Technology and Performance:Technology Strategy and Transformation:Business of Technology Transformation</TermName>
-          <TermId xmlns="http://schemas.microsoft.com/office/infopath/2007/PartnerControls">ac32eb09-4d94-43f6-a336-6a0d6091eeb1</TermId>
-        </TermInfo>
-      </Terms>
-    </Primary_x0020_Global_x0020_ClientTaxHTField0>
-    <Applicable_x0020_GeographyTaxHTField0 xmlns="5A51C775-C49C-428B-8C1E-2F89178D00F4">
-      <Terms xmlns="http://schemas.microsoft.com/office/infopath/2007/PartnerControls">
-        <TermInfo xmlns="http://schemas.microsoft.com/office/infopath/2007/PartnerControls">
-          <TermName xmlns="http://schemas.microsoft.com/office/infopath/2007/PartnerControls">Global</TermName>
-          <TermId xmlns="http://schemas.microsoft.com/office/infopath/2007/PartnerControls">f12aef73-b423-4016-a43f-15722d3a0a5e</TermId>
-        </TermInfo>
-      </Terms>
-    </Applicable_x0020_GeographyTaxHTField0>
-    <Designated_x0020_QA xmlns="513ae4d5-443f-4bc1-9f25-8f68dc5aa0c0" xsi:nil="true"/>
-    <KAM_x0020_LanguageTaxHTField0 xmlns="39C40E9B-856B-46A7-8793-65A6FC1828D8">
-      <Terms xmlns="http://schemas.microsoft.com/office/infopath/2007/PartnerControls">
-        <TermInfo xmlns="http://schemas.microsoft.com/office/infopath/2007/PartnerControls">
-          <TermName xmlns="http://schemas.microsoft.com/office/infopath/2007/PartnerControls">English</TermName>
-          <TermId xmlns="http://schemas.microsoft.com/office/infopath/2007/PartnerControls">b169a262-1aaa-4ccb-9acf-78a36c1d9bab</TermId>
-        </TermInfo>
-      </Terms>
-    </KAM_x0020_LanguageTaxHTField0>
-    <Secondary_x0020_Local_x0020_InduTaxHTField0 xmlns="546D9DE3-080E-4EC6-B7DD-508C11F603C7">
-      <Terms xmlns="http://schemas.microsoft.com/office/infopath/2007/PartnerControls"/>
-    </Secondary_x0020_Local_x0020_InduTaxHTField0>
-    <TaxCatchAll xmlns="a3273937-55e7-450c-ac1f-0f7de532f690">
-      <Value>15682</Value>
-      <Value>14528</Value>
-      <Value>14527</Value>
-      <Value>15262</Value>
-      <Value>16</Value>
-      <Value>14519</Value>
-      <Value>2899</Value>
-      <Value>16921</Value>
-      <Value>3155</Value>
-      <Value>14511</Value>
-      <Value>375</Value>
-      <Value>17710</Value>
-      <Value>4014</Value>
-    </TaxCatchAll>
-    <ClientLukup xmlns="a3273937-55e7-450c-ac1f-0f7de532f690">Insurance Holding Company #5 Sub #2</ClientLukup>
-    <Geography_x0020_of_x0020_OriginTaxHTField0 xmlns="994E32D3-2E21-4611-87E1-D68FC0813440">
-      <Terms xmlns="http://schemas.microsoft.com/office/infopath/2007/PartnerControls">
-        <TermInfo xmlns="http://schemas.microsoft.com/office/infopath/2007/PartnerControls">
-          <TermName xmlns="http://schemas.microsoft.com/office/infopath/2007/PartnerControls">Americas (Region):United States (MF):United States</TermName>
-          <TermId xmlns="http://schemas.microsoft.com/office/infopath/2007/PartnerControls">8cb0099f-1dbf-4b3c-9b7f-d98051a79fa3</TermId>
-        </TermInfo>
-      </Terms>
-    </Geography_x0020_of_x0020_OriginTaxHTField0>
-    <Secondary_x0020_Global_x0020_ClieTaxHTField0 xmlns="3A0186DE-B11E-4A29-9C82-428D45BCA71F">
-      <Terms xmlns="http://schemas.microsoft.com/office/infopath/2007/PartnerControls">
-        <TermInfo xmlns="http://schemas.microsoft.com/office/infopath/2007/PartnerControls">
-          <TermName xmlns="http://schemas.microsoft.com/office/infopath/2007/PartnerControls">Consulting:Strategy, Analytics and M＆A:Analytics and Cognitive:Data and Analytics Modernization</TermName>
-          <TermId xmlns="http://schemas.microsoft.com/office/infopath/2007/PartnerControls">ad4bd167-0761-406c-b936-2e5197ab37b3</TermId>
-        </TermInfo>
-      </Terms>
-    </Secondary_x0020_Global_x0020_ClieTaxHTField0>
-    <Primary_x0020_Local_x0020_ClientTaxHTField0 xmlns="7D1768DD-F29E-4DC2-9191-F2636B9FA92C">
-      <Terms xmlns="http://schemas.microsoft.com/office/infopath/2007/PartnerControls">
-        <TermInfo xmlns="http://schemas.microsoft.com/office/infopath/2007/PartnerControls">
-          <TermName xmlns="http://schemas.microsoft.com/office/infopath/2007/PartnerControls">United States:Consulting:Enterprise Performance:Technology Services Optimization:Technology Business Management</TermName>
-          <TermId xmlns="http://schemas.microsoft.com/office/infopath/2007/PartnerControls">a566d7f0-e640-4dd6-9d37-5aa65fbfa247</TermId>
-        </TermInfo>
-      </Terms>
-    </Primary_x0020_Local_x0020_ClientTaxHTField0>
-    <Secondary_x0020_Global_x0020_InduTaxHTField0 xmlns="546D9DE3-080E-4EC6-B7DD-508C11F603C7">
-      <Terms xmlns="http://schemas.microsoft.com/office/infopath/2007/PartnerControls"/>
-    </Secondary_x0020_Global_x0020_InduTaxHTField0>
-    <Secondary_x0020_Local_x0020_ClieTaxHTField0 xmlns="3A0186DE-B11E-4A29-9C82-428D45BCA71F">
-      <Terms xmlns="http://schemas.microsoft.com/office/infopath/2007/PartnerControls">
-        <TermInfo xmlns="http://schemas.microsoft.com/office/infopath/2007/PartnerControls">
-          <TermName xmlns="http://schemas.microsoft.com/office/infopath/2007/PartnerControls">United States:Consulting:Strategy and Analytics:Analytics and Cognitive:Data and Analytics Modernization</TermName>
-          <TermId xmlns="http://schemas.microsoft.com/office/infopath/2007/PartnerControls">863084ce-2162-4627-a0f4-a0b415d0f40d</TermId>
-        </TermInfo>
-      </Terms>
-    </Secondary_x0020_Local_x0020_ClieTaxHTField0>
-  </documentManagement>
-</p:properties>
+<file path=customXml/itemProps3.xml><?xml version="1.0" encoding="utf-8"?>
+<ds:datastoreItem xmlns:ds="http://schemas.openxmlformats.org/officeDocument/2006/customXml" ds:itemID="{CC507161-D8B6-4EBB-ACB6-D2CC33103BBC}">
+  <ds:schemaRefs>
+    <ds:schemaRef ds:uri="http://schemas.microsoft.com/sharepoint/events"/>
+  </ds:schemaRefs>
+</ds:datastoreItem>
 </file>
 
-<file path=customXml/itemProps1.xml><?xml version="1.0" encoding="utf-8"?>
+<file path=customXml/itemProps4.xml><?xml version="1.0" encoding="utf-8"?>
 <ds:datastoreItem xmlns:ds="http://schemas.openxmlformats.org/officeDocument/2006/customXml" ds:itemID="{BF622CC6-B74F-4F44-9854-2F1EC5C1F8E8}">
   <ds:schemaRefs>
     <ds:schemaRef ds:uri="http://schemas.microsoft.com/office/2006/metadata/contentType"/>
@@ -22169,48 +15131,4 @@
     <ds:schemaRef ds:uri="http://schemas.microsoft.com/internal/obd"/>
   </ds:schemaRefs>
 </ds:datastoreItem>
-</file>
-
-<file path=customXml/itemProps2.xml><?xml version="1.0" encoding="utf-8"?>
-<ds:datastoreItem xmlns:ds="http://schemas.openxmlformats.org/officeDocument/2006/customXml" ds:itemID="{CC507161-D8B6-4EBB-ACB6-D2CC33103BBC}">
-  <ds:schemaRefs>
-    <ds:schemaRef ds:uri="http://schemas.microsoft.com/sharepoint/events"/>
-  </ds:schemaRefs>
-</ds:datastoreItem>
-</file>
-
-<file path=customXml/itemProps3.xml><?xml version="1.0" encoding="utf-8"?>
-<ds:datastoreItem xmlns:ds="http://schemas.openxmlformats.org/officeDocument/2006/customXml" ds:itemID="{9AA2B45F-2AAE-484A-AE34-30C67E584A89}">
-  <ds:schemaRefs>
-    <ds:schemaRef ds:uri="http://schemas.microsoft.com/sharepoint/v3/contenttype/forms"/>
-  </ds:schemaRefs>
-</ds:datastoreItem>
-</file>
-
-<file path=customXml/itemProps4.xml><?xml version="1.0" encoding="utf-8"?>
-<ds:datastoreItem xmlns:ds="http://schemas.openxmlformats.org/officeDocument/2006/customXml" ds:itemID="{22D25CBF-9565-48BD-89D2-9796ED69D6DB}">
-  <ds:schemaRefs>
-    <ds:schemaRef ds:uri="a3273937-55e7-450c-ac1f-0f7de532f690"/>
-    <ds:schemaRef ds:uri="0DBE4740-AD0E-4EAB-9055-8EB1C48284D9"/>
-    <ds:schemaRef ds:uri="http://purl.org/dc/elements/1.1/"/>
-    <ds:schemaRef ds:uri="83DDB362-4C05-4E52-A8D9-EF2F47978B8D"/>
-    <ds:schemaRef ds:uri="39C40E9B-856B-46A7-8793-65A6FC1828D8"/>
-    <ds:schemaRef ds:uri="http://schemas.microsoft.com/office/2006/documentManagement/types"/>
-    <ds:schemaRef ds:uri="http://schemas.microsoft.com/sharepoint/v3"/>
-    <ds:schemaRef ds:uri="5A51C775-C49C-428B-8C1E-2F89178D00F4"/>
-    <ds:schemaRef ds:uri="http://purl.org/dc/terms/"/>
-    <ds:schemaRef ds:uri="http://www.w3.org/XML/1998/namespace"/>
-    <ds:schemaRef ds:uri="994E32D3-2E21-4611-87E1-D68FC0813440"/>
-    <ds:schemaRef ds:uri="7AF0C9C1-571A-469E-93FE-640E88AEF1EC"/>
-    <ds:schemaRef ds:uri="8DD08C88-CC4C-4D35-9129-A70DAA36BE5E"/>
-    <ds:schemaRef ds:uri="http://schemas.microsoft.com/office/infopath/2007/PartnerControls"/>
-    <ds:schemaRef ds:uri="7D1768DD-F29E-4DC2-9191-F2636B9FA92C"/>
-    <ds:schemaRef ds:uri="513ae4d5-443f-4bc1-9f25-8f68dc5aa0c0"/>
-    <ds:schemaRef ds:uri="http://schemas.openxmlformats.org/package/2006/metadata/core-properties"/>
-    <ds:schemaRef ds:uri="546D9DE3-080E-4EC6-B7DD-508C11F603C7"/>
-    <ds:schemaRef ds:uri="3A0186DE-B11E-4A29-9C82-428D45BCA71F"/>
-    <ds:schemaRef ds:uri="http://schemas.microsoft.com/office/2006/metadata/properties"/>
-    <ds:schemaRef ds:uri="http://purl.org/dc/dcmitype/"/>
-  </ds:schemaRefs>
-</ds:datastoreItem>
 </file>
--- a/JobHoncho.pptx
+++ b/JobHoncho.pptx
@@ -5,26 +5,28 @@
     <p:sldMasterId id="2147483907" r:id="rId5"/>
   </p:sldMasterIdLst>
   <p:notesMasterIdLst>
-    <p:notesMasterId r:id="rId15"/>
+    <p:notesMasterId r:id="rId17"/>
   </p:notesMasterIdLst>
   <p:handoutMasterIdLst>
-    <p:handoutMasterId r:id="rId16"/>
+    <p:handoutMasterId r:id="rId18"/>
   </p:handoutMasterIdLst>
   <p:sldIdLst>
-    <p:sldId id="256" r:id="rId6"/>
+    <p:sldId id="936" r:id="rId6"/>
     <p:sldId id="1103" r:id="rId7"/>
     <p:sldId id="2226" r:id="rId8"/>
     <p:sldId id="965" r:id="rId9"/>
     <p:sldId id="2227" r:id="rId10"/>
-    <p:sldId id="2228" r:id="rId11"/>
-    <p:sldId id="2229" r:id="rId12"/>
-    <p:sldId id="2230" r:id="rId13"/>
-    <p:sldId id="2231" r:id="rId14"/>
+    <p:sldId id="2231" r:id="rId11"/>
+    <p:sldId id="2228" r:id="rId12"/>
+    <p:sldId id="2229" r:id="rId13"/>
+    <p:sldId id="2230" r:id="rId14"/>
+    <p:sldId id="2232" r:id="rId15"/>
+    <p:sldId id="2233" r:id="rId16"/>
   </p:sldIdLst>
   <p:sldSz cx="12192000" cy="6858000"/>
   <p:notesSz cx="9296400" cy="7010400"/>
   <p:custDataLst>
-    <p:tags r:id="rId17"/>
+    <p:tags r:id="rId19"/>
   </p:custDataLst>
   <p:defaultTextStyle>
     <a:defPPr>
@@ -246,7 +248,7 @@
               <a:rPr lang="en-US" smtClean="0">
                 <a:latin typeface="Arial" panose="020B0604020202020204" pitchFamily="34" charset="0"/>
               </a:rPr>
-              <a:t>4/26/2022</a:t>
+              <a:t>4/27/2022</a:t>
             </a:fld>
             <a:endParaRPr lang="en-US" dirty="0">
               <a:latin typeface="Arial" panose="020B0604020202020204" pitchFamily="34" charset="0"/>
@@ -425,7 +427,7 @@
             <a:fld id="{0BA5BBE4-AEA3-489A-A28E-0C2FAF2506E3}" type="datetimeFigureOut">
               <a:rPr lang="en-US" smtClean="0"/>
               <a:pPr/>
-              <a:t>4/26/2022</a:t>
+              <a:t>4/27/2022</a:t>
             </a:fld>
             <a:endParaRPr lang="en-US" dirty="0"/>
           </a:p>
@@ -1096,7 +1098,7 @@
     </p:spTree>
     <p:extLst>
       <p:ext uri="{BB962C8B-B14F-4D97-AF65-F5344CB8AC3E}">
-        <p14:creationId xmlns:p14="http://schemas.microsoft.com/office/powerpoint/2010/main" val="1467953522"/>
+        <p14:creationId xmlns:p14="http://schemas.microsoft.com/office/powerpoint/2010/main" val="1230632235"/>
       </p:ext>
     </p:extLst>
   </p:cSld>
@@ -1181,7 +1183,7 @@
     </p:spTree>
     <p:extLst>
       <p:ext uri="{BB962C8B-B14F-4D97-AF65-F5344CB8AC3E}">
-        <p14:creationId xmlns:p14="http://schemas.microsoft.com/office/powerpoint/2010/main" val="2592538205"/>
+        <p14:creationId xmlns:p14="http://schemas.microsoft.com/office/powerpoint/2010/main" val="1467953522"/>
       </p:ext>
     </p:extLst>
   </p:cSld>
@@ -1266,7 +1268,177 @@
     </p:spTree>
     <p:extLst>
       <p:ext uri="{BB962C8B-B14F-4D97-AF65-F5344CB8AC3E}">
+        <p14:creationId xmlns:p14="http://schemas.microsoft.com/office/powerpoint/2010/main" val="2592538205"/>
+      </p:ext>
+    </p:extLst>
+  </p:cSld>
+  <p:clrMapOvr>
+    <a:masterClrMapping/>
+  </p:clrMapOvr>
+</p:notes>
+</file>
+
+<file path=ppt/notesSlides/notesSlide8.xml><?xml version="1.0" encoding="utf-8"?>
+<p:notes xmlns:a="http://schemas.openxmlformats.org/drawingml/2006/main" xmlns:r="http://schemas.openxmlformats.org/officeDocument/2006/relationships" xmlns:p="http://schemas.openxmlformats.org/presentationml/2006/main">
+  <p:cSld>
+    <p:spTree>
+      <p:nvGrpSpPr>
+        <p:cNvPr id="1" name=""/>
+        <p:cNvGrpSpPr/>
+        <p:nvPr/>
+      </p:nvGrpSpPr>
+      <p:grpSpPr>
+        <a:xfrm>
+          <a:off x="0" y="0"/>
+          <a:ext cx="0" cy="0"/>
+          <a:chOff x="0" y="0"/>
+          <a:chExt cx="0" cy="0"/>
+        </a:xfrm>
+      </p:grpSpPr>
+      <p:sp>
+        <p:nvSpPr>
+          <p:cNvPr id="2" name="Slide Image Placeholder 1"/>
+          <p:cNvSpPr>
+            <a:spLocks noGrp="1" noRot="1" noChangeAspect="1"/>
+          </p:cNvSpPr>
+          <p:nvPr>
+            <p:ph type="sldImg"/>
+          </p:nvPr>
+        </p:nvSpPr>
+        <p:spPr/>
+      </p:sp>
+      <p:sp>
+        <p:nvSpPr>
+          <p:cNvPr id="3" name="Notes Placeholder 2"/>
+          <p:cNvSpPr>
+            <a:spLocks noGrp="1"/>
+          </p:cNvSpPr>
+          <p:nvPr>
+            <p:ph type="body" idx="1"/>
+          </p:nvPr>
+        </p:nvSpPr>
+        <p:spPr/>
+        <p:txBody>
+          <a:bodyPr/>
+          <a:lstStyle/>
+          <a:p>
+            <a:endParaRPr lang="en-US" dirty="0"/>
+          </a:p>
+        </p:txBody>
+      </p:sp>
+      <p:sp>
+        <p:nvSpPr>
+          <p:cNvPr id="4" name="Slide Number Placeholder 3"/>
+          <p:cNvSpPr>
+            <a:spLocks noGrp="1"/>
+          </p:cNvSpPr>
+          <p:nvPr>
+            <p:ph type="sldNum" sz="quarter" idx="10"/>
+          </p:nvPr>
+        </p:nvSpPr>
+        <p:spPr/>
+        <p:txBody>
+          <a:bodyPr/>
+          <a:lstStyle/>
+          <a:p>
+            <a:fld id="{C0F4A2C8-6C88-4E71-83EE-698B9D4FE22F}" type="slidenum">
+              <a:rPr lang="en-US" smtClean="0"/>
+              <a:pPr/>
+              <a:t>9</a:t>
+            </a:fld>
+            <a:endParaRPr lang="en-US" dirty="0"/>
+          </a:p>
+        </p:txBody>
+      </p:sp>
+    </p:spTree>
+    <p:extLst>
+      <p:ext uri="{BB962C8B-B14F-4D97-AF65-F5344CB8AC3E}">
         <p14:creationId xmlns:p14="http://schemas.microsoft.com/office/powerpoint/2010/main" val="1454715874"/>
+      </p:ext>
+    </p:extLst>
+  </p:cSld>
+  <p:clrMapOvr>
+    <a:masterClrMapping/>
+  </p:clrMapOvr>
+</p:notes>
+</file>
+
+<file path=ppt/notesSlides/notesSlide9.xml><?xml version="1.0" encoding="utf-8"?>
+<p:notes xmlns:a="http://schemas.openxmlformats.org/drawingml/2006/main" xmlns:r="http://schemas.openxmlformats.org/officeDocument/2006/relationships" xmlns:p="http://schemas.openxmlformats.org/presentationml/2006/main">
+  <p:cSld>
+    <p:spTree>
+      <p:nvGrpSpPr>
+        <p:cNvPr id="1" name=""/>
+        <p:cNvGrpSpPr/>
+        <p:nvPr/>
+      </p:nvGrpSpPr>
+      <p:grpSpPr>
+        <a:xfrm>
+          <a:off x="0" y="0"/>
+          <a:ext cx="0" cy="0"/>
+          <a:chOff x="0" y="0"/>
+          <a:chExt cx="0" cy="0"/>
+        </a:xfrm>
+      </p:grpSpPr>
+      <p:sp>
+        <p:nvSpPr>
+          <p:cNvPr id="2" name="Slide Image Placeholder 1"/>
+          <p:cNvSpPr>
+            <a:spLocks noGrp="1" noRot="1" noChangeAspect="1"/>
+          </p:cNvSpPr>
+          <p:nvPr>
+            <p:ph type="sldImg"/>
+          </p:nvPr>
+        </p:nvSpPr>
+        <p:spPr/>
+      </p:sp>
+      <p:sp>
+        <p:nvSpPr>
+          <p:cNvPr id="3" name="Notes Placeholder 2"/>
+          <p:cNvSpPr>
+            <a:spLocks noGrp="1"/>
+          </p:cNvSpPr>
+          <p:nvPr>
+            <p:ph type="body" idx="1"/>
+          </p:nvPr>
+        </p:nvSpPr>
+        <p:spPr/>
+        <p:txBody>
+          <a:bodyPr/>
+          <a:lstStyle/>
+          <a:p>
+            <a:endParaRPr lang="en-US" dirty="0"/>
+          </a:p>
+        </p:txBody>
+      </p:sp>
+      <p:sp>
+        <p:nvSpPr>
+          <p:cNvPr id="4" name="Slide Number Placeholder 3"/>
+          <p:cNvSpPr>
+            <a:spLocks noGrp="1"/>
+          </p:cNvSpPr>
+          <p:nvPr>
+            <p:ph type="sldNum" sz="quarter" idx="10"/>
+          </p:nvPr>
+        </p:nvSpPr>
+        <p:spPr/>
+        <p:txBody>
+          <a:bodyPr/>
+          <a:lstStyle/>
+          <a:p>
+            <a:fld id="{C0F4A2C8-6C88-4E71-83EE-698B9D4FE22F}" type="slidenum">
+              <a:rPr lang="en-US" smtClean="0"/>
+              <a:pPr/>
+              <a:t>10</a:t>
+            </a:fld>
+            <a:endParaRPr lang="en-US" dirty="0"/>
+          </a:p>
+        </p:txBody>
+      </p:sp>
+    </p:spTree>
+    <p:extLst>
+      <p:ext uri="{BB962C8B-B14F-4D97-AF65-F5344CB8AC3E}">
+        <p14:creationId xmlns:p14="http://schemas.microsoft.com/office/powerpoint/2010/main" val="2683410922"/>
       </p:ext>
     </p:extLst>
   </p:cSld>
@@ -5651,6 +5823,1994 @@
 </file>
 
 <file path=ppt/slideLayouts/slideLayout8.xml><?xml version="1.0" encoding="utf-8"?>
+<p:sldLayout xmlns:a="http://schemas.openxmlformats.org/drawingml/2006/main" xmlns:r="http://schemas.openxmlformats.org/officeDocument/2006/relationships" xmlns:p="http://schemas.openxmlformats.org/presentationml/2006/main" showMasterSp="0" userDrawn="1">
+  <p:cSld name="Title Slide - Black">
+    <p:bg bwMode="gray">
+      <p:bgPr>
+        <a:blipFill dpi="0" rotWithShape="1">
+          <a:blip r:embed="rId2" cstate="screen">
+            <a:lum/>
+            <a:extLst>
+              <a:ext uri="{28A0092B-C50C-407E-A947-70E740481C1C}">
+                <a14:useLocalDpi xmlns:a14="http://schemas.microsoft.com/office/drawing/2010/main"/>
+              </a:ext>
+            </a:extLst>
+          </a:blip>
+          <a:srcRect/>
+          <a:stretch>
+            <a:fillRect/>
+          </a:stretch>
+        </a:blipFill>
+        <a:effectLst/>
+      </p:bgPr>
+    </p:bg>
+    <p:spTree>
+      <p:nvGrpSpPr>
+        <p:cNvPr id="1" name=""/>
+        <p:cNvGrpSpPr/>
+        <p:nvPr/>
+      </p:nvGrpSpPr>
+      <p:grpSpPr>
+        <a:xfrm>
+          <a:off x="0" y="0"/>
+          <a:ext cx="0" cy="0"/>
+          <a:chOff x="0" y="0"/>
+          <a:chExt cx="0" cy="0"/>
+        </a:xfrm>
+      </p:grpSpPr>
+      <p:sp>
+        <p:nvSpPr>
+          <p:cNvPr id="3" name="Subtitle 2"/>
+          <p:cNvSpPr>
+            <a:spLocks noGrp="1"/>
+          </p:cNvSpPr>
+          <p:nvPr>
+            <p:ph type="subTitle" idx="1" hasCustomPrompt="1"/>
+          </p:nvPr>
+        </p:nvSpPr>
+        <p:spPr bwMode="gray">
+          <a:xfrm>
+            <a:off x="475200" y="5845180"/>
+            <a:ext cx="5592011" cy="505645"/>
+          </a:xfrm>
+          <a:prstGeom prst="rect">
+            <a:avLst/>
+          </a:prstGeom>
+        </p:spPr>
+        <p:txBody>
+          <a:bodyPr lIns="0" tIns="0" rIns="0" bIns="0" anchor="b" anchorCtr="0">
+            <a:noAutofit/>
+          </a:bodyPr>
+          <a:lstStyle>
+            <a:lvl1pPr marL="0" indent="0" algn="l">
+              <a:lnSpc>
+                <a:spcPct val="100000"/>
+              </a:lnSpc>
+              <a:spcAft>
+                <a:spcPts val="0"/>
+              </a:spcAft>
+              <a:buNone/>
+              <a:defRPr sz="1800" b="1">
+                <a:solidFill>
+                  <a:schemeClr val="bg1"/>
+                </a:solidFill>
+              </a:defRPr>
+            </a:lvl1pPr>
+            <a:lvl2pPr marL="0" indent="0" algn="l">
+              <a:buNone/>
+              <a:defRPr sz="1600" b="0">
+                <a:solidFill>
+                  <a:schemeClr val="bg1"/>
+                </a:solidFill>
+              </a:defRPr>
+            </a:lvl2pPr>
+            <a:lvl3pPr marL="1219170" indent="0" algn="ctr">
+              <a:buNone/>
+              <a:defRPr sz="2400"/>
+            </a:lvl3pPr>
+            <a:lvl4pPr marL="1828754" indent="0" algn="ctr">
+              <a:buNone/>
+              <a:defRPr sz="2133"/>
+            </a:lvl4pPr>
+            <a:lvl5pPr marL="2438339" indent="0" algn="ctr">
+              <a:buNone/>
+              <a:defRPr sz="2133"/>
+            </a:lvl5pPr>
+            <a:lvl6pPr marL="3047924" indent="0" algn="ctr">
+              <a:buNone/>
+              <a:defRPr sz="2133"/>
+            </a:lvl6pPr>
+            <a:lvl7pPr marL="3657509" indent="0" algn="ctr">
+              <a:buNone/>
+              <a:defRPr sz="2133"/>
+            </a:lvl7pPr>
+            <a:lvl8pPr marL="4267093" indent="0" algn="ctr">
+              <a:buNone/>
+              <a:defRPr sz="2133"/>
+            </a:lvl8pPr>
+            <a:lvl9pPr marL="4876678" indent="0" algn="ctr">
+              <a:buNone/>
+              <a:defRPr sz="2133"/>
+            </a:lvl9pPr>
+          </a:lstStyle>
+          <a:p>
+            <a:r>
+              <a:rPr lang="en-US" noProof="0" dirty="0"/>
+              <a:t>Click to edit Master title style</a:t>
+            </a:r>
+          </a:p>
+          <a:p>
+            <a:pPr lvl="1"/>
+            <a:r>
+              <a:rPr lang="en-US" noProof="0" dirty="0"/>
+              <a:t>Click to edit Master subtitle style</a:t>
+            </a:r>
+          </a:p>
+        </p:txBody>
+      </p:sp>
+      <p:sp>
+        <p:nvSpPr>
+          <p:cNvPr id="5" name="Text Placeholder 4"/>
+          <p:cNvSpPr>
+            <a:spLocks noGrp="1"/>
+          </p:cNvSpPr>
+          <p:nvPr>
+            <p:ph type="body" sz="quarter" idx="10"/>
+          </p:nvPr>
+        </p:nvSpPr>
+        <p:spPr>
+          <a:xfrm>
+            <a:off x="475200" y="6362699"/>
+            <a:ext cx="5594349" cy="298451"/>
+          </a:xfrm>
+          <a:prstGeom prst="rect">
+            <a:avLst/>
+          </a:prstGeom>
+        </p:spPr>
+        <p:txBody>
+          <a:bodyPr/>
+          <a:lstStyle>
+            <a:lvl1pPr>
+              <a:spcAft>
+                <a:spcPts val="0"/>
+              </a:spcAft>
+              <a:defRPr sz="1050">
+                <a:solidFill>
+                  <a:schemeClr val="bg1"/>
+                </a:solidFill>
+              </a:defRPr>
+            </a:lvl1pPr>
+            <a:lvl2pPr>
+              <a:defRPr>
+                <a:solidFill>
+                  <a:schemeClr val="bg1"/>
+                </a:solidFill>
+              </a:defRPr>
+            </a:lvl2pPr>
+            <a:lvl3pPr>
+              <a:defRPr>
+                <a:solidFill>
+                  <a:schemeClr val="bg1"/>
+                </a:solidFill>
+              </a:defRPr>
+            </a:lvl3pPr>
+            <a:lvl4pPr>
+              <a:defRPr>
+                <a:solidFill>
+                  <a:schemeClr val="bg1"/>
+                </a:solidFill>
+              </a:defRPr>
+            </a:lvl4pPr>
+            <a:lvl5pPr>
+              <a:defRPr>
+                <a:solidFill>
+                  <a:schemeClr val="bg1"/>
+                </a:solidFill>
+              </a:defRPr>
+            </a:lvl5pPr>
+          </a:lstStyle>
+          <a:p>
+            <a:pPr lvl="0"/>
+            <a:r>
+              <a:rPr lang="en-US" noProof="0"/>
+              <a:t>Click to edit Master text styles</a:t>
+            </a:r>
+          </a:p>
+        </p:txBody>
+      </p:sp>
+      <p:grpSp>
+        <p:nvGrpSpPr>
+          <p:cNvPr id="22" name="Group 21"/>
+          <p:cNvGrpSpPr>
+            <a:grpSpLocks noChangeAspect="1"/>
+          </p:cNvGrpSpPr>
+          <p:nvPr userDrawn="1"/>
+        </p:nvGrpSpPr>
+        <p:grpSpPr>
+          <a:xfrm>
+            <a:off x="469900" y="457761"/>
+            <a:ext cx="1998000" cy="374400"/>
+            <a:chOff x="398463" y="404813"/>
+            <a:chExt cx="1627187" cy="307976"/>
+          </a:xfrm>
+          <a:solidFill>
+            <a:schemeClr val="tx1"/>
+          </a:solidFill>
+        </p:grpSpPr>
+        <p:sp>
+          <p:nvSpPr>
+            <p:cNvPr id="23" name="Oval 5"/>
+            <p:cNvSpPr>
+              <a:spLocks noChangeArrowheads="1"/>
+            </p:cNvSpPr>
+            <p:nvPr userDrawn="1"/>
+          </p:nvSpPr>
+          <p:spPr bwMode="auto">
+            <a:xfrm>
+              <a:off x="1938338" y="625476"/>
+              <a:ext cx="87312" cy="87313"/>
+            </a:xfrm>
+            <a:prstGeom prst="ellipse">
+              <a:avLst/>
+            </a:prstGeom>
+            <a:solidFill>
+              <a:schemeClr val="accent1"/>
+            </a:solidFill>
+            <a:ln>
+              <a:noFill/>
+            </a:ln>
+            <a:extLst>
+              <a:ext uri="{91240B29-F687-4F45-9708-019B960494DF}">
+                <a14:hiddenLine xmlns:a14="http://schemas.microsoft.com/office/drawing/2010/main" w="9525">
+                  <a:solidFill>
+                    <a:srgbClr val="000000"/>
+                  </a:solidFill>
+                  <a:round/>
+                  <a:headEnd/>
+                  <a:tailEnd/>
+                </a14:hiddenLine>
+              </a:ext>
+            </a:extLst>
+          </p:spPr>
+          <p:txBody>
+            <a:bodyPr vert="horz" wrap="square" lIns="91440" tIns="45720" rIns="91440" bIns="45720" numCol="1" anchor="t" anchorCtr="0" compatLnSpc="1">
+              <a:prstTxWarp prst="textNoShape">
+                <a:avLst/>
+              </a:prstTxWarp>
+            </a:bodyPr>
+            <a:lstStyle/>
+            <a:p>
+              <a:endParaRPr lang="en-GB" sz="2600" dirty="0">
+                <a:solidFill>
+                  <a:schemeClr val="bg1"/>
+                </a:solidFill>
+              </a:endParaRPr>
+            </a:p>
+          </p:txBody>
+        </p:sp>
+        <p:sp>
+          <p:nvSpPr>
+            <p:cNvPr id="24" name="Freeform 6"/>
+            <p:cNvSpPr>
+              <a:spLocks noEditPoints="1"/>
+            </p:cNvSpPr>
+            <p:nvPr userDrawn="1"/>
+          </p:nvSpPr>
+          <p:spPr bwMode="auto">
+            <a:xfrm>
+              <a:off x="398463" y="406401"/>
+              <a:ext cx="247650" cy="301625"/>
+            </a:xfrm>
+            <a:custGeom>
+              <a:avLst/>
+              <a:gdLst>
+                <a:gd name="T0" fmla="*/ 287 w 287"/>
+                <a:gd name="T1" fmla="*/ 166 h 347"/>
+                <a:gd name="T2" fmla="*/ 240 w 287"/>
+                <a:gd name="T3" fmla="*/ 300 h 347"/>
+                <a:gd name="T4" fmla="*/ 109 w 287"/>
+                <a:gd name="T5" fmla="*/ 347 h 347"/>
+                <a:gd name="T6" fmla="*/ 0 w 287"/>
+                <a:gd name="T7" fmla="*/ 347 h 347"/>
+                <a:gd name="T8" fmla="*/ 0 w 287"/>
+                <a:gd name="T9" fmla="*/ 0 h 347"/>
+                <a:gd name="T10" fmla="*/ 117 w 287"/>
+                <a:gd name="T11" fmla="*/ 0 h 347"/>
+                <a:gd name="T12" fmla="*/ 243 w 287"/>
+                <a:gd name="T13" fmla="*/ 43 h 347"/>
+                <a:gd name="T14" fmla="*/ 287 w 287"/>
+                <a:gd name="T15" fmla="*/ 166 h 347"/>
+                <a:gd name="T16" fmla="*/ 192 w 287"/>
+                <a:gd name="T17" fmla="*/ 170 h 347"/>
+                <a:gd name="T18" fmla="*/ 174 w 287"/>
+                <a:gd name="T19" fmla="*/ 99 h 347"/>
+                <a:gd name="T20" fmla="*/ 118 w 287"/>
+                <a:gd name="T21" fmla="*/ 76 h 347"/>
+                <a:gd name="T22" fmla="*/ 91 w 287"/>
+                <a:gd name="T23" fmla="*/ 76 h 347"/>
+                <a:gd name="T24" fmla="*/ 91 w 287"/>
+                <a:gd name="T25" fmla="*/ 270 h 347"/>
+                <a:gd name="T26" fmla="*/ 111 w 287"/>
+                <a:gd name="T27" fmla="*/ 270 h 347"/>
+                <a:gd name="T28" fmla="*/ 173 w 287"/>
+                <a:gd name="T29" fmla="*/ 245 h 347"/>
+                <a:gd name="T30" fmla="*/ 192 w 287"/>
+                <a:gd name="T31" fmla="*/ 170 h 347"/>
+              </a:gdLst>
+              <a:ahLst/>
+              <a:cxnLst>
+                <a:cxn ang="0">
+                  <a:pos x="T0" y="T1"/>
+                </a:cxn>
+                <a:cxn ang="0">
+                  <a:pos x="T2" y="T3"/>
+                </a:cxn>
+                <a:cxn ang="0">
+                  <a:pos x="T4" y="T5"/>
+                </a:cxn>
+                <a:cxn ang="0">
+                  <a:pos x="T6" y="T7"/>
+                </a:cxn>
+                <a:cxn ang="0">
+                  <a:pos x="T8" y="T9"/>
+                </a:cxn>
+                <a:cxn ang="0">
+                  <a:pos x="T10" y="T11"/>
+                </a:cxn>
+                <a:cxn ang="0">
+                  <a:pos x="T12" y="T13"/>
+                </a:cxn>
+                <a:cxn ang="0">
+                  <a:pos x="T14" y="T15"/>
+                </a:cxn>
+                <a:cxn ang="0">
+                  <a:pos x="T16" y="T17"/>
+                </a:cxn>
+                <a:cxn ang="0">
+                  <a:pos x="T18" y="T19"/>
+                </a:cxn>
+                <a:cxn ang="0">
+                  <a:pos x="T20" y="T21"/>
+                </a:cxn>
+                <a:cxn ang="0">
+                  <a:pos x="T22" y="T23"/>
+                </a:cxn>
+                <a:cxn ang="0">
+                  <a:pos x="T24" y="T25"/>
+                </a:cxn>
+                <a:cxn ang="0">
+                  <a:pos x="T26" y="T27"/>
+                </a:cxn>
+                <a:cxn ang="0">
+                  <a:pos x="T28" y="T29"/>
+                </a:cxn>
+                <a:cxn ang="0">
+                  <a:pos x="T30" y="T31"/>
+                </a:cxn>
+              </a:cxnLst>
+              <a:rect l="0" t="0" r="r" b="b"/>
+              <a:pathLst>
+                <a:path w="287" h="347">
+                  <a:moveTo>
+                    <a:pt x="287" y="166"/>
+                  </a:moveTo>
+                  <a:cubicBezTo>
+                    <a:pt x="287" y="224"/>
+                    <a:pt x="271" y="269"/>
+                    <a:pt x="240" y="300"/>
+                  </a:cubicBezTo>
+                  <a:cubicBezTo>
+                    <a:pt x="209" y="331"/>
+                    <a:pt x="165" y="347"/>
+                    <a:pt x="109" y="347"/>
+                  </a:cubicBezTo>
+                  <a:cubicBezTo>
+                    <a:pt x="0" y="347"/>
+                    <a:pt x="0" y="347"/>
+                    <a:pt x="0" y="347"/>
+                  </a:cubicBezTo>
+                  <a:cubicBezTo>
+                    <a:pt x="0" y="0"/>
+                    <a:pt x="0" y="0"/>
+                    <a:pt x="0" y="0"/>
+                  </a:cubicBezTo>
+                  <a:cubicBezTo>
+                    <a:pt x="117" y="0"/>
+                    <a:pt x="117" y="0"/>
+                    <a:pt x="117" y="0"/>
+                  </a:cubicBezTo>
+                  <a:cubicBezTo>
+                    <a:pt x="171" y="0"/>
+                    <a:pt x="213" y="15"/>
+                    <a:pt x="243" y="43"/>
+                  </a:cubicBezTo>
+                  <a:cubicBezTo>
+                    <a:pt x="272" y="72"/>
+                    <a:pt x="287" y="113"/>
+                    <a:pt x="287" y="166"/>
+                  </a:cubicBezTo>
+                  <a:moveTo>
+                    <a:pt x="192" y="170"/>
+                  </a:moveTo>
+                  <a:cubicBezTo>
+                    <a:pt x="192" y="138"/>
+                    <a:pt x="186" y="114"/>
+                    <a:pt x="174" y="99"/>
+                  </a:cubicBezTo>
+                  <a:cubicBezTo>
+                    <a:pt x="161" y="84"/>
+                    <a:pt x="143" y="76"/>
+                    <a:pt x="118" y="76"/>
+                  </a:cubicBezTo>
+                  <a:cubicBezTo>
+                    <a:pt x="91" y="76"/>
+                    <a:pt x="91" y="76"/>
+                    <a:pt x="91" y="76"/>
+                  </a:cubicBezTo>
+                  <a:cubicBezTo>
+                    <a:pt x="91" y="270"/>
+                    <a:pt x="91" y="270"/>
+                    <a:pt x="91" y="270"/>
+                  </a:cubicBezTo>
+                  <a:cubicBezTo>
+                    <a:pt x="111" y="270"/>
+                    <a:pt x="111" y="270"/>
+                    <a:pt x="111" y="270"/>
+                  </a:cubicBezTo>
+                  <a:cubicBezTo>
+                    <a:pt x="139" y="270"/>
+                    <a:pt x="160" y="262"/>
+                    <a:pt x="173" y="245"/>
+                  </a:cubicBezTo>
+                  <a:cubicBezTo>
+                    <a:pt x="186" y="229"/>
+                    <a:pt x="192" y="204"/>
+                    <a:pt x="192" y="170"/>
+                  </a:cubicBezTo>
+                </a:path>
+              </a:pathLst>
+            </a:custGeom>
+            <a:solidFill>
+              <a:schemeClr val="bg1"/>
+            </a:solidFill>
+            <a:ln>
+              <a:noFill/>
+            </a:ln>
+            <a:extLst>
+              <a:ext uri="{91240B29-F687-4F45-9708-019B960494DF}">
+                <a14:hiddenLine xmlns:a14="http://schemas.microsoft.com/office/drawing/2010/main" w="9525">
+                  <a:solidFill>
+                    <a:srgbClr val="000000"/>
+                  </a:solidFill>
+                  <a:round/>
+                  <a:headEnd/>
+                  <a:tailEnd/>
+                </a14:hiddenLine>
+              </a:ext>
+            </a:extLst>
+          </p:spPr>
+          <p:txBody>
+            <a:bodyPr vert="horz" wrap="square" lIns="91440" tIns="45720" rIns="91440" bIns="45720" numCol="1" anchor="t" anchorCtr="0" compatLnSpc="1">
+              <a:prstTxWarp prst="textNoShape">
+                <a:avLst/>
+              </a:prstTxWarp>
+            </a:bodyPr>
+            <a:lstStyle/>
+            <a:p>
+              <a:endParaRPr lang="en-GB" sz="2600" dirty="0">
+                <a:solidFill>
+                  <a:schemeClr val="bg1"/>
+                </a:solidFill>
+              </a:endParaRPr>
+            </a:p>
+          </p:txBody>
+        </p:sp>
+        <p:sp>
+          <p:nvSpPr>
+            <p:cNvPr id="25" name="Rectangle 7"/>
+            <p:cNvSpPr>
+              <a:spLocks noChangeArrowheads="1"/>
+            </p:cNvSpPr>
+            <p:nvPr userDrawn="1"/>
+          </p:nvSpPr>
+          <p:spPr bwMode="auto">
+            <a:xfrm>
+              <a:off x="906463" y="404813"/>
+              <a:ext cx="74612" cy="303213"/>
+            </a:xfrm>
+            <a:prstGeom prst="rect">
+              <a:avLst/>
+            </a:prstGeom>
+            <a:solidFill>
+              <a:schemeClr val="bg1"/>
+            </a:solidFill>
+            <a:ln>
+              <a:noFill/>
+            </a:ln>
+            <a:extLst>
+              <a:ext uri="{91240B29-F687-4F45-9708-019B960494DF}">
+                <a14:hiddenLine xmlns:a14="http://schemas.microsoft.com/office/drawing/2010/main" w="9525">
+                  <a:solidFill>
+                    <a:srgbClr val="000000"/>
+                  </a:solidFill>
+                  <a:miter lim="800000"/>
+                  <a:headEnd/>
+                  <a:tailEnd/>
+                </a14:hiddenLine>
+              </a:ext>
+            </a:extLst>
+          </p:spPr>
+          <p:txBody>
+            <a:bodyPr vert="horz" wrap="square" lIns="91440" tIns="45720" rIns="91440" bIns="45720" numCol="1" anchor="t" anchorCtr="0" compatLnSpc="1">
+              <a:prstTxWarp prst="textNoShape">
+                <a:avLst/>
+              </a:prstTxWarp>
+            </a:bodyPr>
+            <a:lstStyle/>
+            <a:p>
+              <a:endParaRPr lang="en-GB" sz="2600" dirty="0">
+                <a:solidFill>
+                  <a:schemeClr val="bg1"/>
+                </a:solidFill>
+              </a:endParaRPr>
+            </a:p>
+          </p:txBody>
+        </p:sp>
+        <p:sp>
+          <p:nvSpPr>
+            <p:cNvPr id="26" name="Freeform 8"/>
+            <p:cNvSpPr>
+              <a:spLocks noEditPoints="1"/>
+            </p:cNvSpPr>
+            <p:nvPr userDrawn="1"/>
+          </p:nvSpPr>
+          <p:spPr bwMode="auto">
+            <a:xfrm>
+              <a:off x="1011238" y="479426"/>
+              <a:ext cx="215900" cy="231775"/>
+            </a:xfrm>
+            <a:custGeom>
+              <a:avLst/>
+              <a:gdLst>
+                <a:gd name="T0" fmla="*/ 252 w 252"/>
+                <a:gd name="T1" fmla="*/ 133 h 267"/>
+                <a:gd name="T2" fmla="*/ 218 w 252"/>
+                <a:gd name="T3" fmla="*/ 232 h 267"/>
+                <a:gd name="T4" fmla="*/ 125 w 252"/>
+                <a:gd name="T5" fmla="*/ 267 h 267"/>
+                <a:gd name="T6" fmla="*/ 34 w 252"/>
+                <a:gd name="T7" fmla="*/ 231 h 267"/>
+                <a:gd name="T8" fmla="*/ 0 w 252"/>
+                <a:gd name="T9" fmla="*/ 133 h 267"/>
+                <a:gd name="T10" fmla="*/ 33 w 252"/>
+                <a:gd name="T11" fmla="*/ 35 h 267"/>
+                <a:gd name="T12" fmla="*/ 127 w 252"/>
+                <a:gd name="T13" fmla="*/ 0 h 267"/>
+                <a:gd name="T14" fmla="*/ 192 w 252"/>
+                <a:gd name="T15" fmla="*/ 16 h 267"/>
+                <a:gd name="T16" fmla="*/ 236 w 252"/>
+                <a:gd name="T17" fmla="*/ 63 h 267"/>
+                <a:gd name="T18" fmla="*/ 252 w 252"/>
+                <a:gd name="T19" fmla="*/ 133 h 267"/>
+                <a:gd name="T20" fmla="*/ 88 w 252"/>
+                <a:gd name="T21" fmla="*/ 133 h 267"/>
+                <a:gd name="T22" fmla="*/ 97 w 252"/>
+                <a:gd name="T23" fmla="*/ 184 h 267"/>
+                <a:gd name="T24" fmla="*/ 126 w 252"/>
+                <a:gd name="T25" fmla="*/ 201 h 267"/>
+                <a:gd name="T26" fmla="*/ 155 w 252"/>
+                <a:gd name="T27" fmla="*/ 184 h 267"/>
+                <a:gd name="T28" fmla="*/ 163 w 252"/>
+                <a:gd name="T29" fmla="*/ 133 h 267"/>
+                <a:gd name="T30" fmla="*/ 155 w 252"/>
+                <a:gd name="T31" fmla="*/ 83 h 267"/>
+                <a:gd name="T32" fmla="*/ 126 w 252"/>
+                <a:gd name="T33" fmla="*/ 66 h 267"/>
+                <a:gd name="T34" fmla="*/ 97 w 252"/>
+                <a:gd name="T35" fmla="*/ 83 h 267"/>
+                <a:gd name="T36" fmla="*/ 88 w 252"/>
+                <a:gd name="T37" fmla="*/ 133 h 267"/>
+              </a:gdLst>
+              <a:ahLst/>
+              <a:cxnLst>
+                <a:cxn ang="0">
+                  <a:pos x="T0" y="T1"/>
+                </a:cxn>
+                <a:cxn ang="0">
+                  <a:pos x="T2" y="T3"/>
+                </a:cxn>
+                <a:cxn ang="0">
+                  <a:pos x="T4" y="T5"/>
+                </a:cxn>
+                <a:cxn ang="0">
+                  <a:pos x="T6" y="T7"/>
+                </a:cxn>
+                <a:cxn ang="0">
+                  <a:pos x="T8" y="T9"/>
+                </a:cxn>
+                <a:cxn ang="0">
+                  <a:pos x="T10" y="T11"/>
+                </a:cxn>
+                <a:cxn ang="0">
+                  <a:pos x="T12" y="T13"/>
+                </a:cxn>
+                <a:cxn ang="0">
+                  <a:pos x="T14" y="T15"/>
+                </a:cxn>
+                <a:cxn ang="0">
+                  <a:pos x="T16" y="T17"/>
+                </a:cxn>
+                <a:cxn ang="0">
+                  <a:pos x="T18" y="T19"/>
+                </a:cxn>
+                <a:cxn ang="0">
+                  <a:pos x="T20" y="T21"/>
+                </a:cxn>
+                <a:cxn ang="0">
+                  <a:pos x="T22" y="T23"/>
+                </a:cxn>
+                <a:cxn ang="0">
+                  <a:pos x="T24" y="T25"/>
+                </a:cxn>
+                <a:cxn ang="0">
+                  <a:pos x="T26" y="T27"/>
+                </a:cxn>
+                <a:cxn ang="0">
+                  <a:pos x="T28" y="T29"/>
+                </a:cxn>
+                <a:cxn ang="0">
+                  <a:pos x="T30" y="T31"/>
+                </a:cxn>
+                <a:cxn ang="0">
+                  <a:pos x="T32" y="T33"/>
+                </a:cxn>
+                <a:cxn ang="0">
+                  <a:pos x="T34" y="T35"/>
+                </a:cxn>
+                <a:cxn ang="0">
+                  <a:pos x="T36" y="T37"/>
+                </a:cxn>
+              </a:cxnLst>
+              <a:rect l="0" t="0" r="r" b="b"/>
+              <a:pathLst>
+                <a:path w="252" h="267">
+                  <a:moveTo>
+                    <a:pt x="252" y="133"/>
+                  </a:moveTo>
+                  <a:cubicBezTo>
+                    <a:pt x="252" y="175"/>
+                    <a:pt x="241" y="208"/>
+                    <a:pt x="218" y="232"/>
+                  </a:cubicBezTo>
+                  <a:cubicBezTo>
+                    <a:pt x="196" y="256"/>
+                    <a:pt x="165" y="267"/>
+                    <a:pt x="125" y="267"/>
+                  </a:cubicBezTo>
+                  <a:cubicBezTo>
+                    <a:pt x="87" y="267"/>
+                    <a:pt x="56" y="255"/>
+                    <a:pt x="34" y="231"/>
+                  </a:cubicBezTo>
+                  <a:cubicBezTo>
+                    <a:pt x="11" y="207"/>
+                    <a:pt x="0" y="174"/>
+                    <a:pt x="0" y="133"/>
+                  </a:cubicBezTo>
+                  <a:cubicBezTo>
+                    <a:pt x="0" y="91"/>
+                    <a:pt x="11" y="58"/>
+                    <a:pt x="33" y="35"/>
+                  </a:cubicBezTo>
+                  <a:cubicBezTo>
+                    <a:pt x="55" y="12"/>
+                    <a:pt x="86" y="0"/>
+                    <a:pt x="127" y="0"/>
+                  </a:cubicBezTo>
+                  <a:cubicBezTo>
+                    <a:pt x="151" y="0"/>
+                    <a:pt x="173" y="5"/>
+                    <a:pt x="192" y="16"/>
+                  </a:cubicBezTo>
+                  <a:cubicBezTo>
+                    <a:pt x="211" y="27"/>
+                    <a:pt x="226" y="42"/>
+                    <a:pt x="236" y="63"/>
+                  </a:cubicBezTo>
+                  <a:cubicBezTo>
+                    <a:pt x="247" y="83"/>
+                    <a:pt x="252" y="106"/>
+                    <a:pt x="252" y="133"/>
+                  </a:cubicBezTo>
+                  <a:moveTo>
+                    <a:pt x="88" y="133"/>
+                  </a:moveTo>
+                  <a:cubicBezTo>
+                    <a:pt x="88" y="155"/>
+                    <a:pt x="91" y="172"/>
+                    <a:pt x="97" y="184"/>
+                  </a:cubicBezTo>
+                  <a:cubicBezTo>
+                    <a:pt x="103" y="195"/>
+                    <a:pt x="112" y="201"/>
+                    <a:pt x="126" y="201"/>
+                  </a:cubicBezTo>
+                  <a:cubicBezTo>
+                    <a:pt x="140" y="201"/>
+                    <a:pt x="149" y="195"/>
+                    <a:pt x="155" y="184"/>
+                  </a:cubicBezTo>
+                  <a:cubicBezTo>
+                    <a:pt x="160" y="172"/>
+                    <a:pt x="163" y="155"/>
+                    <a:pt x="163" y="133"/>
+                  </a:cubicBezTo>
+                  <a:cubicBezTo>
+                    <a:pt x="163" y="111"/>
+                    <a:pt x="160" y="94"/>
+                    <a:pt x="155" y="83"/>
+                  </a:cubicBezTo>
+                  <a:cubicBezTo>
+                    <a:pt x="149" y="72"/>
+                    <a:pt x="139" y="66"/>
+                    <a:pt x="126" y="66"/>
+                  </a:cubicBezTo>
+                  <a:cubicBezTo>
+                    <a:pt x="112" y="66"/>
+                    <a:pt x="103" y="72"/>
+                    <a:pt x="97" y="83"/>
+                  </a:cubicBezTo>
+                  <a:cubicBezTo>
+                    <a:pt x="91" y="94"/>
+                    <a:pt x="88" y="111"/>
+                    <a:pt x="88" y="133"/>
+                  </a:cubicBezTo>
+                </a:path>
+              </a:pathLst>
+            </a:custGeom>
+            <a:solidFill>
+              <a:schemeClr val="bg1"/>
+            </a:solidFill>
+            <a:ln>
+              <a:noFill/>
+            </a:ln>
+            <a:extLst>
+              <a:ext uri="{91240B29-F687-4F45-9708-019B960494DF}">
+                <a14:hiddenLine xmlns:a14="http://schemas.microsoft.com/office/drawing/2010/main" w="9525">
+                  <a:solidFill>
+                    <a:srgbClr val="000000"/>
+                  </a:solidFill>
+                  <a:round/>
+                  <a:headEnd/>
+                  <a:tailEnd/>
+                </a14:hiddenLine>
+              </a:ext>
+            </a:extLst>
+          </p:spPr>
+          <p:txBody>
+            <a:bodyPr vert="horz" wrap="square" lIns="91440" tIns="45720" rIns="91440" bIns="45720" numCol="1" anchor="t" anchorCtr="0" compatLnSpc="1">
+              <a:prstTxWarp prst="textNoShape">
+                <a:avLst/>
+              </a:prstTxWarp>
+            </a:bodyPr>
+            <a:lstStyle/>
+            <a:p>
+              <a:endParaRPr lang="en-GB" sz="2600" dirty="0">
+                <a:solidFill>
+                  <a:schemeClr val="bg1"/>
+                </a:solidFill>
+              </a:endParaRPr>
+            </a:p>
+          </p:txBody>
+        </p:sp>
+        <p:sp>
+          <p:nvSpPr>
+            <p:cNvPr id="27" name="Rectangle 9"/>
+            <p:cNvSpPr>
+              <a:spLocks noChangeArrowheads="1"/>
+            </p:cNvSpPr>
+            <p:nvPr userDrawn="1"/>
+          </p:nvSpPr>
+          <p:spPr bwMode="auto">
+            <a:xfrm>
+              <a:off x="1257300" y="482601"/>
+              <a:ext cx="74612" cy="225425"/>
+            </a:xfrm>
+            <a:prstGeom prst="rect">
+              <a:avLst/>
+            </a:prstGeom>
+            <a:solidFill>
+              <a:schemeClr val="bg1"/>
+            </a:solidFill>
+            <a:ln>
+              <a:noFill/>
+            </a:ln>
+            <a:extLst>
+              <a:ext uri="{91240B29-F687-4F45-9708-019B960494DF}">
+                <a14:hiddenLine xmlns:a14="http://schemas.microsoft.com/office/drawing/2010/main" w="9525">
+                  <a:solidFill>
+                    <a:srgbClr val="000000"/>
+                  </a:solidFill>
+                  <a:miter lim="800000"/>
+                  <a:headEnd/>
+                  <a:tailEnd/>
+                </a14:hiddenLine>
+              </a:ext>
+            </a:extLst>
+          </p:spPr>
+          <p:txBody>
+            <a:bodyPr vert="horz" wrap="square" lIns="91440" tIns="45720" rIns="91440" bIns="45720" numCol="1" anchor="t" anchorCtr="0" compatLnSpc="1">
+              <a:prstTxWarp prst="textNoShape">
+                <a:avLst/>
+              </a:prstTxWarp>
+            </a:bodyPr>
+            <a:lstStyle/>
+            <a:p>
+              <a:endParaRPr lang="en-GB" sz="2600" dirty="0">
+                <a:solidFill>
+                  <a:schemeClr val="bg1"/>
+                </a:solidFill>
+              </a:endParaRPr>
+            </a:p>
+          </p:txBody>
+        </p:sp>
+        <p:sp>
+          <p:nvSpPr>
+            <p:cNvPr id="28" name="Rectangle 10"/>
+            <p:cNvSpPr>
+              <a:spLocks noChangeArrowheads="1"/>
+            </p:cNvSpPr>
+            <p:nvPr userDrawn="1"/>
+          </p:nvSpPr>
+          <p:spPr bwMode="auto">
+            <a:xfrm>
+              <a:off x="1257300" y="404813"/>
+              <a:ext cx="74612" cy="50800"/>
+            </a:xfrm>
+            <a:prstGeom prst="rect">
+              <a:avLst/>
+            </a:prstGeom>
+            <a:solidFill>
+              <a:schemeClr val="bg1"/>
+            </a:solidFill>
+            <a:ln>
+              <a:noFill/>
+            </a:ln>
+            <a:extLst>
+              <a:ext uri="{91240B29-F687-4F45-9708-019B960494DF}">
+                <a14:hiddenLine xmlns:a14="http://schemas.microsoft.com/office/drawing/2010/main" w="9525">
+                  <a:solidFill>
+                    <a:srgbClr val="000000"/>
+                  </a:solidFill>
+                  <a:miter lim="800000"/>
+                  <a:headEnd/>
+                  <a:tailEnd/>
+                </a14:hiddenLine>
+              </a:ext>
+            </a:extLst>
+          </p:spPr>
+          <p:txBody>
+            <a:bodyPr vert="horz" wrap="square" lIns="91440" tIns="45720" rIns="91440" bIns="45720" numCol="1" anchor="t" anchorCtr="0" compatLnSpc="1">
+              <a:prstTxWarp prst="textNoShape">
+                <a:avLst/>
+              </a:prstTxWarp>
+            </a:bodyPr>
+            <a:lstStyle/>
+            <a:p>
+              <a:endParaRPr lang="en-GB" sz="2600" dirty="0">
+                <a:solidFill>
+                  <a:schemeClr val="bg1"/>
+                </a:solidFill>
+              </a:endParaRPr>
+            </a:p>
+          </p:txBody>
+        </p:sp>
+        <p:sp>
+          <p:nvSpPr>
+            <p:cNvPr id="29" name="Freeform 11"/>
+            <p:cNvSpPr>
+              <a:spLocks/>
+            </p:cNvSpPr>
+            <p:nvPr userDrawn="1"/>
+          </p:nvSpPr>
+          <p:spPr bwMode="auto">
+            <a:xfrm>
+              <a:off x="1362075" y="411163"/>
+              <a:ext cx="158750" cy="300038"/>
+            </a:xfrm>
+            <a:custGeom>
+              <a:avLst/>
+              <a:gdLst>
+                <a:gd name="T0" fmla="*/ 142 w 184"/>
+                <a:gd name="T1" fmla="*/ 274 h 344"/>
+                <a:gd name="T2" fmla="*/ 184 w 184"/>
+                <a:gd name="T3" fmla="*/ 265 h 344"/>
+                <a:gd name="T4" fmla="*/ 184 w 184"/>
+                <a:gd name="T5" fmla="*/ 330 h 344"/>
+                <a:gd name="T6" fmla="*/ 150 w 184"/>
+                <a:gd name="T7" fmla="*/ 341 h 344"/>
+                <a:gd name="T8" fmla="*/ 113 w 184"/>
+                <a:gd name="T9" fmla="*/ 344 h 344"/>
+                <a:gd name="T10" fmla="*/ 50 w 184"/>
+                <a:gd name="T11" fmla="*/ 322 h 344"/>
+                <a:gd name="T12" fmla="*/ 30 w 184"/>
+                <a:gd name="T13" fmla="*/ 255 h 344"/>
+                <a:gd name="T14" fmla="*/ 30 w 184"/>
+                <a:gd name="T15" fmla="*/ 148 h 344"/>
+                <a:gd name="T16" fmla="*/ 0 w 184"/>
+                <a:gd name="T17" fmla="*/ 148 h 344"/>
+                <a:gd name="T18" fmla="*/ 0 w 184"/>
+                <a:gd name="T19" fmla="*/ 81 h 344"/>
+                <a:gd name="T20" fmla="*/ 30 w 184"/>
+                <a:gd name="T21" fmla="*/ 81 h 344"/>
+                <a:gd name="T22" fmla="*/ 30 w 184"/>
+                <a:gd name="T23" fmla="*/ 16 h 344"/>
+                <a:gd name="T24" fmla="*/ 118 w 184"/>
+                <a:gd name="T25" fmla="*/ 0 h 344"/>
+                <a:gd name="T26" fmla="*/ 118 w 184"/>
+                <a:gd name="T27" fmla="*/ 81 h 344"/>
+                <a:gd name="T28" fmla="*/ 174 w 184"/>
+                <a:gd name="T29" fmla="*/ 81 h 344"/>
+                <a:gd name="T30" fmla="*/ 174 w 184"/>
+                <a:gd name="T31" fmla="*/ 148 h 344"/>
+                <a:gd name="T32" fmla="*/ 118 w 184"/>
+                <a:gd name="T33" fmla="*/ 148 h 344"/>
+                <a:gd name="T34" fmla="*/ 118 w 184"/>
+                <a:gd name="T35" fmla="*/ 249 h 344"/>
+                <a:gd name="T36" fmla="*/ 142 w 184"/>
+                <a:gd name="T37" fmla="*/ 274 h 344"/>
+              </a:gdLst>
+              <a:ahLst/>
+              <a:cxnLst>
+                <a:cxn ang="0">
+                  <a:pos x="T0" y="T1"/>
+                </a:cxn>
+                <a:cxn ang="0">
+                  <a:pos x="T2" y="T3"/>
+                </a:cxn>
+                <a:cxn ang="0">
+                  <a:pos x="T4" y="T5"/>
+                </a:cxn>
+                <a:cxn ang="0">
+                  <a:pos x="T6" y="T7"/>
+                </a:cxn>
+                <a:cxn ang="0">
+                  <a:pos x="T8" y="T9"/>
+                </a:cxn>
+                <a:cxn ang="0">
+                  <a:pos x="T10" y="T11"/>
+                </a:cxn>
+                <a:cxn ang="0">
+                  <a:pos x="T12" y="T13"/>
+                </a:cxn>
+                <a:cxn ang="0">
+                  <a:pos x="T14" y="T15"/>
+                </a:cxn>
+                <a:cxn ang="0">
+                  <a:pos x="T16" y="T17"/>
+                </a:cxn>
+                <a:cxn ang="0">
+                  <a:pos x="T18" y="T19"/>
+                </a:cxn>
+                <a:cxn ang="0">
+                  <a:pos x="T20" y="T21"/>
+                </a:cxn>
+                <a:cxn ang="0">
+                  <a:pos x="T22" y="T23"/>
+                </a:cxn>
+                <a:cxn ang="0">
+                  <a:pos x="T24" y="T25"/>
+                </a:cxn>
+                <a:cxn ang="0">
+                  <a:pos x="T26" y="T27"/>
+                </a:cxn>
+                <a:cxn ang="0">
+                  <a:pos x="T28" y="T29"/>
+                </a:cxn>
+                <a:cxn ang="0">
+                  <a:pos x="T30" y="T31"/>
+                </a:cxn>
+                <a:cxn ang="0">
+                  <a:pos x="T32" y="T33"/>
+                </a:cxn>
+                <a:cxn ang="0">
+                  <a:pos x="T34" y="T35"/>
+                </a:cxn>
+                <a:cxn ang="0">
+                  <a:pos x="T36" y="T37"/>
+                </a:cxn>
+              </a:cxnLst>
+              <a:rect l="0" t="0" r="r" b="b"/>
+              <a:pathLst>
+                <a:path w="184" h="344">
+                  <a:moveTo>
+                    <a:pt x="142" y="274"/>
+                  </a:moveTo>
+                  <a:cubicBezTo>
+                    <a:pt x="153" y="274"/>
+                    <a:pt x="167" y="271"/>
+                    <a:pt x="184" y="265"/>
+                  </a:cubicBezTo>
+                  <a:cubicBezTo>
+                    <a:pt x="184" y="330"/>
+                    <a:pt x="184" y="330"/>
+                    <a:pt x="184" y="330"/>
+                  </a:cubicBezTo>
+                  <a:cubicBezTo>
+                    <a:pt x="172" y="335"/>
+                    <a:pt x="161" y="339"/>
+                    <a:pt x="150" y="341"/>
+                  </a:cubicBezTo>
+                  <a:cubicBezTo>
+                    <a:pt x="140" y="343"/>
+                    <a:pt x="127" y="344"/>
+                    <a:pt x="113" y="344"/>
+                  </a:cubicBezTo>
+                  <a:cubicBezTo>
+                    <a:pt x="84" y="344"/>
+                    <a:pt x="63" y="337"/>
+                    <a:pt x="50" y="322"/>
+                  </a:cubicBezTo>
+                  <a:cubicBezTo>
+                    <a:pt x="37" y="308"/>
+                    <a:pt x="30" y="285"/>
+                    <a:pt x="30" y="255"/>
+                  </a:cubicBezTo>
+                  <a:cubicBezTo>
+                    <a:pt x="30" y="148"/>
+                    <a:pt x="30" y="148"/>
+                    <a:pt x="30" y="148"/>
+                  </a:cubicBezTo>
+                  <a:cubicBezTo>
+                    <a:pt x="0" y="148"/>
+                    <a:pt x="0" y="148"/>
+                    <a:pt x="0" y="148"/>
+                  </a:cubicBezTo>
+                  <a:cubicBezTo>
+                    <a:pt x="0" y="81"/>
+                    <a:pt x="0" y="81"/>
+                    <a:pt x="0" y="81"/>
+                  </a:cubicBezTo>
+                  <a:cubicBezTo>
+                    <a:pt x="30" y="81"/>
+                    <a:pt x="30" y="81"/>
+                    <a:pt x="30" y="81"/>
+                  </a:cubicBezTo>
+                  <a:cubicBezTo>
+                    <a:pt x="30" y="16"/>
+                    <a:pt x="30" y="16"/>
+                    <a:pt x="30" y="16"/>
+                  </a:cubicBezTo>
+                  <a:cubicBezTo>
+                    <a:pt x="118" y="0"/>
+                    <a:pt x="118" y="0"/>
+                    <a:pt x="118" y="0"/>
+                  </a:cubicBezTo>
+                  <a:cubicBezTo>
+                    <a:pt x="118" y="81"/>
+                    <a:pt x="118" y="81"/>
+                    <a:pt x="118" y="81"/>
+                  </a:cubicBezTo>
+                  <a:cubicBezTo>
+                    <a:pt x="174" y="81"/>
+                    <a:pt x="174" y="81"/>
+                    <a:pt x="174" y="81"/>
+                  </a:cubicBezTo>
+                  <a:cubicBezTo>
+                    <a:pt x="174" y="148"/>
+                    <a:pt x="174" y="148"/>
+                    <a:pt x="174" y="148"/>
+                  </a:cubicBezTo>
+                  <a:cubicBezTo>
+                    <a:pt x="118" y="148"/>
+                    <a:pt x="118" y="148"/>
+                    <a:pt x="118" y="148"/>
+                  </a:cubicBezTo>
+                  <a:cubicBezTo>
+                    <a:pt x="118" y="249"/>
+                    <a:pt x="118" y="249"/>
+                    <a:pt x="118" y="249"/>
+                  </a:cubicBezTo>
+                  <a:cubicBezTo>
+                    <a:pt x="118" y="266"/>
+                    <a:pt x="126" y="274"/>
+                    <a:pt x="142" y="274"/>
+                  </a:cubicBezTo>
+                </a:path>
+              </a:pathLst>
+            </a:custGeom>
+            <a:solidFill>
+              <a:schemeClr val="bg1"/>
+            </a:solidFill>
+            <a:ln>
+              <a:noFill/>
+            </a:ln>
+            <a:extLst>
+              <a:ext uri="{91240B29-F687-4F45-9708-019B960494DF}">
+                <a14:hiddenLine xmlns:a14="http://schemas.microsoft.com/office/drawing/2010/main" w="9525">
+                  <a:solidFill>
+                    <a:srgbClr val="000000"/>
+                  </a:solidFill>
+                  <a:round/>
+                  <a:headEnd/>
+                  <a:tailEnd/>
+                </a14:hiddenLine>
+              </a:ext>
+            </a:extLst>
+          </p:spPr>
+          <p:txBody>
+            <a:bodyPr vert="horz" wrap="square" lIns="91440" tIns="45720" rIns="91440" bIns="45720" numCol="1" anchor="t" anchorCtr="0" compatLnSpc="1">
+              <a:prstTxWarp prst="textNoShape">
+                <a:avLst/>
+              </a:prstTxWarp>
+            </a:bodyPr>
+            <a:lstStyle/>
+            <a:p>
+              <a:endParaRPr lang="en-GB" sz="2600" dirty="0">
+                <a:solidFill>
+                  <a:schemeClr val="bg1"/>
+                </a:solidFill>
+              </a:endParaRPr>
+            </a:p>
+          </p:txBody>
+        </p:sp>
+        <p:sp>
+          <p:nvSpPr>
+            <p:cNvPr id="30" name="Freeform 12"/>
+            <p:cNvSpPr>
+              <a:spLocks/>
+            </p:cNvSpPr>
+            <p:nvPr userDrawn="1"/>
+          </p:nvSpPr>
+          <p:spPr bwMode="auto">
+            <a:xfrm>
+              <a:off x="1535113" y="411163"/>
+              <a:ext cx="158750" cy="300038"/>
+            </a:xfrm>
+            <a:custGeom>
+              <a:avLst/>
+              <a:gdLst>
+                <a:gd name="T0" fmla="*/ 142 w 184"/>
+                <a:gd name="T1" fmla="*/ 274 h 344"/>
+                <a:gd name="T2" fmla="*/ 184 w 184"/>
+                <a:gd name="T3" fmla="*/ 265 h 344"/>
+                <a:gd name="T4" fmla="*/ 184 w 184"/>
+                <a:gd name="T5" fmla="*/ 330 h 344"/>
+                <a:gd name="T6" fmla="*/ 151 w 184"/>
+                <a:gd name="T7" fmla="*/ 341 h 344"/>
+                <a:gd name="T8" fmla="*/ 114 w 184"/>
+                <a:gd name="T9" fmla="*/ 344 h 344"/>
+                <a:gd name="T10" fmla="*/ 50 w 184"/>
+                <a:gd name="T11" fmla="*/ 322 h 344"/>
+                <a:gd name="T12" fmla="*/ 31 w 184"/>
+                <a:gd name="T13" fmla="*/ 255 h 344"/>
+                <a:gd name="T14" fmla="*/ 31 w 184"/>
+                <a:gd name="T15" fmla="*/ 148 h 344"/>
+                <a:gd name="T16" fmla="*/ 0 w 184"/>
+                <a:gd name="T17" fmla="*/ 148 h 344"/>
+                <a:gd name="T18" fmla="*/ 0 w 184"/>
+                <a:gd name="T19" fmla="*/ 81 h 344"/>
+                <a:gd name="T20" fmla="*/ 31 w 184"/>
+                <a:gd name="T21" fmla="*/ 81 h 344"/>
+                <a:gd name="T22" fmla="*/ 31 w 184"/>
+                <a:gd name="T23" fmla="*/ 15 h 344"/>
+                <a:gd name="T24" fmla="*/ 119 w 184"/>
+                <a:gd name="T25" fmla="*/ 0 h 344"/>
+                <a:gd name="T26" fmla="*/ 119 w 184"/>
+                <a:gd name="T27" fmla="*/ 81 h 344"/>
+                <a:gd name="T28" fmla="*/ 174 w 184"/>
+                <a:gd name="T29" fmla="*/ 81 h 344"/>
+                <a:gd name="T30" fmla="*/ 174 w 184"/>
+                <a:gd name="T31" fmla="*/ 148 h 344"/>
+                <a:gd name="T32" fmla="*/ 119 w 184"/>
+                <a:gd name="T33" fmla="*/ 148 h 344"/>
+                <a:gd name="T34" fmla="*/ 119 w 184"/>
+                <a:gd name="T35" fmla="*/ 249 h 344"/>
+                <a:gd name="T36" fmla="*/ 142 w 184"/>
+                <a:gd name="T37" fmla="*/ 274 h 344"/>
+              </a:gdLst>
+              <a:ahLst/>
+              <a:cxnLst>
+                <a:cxn ang="0">
+                  <a:pos x="T0" y="T1"/>
+                </a:cxn>
+                <a:cxn ang="0">
+                  <a:pos x="T2" y="T3"/>
+                </a:cxn>
+                <a:cxn ang="0">
+                  <a:pos x="T4" y="T5"/>
+                </a:cxn>
+                <a:cxn ang="0">
+                  <a:pos x="T6" y="T7"/>
+                </a:cxn>
+                <a:cxn ang="0">
+                  <a:pos x="T8" y="T9"/>
+                </a:cxn>
+                <a:cxn ang="0">
+                  <a:pos x="T10" y="T11"/>
+                </a:cxn>
+                <a:cxn ang="0">
+                  <a:pos x="T12" y="T13"/>
+                </a:cxn>
+                <a:cxn ang="0">
+                  <a:pos x="T14" y="T15"/>
+                </a:cxn>
+                <a:cxn ang="0">
+                  <a:pos x="T16" y="T17"/>
+                </a:cxn>
+                <a:cxn ang="0">
+                  <a:pos x="T18" y="T19"/>
+                </a:cxn>
+                <a:cxn ang="0">
+                  <a:pos x="T20" y="T21"/>
+                </a:cxn>
+                <a:cxn ang="0">
+                  <a:pos x="T22" y="T23"/>
+                </a:cxn>
+                <a:cxn ang="0">
+                  <a:pos x="T24" y="T25"/>
+                </a:cxn>
+                <a:cxn ang="0">
+                  <a:pos x="T26" y="T27"/>
+                </a:cxn>
+                <a:cxn ang="0">
+                  <a:pos x="T28" y="T29"/>
+                </a:cxn>
+                <a:cxn ang="0">
+                  <a:pos x="T30" y="T31"/>
+                </a:cxn>
+                <a:cxn ang="0">
+                  <a:pos x="T32" y="T33"/>
+                </a:cxn>
+                <a:cxn ang="0">
+                  <a:pos x="T34" y="T35"/>
+                </a:cxn>
+                <a:cxn ang="0">
+                  <a:pos x="T36" y="T37"/>
+                </a:cxn>
+              </a:cxnLst>
+              <a:rect l="0" t="0" r="r" b="b"/>
+              <a:pathLst>
+                <a:path w="184" h="344">
+                  <a:moveTo>
+                    <a:pt x="142" y="274"/>
+                  </a:moveTo>
+                  <a:cubicBezTo>
+                    <a:pt x="154" y="274"/>
+                    <a:pt x="168" y="271"/>
+                    <a:pt x="184" y="265"/>
+                  </a:cubicBezTo>
+                  <a:cubicBezTo>
+                    <a:pt x="184" y="330"/>
+                    <a:pt x="184" y="330"/>
+                    <a:pt x="184" y="330"/>
+                  </a:cubicBezTo>
+                  <a:cubicBezTo>
+                    <a:pt x="173" y="335"/>
+                    <a:pt x="161" y="339"/>
+                    <a:pt x="151" y="341"/>
+                  </a:cubicBezTo>
+                  <a:cubicBezTo>
+                    <a:pt x="140" y="343"/>
+                    <a:pt x="128" y="344"/>
+                    <a:pt x="114" y="344"/>
+                  </a:cubicBezTo>
+                  <a:cubicBezTo>
+                    <a:pt x="84" y="344"/>
+                    <a:pt x="63" y="337"/>
+                    <a:pt x="50" y="322"/>
+                  </a:cubicBezTo>
+                  <a:cubicBezTo>
+                    <a:pt x="37" y="308"/>
+                    <a:pt x="31" y="285"/>
+                    <a:pt x="31" y="255"/>
+                  </a:cubicBezTo>
+                  <a:cubicBezTo>
+                    <a:pt x="31" y="148"/>
+                    <a:pt x="31" y="148"/>
+                    <a:pt x="31" y="148"/>
+                  </a:cubicBezTo>
+                  <a:cubicBezTo>
+                    <a:pt x="0" y="148"/>
+                    <a:pt x="0" y="148"/>
+                    <a:pt x="0" y="148"/>
+                  </a:cubicBezTo>
+                  <a:cubicBezTo>
+                    <a:pt x="0" y="81"/>
+                    <a:pt x="0" y="81"/>
+                    <a:pt x="0" y="81"/>
+                  </a:cubicBezTo>
+                  <a:cubicBezTo>
+                    <a:pt x="31" y="81"/>
+                    <a:pt x="31" y="81"/>
+                    <a:pt x="31" y="81"/>
+                  </a:cubicBezTo>
+                  <a:cubicBezTo>
+                    <a:pt x="31" y="15"/>
+                    <a:pt x="31" y="15"/>
+                    <a:pt x="31" y="15"/>
+                  </a:cubicBezTo>
+                  <a:cubicBezTo>
+                    <a:pt x="119" y="0"/>
+                    <a:pt x="119" y="0"/>
+                    <a:pt x="119" y="0"/>
+                  </a:cubicBezTo>
+                  <a:cubicBezTo>
+                    <a:pt x="119" y="81"/>
+                    <a:pt x="119" y="81"/>
+                    <a:pt x="119" y="81"/>
+                  </a:cubicBezTo>
+                  <a:cubicBezTo>
+                    <a:pt x="174" y="81"/>
+                    <a:pt x="174" y="81"/>
+                    <a:pt x="174" y="81"/>
+                  </a:cubicBezTo>
+                  <a:cubicBezTo>
+                    <a:pt x="174" y="148"/>
+                    <a:pt x="174" y="148"/>
+                    <a:pt x="174" y="148"/>
+                  </a:cubicBezTo>
+                  <a:cubicBezTo>
+                    <a:pt x="119" y="148"/>
+                    <a:pt x="119" y="148"/>
+                    <a:pt x="119" y="148"/>
+                  </a:cubicBezTo>
+                  <a:cubicBezTo>
+                    <a:pt x="119" y="249"/>
+                    <a:pt x="119" y="249"/>
+                    <a:pt x="119" y="249"/>
+                  </a:cubicBezTo>
+                  <a:cubicBezTo>
+                    <a:pt x="119" y="266"/>
+                    <a:pt x="127" y="274"/>
+                    <a:pt x="142" y="274"/>
+                  </a:cubicBezTo>
+                </a:path>
+              </a:pathLst>
+            </a:custGeom>
+            <a:solidFill>
+              <a:schemeClr val="bg1"/>
+            </a:solidFill>
+            <a:ln>
+              <a:noFill/>
+            </a:ln>
+            <a:extLst>
+              <a:ext uri="{91240B29-F687-4F45-9708-019B960494DF}">
+                <a14:hiddenLine xmlns:a14="http://schemas.microsoft.com/office/drawing/2010/main" w="9525">
+                  <a:solidFill>
+                    <a:srgbClr val="000000"/>
+                  </a:solidFill>
+                  <a:round/>
+                  <a:headEnd/>
+                  <a:tailEnd/>
+                </a14:hiddenLine>
+              </a:ext>
+            </a:extLst>
+          </p:spPr>
+          <p:txBody>
+            <a:bodyPr vert="horz" wrap="square" lIns="91440" tIns="45720" rIns="91440" bIns="45720" numCol="1" anchor="t" anchorCtr="0" compatLnSpc="1">
+              <a:prstTxWarp prst="textNoShape">
+                <a:avLst/>
+              </a:prstTxWarp>
+            </a:bodyPr>
+            <a:lstStyle/>
+            <a:p>
+              <a:endParaRPr lang="en-GB" sz="2600" dirty="0">
+                <a:solidFill>
+                  <a:schemeClr val="bg1"/>
+                </a:solidFill>
+              </a:endParaRPr>
+            </a:p>
+          </p:txBody>
+        </p:sp>
+        <p:sp>
+          <p:nvSpPr>
+            <p:cNvPr id="31" name="Freeform 13"/>
+            <p:cNvSpPr>
+              <a:spLocks noEditPoints="1"/>
+            </p:cNvSpPr>
+            <p:nvPr userDrawn="1"/>
+          </p:nvSpPr>
+          <p:spPr bwMode="auto">
+            <a:xfrm>
+              <a:off x="1709738" y="479426"/>
+              <a:ext cx="211137" cy="231775"/>
+            </a:xfrm>
+            <a:custGeom>
+              <a:avLst/>
+              <a:gdLst>
+                <a:gd name="T0" fmla="*/ 213 w 244"/>
+                <a:gd name="T1" fmla="*/ 30 h 267"/>
+                <a:gd name="T2" fmla="*/ 125 w 244"/>
+                <a:gd name="T3" fmla="*/ 0 h 267"/>
+                <a:gd name="T4" fmla="*/ 33 w 244"/>
+                <a:gd name="T5" fmla="*/ 35 h 267"/>
+                <a:gd name="T6" fmla="*/ 0 w 244"/>
+                <a:gd name="T7" fmla="*/ 135 h 267"/>
+                <a:gd name="T8" fmla="*/ 35 w 244"/>
+                <a:gd name="T9" fmla="*/ 233 h 267"/>
+                <a:gd name="T10" fmla="*/ 133 w 244"/>
+                <a:gd name="T11" fmla="*/ 267 h 267"/>
+                <a:gd name="T12" fmla="*/ 185 w 244"/>
+                <a:gd name="T13" fmla="*/ 263 h 267"/>
+                <a:gd name="T14" fmla="*/ 227 w 244"/>
+                <a:gd name="T15" fmla="*/ 249 h 267"/>
+                <a:gd name="T16" fmla="*/ 214 w 244"/>
+                <a:gd name="T17" fmla="*/ 190 h 267"/>
+                <a:gd name="T18" fmla="*/ 186 w 244"/>
+                <a:gd name="T19" fmla="*/ 200 h 267"/>
+                <a:gd name="T20" fmla="*/ 144 w 244"/>
+                <a:gd name="T21" fmla="*/ 204 h 267"/>
+                <a:gd name="T22" fmla="*/ 104 w 244"/>
+                <a:gd name="T23" fmla="*/ 192 h 267"/>
+                <a:gd name="T24" fmla="*/ 88 w 244"/>
+                <a:gd name="T25" fmla="*/ 158 h 267"/>
+                <a:gd name="T26" fmla="*/ 244 w 244"/>
+                <a:gd name="T27" fmla="*/ 158 h 267"/>
+                <a:gd name="T28" fmla="*/ 244 w 244"/>
+                <a:gd name="T29" fmla="*/ 118 h 267"/>
+                <a:gd name="T30" fmla="*/ 213 w 244"/>
+                <a:gd name="T31" fmla="*/ 30 h 267"/>
+                <a:gd name="T32" fmla="*/ 90 w 244"/>
+                <a:gd name="T33" fmla="*/ 102 h 267"/>
+                <a:gd name="T34" fmla="*/ 102 w 244"/>
+                <a:gd name="T35" fmla="*/ 70 h 267"/>
+                <a:gd name="T36" fmla="*/ 128 w 244"/>
+                <a:gd name="T37" fmla="*/ 61 h 267"/>
+                <a:gd name="T38" fmla="*/ 155 w 244"/>
+                <a:gd name="T39" fmla="*/ 72 h 267"/>
+                <a:gd name="T40" fmla="*/ 165 w 244"/>
+                <a:gd name="T41" fmla="*/ 102 h 267"/>
+                <a:gd name="T42" fmla="*/ 90 w 244"/>
+                <a:gd name="T43" fmla="*/ 102 h 267"/>
+              </a:gdLst>
+              <a:ahLst/>
+              <a:cxnLst>
+                <a:cxn ang="0">
+                  <a:pos x="T0" y="T1"/>
+                </a:cxn>
+                <a:cxn ang="0">
+                  <a:pos x="T2" y="T3"/>
+                </a:cxn>
+                <a:cxn ang="0">
+                  <a:pos x="T4" y="T5"/>
+                </a:cxn>
+                <a:cxn ang="0">
+                  <a:pos x="T6" y="T7"/>
+                </a:cxn>
+                <a:cxn ang="0">
+                  <a:pos x="T8" y="T9"/>
+                </a:cxn>
+                <a:cxn ang="0">
+                  <a:pos x="T10" y="T11"/>
+                </a:cxn>
+                <a:cxn ang="0">
+                  <a:pos x="T12" y="T13"/>
+                </a:cxn>
+                <a:cxn ang="0">
+                  <a:pos x="T14" y="T15"/>
+                </a:cxn>
+                <a:cxn ang="0">
+                  <a:pos x="T16" y="T17"/>
+                </a:cxn>
+                <a:cxn ang="0">
+                  <a:pos x="T18" y="T19"/>
+                </a:cxn>
+                <a:cxn ang="0">
+                  <a:pos x="T20" y="T21"/>
+                </a:cxn>
+                <a:cxn ang="0">
+                  <a:pos x="T22" y="T23"/>
+                </a:cxn>
+                <a:cxn ang="0">
+                  <a:pos x="T24" y="T25"/>
+                </a:cxn>
+                <a:cxn ang="0">
+                  <a:pos x="T26" y="T27"/>
+                </a:cxn>
+                <a:cxn ang="0">
+                  <a:pos x="T28" y="T29"/>
+                </a:cxn>
+                <a:cxn ang="0">
+                  <a:pos x="T30" y="T31"/>
+                </a:cxn>
+                <a:cxn ang="0">
+                  <a:pos x="T32" y="T33"/>
+                </a:cxn>
+                <a:cxn ang="0">
+                  <a:pos x="T34" y="T35"/>
+                </a:cxn>
+                <a:cxn ang="0">
+                  <a:pos x="T36" y="T37"/>
+                </a:cxn>
+                <a:cxn ang="0">
+                  <a:pos x="T38" y="T39"/>
+                </a:cxn>
+                <a:cxn ang="0">
+                  <a:pos x="T40" y="T41"/>
+                </a:cxn>
+                <a:cxn ang="0">
+                  <a:pos x="T42" y="T43"/>
+                </a:cxn>
+              </a:cxnLst>
+              <a:rect l="0" t="0" r="r" b="b"/>
+              <a:pathLst>
+                <a:path w="244" h="267">
+                  <a:moveTo>
+                    <a:pt x="213" y="30"/>
+                  </a:moveTo>
+                  <a:cubicBezTo>
+                    <a:pt x="192" y="10"/>
+                    <a:pt x="163" y="0"/>
+                    <a:pt x="125" y="0"/>
+                  </a:cubicBezTo>
+                  <a:cubicBezTo>
+                    <a:pt x="85" y="0"/>
+                    <a:pt x="54" y="12"/>
+                    <a:pt x="33" y="35"/>
+                  </a:cubicBezTo>
+                  <a:cubicBezTo>
+                    <a:pt x="11" y="58"/>
+                    <a:pt x="0" y="92"/>
+                    <a:pt x="0" y="135"/>
+                  </a:cubicBezTo>
+                  <a:cubicBezTo>
+                    <a:pt x="0" y="178"/>
+                    <a:pt x="12" y="210"/>
+                    <a:pt x="35" y="233"/>
+                  </a:cubicBezTo>
+                  <a:cubicBezTo>
+                    <a:pt x="59" y="256"/>
+                    <a:pt x="91" y="267"/>
+                    <a:pt x="133" y="267"/>
+                  </a:cubicBezTo>
+                  <a:cubicBezTo>
+                    <a:pt x="153" y="267"/>
+                    <a:pt x="171" y="266"/>
+                    <a:pt x="185" y="263"/>
+                  </a:cubicBezTo>
+                  <a:cubicBezTo>
+                    <a:pt x="200" y="261"/>
+                    <a:pt x="214" y="256"/>
+                    <a:pt x="227" y="249"/>
+                  </a:cubicBezTo>
+                  <a:cubicBezTo>
+                    <a:pt x="214" y="190"/>
+                    <a:pt x="214" y="190"/>
+                    <a:pt x="214" y="190"/>
+                  </a:cubicBezTo>
+                  <a:cubicBezTo>
+                    <a:pt x="204" y="194"/>
+                    <a:pt x="195" y="197"/>
+                    <a:pt x="186" y="200"/>
+                  </a:cubicBezTo>
+                  <a:cubicBezTo>
+                    <a:pt x="173" y="202"/>
+                    <a:pt x="159" y="204"/>
+                    <a:pt x="144" y="204"/>
+                  </a:cubicBezTo>
+                  <a:cubicBezTo>
+                    <a:pt x="127" y="204"/>
+                    <a:pt x="114" y="200"/>
+                    <a:pt x="104" y="192"/>
+                  </a:cubicBezTo>
+                  <a:cubicBezTo>
+                    <a:pt x="94" y="183"/>
+                    <a:pt x="89" y="172"/>
+                    <a:pt x="88" y="158"/>
+                  </a:cubicBezTo>
+                  <a:cubicBezTo>
+                    <a:pt x="244" y="158"/>
+                    <a:pt x="244" y="158"/>
+                    <a:pt x="244" y="158"/>
+                  </a:cubicBezTo>
+                  <a:cubicBezTo>
+                    <a:pt x="244" y="118"/>
+                    <a:pt x="244" y="118"/>
+                    <a:pt x="244" y="118"/>
+                  </a:cubicBezTo>
+                  <a:cubicBezTo>
+                    <a:pt x="244" y="80"/>
+                    <a:pt x="234" y="51"/>
+                    <a:pt x="213" y="30"/>
+                  </a:cubicBezTo>
+                  <a:moveTo>
+                    <a:pt x="90" y="102"/>
+                  </a:moveTo>
+                  <a:cubicBezTo>
+                    <a:pt x="91" y="87"/>
+                    <a:pt x="95" y="77"/>
+                    <a:pt x="102" y="70"/>
+                  </a:cubicBezTo>
+                  <a:cubicBezTo>
+                    <a:pt x="109" y="64"/>
+                    <a:pt x="118" y="61"/>
+                    <a:pt x="128" y="61"/>
+                  </a:cubicBezTo>
+                  <a:cubicBezTo>
+                    <a:pt x="139" y="61"/>
+                    <a:pt x="148" y="64"/>
+                    <a:pt x="155" y="72"/>
+                  </a:cubicBezTo>
+                  <a:cubicBezTo>
+                    <a:pt x="161" y="79"/>
+                    <a:pt x="165" y="89"/>
+                    <a:pt x="165" y="102"/>
+                  </a:cubicBezTo>
+                  <a:lnTo>
+                    <a:pt x="90" y="102"/>
+                  </a:lnTo>
+                  <a:close/>
+                </a:path>
+              </a:pathLst>
+            </a:custGeom>
+            <a:solidFill>
+              <a:schemeClr val="bg1"/>
+            </a:solidFill>
+            <a:ln>
+              <a:noFill/>
+            </a:ln>
+            <a:extLst>
+              <a:ext uri="{91240B29-F687-4F45-9708-019B960494DF}">
+                <a14:hiddenLine xmlns:a14="http://schemas.microsoft.com/office/drawing/2010/main" w="9525">
+                  <a:solidFill>
+                    <a:srgbClr val="000000"/>
+                  </a:solidFill>
+                  <a:round/>
+                  <a:headEnd/>
+                  <a:tailEnd/>
+                </a14:hiddenLine>
+              </a:ext>
+            </a:extLst>
+          </p:spPr>
+          <p:txBody>
+            <a:bodyPr vert="horz" wrap="square" lIns="91440" tIns="45720" rIns="91440" bIns="45720" numCol="1" anchor="t" anchorCtr="0" compatLnSpc="1">
+              <a:prstTxWarp prst="textNoShape">
+                <a:avLst/>
+              </a:prstTxWarp>
+            </a:bodyPr>
+            <a:lstStyle/>
+            <a:p>
+              <a:endParaRPr lang="en-GB" sz="2600" dirty="0">
+                <a:solidFill>
+                  <a:schemeClr val="bg1"/>
+                </a:solidFill>
+              </a:endParaRPr>
+            </a:p>
+          </p:txBody>
+        </p:sp>
+        <p:sp>
+          <p:nvSpPr>
+            <p:cNvPr id="32" name="Freeform 14"/>
+            <p:cNvSpPr>
+              <a:spLocks noEditPoints="1"/>
+            </p:cNvSpPr>
+            <p:nvPr userDrawn="1"/>
+          </p:nvSpPr>
+          <p:spPr bwMode="auto">
+            <a:xfrm>
+              <a:off x="668338" y="479426"/>
+              <a:ext cx="209550" cy="231775"/>
+            </a:xfrm>
+            <a:custGeom>
+              <a:avLst/>
+              <a:gdLst>
+                <a:gd name="T0" fmla="*/ 212 w 243"/>
+                <a:gd name="T1" fmla="*/ 30 h 267"/>
+                <a:gd name="T2" fmla="*/ 124 w 243"/>
+                <a:gd name="T3" fmla="*/ 0 h 267"/>
+                <a:gd name="T4" fmla="*/ 32 w 243"/>
+                <a:gd name="T5" fmla="*/ 35 h 267"/>
+                <a:gd name="T6" fmla="*/ 0 w 243"/>
+                <a:gd name="T7" fmla="*/ 135 h 267"/>
+                <a:gd name="T8" fmla="*/ 35 w 243"/>
+                <a:gd name="T9" fmla="*/ 233 h 267"/>
+                <a:gd name="T10" fmla="*/ 132 w 243"/>
+                <a:gd name="T11" fmla="*/ 267 h 267"/>
+                <a:gd name="T12" fmla="*/ 184 w 243"/>
+                <a:gd name="T13" fmla="*/ 263 h 267"/>
+                <a:gd name="T14" fmla="*/ 227 w 243"/>
+                <a:gd name="T15" fmla="*/ 249 h 267"/>
+                <a:gd name="T16" fmla="*/ 213 w 243"/>
+                <a:gd name="T17" fmla="*/ 190 h 267"/>
+                <a:gd name="T18" fmla="*/ 185 w 243"/>
+                <a:gd name="T19" fmla="*/ 200 h 267"/>
+                <a:gd name="T20" fmla="*/ 143 w 243"/>
+                <a:gd name="T21" fmla="*/ 204 h 267"/>
+                <a:gd name="T22" fmla="*/ 103 w 243"/>
+                <a:gd name="T23" fmla="*/ 192 h 267"/>
+                <a:gd name="T24" fmla="*/ 88 w 243"/>
+                <a:gd name="T25" fmla="*/ 158 h 267"/>
+                <a:gd name="T26" fmla="*/ 243 w 243"/>
+                <a:gd name="T27" fmla="*/ 158 h 267"/>
+                <a:gd name="T28" fmla="*/ 243 w 243"/>
+                <a:gd name="T29" fmla="*/ 118 h 267"/>
+                <a:gd name="T30" fmla="*/ 212 w 243"/>
+                <a:gd name="T31" fmla="*/ 30 h 267"/>
+                <a:gd name="T32" fmla="*/ 89 w 243"/>
+                <a:gd name="T33" fmla="*/ 102 h 267"/>
+                <a:gd name="T34" fmla="*/ 102 w 243"/>
+                <a:gd name="T35" fmla="*/ 70 h 267"/>
+                <a:gd name="T36" fmla="*/ 127 w 243"/>
+                <a:gd name="T37" fmla="*/ 61 h 267"/>
+                <a:gd name="T38" fmla="*/ 154 w 243"/>
+                <a:gd name="T39" fmla="*/ 72 h 267"/>
+                <a:gd name="T40" fmla="*/ 164 w 243"/>
+                <a:gd name="T41" fmla="*/ 102 h 267"/>
+                <a:gd name="T42" fmla="*/ 89 w 243"/>
+                <a:gd name="T43" fmla="*/ 102 h 267"/>
+              </a:gdLst>
+              <a:ahLst/>
+              <a:cxnLst>
+                <a:cxn ang="0">
+                  <a:pos x="T0" y="T1"/>
+                </a:cxn>
+                <a:cxn ang="0">
+                  <a:pos x="T2" y="T3"/>
+                </a:cxn>
+                <a:cxn ang="0">
+                  <a:pos x="T4" y="T5"/>
+                </a:cxn>
+                <a:cxn ang="0">
+                  <a:pos x="T6" y="T7"/>
+                </a:cxn>
+                <a:cxn ang="0">
+                  <a:pos x="T8" y="T9"/>
+                </a:cxn>
+                <a:cxn ang="0">
+                  <a:pos x="T10" y="T11"/>
+                </a:cxn>
+                <a:cxn ang="0">
+                  <a:pos x="T12" y="T13"/>
+                </a:cxn>
+                <a:cxn ang="0">
+                  <a:pos x="T14" y="T15"/>
+                </a:cxn>
+                <a:cxn ang="0">
+                  <a:pos x="T16" y="T17"/>
+                </a:cxn>
+                <a:cxn ang="0">
+                  <a:pos x="T18" y="T19"/>
+                </a:cxn>
+                <a:cxn ang="0">
+                  <a:pos x="T20" y="T21"/>
+                </a:cxn>
+                <a:cxn ang="0">
+                  <a:pos x="T22" y="T23"/>
+                </a:cxn>
+                <a:cxn ang="0">
+                  <a:pos x="T24" y="T25"/>
+                </a:cxn>
+                <a:cxn ang="0">
+                  <a:pos x="T26" y="T27"/>
+                </a:cxn>
+                <a:cxn ang="0">
+                  <a:pos x="T28" y="T29"/>
+                </a:cxn>
+                <a:cxn ang="0">
+                  <a:pos x="T30" y="T31"/>
+                </a:cxn>
+                <a:cxn ang="0">
+                  <a:pos x="T32" y="T33"/>
+                </a:cxn>
+                <a:cxn ang="0">
+                  <a:pos x="T34" y="T35"/>
+                </a:cxn>
+                <a:cxn ang="0">
+                  <a:pos x="T36" y="T37"/>
+                </a:cxn>
+                <a:cxn ang="0">
+                  <a:pos x="T38" y="T39"/>
+                </a:cxn>
+                <a:cxn ang="0">
+                  <a:pos x="T40" y="T41"/>
+                </a:cxn>
+                <a:cxn ang="0">
+                  <a:pos x="T42" y="T43"/>
+                </a:cxn>
+              </a:cxnLst>
+              <a:rect l="0" t="0" r="r" b="b"/>
+              <a:pathLst>
+                <a:path w="243" h="267">
+                  <a:moveTo>
+                    <a:pt x="212" y="30"/>
+                  </a:moveTo>
+                  <a:cubicBezTo>
+                    <a:pt x="191" y="10"/>
+                    <a:pt x="162" y="0"/>
+                    <a:pt x="124" y="0"/>
+                  </a:cubicBezTo>
+                  <a:cubicBezTo>
+                    <a:pt x="84" y="0"/>
+                    <a:pt x="53" y="12"/>
+                    <a:pt x="32" y="35"/>
+                  </a:cubicBezTo>
+                  <a:cubicBezTo>
+                    <a:pt x="10" y="58"/>
+                    <a:pt x="0" y="92"/>
+                    <a:pt x="0" y="135"/>
+                  </a:cubicBezTo>
+                  <a:cubicBezTo>
+                    <a:pt x="0" y="178"/>
+                    <a:pt x="11" y="210"/>
+                    <a:pt x="35" y="233"/>
+                  </a:cubicBezTo>
+                  <a:cubicBezTo>
+                    <a:pt x="58" y="256"/>
+                    <a:pt x="90" y="267"/>
+                    <a:pt x="132" y="267"/>
+                  </a:cubicBezTo>
+                  <a:cubicBezTo>
+                    <a:pt x="153" y="267"/>
+                    <a:pt x="170" y="266"/>
+                    <a:pt x="184" y="263"/>
+                  </a:cubicBezTo>
+                  <a:cubicBezTo>
+                    <a:pt x="199" y="261"/>
+                    <a:pt x="213" y="256"/>
+                    <a:pt x="227" y="249"/>
+                  </a:cubicBezTo>
+                  <a:cubicBezTo>
+                    <a:pt x="213" y="190"/>
+                    <a:pt x="213" y="190"/>
+                    <a:pt x="213" y="190"/>
+                  </a:cubicBezTo>
+                  <a:cubicBezTo>
+                    <a:pt x="203" y="194"/>
+                    <a:pt x="194" y="197"/>
+                    <a:pt x="185" y="200"/>
+                  </a:cubicBezTo>
+                  <a:cubicBezTo>
+                    <a:pt x="172" y="202"/>
+                    <a:pt x="158" y="204"/>
+                    <a:pt x="143" y="204"/>
+                  </a:cubicBezTo>
+                  <a:cubicBezTo>
+                    <a:pt x="126" y="204"/>
+                    <a:pt x="113" y="200"/>
+                    <a:pt x="103" y="192"/>
+                  </a:cubicBezTo>
+                  <a:cubicBezTo>
+                    <a:pt x="93" y="183"/>
+                    <a:pt x="88" y="172"/>
+                    <a:pt x="88" y="158"/>
+                  </a:cubicBezTo>
+                  <a:cubicBezTo>
+                    <a:pt x="243" y="158"/>
+                    <a:pt x="243" y="158"/>
+                    <a:pt x="243" y="158"/>
+                  </a:cubicBezTo>
+                  <a:cubicBezTo>
+                    <a:pt x="243" y="118"/>
+                    <a:pt x="243" y="118"/>
+                    <a:pt x="243" y="118"/>
+                  </a:cubicBezTo>
+                  <a:cubicBezTo>
+                    <a:pt x="243" y="80"/>
+                    <a:pt x="233" y="51"/>
+                    <a:pt x="212" y="30"/>
+                  </a:cubicBezTo>
+                  <a:moveTo>
+                    <a:pt x="89" y="102"/>
+                  </a:moveTo>
+                  <a:cubicBezTo>
+                    <a:pt x="91" y="87"/>
+                    <a:pt x="95" y="77"/>
+                    <a:pt x="102" y="70"/>
+                  </a:cubicBezTo>
+                  <a:cubicBezTo>
+                    <a:pt x="108" y="64"/>
+                    <a:pt x="117" y="61"/>
+                    <a:pt x="127" y="61"/>
+                  </a:cubicBezTo>
+                  <a:cubicBezTo>
+                    <a:pt x="138" y="61"/>
+                    <a:pt x="147" y="64"/>
+                    <a:pt x="154" y="72"/>
+                  </a:cubicBezTo>
+                  <a:cubicBezTo>
+                    <a:pt x="160" y="79"/>
+                    <a:pt x="164" y="89"/>
+                    <a:pt x="164" y="102"/>
+                  </a:cubicBezTo>
+                  <a:lnTo>
+                    <a:pt x="89" y="102"/>
+                  </a:lnTo>
+                  <a:close/>
+                </a:path>
+              </a:pathLst>
+            </a:custGeom>
+            <a:solidFill>
+              <a:schemeClr val="bg1"/>
+            </a:solidFill>
+            <a:ln>
+              <a:noFill/>
+            </a:ln>
+            <a:extLst>
+              <a:ext uri="{91240B29-F687-4F45-9708-019B960494DF}">
+                <a14:hiddenLine xmlns:a14="http://schemas.microsoft.com/office/drawing/2010/main" w="9525">
+                  <a:solidFill>
+                    <a:srgbClr val="000000"/>
+                  </a:solidFill>
+                  <a:round/>
+                  <a:headEnd/>
+                  <a:tailEnd/>
+                </a14:hiddenLine>
+              </a:ext>
+            </a:extLst>
+          </p:spPr>
+          <p:txBody>
+            <a:bodyPr vert="horz" wrap="square" lIns="91440" tIns="45720" rIns="91440" bIns="45720" numCol="1" anchor="t" anchorCtr="0" compatLnSpc="1">
+              <a:prstTxWarp prst="textNoShape">
+                <a:avLst/>
+              </a:prstTxWarp>
+            </a:bodyPr>
+            <a:lstStyle/>
+            <a:p>
+              <a:endParaRPr lang="en-GB" sz="2600" dirty="0">
+                <a:solidFill>
+                  <a:schemeClr val="bg1"/>
+                </a:solidFill>
+              </a:endParaRPr>
+            </a:p>
+          </p:txBody>
+        </p:sp>
+      </p:grpSp>
+      <p:sp>
+        <p:nvSpPr>
+          <p:cNvPr id="33" name="Picture Placeholder 8"/>
+          <p:cNvSpPr>
+            <a:spLocks noGrp="1"/>
+          </p:cNvSpPr>
+          <p:nvPr>
+            <p:ph type="pic" sz="quarter" idx="11"/>
+          </p:nvPr>
+        </p:nvSpPr>
+        <p:spPr>
+          <a:xfrm>
+            <a:off x="3393716" y="727595"/>
+            <a:ext cx="5400000" cy="5400000"/>
+          </a:xfrm>
+          <a:prstGeom prst="rect">
+            <a:avLst/>
+          </a:prstGeom>
+        </p:spPr>
+        <p:txBody>
+          <a:bodyPr/>
+          <a:lstStyle/>
+          <a:p>
+            <a:r>
+              <a:rPr lang="en-US" noProof="0" dirty="0"/>
+              <a:t>Click icon to add picture</a:t>
+            </a:r>
+          </a:p>
+        </p:txBody>
+      </p:sp>
+    </p:spTree>
+    <p:extLst>
+      <p:ext uri="{BB962C8B-B14F-4D97-AF65-F5344CB8AC3E}">
+        <p14:creationId xmlns:p14="http://schemas.microsoft.com/office/powerpoint/2010/main" val="2825122239"/>
+      </p:ext>
+    </p:extLst>
+  </p:cSld>
+  <p:clrMapOvr>
+    <a:overrideClrMapping bg1="lt1" tx1="dk1" bg2="lt2" tx2="dk2" accent1="accent1" accent2="accent2" accent3="accent3" accent4="accent4" accent5="accent5" accent6="accent6" hlink="hlink" folHlink="folHlink"/>
+  </p:clrMapOvr>
+  <p:extLst>
+    <p:ext uri="{DCECCB84-F9BA-43D5-87BE-67443E8EF086}">
+      <p15:sldGuideLst xmlns:p15="http://schemas.microsoft.com/office/powerpoint/2012/main">
+        <p15:guide id="1" orient="horz" pos="4088">
+          <p15:clr>
+            <a:srgbClr val="FBAE40"/>
+          </p15:clr>
+        </p15:guide>
+      </p15:sldGuideLst>
+    </p:ext>
+  </p:extLst>
+</p:sldLayout>
+</file>
+
+<file path=ppt/slideLayouts/slideLayout9.xml><?xml version="1.0" encoding="utf-8"?>
 <p:sldLayout xmlns:a="http://schemas.openxmlformats.org/drawingml/2006/main" xmlns:r="http://schemas.openxmlformats.org/officeDocument/2006/relationships" xmlns:p="http://schemas.openxmlformats.org/presentationml/2006/main" userDrawn="1">
   <p:cSld name="1 Column">
     <p:spTree>
@@ -5931,228 +8091,6 @@
 </p:sldLayout>
 </file>
 
-<file path=ppt/slideLayouts/slideLayout9.xml><?xml version="1.0" encoding="utf-8"?>
-<p:sldLayout xmlns:a="http://schemas.openxmlformats.org/drawingml/2006/main" xmlns:r="http://schemas.openxmlformats.org/officeDocument/2006/relationships" xmlns:p="http://schemas.openxmlformats.org/presentationml/2006/main" type="title">
-  <p:cSld name="Title Slide">
-    <p:spTree>
-      <p:nvGrpSpPr>
-        <p:cNvPr id="1" name=""/>
-        <p:cNvGrpSpPr/>
-        <p:nvPr/>
-      </p:nvGrpSpPr>
-      <p:grpSpPr>
-        <a:xfrm>
-          <a:off x="0" y="0"/>
-          <a:ext cx="0" cy="0"/>
-          <a:chOff x="0" y="0"/>
-          <a:chExt cx="0" cy="0"/>
-        </a:xfrm>
-      </p:grpSpPr>
-      <p:sp>
-        <p:nvSpPr>
-          <p:cNvPr id="2" name="Title 1">
-            <a:extLst>
-              <a:ext uri="{FF2B5EF4-FFF2-40B4-BE49-F238E27FC236}">
-                <a16:creationId xmlns:a16="http://schemas.microsoft.com/office/drawing/2014/main" id="{9E7072FB-D510-44C5-A1A8-321A02A17B48}"/>
-              </a:ext>
-            </a:extLst>
-          </p:cNvPr>
-          <p:cNvSpPr>
-            <a:spLocks noGrp="1"/>
-          </p:cNvSpPr>
-          <p:nvPr>
-            <p:ph type="ctrTitle"/>
-          </p:nvPr>
-        </p:nvSpPr>
-        <p:spPr>
-          <a:xfrm>
-            <a:off x="1524000" y="1122363"/>
-            <a:ext cx="9144000" cy="2387600"/>
-          </a:xfrm>
-        </p:spPr>
-        <p:txBody>
-          <a:bodyPr anchor="b"/>
-          <a:lstStyle>
-            <a:lvl1pPr algn="ctr">
-              <a:defRPr sz="6000"/>
-            </a:lvl1pPr>
-          </a:lstStyle>
-          <a:p>
-            <a:r>
-              <a:rPr lang="en-US"/>
-              <a:t>Click to edit Master title style</a:t>
-            </a:r>
-            <a:endParaRPr lang="en-IN"/>
-          </a:p>
-        </p:txBody>
-      </p:sp>
-      <p:sp>
-        <p:nvSpPr>
-          <p:cNvPr id="3" name="Subtitle 2">
-            <a:extLst>
-              <a:ext uri="{FF2B5EF4-FFF2-40B4-BE49-F238E27FC236}">
-                <a16:creationId xmlns:a16="http://schemas.microsoft.com/office/drawing/2014/main" id="{E6F9D098-3108-4FC1-B3CE-2BD293ADDB51}"/>
-              </a:ext>
-            </a:extLst>
-          </p:cNvPr>
-          <p:cNvSpPr>
-            <a:spLocks noGrp="1"/>
-          </p:cNvSpPr>
-          <p:nvPr>
-            <p:ph type="subTitle" idx="1"/>
-          </p:nvPr>
-        </p:nvSpPr>
-        <p:spPr>
-          <a:xfrm>
-            <a:off x="1524000" y="3602038"/>
-            <a:ext cx="9144000" cy="1655762"/>
-          </a:xfrm>
-        </p:spPr>
-        <p:txBody>
-          <a:bodyPr/>
-          <a:lstStyle>
-            <a:lvl1pPr marL="0" indent="0" algn="ctr">
-              <a:buNone/>
-              <a:defRPr sz="2400"/>
-            </a:lvl1pPr>
-            <a:lvl2pPr marL="457200" indent="0" algn="ctr">
-              <a:buNone/>
-              <a:defRPr sz="2000"/>
-            </a:lvl2pPr>
-            <a:lvl3pPr marL="914400" indent="0" algn="ctr">
-              <a:buNone/>
-              <a:defRPr sz="1800"/>
-            </a:lvl3pPr>
-            <a:lvl4pPr marL="1371600" indent="0" algn="ctr">
-              <a:buNone/>
-              <a:defRPr sz="1600"/>
-            </a:lvl4pPr>
-            <a:lvl5pPr marL="1828800" indent="0" algn="ctr">
-              <a:buNone/>
-              <a:defRPr sz="1600"/>
-            </a:lvl5pPr>
-            <a:lvl6pPr marL="2286000" indent="0" algn="ctr">
-              <a:buNone/>
-              <a:defRPr sz="1600"/>
-            </a:lvl6pPr>
-            <a:lvl7pPr marL="2743200" indent="0" algn="ctr">
-              <a:buNone/>
-              <a:defRPr sz="1600"/>
-            </a:lvl7pPr>
-            <a:lvl8pPr marL="3200400" indent="0" algn="ctr">
-              <a:buNone/>
-              <a:defRPr sz="1600"/>
-            </a:lvl8pPr>
-            <a:lvl9pPr marL="3657600" indent="0" algn="ctr">
-              <a:buNone/>
-              <a:defRPr sz="1600"/>
-            </a:lvl9pPr>
-          </a:lstStyle>
-          <a:p>
-            <a:r>
-              <a:rPr lang="en-US"/>
-              <a:t>Click to edit Master subtitle style</a:t>
-            </a:r>
-            <a:endParaRPr lang="en-IN"/>
-          </a:p>
-        </p:txBody>
-      </p:sp>
-      <p:sp>
-        <p:nvSpPr>
-          <p:cNvPr id="4" name="Date Placeholder 3">
-            <a:extLst>
-              <a:ext uri="{FF2B5EF4-FFF2-40B4-BE49-F238E27FC236}">
-                <a16:creationId xmlns:a16="http://schemas.microsoft.com/office/drawing/2014/main" id="{2248A6D7-9DA2-4DF7-8171-3208133E68FD}"/>
-              </a:ext>
-            </a:extLst>
-          </p:cNvPr>
-          <p:cNvSpPr>
-            <a:spLocks noGrp="1"/>
-          </p:cNvSpPr>
-          <p:nvPr>
-            <p:ph type="dt" sz="half" idx="10"/>
-          </p:nvPr>
-        </p:nvSpPr>
-        <p:spPr/>
-        <p:txBody>
-          <a:bodyPr/>
-          <a:lstStyle/>
-          <a:p>
-            <a:fld id="{E06BEE62-CD6E-4DC9-B032-ED2951F1AED1}" type="datetimeFigureOut">
-              <a:rPr lang="en-IN" smtClean="0"/>
-              <a:t>26-04-2022</a:t>
-            </a:fld>
-            <a:endParaRPr lang="en-IN"/>
-          </a:p>
-        </p:txBody>
-      </p:sp>
-      <p:sp>
-        <p:nvSpPr>
-          <p:cNvPr id="5" name="Footer Placeholder 4">
-            <a:extLst>
-              <a:ext uri="{FF2B5EF4-FFF2-40B4-BE49-F238E27FC236}">
-                <a16:creationId xmlns:a16="http://schemas.microsoft.com/office/drawing/2014/main" id="{5977F7C7-3E24-46C4-90B6-EE8F299E4D13}"/>
-              </a:ext>
-            </a:extLst>
-          </p:cNvPr>
-          <p:cNvSpPr>
-            <a:spLocks noGrp="1"/>
-          </p:cNvSpPr>
-          <p:nvPr>
-            <p:ph type="ftr" sz="quarter" idx="11"/>
-          </p:nvPr>
-        </p:nvSpPr>
-        <p:spPr/>
-        <p:txBody>
-          <a:bodyPr/>
-          <a:lstStyle/>
-          <a:p>
-            <a:endParaRPr lang="en-IN"/>
-          </a:p>
-        </p:txBody>
-      </p:sp>
-      <p:sp>
-        <p:nvSpPr>
-          <p:cNvPr id="6" name="Slide Number Placeholder 5">
-            <a:extLst>
-              <a:ext uri="{FF2B5EF4-FFF2-40B4-BE49-F238E27FC236}">
-                <a16:creationId xmlns:a16="http://schemas.microsoft.com/office/drawing/2014/main" id="{4874547B-EEC1-4D19-A7A1-EE04084D8C1A}"/>
-              </a:ext>
-            </a:extLst>
-          </p:cNvPr>
-          <p:cNvSpPr>
-            <a:spLocks noGrp="1"/>
-          </p:cNvSpPr>
-          <p:nvPr>
-            <p:ph type="sldNum" sz="quarter" idx="12"/>
-          </p:nvPr>
-        </p:nvSpPr>
-        <p:spPr/>
-        <p:txBody>
-          <a:bodyPr/>
-          <a:lstStyle/>
-          <a:p>
-            <a:fld id="{83BC6403-76C0-4D7D-826E-D15A0D0326D0}" type="slidenum">
-              <a:rPr lang="en-IN" smtClean="0"/>
-              <a:t>‹#›</a:t>
-            </a:fld>
-            <a:endParaRPr lang="en-IN"/>
-          </a:p>
-        </p:txBody>
-      </p:sp>
-    </p:spTree>
-    <p:extLst>
-      <p:ext uri="{BB962C8B-B14F-4D97-AF65-F5344CB8AC3E}">
-        <p14:creationId xmlns:p14="http://schemas.microsoft.com/office/powerpoint/2010/main" val="4196542214"/>
-      </p:ext>
-    </p:extLst>
-  </p:cSld>
-  <p:clrMapOvr>
-    <a:masterClrMapping/>
-  </p:clrMapOvr>
-</p:sldLayout>
-</file>
-
 <file path=ppt/slideMasters/slideMaster1.xml><?xml version="1.0" encoding="utf-8"?>
 <p:sldMaster xmlns:a="http://schemas.openxmlformats.org/drawingml/2006/main" xmlns:r="http://schemas.openxmlformats.org/officeDocument/2006/relationships" xmlns:p="http://schemas.openxmlformats.org/presentationml/2006/main">
   <p:cSld>
@@ -6195,7 +8133,7 @@
           <a:graphicData uri="http://schemas.openxmlformats.org/presentationml/2006/ole">
             <mc:AlternateContent xmlns:mc="http://schemas.openxmlformats.org/markup-compatibility/2006">
               <mc:Choice xmlns:v="urn:schemas-microsoft-com:vml" Requires="v">
-                <p:oleObj spid="_x0000_s68391" name="think-cell Slide" r:id="rId13" imgW="270" imgH="270" progId="TCLayout.ActiveDocument.1">
+                <p:oleObj spid="_x0000_s68462" name="think-cell Slide" r:id="rId13" imgW="270" imgH="270" progId="TCLayout.ActiveDocument.1">
                   <p:embed/>
                 </p:oleObj>
               </mc:Choice>
@@ -6332,8 +8270,8 @@
     <p:sldLayoutId id="2147484352" r:id="rId5"/>
     <p:sldLayoutId id="2147484399" r:id="rId6"/>
     <p:sldLayoutId id="2147484400" r:id="rId7"/>
-    <p:sldLayoutId id="2147484646" r:id="rId8"/>
-    <p:sldLayoutId id="2147484647" r:id="rId9"/>
+    <p:sldLayoutId id="2147484645" r:id="rId8"/>
+    <p:sldLayoutId id="2147484646" r:id="rId9"/>
   </p:sldLayoutIdLst>
   <p:transition>
     <p:fade/>
@@ -6733,14 +8671,6 @@
 <file path=ppt/slides/slide1.xml><?xml version="1.0" encoding="utf-8"?>
 <p:sld xmlns:a="http://schemas.openxmlformats.org/drawingml/2006/main" xmlns:r="http://schemas.openxmlformats.org/officeDocument/2006/relationships" xmlns:p="http://schemas.openxmlformats.org/presentationml/2006/main">
   <p:cSld>
-    <p:bg>
-      <p:bgPr>
-        <a:solidFill>
-          <a:schemeClr val="tx1"/>
-        </a:solidFill>
-        <a:effectLst/>
-      </p:bgPr>
-    </p:bg>
     <p:spTree>
       <p:nvGrpSpPr>
         <p:cNvPr id="1" name=""/>
@@ -6757,10 +8687,10 @@
       </p:grpSpPr>
       <p:sp>
         <p:nvSpPr>
-          <p:cNvPr id="4" name="Subtitle 1">
+          <p:cNvPr id="2" name="Subtitle 1">
             <a:extLst>
               <a:ext uri="{FF2B5EF4-FFF2-40B4-BE49-F238E27FC236}">
-                <a16:creationId xmlns:a16="http://schemas.microsoft.com/office/drawing/2014/main" id="{ECC82746-E561-4E17-AD25-D4A6D786F859}"/>
+                <a16:creationId xmlns:a16="http://schemas.microsoft.com/office/drawing/2014/main" id="{F71557A1-8A9B-453B-8B60-49CB0557F40A}"/>
               </a:ext>
             </a:extLst>
           </p:cNvPr>
@@ -6768,13 +8698,13 @@
             <a:spLocks noGrp="1"/>
           </p:cNvSpPr>
           <p:nvPr>
-            <p:ph type="subTitle" idx="1"/>
+            <p:ph type="body" sz="quarter" idx="10"/>
           </p:nvPr>
         </p:nvSpPr>
         <p:spPr>
           <a:xfrm>
-            <a:off x="533400" y="3460898"/>
-            <a:ext cx="6431437" cy="381000"/>
+            <a:off x="381000" y="3200401"/>
+            <a:ext cx="5410200" cy="505646"/>
           </a:xfrm>
         </p:spPr>
         <p:txBody>
@@ -6787,11 +8717,22 @@
                 <a:ea typeface="Open Sans" panose="020B0606030504020204" pitchFamily="34" charset="0"/>
                 <a:cs typeface="Open Sans" panose="020B0606030504020204" pitchFamily="34" charset="0"/>
               </a:rPr>
-              <a:t>ETL Workflow Scheduler : JobHoncho</a:t>
+              <a:t>ETL Workflow Scheduler: </a:t>
             </a:r>
-            <a:endParaRPr lang="en-US" sz="2400" b="0" dirty="0">
+            <a:r>
+              <a:rPr lang="en-US" sz="2200" b="1" dirty="0">
+                <a:solidFill>
+                  <a:srgbClr val="ED8B00"/>
+                </a:solidFill>
+                <a:latin typeface="Open Sans" panose="020B0606030504020204" pitchFamily="34" charset="0"/>
+                <a:ea typeface="Open Sans" panose="020B0606030504020204" pitchFamily="34" charset="0"/>
+                <a:cs typeface="Open Sans" panose="020B0606030504020204" pitchFamily="34" charset="0"/>
+              </a:rPr>
+              <a:t>JobHoncho</a:t>
+            </a:r>
+            <a:endParaRPr lang="en-US" sz="2400" b="1" dirty="0">
               <a:solidFill>
-                <a:schemeClr val="accent5"/>
+                <a:srgbClr val="ED8B00"/>
               </a:solidFill>
               <a:latin typeface="Open Sans" panose="020B0606030504020204" pitchFamily="34" charset="0"/>
               <a:ea typeface="Open Sans" panose="020B0606030504020204" pitchFamily="34" charset="0"/>
@@ -6805,7 +8746,7 @@
           <p:cNvPr id="5" name="Subtitle 1">
             <a:extLst>
               <a:ext uri="{FF2B5EF4-FFF2-40B4-BE49-F238E27FC236}">
-                <a16:creationId xmlns:a16="http://schemas.microsoft.com/office/drawing/2014/main" id="{C4B35121-4B94-4EC2-9F45-610C993AC138}"/>
+                <a16:creationId xmlns:a16="http://schemas.microsoft.com/office/drawing/2014/main" id="{E172F062-8180-41AE-8E49-E5CAA084E1EA}"/>
               </a:ext>
             </a:extLst>
           </p:cNvPr>
@@ -6816,7 +8757,7 @@
         </p:nvSpPr>
         <p:spPr bwMode="gray">
           <a:xfrm>
-            <a:off x="457200" y="2161355"/>
+            <a:off x="457200" y="2133600"/>
             <a:ext cx="7354350" cy="505645"/>
           </a:xfrm>
           <a:prstGeom prst="rect">
@@ -7023,528 +8964,7 @@
               <a:defRPr/>
             </a:pPr>
             <a:r>
-              <a:rPr kumimoji="0" lang="en-US" sz="3200" i="0" u="none" strike="noStrike" kern="1200" cap="none" spc="0" normalizeH="0" baseline="0" noProof="0" dirty="0">
-                <a:ln>
-                  <a:noFill/>
-                </a:ln>
-                <a:solidFill>
-                  <a:schemeClr val="accent1"/>
-                </a:solidFill>
-                <a:effectLst/>
-                <a:uLnTx/>
-                <a:uFillTx/>
-                <a:latin typeface="Open Sans" panose="020B0606030504020204" pitchFamily="34" charset="0"/>
-                <a:ea typeface="Open Sans" panose="020B0606030504020204" pitchFamily="34" charset="0"/>
-                <a:cs typeface="Open Sans" panose="020B0606030504020204" pitchFamily="34" charset="0"/>
-              </a:rPr>
-              <a:t>ETL Scheduler</a:t>
-            </a:r>
-          </a:p>
-          <a:p>
-            <a:pPr marL="0" marR="0" lvl="0" indent="0" algn="l" defTabSz="1219170" rtl="0" eaLnBrk="1" fontAlgn="auto" latinLnBrk="0" hangingPunct="1">
-              <a:lnSpc>
-                <a:spcPct val="100000"/>
-              </a:lnSpc>
-              <a:spcBef>
-                <a:spcPts val="0"/>
-              </a:spcBef>
-              <a:spcAft>
-                <a:spcPts val="0"/>
-              </a:spcAft>
-              <a:buClrTx/>
-              <a:buSzPct val="100000"/>
-              <a:buFontTx/>
-              <a:buNone/>
-              <a:tabLst/>
-              <a:defRPr/>
-            </a:pPr>
-            <a:endParaRPr kumimoji="0" lang="en-US" sz="3200" b="0" i="0" u="none" strike="noStrike" kern="1200" cap="none" spc="0" normalizeH="0" baseline="0" noProof="0" dirty="0">
-              <a:ln>
-                <a:noFill/>
-              </a:ln>
-              <a:solidFill>
-                <a:schemeClr val="accent1"/>
-              </a:solidFill>
-              <a:effectLst/>
-              <a:uLnTx/>
-              <a:uFillTx/>
-              <a:latin typeface="Open Sans" panose="020B0606030504020204" pitchFamily="34" charset="0"/>
-              <a:ea typeface="Open Sans" panose="020B0606030504020204" pitchFamily="34" charset="0"/>
-              <a:cs typeface="Open Sans" panose="020B0606030504020204" pitchFamily="34" charset="0"/>
-            </a:endParaRPr>
-          </a:p>
-        </p:txBody>
-      </p:sp>
-      <p:pic>
-        <p:nvPicPr>
-          <p:cNvPr id="6" name="Picture 5">
-            <a:extLst>
-              <a:ext uri="{FF2B5EF4-FFF2-40B4-BE49-F238E27FC236}">
-                <a16:creationId xmlns:a16="http://schemas.microsoft.com/office/drawing/2014/main" id="{1FA73A20-D09E-4B51-885C-BE9743EB0F4E}"/>
-              </a:ext>
-            </a:extLst>
-          </p:cNvPr>
-          <p:cNvPicPr>
-            <a:picLocks noChangeAspect="1"/>
-          </p:cNvPicPr>
-          <p:nvPr/>
-        </p:nvPicPr>
-        <p:blipFill>
-          <a:blip r:embed="rId2"/>
-          <a:stretch>
-            <a:fillRect/>
-          </a:stretch>
-        </p:blipFill>
-        <p:spPr>
-          <a:xfrm>
-            <a:off x="5570462" y="886646"/>
-            <a:ext cx="6164338" cy="5348606"/>
-          </a:xfrm>
-          <a:prstGeom prst="rect">
-            <a:avLst/>
-          </a:prstGeom>
-        </p:spPr>
-      </p:pic>
-      <p:sp>
-        <p:nvSpPr>
-          <p:cNvPr id="10" name="Subtitle 1">
-            <a:extLst>
-              <a:ext uri="{FF2B5EF4-FFF2-40B4-BE49-F238E27FC236}">
-                <a16:creationId xmlns:a16="http://schemas.microsoft.com/office/drawing/2014/main" id="{139D0007-C55F-4B69-BD9E-364DFFB33B23}"/>
-              </a:ext>
-            </a:extLst>
-          </p:cNvPr>
-          <p:cNvSpPr txBox="1">
-            <a:spLocks/>
-          </p:cNvSpPr>
-          <p:nvPr/>
-        </p:nvSpPr>
-        <p:spPr>
-          <a:xfrm>
-            <a:off x="685800" y="3613298"/>
-            <a:ext cx="6431437" cy="381000"/>
-          </a:xfrm>
-        </p:spPr>
-        <p:txBody>
-          <a:bodyPr anchor="t"/>
-          <a:lstStyle>
-            <a:lvl1pPr marL="0" indent="0" algn="ctr" defTabSz="1219170" rtl="0" eaLnBrk="1" latinLnBrk="0" hangingPunct="1">
-              <a:spcBef>
-                <a:spcPts val="0"/>
-              </a:spcBef>
-              <a:spcAft>
-                <a:spcPts val="1333"/>
-              </a:spcAft>
-              <a:buSzPct val="100000"/>
-              <a:buFontTx/>
-              <a:buNone/>
-              <a:defRPr sz="2400" b="0" kern="1200">
-                <a:solidFill>
-                  <a:schemeClr val="tx1"/>
-                </a:solidFill>
-                <a:latin typeface="+mn-lt"/>
-                <a:ea typeface="+mn-ea"/>
-                <a:cs typeface="+mn-cs"/>
-              </a:defRPr>
-            </a:lvl1pPr>
-            <a:lvl2pPr marL="457200" indent="0" algn="ctr" defTabSz="1219170" rtl="0" eaLnBrk="1" latinLnBrk="0" hangingPunct="1">
-              <a:spcBef>
-                <a:spcPts val="0"/>
-              </a:spcBef>
-              <a:spcAft>
-                <a:spcPts val="1333"/>
-              </a:spcAft>
-              <a:buClrTx/>
-              <a:buSzPct val="100000"/>
-              <a:buFont typeface="Arial" panose="020B0604020202020204" pitchFamily="34" charset="0"/>
-              <a:buNone/>
-              <a:defRPr lang="en-US" sz="2000" b="0" kern="1200" dirty="0" smtClean="0">
-                <a:solidFill>
-                  <a:schemeClr val="tx1"/>
-                </a:solidFill>
-                <a:latin typeface="+mn-lt"/>
-                <a:ea typeface="+mn-ea"/>
-                <a:cs typeface="+mn-cs"/>
-              </a:defRPr>
-            </a:lvl2pPr>
-            <a:lvl3pPr marL="914400" indent="0" algn="ctr" defTabSz="1219170" rtl="0" eaLnBrk="1" latinLnBrk="0" hangingPunct="1">
-              <a:spcBef>
-                <a:spcPts val="0"/>
-              </a:spcBef>
-              <a:spcAft>
-                <a:spcPts val="1333"/>
-              </a:spcAft>
-              <a:buClrTx/>
-              <a:buSzPct val="100000"/>
-              <a:buFont typeface="Arial" panose="020B0604020202020204" pitchFamily="34" charset="0"/>
-              <a:buNone/>
-              <a:defRPr lang="en-US" sz="1800" kern="1200" dirty="0" smtClean="0">
-                <a:solidFill>
-                  <a:schemeClr val="tx1"/>
-                </a:solidFill>
-                <a:latin typeface="+mn-lt"/>
-                <a:ea typeface="+mn-ea"/>
-                <a:cs typeface="+mn-cs"/>
-              </a:defRPr>
-            </a:lvl3pPr>
-            <a:lvl4pPr marL="1371600" indent="0" algn="ctr" defTabSz="1219170" rtl="0" eaLnBrk="1" latinLnBrk="0" hangingPunct="1">
-              <a:spcBef>
-                <a:spcPts val="0"/>
-              </a:spcBef>
-              <a:spcAft>
-                <a:spcPts val="1333"/>
-              </a:spcAft>
-              <a:buClrTx/>
-              <a:buSzPct val="100000"/>
-              <a:buFont typeface="Arial" panose="020B0604020202020204" pitchFamily="34" charset="0"/>
-              <a:buNone/>
-              <a:defRPr lang="en-US" sz="1600" kern="1200" baseline="0" dirty="0" smtClean="0">
-                <a:solidFill>
-                  <a:schemeClr val="tx1"/>
-                </a:solidFill>
-                <a:latin typeface="+mn-lt"/>
-                <a:ea typeface="+mn-ea"/>
-                <a:cs typeface="+mn-cs"/>
-              </a:defRPr>
-            </a:lvl4pPr>
-            <a:lvl5pPr marL="1828800" indent="0" algn="ctr" defTabSz="1064657" rtl="0" eaLnBrk="1" latinLnBrk="0" hangingPunct="1">
-              <a:spcBef>
-                <a:spcPts val="0"/>
-              </a:spcBef>
-              <a:spcAft>
-                <a:spcPts val="1333"/>
-              </a:spcAft>
-              <a:buClrTx/>
-              <a:buSzPct val="100000"/>
-              <a:buFont typeface="Arial" panose="020B0604020202020204" pitchFamily="34" charset="0"/>
-              <a:buNone/>
-              <a:tabLst/>
-              <a:defRPr lang="en-US" sz="1600" kern="1200" baseline="0" dirty="0" smtClean="0">
-                <a:solidFill>
-                  <a:schemeClr val="tx1"/>
-                </a:solidFill>
-                <a:latin typeface="+mn-lt"/>
-                <a:ea typeface="+mn-ea"/>
-                <a:cs typeface="+mn-cs"/>
-              </a:defRPr>
-            </a:lvl5pPr>
-            <a:lvl6pPr marL="2286000" indent="0" algn="ctr" defTabSz="1219170" rtl="0" eaLnBrk="1" latinLnBrk="0" hangingPunct="1">
-              <a:spcBef>
-                <a:spcPts val="0"/>
-              </a:spcBef>
-              <a:spcAft>
-                <a:spcPts val="1333"/>
-              </a:spcAft>
-              <a:buFont typeface="Verdana" panose="020B0604030504040204" pitchFamily="34" charset="0"/>
-              <a:buNone/>
-              <a:defRPr sz="1600" kern="1200" baseline="0">
-                <a:solidFill>
-                  <a:schemeClr val="tx1"/>
-                </a:solidFill>
-                <a:latin typeface="+mn-lt"/>
-                <a:ea typeface="+mn-ea"/>
-                <a:cs typeface="+mn-cs"/>
-              </a:defRPr>
-            </a:lvl6pPr>
-            <a:lvl7pPr marL="2743200" indent="0" algn="ctr" defTabSz="1219170" rtl="0" eaLnBrk="1" latinLnBrk="0" hangingPunct="1">
-              <a:spcBef>
-                <a:spcPts val="0"/>
-              </a:spcBef>
-              <a:spcAft>
-                <a:spcPts val="1333"/>
-              </a:spcAft>
-              <a:buFont typeface="Verdana" panose="020B0604030504040204" pitchFamily="34" charset="0"/>
-              <a:buNone/>
-              <a:defRPr sz="1600" kern="1200">
-                <a:solidFill>
-                  <a:schemeClr val="tx1"/>
-                </a:solidFill>
-                <a:latin typeface="+mn-lt"/>
-                <a:ea typeface="+mn-ea"/>
-                <a:cs typeface="+mn-cs"/>
-              </a:defRPr>
-            </a:lvl7pPr>
-            <a:lvl8pPr marL="3200400" indent="0" algn="ctr" defTabSz="1219170" rtl="0" eaLnBrk="1" latinLnBrk="0" hangingPunct="1">
-              <a:spcBef>
-                <a:spcPts val="0"/>
-              </a:spcBef>
-              <a:spcAft>
-                <a:spcPts val="1333"/>
-              </a:spcAft>
-              <a:buFont typeface="Verdana" panose="020B0604030504040204" pitchFamily="34" charset="0"/>
-              <a:buNone/>
-              <a:defRPr sz="1600" kern="1200" baseline="0">
-                <a:solidFill>
-                  <a:schemeClr val="tx1"/>
-                </a:solidFill>
-                <a:latin typeface="+mn-lt"/>
-                <a:ea typeface="+mn-ea"/>
-                <a:cs typeface="+mn-cs"/>
-              </a:defRPr>
-            </a:lvl8pPr>
-            <a:lvl9pPr marL="3657600" indent="0" algn="ctr" defTabSz="1219170" rtl="0" eaLnBrk="1" latinLnBrk="0" hangingPunct="1">
-              <a:spcBef>
-                <a:spcPts val="0"/>
-              </a:spcBef>
-              <a:spcAft>
-                <a:spcPts val="1333"/>
-              </a:spcAft>
-              <a:buFont typeface="Verdana" panose="020B0604030504040204" pitchFamily="34" charset="0"/>
-              <a:buNone/>
-              <a:defRPr sz="1600" kern="1200" baseline="0">
-                <a:solidFill>
-                  <a:schemeClr val="tx1"/>
-                </a:solidFill>
-                <a:latin typeface="+mn-lt"/>
-                <a:ea typeface="+mn-ea"/>
-                <a:cs typeface="+mn-cs"/>
-              </a:defRPr>
-            </a:lvl9pPr>
-          </a:lstStyle>
-          <a:p>
-            <a:r>
-              <a:rPr lang="en-US" sz="2200">
-                <a:latin typeface="Open Sans" panose="020B0606030504020204" pitchFamily="34" charset="0"/>
-                <a:ea typeface="Open Sans" panose="020B0606030504020204" pitchFamily="34" charset="0"/>
-                <a:cs typeface="Open Sans" panose="020B0606030504020204" pitchFamily="34" charset="0"/>
-              </a:rPr>
-              <a:t>ETL Workflow Scheduler : JobHoncho</a:t>
-            </a:r>
-            <a:endParaRPr lang="en-US" dirty="0">
-              <a:solidFill>
-                <a:schemeClr val="accent5"/>
-              </a:solidFill>
-              <a:latin typeface="Open Sans" panose="020B0606030504020204" pitchFamily="34" charset="0"/>
-              <a:ea typeface="Open Sans" panose="020B0606030504020204" pitchFamily="34" charset="0"/>
-              <a:cs typeface="Open Sans" panose="020B0606030504020204" pitchFamily="34" charset="0"/>
-            </a:endParaRPr>
-          </a:p>
-        </p:txBody>
-      </p:sp>
-      <p:sp>
-        <p:nvSpPr>
-          <p:cNvPr id="11" name="Subtitle 1">
-            <a:extLst>
-              <a:ext uri="{FF2B5EF4-FFF2-40B4-BE49-F238E27FC236}">
-                <a16:creationId xmlns:a16="http://schemas.microsoft.com/office/drawing/2014/main" id="{111E23A5-9D0C-40B2-84D3-922B55F788D1}"/>
-              </a:ext>
-            </a:extLst>
-          </p:cNvPr>
-          <p:cNvSpPr txBox="1">
-            <a:spLocks/>
-          </p:cNvSpPr>
-          <p:nvPr/>
-        </p:nvSpPr>
-        <p:spPr bwMode="gray">
-          <a:xfrm>
-            <a:off x="438150" y="5257800"/>
-            <a:ext cx="7354350" cy="505645"/>
-          </a:xfrm>
-          <a:prstGeom prst="rect">
-            <a:avLst/>
-          </a:prstGeom>
-        </p:spPr>
-        <p:txBody>
-          <a:bodyPr vert="horz" lIns="0" tIns="0" rIns="0" bIns="0" rtlCol="0" anchor="t" anchorCtr="0">
-            <a:noAutofit/>
-          </a:bodyPr>
-          <a:lstStyle>
-            <a:lvl1pPr marL="0" indent="0" algn="l" defTabSz="1219170" rtl="0" eaLnBrk="1" latinLnBrk="0" hangingPunct="1">
-              <a:lnSpc>
-                <a:spcPct val="100000"/>
-              </a:lnSpc>
-              <a:spcBef>
-                <a:spcPts val="0"/>
-              </a:spcBef>
-              <a:spcAft>
-                <a:spcPts val="0"/>
-              </a:spcAft>
-              <a:buSzPct val="100000"/>
-              <a:buFontTx/>
-              <a:buNone/>
-              <a:defRPr sz="1800" b="1" kern="1200">
-                <a:solidFill>
-                  <a:schemeClr val="bg1"/>
-                </a:solidFill>
-                <a:latin typeface="+mn-lt"/>
-                <a:ea typeface="+mn-ea"/>
-                <a:cs typeface="+mn-cs"/>
-              </a:defRPr>
-            </a:lvl1pPr>
-            <a:lvl2pPr marL="0" indent="0" algn="l" defTabSz="1219170" rtl="0" eaLnBrk="1" latinLnBrk="0" hangingPunct="1">
-              <a:spcBef>
-                <a:spcPts val="0"/>
-              </a:spcBef>
-              <a:spcAft>
-                <a:spcPts val="1333"/>
-              </a:spcAft>
-              <a:buClrTx/>
-              <a:buSzPct val="100000"/>
-              <a:buFont typeface="Arial" panose="020B0604020202020204" pitchFamily="34" charset="0"/>
-              <a:buNone/>
-              <a:defRPr lang="en-US" sz="1600" b="0" kern="1200">
-                <a:solidFill>
-                  <a:schemeClr val="bg1"/>
-                </a:solidFill>
-                <a:latin typeface="+mn-lt"/>
-                <a:ea typeface="+mn-ea"/>
-                <a:cs typeface="+mn-cs"/>
-              </a:defRPr>
-            </a:lvl2pPr>
-            <a:lvl3pPr marL="1219170" indent="0" algn="ctr" defTabSz="1219170" rtl="0" eaLnBrk="1" latinLnBrk="0" hangingPunct="1">
-              <a:spcBef>
-                <a:spcPts val="0"/>
-              </a:spcBef>
-              <a:spcAft>
-                <a:spcPts val="1333"/>
-              </a:spcAft>
-              <a:buClrTx/>
-              <a:buSzPct val="100000"/>
-              <a:buFont typeface="Arial" panose="020B0604020202020204" pitchFamily="34" charset="0"/>
-              <a:buNone/>
-              <a:defRPr lang="en-US" sz="2400" kern="1200">
-                <a:solidFill>
-                  <a:schemeClr val="tx1"/>
-                </a:solidFill>
-                <a:latin typeface="+mn-lt"/>
-                <a:ea typeface="+mn-ea"/>
-                <a:cs typeface="+mn-cs"/>
-              </a:defRPr>
-            </a:lvl3pPr>
-            <a:lvl4pPr marL="1828754" indent="0" algn="ctr" defTabSz="1219170" rtl="0" eaLnBrk="1" latinLnBrk="0" hangingPunct="1">
-              <a:spcBef>
-                <a:spcPts val="0"/>
-              </a:spcBef>
-              <a:spcAft>
-                <a:spcPts val="1333"/>
-              </a:spcAft>
-              <a:buClrTx/>
-              <a:buSzPct val="100000"/>
-              <a:buFont typeface="Arial" panose="020B0604020202020204" pitchFamily="34" charset="0"/>
-              <a:buNone/>
-              <a:defRPr lang="en-US" sz="2133" kern="1200" baseline="0">
-                <a:solidFill>
-                  <a:schemeClr val="tx1"/>
-                </a:solidFill>
-                <a:latin typeface="+mn-lt"/>
-                <a:ea typeface="+mn-ea"/>
-                <a:cs typeface="+mn-cs"/>
-              </a:defRPr>
-            </a:lvl4pPr>
-            <a:lvl5pPr marL="2438339" indent="0" algn="ctr" defTabSz="1064657" rtl="0" eaLnBrk="1" latinLnBrk="0" hangingPunct="1">
-              <a:spcBef>
-                <a:spcPts val="0"/>
-              </a:spcBef>
-              <a:spcAft>
-                <a:spcPts val="1333"/>
-              </a:spcAft>
-              <a:buClrTx/>
-              <a:buSzPct val="100000"/>
-              <a:buFont typeface="Arial" panose="020B0604020202020204" pitchFamily="34" charset="0"/>
-              <a:buNone/>
-              <a:tabLst/>
-              <a:defRPr lang="en-US" sz="2133" kern="1200" baseline="0">
-                <a:solidFill>
-                  <a:schemeClr val="tx1"/>
-                </a:solidFill>
-                <a:latin typeface="+mn-lt"/>
-                <a:ea typeface="+mn-ea"/>
-                <a:cs typeface="+mn-cs"/>
-              </a:defRPr>
-            </a:lvl5pPr>
-            <a:lvl6pPr marL="3047924" indent="0" algn="ctr" defTabSz="1219170" rtl="0" eaLnBrk="1" latinLnBrk="0" hangingPunct="1">
-              <a:spcBef>
-                <a:spcPts val="0"/>
-              </a:spcBef>
-              <a:spcAft>
-                <a:spcPts val="1333"/>
-              </a:spcAft>
-              <a:buFont typeface="Verdana" panose="020B0604030504040204" pitchFamily="34" charset="0"/>
-              <a:buNone/>
-              <a:defRPr sz="2133" kern="1200" baseline="0">
-                <a:solidFill>
-                  <a:schemeClr val="tx1"/>
-                </a:solidFill>
-                <a:latin typeface="+mn-lt"/>
-                <a:ea typeface="+mn-ea"/>
-                <a:cs typeface="+mn-cs"/>
-              </a:defRPr>
-            </a:lvl6pPr>
-            <a:lvl7pPr marL="3657509" indent="0" algn="ctr" defTabSz="1219170" rtl="0" eaLnBrk="1" latinLnBrk="0" hangingPunct="1">
-              <a:spcBef>
-                <a:spcPts val="0"/>
-              </a:spcBef>
-              <a:spcAft>
-                <a:spcPts val="1333"/>
-              </a:spcAft>
-              <a:buFont typeface="Verdana" panose="020B0604030504040204" pitchFamily="34" charset="0"/>
-              <a:buNone/>
-              <a:defRPr sz="2133" kern="1200">
-                <a:solidFill>
-                  <a:schemeClr val="tx1"/>
-                </a:solidFill>
-                <a:latin typeface="+mn-lt"/>
-                <a:ea typeface="+mn-ea"/>
-                <a:cs typeface="+mn-cs"/>
-              </a:defRPr>
-            </a:lvl7pPr>
-            <a:lvl8pPr marL="4267093" indent="0" algn="ctr" defTabSz="1219170" rtl="0" eaLnBrk="1" latinLnBrk="0" hangingPunct="1">
-              <a:spcBef>
-                <a:spcPts val="0"/>
-              </a:spcBef>
-              <a:spcAft>
-                <a:spcPts val="1333"/>
-              </a:spcAft>
-              <a:buFont typeface="Verdana" panose="020B0604030504040204" pitchFamily="34" charset="0"/>
-              <a:buNone/>
-              <a:defRPr sz="2133" kern="1200" baseline="0">
-                <a:solidFill>
-                  <a:schemeClr val="tx1"/>
-                </a:solidFill>
-                <a:latin typeface="+mn-lt"/>
-                <a:ea typeface="+mn-ea"/>
-                <a:cs typeface="+mn-cs"/>
-              </a:defRPr>
-            </a:lvl8pPr>
-            <a:lvl9pPr marL="4876678" indent="0" algn="ctr" defTabSz="1219170" rtl="0" eaLnBrk="1" latinLnBrk="0" hangingPunct="1">
-              <a:spcBef>
-                <a:spcPts val="0"/>
-              </a:spcBef>
-              <a:spcAft>
-                <a:spcPts val="1333"/>
-              </a:spcAft>
-              <a:buFont typeface="Verdana" panose="020B0604030504040204" pitchFamily="34" charset="0"/>
-              <a:buNone/>
-              <a:defRPr sz="2133" kern="1200" baseline="0">
-                <a:solidFill>
-                  <a:schemeClr val="tx1"/>
-                </a:solidFill>
-                <a:latin typeface="+mn-lt"/>
-                <a:ea typeface="+mn-ea"/>
-                <a:cs typeface="+mn-cs"/>
-              </a:defRPr>
-            </a:lvl9pPr>
-          </a:lstStyle>
-          <a:p>
-            <a:pPr marL="0" marR="0" lvl="0" indent="0" algn="l" defTabSz="1219170" rtl="0" eaLnBrk="1" fontAlgn="auto" latinLnBrk="0" hangingPunct="1">
-              <a:lnSpc>
-                <a:spcPct val="100000"/>
-              </a:lnSpc>
-              <a:spcBef>
-                <a:spcPts val="0"/>
-              </a:spcBef>
-              <a:spcAft>
-                <a:spcPts val="0"/>
-              </a:spcAft>
-              <a:buClrTx/>
-              <a:buSzPct val="100000"/>
-              <a:buFontTx/>
-              <a:buNone/>
-              <a:tabLst/>
-              <a:defRPr/>
-            </a:pPr>
-            <a:r>
-              <a:rPr kumimoji="0" lang="en-US" sz="2000" b="0" i="0" u="none" strike="noStrike" kern="1200" cap="none" spc="0" normalizeH="0" baseline="0" noProof="0" dirty="0">
+              <a:rPr kumimoji="0" lang="en-US" sz="3200" b="0" i="0" u="none" strike="noStrike" kern="1200" cap="none" spc="0" normalizeH="0" baseline="0" noProof="0" dirty="0">
                 <a:ln>
                   <a:noFill/>
                 </a:ln>
@@ -7580,7 +9000,7 @@
               <a:defRPr/>
             </a:pPr>
             <a:r>
-              <a:rPr kumimoji="0" lang="en-US" sz="2000" b="0" i="0" u="none" strike="noStrike" kern="1200" cap="none" spc="0" normalizeH="0" baseline="0" noProof="0" dirty="0">
+              <a:rPr kumimoji="0" lang="en-US" sz="3200" b="0" i="0" u="none" strike="noStrike" kern="1200" cap="none" spc="0" normalizeH="0" baseline="0" noProof="0" dirty="0">
                 <a:ln>
                   <a:noFill/>
                 </a:ln>
@@ -7599,16 +9019,547 @@
           </a:p>
         </p:txBody>
       </p:sp>
+      <p:sp>
+        <p:nvSpPr>
+          <p:cNvPr id="10" name="object 15">
+            <a:extLst>
+              <a:ext uri="{FF2B5EF4-FFF2-40B4-BE49-F238E27FC236}">
+                <a16:creationId xmlns:a16="http://schemas.microsoft.com/office/drawing/2014/main" id="{9AA08BB1-FE2A-4C22-A1E2-D3406D5C1DD6}"/>
+              </a:ext>
+            </a:extLst>
+          </p:cNvPr>
+          <p:cNvSpPr txBox="1"/>
+          <p:nvPr/>
+        </p:nvSpPr>
+        <p:spPr>
+          <a:xfrm>
+            <a:off x="571500" y="5729606"/>
+            <a:ext cx="3990668" cy="207749"/>
+          </a:xfrm>
+          <a:prstGeom prst="rect">
+            <a:avLst/>
+          </a:prstGeom>
+        </p:spPr>
+        <p:txBody>
+          <a:bodyPr vert="horz" wrap="square" lIns="0" tIns="0" rIns="0" bIns="0" rtlCol="0">
+            <a:spAutoFit/>
+          </a:bodyPr>
+          <a:lstStyle/>
+          <a:p>
+            <a:pPr marL="12700">
+              <a:lnSpc>
+                <a:spcPct val="100000"/>
+              </a:lnSpc>
+            </a:pPr>
+            <a:r>
+              <a:rPr lang="en-US" sz="1350" spc="-20" dirty="0">
+                <a:solidFill>
+                  <a:srgbClr val="FFFFFF"/>
+                </a:solidFill>
+                <a:latin typeface="Open Sans"/>
+                <a:cs typeface="Open Sans"/>
+              </a:rPr>
+              <a:t>March 2020</a:t>
+            </a:r>
+            <a:endParaRPr sz="1350" dirty="0">
+              <a:latin typeface="Open Sans"/>
+              <a:cs typeface="Open Sans"/>
+            </a:endParaRPr>
+          </a:p>
+        </p:txBody>
+      </p:sp>
+      <p:pic>
+        <p:nvPicPr>
+          <p:cNvPr id="6" name="Picture 5">
+            <a:extLst>
+              <a:ext uri="{FF2B5EF4-FFF2-40B4-BE49-F238E27FC236}">
+                <a16:creationId xmlns:a16="http://schemas.microsoft.com/office/drawing/2014/main" id="{9D9C3AB6-228C-497E-8C6F-F9F454AD4117}"/>
+              </a:ext>
+            </a:extLst>
+          </p:cNvPr>
+          <p:cNvPicPr>
+            <a:picLocks noChangeAspect="1"/>
+          </p:cNvPicPr>
+          <p:nvPr/>
+        </p:nvPicPr>
+        <p:blipFill>
+          <a:blip r:embed="rId2"/>
+          <a:stretch>
+            <a:fillRect/>
+          </a:stretch>
+        </p:blipFill>
+        <p:spPr>
+          <a:xfrm>
+            <a:off x="5570462" y="886646"/>
+            <a:ext cx="6164338" cy="5348606"/>
+          </a:xfrm>
+          <a:prstGeom prst="rect">
+            <a:avLst/>
+          </a:prstGeom>
+        </p:spPr>
+      </p:pic>
     </p:spTree>
     <p:extLst>
       <p:ext uri="{BB962C8B-B14F-4D97-AF65-F5344CB8AC3E}">
-        <p14:creationId xmlns:p14="http://schemas.microsoft.com/office/powerpoint/2010/main" val="2201428312"/>
+        <p14:creationId xmlns:p14="http://schemas.microsoft.com/office/powerpoint/2010/main" val="3947121343"/>
       </p:ext>
     </p:extLst>
   </p:cSld>
   <p:clrMapOvr>
     <a:masterClrMapping/>
   </p:clrMapOvr>
+  <mc:AlternateContent xmlns:mc="http://schemas.openxmlformats.org/markup-compatibility/2006" xmlns:p159="http://schemas.microsoft.com/office/powerpoint/2015/09/main">
+    <mc:Choice Requires="p159">
+      <p:transition xmlns:p14="http://schemas.microsoft.com/office/powerpoint/2010/main" spd="slow" p14:dur="2000">
+        <p159:morph option="byObject"/>
+      </p:transition>
+    </mc:Choice>
+    <mc:Fallback xmlns="">
+      <p:transition spd="slow">
+        <p:fade/>
+      </p:transition>
+    </mc:Fallback>
+  </mc:AlternateContent>
+</p:sld>
+</file>
+
+<file path=ppt/slides/slide10.xml><?xml version="1.0" encoding="utf-8"?>
+<p:sld xmlns:a="http://schemas.openxmlformats.org/drawingml/2006/main" xmlns:r="http://schemas.openxmlformats.org/officeDocument/2006/relationships" xmlns:p="http://schemas.openxmlformats.org/presentationml/2006/main">
+  <p:cSld>
+    <p:spTree>
+      <p:nvGrpSpPr>
+        <p:cNvPr id="1" name=""/>
+        <p:cNvGrpSpPr/>
+        <p:nvPr/>
+      </p:nvGrpSpPr>
+      <p:grpSpPr>
+        <a:xfrm>
+          <a:off x="0" y="0"/>
+          <a:ext cx="0" cy="0"/>
+          <a:chOff x="0" y="0"/>
+          <a:chExt cx="0" cy="0"/>
+        </a:xfrm>
+      </p:grpSpPr>
+      <p:sp>
+        <p:nvSpPr>
+          <p:cNvPr id="2" name="Title 1">
+            <a:extLst>
+              <a:ext uri="{FF2B5EF4-FFF2-40B4-BE49-F238E27FC236}">
+                <a16:creationId xmlns:a16="http://schemas.microsoft.com/office/drawing/2014/main" id="{F6C161A3-1086-4293-9AC5-471ED1338AB4}"/>
+              </a:ext>
+            </a:extLst>
+          </p:cNvPr>
+          <p:cNvSpPr>
+            <a:spLocks noGrp="1"/>
+          </p:cNvSpPr>
+          <p:nvPr>
+            <p:ph type="title"/>
+          </p:nvPr>
+        </p:nvSpPr>
+        <p:spPr>
+          <a:xfrm>
+            <a:off x="228599" y="228606"/>
+            <a:ext cx="11077575" cy="425607"/>
+          </a:xfrm>
+        </p:spPr>
+        <p:txBody>
+          <a:bodyPr/>
+          <a:lstStyle/>
+          <a:p>
+            <a:r>
+              <a:rPr lang="en-US" sz="2400" dirty="0">
+                <a:solidFill>
+                  <a:srgbClr val="ED8B00"/>
+                </a:solidFill>
+                <a:latin typeface="Open Sans" panose="020B0606030504020204" pitchFamily="34" charset="0"/>
+                <a:ea typeface="Open Sans" panose="020B0606030504020204" pitchFamily="34" charset="0"/>
+                <a:cs typeface="Open Sans" panose="020B0606030504020204" pitchFamily="34" charset="0"/>
+              </a:rPr>
+              <a:t>JobHoncho</a:t>
+            </a:r>
+            <a:r>
+              <a:rPr lang="en-US" sz="2400" dirty="0">
+                <a:solidFill>
+                  <a:schemeClr val="accent6">
+                    <a:lumMod val="50000"/>
+                  </a:schemeClr>
+                </a:solidFill>
+                <a:latin typeface="Open Sans" panose="020B0606030504020204" pitchFamily="34" charset="0"/>
+                <a:ea typeface="Open Sans" panose="020B0606030504020204" pitchFamily="34" charset="0"/>
+                <a:cs typeface="Open Sans" panose="020B0606030504020204" pitchFamily="34" charset="0"/>
+              </a:rPr>
+              <a:t> Language:</a:t>
+            </a:r>
+          </a:p>
+        </p:txBody>
+      </p:sp>
+      <p:cxnSp>
+        <p:nvCxnSpPr>
+          <p:cNvPr id="21" name="Straight Connector 20">
+            <a:extLst>
+              <a:ext uri="{FF2B5EF4-FFF2-40B4-BE49-F238E27FC236}">
+                <a16:creationId xmlns:a16="http://schemas.microsoft.com/office/drawing/2014/main" id="{2361655D-4055-4A5D-BE33-BE565AFE182E}"/>
+              </a:ext>
+            </a:extLst>
+          </p:cNvPr>
+          <p:cNvCxnSpPr>
+            <a:cxnSpLocks/>
+          </p:cNvCxnSpPr>
+          <p:nvPr/>
+        </p:nvCxnSpPr>
+        <p:spPr>
+          <a:xfrm>
+            <a:off x="228599" y="762000"/>
+            <a:ext cx="11355190" cy="0"/>
+          </a:xfrm>
+          <a:prstGeom prst="line">
+            <a:avLst/>
+          </a:prstGeom>
+          <a:ln/>
+        </p:spPr>
+        <p:style>
+          <a:lnRef idx="3">
+            <a:schemeClr val="accent6"/>
+          </a:lnRef>
+          <a:fillRef idx="0">
+            <a:schemeClr val="accent6"/>
+          </a:fillRef>
+          <a:effectRef idx="2">
+            <a:schemeClr val="accent6"/>
+          </a:effectRef>
+          <a:fontRef idx="minor">
+            <a:schemeClr val="tx1"/>
+          </a:fontRef>
+        </p:style>
+      </p:cxnSp>
+      <p:sp>
+        <p:nvSpPr>
+          <p:cNvPr id="26" name="TextBox 25">
+            <a:extLst>
+              <a:ext uri="{FF2B5EF4-FFF2-40B4-BE49-F238E27FC236}">
+                <a16:creationId xmlns:a16="http://schemas.microsoft.com/office/drawing/2014/main" id="{643B17CE-2645-465E-9891-0ABE2E3F21AD}"/>
+              </a:ext>
+            </a:extLst>
+          </p:cNvPr>
+          <p:cNvSpPr txBox="1"/>
+          <p:nvPr/>
+        </p:nvSpPr>
+        <p:spPr bwMode="gray">
+          <a:xfrm>
+            <a:off x="395290" y="2709801"/>
+            <a:ext cx="7473156" cy="409570"/>
+          </a:xfrm>
+          <a:prstGeom prst="rect">
+            <a:avLst/>
+          </a:prstGeom>
+        </p:spPr>
+        <p:txBody>
+          <a:bodyPr wrap="none" lIns="0" rIns="0" rtlCol="0" anchor="b" anchorCtr="0">
+            <a:normAutofit/>
+          </a:bodyPr>
+          <a:lstStyle/>
+          <a:p>
+            <a:pPr>
+              <a:lnSpc>
+                <a:spcPts val="900"/>
+              </a:lnSpc>
+            </a:pPr>
+            <a:endParaRPr lang="en-US" sz="1300" b="1" dirty="0">
+              <a:solidFill>
+                <a:schemeClr val="tx1"/>
+              </a:solidFill>
+            </a:endParaRPr>
+          </a:p>
+        </p:txBody>
+      </p:sp>
+      <p:sp>
+        <p:nvSpPr>
+          <p:cNvPr id="27" name="TextBox 26">
+            <a:extLst>
+              <a:ext uri="{FF2B5EF4-FFF2-40B4-BE49-F238E27FC236}">
+                <a16:creationId xmlns:a16="http://schemas.microsoft.com/office/drawing/2014/main" id="{90AE4991-9CC9-4E5B-A39C-7EFA49F710B7}"/>
+              </a:ext>
+            </a:extLst>
+          </p:cNvPr>
+          <p:cNvSpPr txBox="1"/>
+          <p:nvPr/>
+        </p:nvSpPr>
+        <p:spPr bwMode="gray">
+          <a:xfrm>
+            <a:off x="395290" y="2667000"/>
+            <a:ext cx="7473156" cy="409570"/>
+          </a:xfrm>
+          <a:prstGeom prst="rect">
+            <a:avLst/>
+          </a:prstGeom>
+        </p:spPr>
+        <p:txBody>
+          <a:bodyPr wrap="none" lIns="0" rIns="0" rtlCol="0" anchor="b" anchorCtr="0">
+            <a:normAutofit/>
+          </a:bodyPr>
+          <a:lstStyle/>
+          <a:p>
+            <a:pPr>
+              <a:lnSpc>
+                <a:spcPts val="900"/>
+              </a:lnSpc>
+            </a:pPr>
+            <a:endParaRPr lang="en-US" sz="1300" b="1" dirty="0">
+              <a:solidFill>
+                <a:schemeClr val="tx1"/>
+              </a:solidFill>
+            </a:endParaRPr>
+          </a:p>
+        </p:txBody>
+      </p:sp>
+      <p:sp>
+        <p:nvSpPr>
+          <p:cNvPr id="5" name="Rectangle 4">
+            <a:extLst>
+              <a:ext uri="{FF2B5EF4-FFF2-40B4-BE49-F238E27FC236}">
+                <a16:creationId xmlns:a16="http://schemas.microsoft.com/office/drawing/2014/main" id="{C818F2E7-34F3-403D-A935-7D38A2836E18}"/>
+              </a:ext>
+            </a:extLst>
+          </p:cNvPr>
+          <p:cNvSpPr/>
+          <p:nvPr/>
+        </p:nvSpPr>
+        <p:spPr>
+          <a:xfrm>
+            <a:off x="304799" y="1094249"/>
+            <a:ext cx="11278989" cy="2800767"/>
+          </a:xfrm>
+          <a:prstGeom prst="rect">
+            <a:avLst/>
+          </a:prstGeom>
+        </p:spPr>
+        <p:txBody>
+          <a:bodyPr wrap="square">
+            <a:spAutoFit/>
+          </a:bodyPr>
+          <a:lstStyle/>
+          <a:p>
+            <a:pPr marL="342900" indent="-342900">
+              <a:buAutoNum type="arabicPeriod"/>
+            </a:pPr>
+            <a:r>
+              <a:rPr lang="en-US" sz="1600" dirty="0"/>
+              <a:t>Access last job run datetime() : </a:t>
+            </a:r>
+          </a:p>
+          <a:p>
+            <a:pPr marL="342900" indent="-342900">
+              <a:buAutoNum type="arabicPeriod"/>
+            </a:pPr>
+            <a:endParaRPr lang="en-US" sz="1600" dirty="0"/>
+          </a:p>
+          <a:p>
+            <a:r>
+              <a:rPr lang="en-US" sz="1600" dirty="0"/>
+              <a:t>	</a:t>
+            </a:r>
+            <a:r>
+              <a:rPr lang="en-US" sz="1600" b="1" dirty="0">
+                <a:solidFill>
+                  <a:srgbClr val="046A38"/>
+                </a:solidFill>
+              </a:rPr>
+              <a:t>$</a:t>
+            </a:r>
+            <a:r>
+              <a:rPr lang="en-US" sz="1600" b="1" dirty="0" err="1">
+                <a:solidFill>
+                  <a:srgbClr val="046A38"/>
+                </a:solidFill>
+              </a:rPr>
+              <a:t>LastRunDate</a:t>
+            </a:r>
+            <a:endParaRPr lang="en-US" sz="1600" b="1" dirty="0">
+              <a:solidFill>
+                <a:srgbClr val="046A38"/>
+              </a:solidFill>
+            </a:endParaRPr>
+          </a:p>
+          <a:p>
+            <a:endParaRPr lang="en-US" sz="1600" dirty="0"/>
+          </a:p>
+          <a:p>
+            <a:r>
+              <a:rPr lang="en-US" sz="1600" dirty="0"/>
+              <a:t>2. Access current job run datetime() : </a:t>
+            </a:r>
+          </a:p>
+          <a:p>
+            <a:endParaRPr lang="en-US" sz="1600" dirty="0"/>
+          </a:p>
+          <a:p>
+            <a:r>
+              <a:rPr lang="en-US" sz="1600" b="1" dirty="0">
+                <a:solidFill>
+                  <a:srgbClr val="046A38"/>
+                </a:solidFill>
+              </a:rPr>
+              <a:t>	$</a:t>
+            </a:r>
+            <a:r>
+              <a:rPr lang="en-US" sz="1600" b="1" dirty="0" err="1">
+                <a:solidFill>
+                  <a:srgbClr val="046A38"/>
+                </a:solidFill>
+              </a:rPr>
+              <a:t>RunDate</a:t>
+            </a:r>
+            <a:endParaRPr lang="en-US" sz="1600" b="1" dirty="0">
+              <a:solidFill>
+                <a:srgbClr val="046A38"/>
+              </a:solidFill>
+            </a:endParaRPr>
+          </a:p>
+          <a:p>
+            <a:endParaRPr lang="en-US" sz="1600" dirty="0"/>
+          </a:p>
+          <a:p>
+            <a:r>
+              <a:rPr lang="en-US" sz="1600" dirty="0"/>
+              <a:t>3. Insert shell command with in single quote (‘’):</a:t>
+            </a:r>
+          </a:p>
+          <a:p>
+            <a:endParaRPr lang="en-US" sz="1600" dirty="0"/>
+          </a:p>
+          <a:p>
+            <a:r>
+              <a:rPr lang="en-US" sz="1600" dirty="0"/>
+              <a:t>	</a:t>
+            </a:r>
+            <a:r>
+              <a:rPr lang="en-US" sz="1600" dirty="0">
+                <a:solidFill>
+                  <a:srgbClr val="046A38"/>
+                </a:solidFill>
+              </a:rPr>
+              <a:t>e.g. 'echo date','</a:t>
+            </a:r>
+            <a:r>
+              <a:rPr lang="en-US" sz="1600" dirty="0" err="1">
+                <a:solidFill>
+                  <a:srgbClr val="046A38"/>
+                </a:solidFill>
+              </a:rPr>
+              <a:t>sh</a:t>
+            </a:r>
+            <a:r>
+              <a:rPr lang="en-US" sz="1600" dirty="0">
+                <a:solidFill>
+                  <a:srgbClr val="046A38"/>
+                </a:solidFill>
+              </a:rPr>
+              <a:t> &lt;path&gt;/&lt;script.sh&gt; &lt;param1&gt; &lt;param2&gt; &lt;param3&gt;'</a:t>
+            </a:r>
+          </a:p>
+        </p:txBody>
+      </p:sp>
+    </p:spTree>
+    <p:extLst>
+      <p:ext uri="{BB962C8B-B14F-4D97-AF65-F5344CB8AC3E}">
+        <p14:creationId xmlns:p14="http://schemas.microsoft.com/office/powerpoint/2010/main" val="1222076825"/>
+      </p:ext>
+    </p:extLst>
+  </p:cSld>
+  <p:clrMapOvr>
+    <a:masterClrMapping/>
+  </p:clrMapOvr>
+  <mc:AlternateContent xmlns:mc="http://schemas.openxmlformats.org/markup-compatibility/2006" xmlns:p159="http://schemas.microsoft.com/office/powerpoint/2015/09/main">
+    <mc:Choice Requires="p159">
+      <p:transition xmlns:p14="http://schemas.microsoft.com/office/powerpoint/2010/main" spd="slow" p14:dur="2000">
+        <p159:morph option="byObject"/>
+      </p:transition>
+    </mc:Choice>
+    <mc:Fallback xmlns="">
+      <p:transition spd="slow">
+        <p:fade/>
+      </p:transition>
+    </mc:Fallback>
+  </mc:AlternateContent>
+</p:sld>
+</file>
+
+<file path=ppt/slides/slide11.xml><?xml version="1.0" encoding="utf-8"?>
+<p:sld xmlns:a="http://schemas.openxmlformats.org/drawingml/2006/main" xmlns:r="http://schemas.openxmlformats.org/officeDocument/2006/relationships" xmlns:p="http://schemas.openxmlformats.org/presentationml/2006/main">
+  <p:cSld>
+    <p:spTree>
+      <p:nvGrpSpPr>
+        <p:cNvPr id="1" name=""/>
+        <p:cNvGrpSpPr/>
+        <p:nvPr/>
+      </p:nvGrpSpPr>
+      <p:grpSpPr>
+        <a:xfrm>
+          <a:off x="0" y="0"/>
+          <a:ext cx="0" cy="0"/>
+          <a:chOff x="0" y="0"/>
+          <a:chExt cx="0" cy="0"/>
+        </a:xfrm>
+      </p:grpSpPr>
+      <p:sp>
+        <p:nvSpPr>
+          <p:cNvPr id="3" name="TextBox 2">
+            <a:extLst>
+              <a:ext uri="{FF2B5EF4-FFF2-40B4-BE49-F238E27FC236}">
+                <a16:creationId xmlns:a16="http://schemas.microsoft.com/office/drawing/2014/main" id="{1DC72E19-7867-414D-8554-70CA520BA699}"/>
+              </a:ext>
+            </a:extLst>
+          </p:cNvPr>
+          <p:cNvSpPr txBox="1"/>
+          <p:nvPr/>
+        </p:nvSpPr>
+        <p:spPr bwMode="gray">
+          <a:xfrm>
+            <a:off x="4610100" y="1600200"/>
+            <a:ext cx="2971800" cy="1828800"/>
+          </a:xfrm>
+          <a:prstGeom prst="rect">
+            <a:avLst/>
+          </a:prstGeom>
+        </p:spPr>
+        <p:txBody>
+          <a:bodyPr wrap="square" lIns="0" rIns="0" rtlCol="0" anchor="b" anchorCtr="0">
+            <a:normAutofit/>
+          </a:bodyPr>
+          <a:lstStyle/>
+          <a:p>
+            <a:pPr>
+              <a:lnSpc>
+                <a:spcPts val="900"/>
+              </a:lnSpc>
+            </a:pPr>
+            <a:r>
+              <a:rPr lang="en-US" sz="2800" b="1" kern="1200" dirty="0">
+                <a:solidFill>
+                  <a:schemeClr val="tx1"/>
+                </a:solidFill>
+                <a:latin typeface="+mn-lt"/>
+                <a:ea typeface="+mn-ea"/>
+                <a:cs typeface="+mn-cs"/>
+              </a:rPr>
+              <a:t>Thank You</a:t>
+            </a:r>
+          </a:p>
+        </p:txBody>
+      </p:sp>
+    </p:spTree>
+    <p:extLst>
+      <p:ext uri="{BB962C8B-B14F-4D97-AF65-F5344CB8AC3E}">
+        <p14:creationId xmlns:p14="http://schemas.microsoft.com/office/powerpoint/2010/main" val="2424806456"/>
+      </p:ext>
+    </p:extLst>
+  </p:cSld>
+  <p:clrMapOvr>
+    <a:masterClrMapping/>
+  </p:clrMapOvr>
+  <p:transition>
+    <p:fade/>
+  </p:transition>
 </p:sld>
 </file>
 
@@ -7678,11 +9629,11 @@
               </a:spcBef>
             </a:pPr>
             <a:r>
-              <a:rPr lang="en-US" sz="1600" b="1" dirty="0">
+              <a:rPr lang="en-US" sz="1400" b="1" dirty="0">
                 <a:latin typeface="+mj-lt"/>
                 <a:cs typeface="Arial" charset="0"/>
               </a:rPr>
-              <a:t>Creation of Batch for daily/weekly DW load</a:t>
+              <a:t>Creation of Batch for daily/weekly/Monthly DW load</a:t>
             </a:r>
           </a:p>
         </p:txBody>
@@ -8519,7 +10470,7 @@
             </a:r>
             <a:r>
               <a:rPr lang="en-US" sz="1600" dirty="0"/>
-              <a:t> is an automated job control system for scheduling &amp; monitoring ETL jobs for BI solution. This can create dependency between job with full flexibility to add/remove any job(s) from ETL flow.</a:t>
+              <a:t> is an automated job control system for scheduling &amp; monitoring ETL jobs for BI solutions. This can create a dependency between a job with full flexibility to add/remove any job(s) from ETL flow.</a:t>
             </a:r>
           </a:p>
         </p:txBody>
@@ -8829,14 +10780,24 @@
               </a:spcBef>
             </a:pPr>
             <a:r>
-              <a:rPr lang="en-US" sz="1600" b="1" dirty="0">
+              <a:rPr lang="en-US" sz="1400" b="1" dirty="0">
+                <a:solidFill>
+                  <a:schemeClr val="lt1"/>
+                </a:solidFill>
+                <a:latin typeface="+mj-lt"/>
+                <a:cs typeface="Arial" charset="0"/>
+              </a:rPr>
+              <a:t>Dependency</a:t>
+            </a:r>
+            <a:r>
+              <a:rPr lang="en-US" sz="1400" b="1" dirty="0">
                 <a:solidFill>
                   <a:schemeClr val="bg1"/>
                 </a:solidFill>
                 <a:latin typeface="+mj-lt"/>
                 <a:cs typeface="Arial" charset="0"/>
               </a:rPr>
-              <a:t>Dependency between jobs.</a:t>
+              <a:t> between jobs.</a:t>
             </a:r>
           </a:p>
         </p:txBody>
@@ -9187,7 +11148,31 @@
                 <a:ea typeface="Open Sans" panose="020B0606030504020204" pitchFamily="34" charset="0"/>
                 <a:cs typeface="Open Sans" panose="020B0606030504020204" pitchFamily="34" charset="0"/>
               </a:rPr>
-              <a:t>Problems we are solving:</a:t>
+              <a:t>Problems </a:t>
+            </a:r>
+            <a:r>
+              <a:rPr lang="en-US" sz="2400" dirty="0">
+                <a:solidFill>
+                  <a:srgbClr val="ED8B00"/>
+                </a:solidFill>
+                <a:latin typeface="Open Sans" panose="020B0606030504020204" pitchFamily="34" charset="0"/>
+                <a:ea typeface="Open Sans" panose="020B0606030504020204" pitchFamily="34" charset="0"/>
+                <a:cs typeface="Open Sans" panose="020B0606030504020204" pitchFamily="34" charset="0"/>
+              </a:rPr>
+              <a:t>JobHoncho</a:t>
+            </a:r>
+            <a:r>
+              <a:rPr lang="en-US" sz="2400" dirty="0">
+                <a:solidFill>
+                  <a:schemeClr val="accent6">
+                    <a:lumMod val="50000"/>
+                  </a:schemeClr>
+                </a:solidFill>
+                <a:latin typeface="Open Sans" panose="020B0606030504020204" pitchFamily="34" charset="0"/>
+                <a:ea typeface="Open Sans" panose="020B0606030504020204" pitchFamily="34" charset="0"/>
+                <a:cs typeface="Open Sans" panose="020B0606030504020204" pitchFamily="34" charset="0"/>
+              </a:rPr>
+              <a:t> can solve:</a:t>
             </a:r>
           </a:p>
         </p:txBody>
@@ -9233,46 +11218,6 @@
       </p:cxnSp>
       <p:sp>
         <p:nvSpPr>
-          <p:cNvPr id="62" name="Rectangle 61">
-            <a:extLst>
-              <a:ext uri="{FF2B5EF4-FFF2-40B4-BE49-F238E27FC236}">
-                <a16:creationId xmlns:a16="http://schemas.microsoft.com/office/drawing/2014/main" id="{2E4AB2FE-F705-42C7-8143-7F7BD5BC5A4E}"/>
-              </a:ext>
-            </a:extLst>
-          </p:cNvPr>
-          <p:cNvSpPr/>
-          <p:nvPr/>
-        </p:nvSpPr>
-        <p:spPr>
-          <a:xfrm>
-            <a:off x="520301" y="982177"/>
-            <a:ext cx="10862075" cy="830997"/>
-          </a:xfrm>
-          <a:prstGeom prst="rect">
-            <a:avLst/>
-          </a:prstGeom>
-        </p:spPr>
-        <p:txBody>
-          <a:bodyPr wrap="square">
-            <a:spAutoFit/>
-          </a:bodyPr>
-          <a:lstStyle/>
-          <a:p>
-            <a:r>
-              <a:rPr lang="en-US" sz="1600" dirty="0"/>
-              <a:t>Below are the shortcomings of the DataStage inbuild scheduler.</a:t>
-            </a:r>
-          </a:p>
-          <a:p>
-            <a:endParaRPr lang="en-US" sz="1600" dirty="0"/>
-          </a:p>
-          <a:p>
-            <a:endParaRPr lang="en-US" sz="1600" dirty="0"/>
-          </a:p>
-        </p:txBody>
-      </p:sp>
-      <p:sp>
-        <p:nvSpPr>
           <p:cNvPr id="7" name="Oval 4" descr="start">
             <a:extLst>
               <a:ext uri="{FF2B5EF4-FFF2-40B4-BE49-F238E27FC236}">
@@ -9287,8 +11232,8 @@
         </p:nvSpPr>
         <p:spPr bwMode="gray">
           <a:xfrm>
-            <a:off x="602566" y="1678533"/>
-            <a:ext cx="1477530" cy="952410"/>
+            <a:off x="529545" y="1495970"/>
+            <a:ext cx="1905000" cy="952410"/>
           </a:xfrm>
           <a:prstGeom prst="ellipse">
             <a:avLst/>
@@ -9321,7 +11266,7 @@
               </a:spcBef>
             </a:pPr>
             <a:r>
-              <a:rPr lang="en-US" sz="1600" b="1" dirty="0">
+              <a:rPr lang="en-US" sz="1500" b="1" dirty="0">
                 <a:solidFill>
                   <a:schemeClr val="bg1"/>
                 </a:solidFill>
@@ -9348,8 +11293,8 @@
         </p:nvSpPr>
         <p:spPr bwMode="gray">
           <a:xfrm>
-            <a:off x="687876" y="2875287"/>
-            <a:ext cx="1448434" cy="830997"/>
+            <a:off x="617718" y="2692724"/>
+            <a:ext cx="1867486" cy="830997"/>
           </a:xfrm>
           <a:prstGeom prst="ellipse">
             <a:avLst/>
@@ -9382,13 +11327,13 @@
               </a:spcBef>
             </a:pPr>
             <a:r>
-              <a:rPr lang="en-US" sz="1600" b="1" dirty="0">
+              <a:rPr lang="en-US" sz="1500" b="1" dirty="0">
                 <a:solidFill>
                   <a:schemeClr val="bg1"/>
                 </a:solidFill>
                 <a:cs typeface="Arial" pitchFamily="34" charset="0"/>
               </a:rPr>
-              <a:t>Difficult to add new job</a:t>
+              <a:t>Add or remove job</a:t>
             </a:r>
           </a:p>
         </p:txBody>
@@ -9409,8 +11354,8 @@
         </p:nvSpPr>
         <p:spPr bwMode="gray">
           <a:xfrm>
-            <a:off x="687876" y="4001885"/>
-            <a:ext cx="1448434" cy="949699"/>
+            <a:off x="617718" y="3819322"/>
+            <a:ext cx="1867486" cy="949699"/>
           </a:xfrm>
           <a:prstGeom prst="ellipse">
             <a:avLst/>
@@ -9443,7 +11388,7 @@
               </a:spcBef>
             </a:pPr>
             <a:r>
-              <a:rPr lang="en-US" sz="1600" b="1" dirty="0">
+              <a:rPr lang="en-US" sz="1500" b="1" dirty="0">
                 <a:solidFill>
                   <a:schemeClr val="bg1"/>
                 </a:solidFill>
@@ -9470,8 +11415,8 @@
         </p:nvSpPr>
         <p:spPr bwMode="gray">
           <a:xfrm>
-            <a:off x="745026" y="5252745"/>
-            <a:ext cx="1448434" cy="949699"/>
+            <a:off x="674868" y="5070182"/>
+            <a:ext cx="1867486" cy="949699"/>
           </a:xfrm>
           <a:prstGeom prst="ellipse">
             <a:avLst/>
@@ -9504,7 +11449,7 @@
               </a:spcBef>
             </a:pPr>
             <a:r>
-              <a:rPr lang="en-US" sz="1600" b="1" dirty="0">
+              <a:rPr lang="en-US" sz="1500" b="1" dirty="0">
                 <a:solidFill>
                   <a:schemeClr val="bg1"/>
                 </a:solidFill>
@@ -9531,8 +11476,8 @@
         </p:nvSpPr>
         <p:spPr bwMode="gray">
           <a:xfrm>
-            <a:off x="1866484" y="5252744"/>
-            <a:ext cx="8763831" cy="949699"/>
+            <a:off x="2343150" y="5070181"/>
+            <a:ext cx="8359510" cy="949699"/>
           </a:xfrm>
           <a:custGeom>
             <a:avLst/>
@@ -9669,7 +11614,7 @@
                 <a:latin typeface="Calibri" panose="020F0502020204030204" pitchFamily="34" charset="0"/>
                 <a:cs typeface="Calibri" panose="020F0502020204030204" pitchFamily="34" charset="0"/>
               </a:rPr>
-              <a:t>DS scheduler doesn’t provide options to wait for files or another process to complete beyond a pre defined time. </a:t>
+              <a:t>DS scheduler doesn’t provide options to wait for files or another process to complete beyond a pre-defined time. </a:t>
             </a:r>
             <a:r>
               <a:rPr lang="en-US" sz="1600" dirty="0">
@@ -9746,8 +11691,8 @@
         </p:nvSpPr>
         <p:spPr bwMode="gray">
           <a:xfrm>
-            <a:off x="1809334" y="3992563"/>
-            <a:ext cx="8763831" cy="949699"/>
+            <a:off x="2286000" y="3810000"/>
+            <a:ext cx="8359510" cy="949699"/>
           </a:xfrm>
           <a:custGeom>
             <a:avLst/>
@@ -9884,7 +11829,7 @@
                 <a:latin typeface="Calibri" panose="020F0502020204030204" pitchFamily="34" charset="0"/>
                 <a:cs typeface="Calibri" panose="020F0502020204030204" pitchFamily="34" charset="0"/>
               </a:rPr>
-              <a:t>If a job aborts [with 0 dependency], there is no way to skip the job in DS scheduler. </a:t>
+              <a:t>If a job aborts, there is no way to skip the job in DS scheduler. </a:t>
             </a:r>
             <a:r>
               <a:rPr lang="en-US" sz="1600" dirty="0">
@@ -9961,8 +11906,8 @@
         </p:nvSpPr>
         <p:spPr bwMode="gray">
           <a:xfrm>
-            <a:off x="1820520" y="2856645"/>
-            <a:ext cx="8763831" cy="830997"/>
+            <a:off x="2297186" y="2674082"/>
+            <a:ext cx="8359510" cy="830997"/>
           </a:xfrm>
           <a:custGeom>
             <a:avLst/>
@@ -10099,7 +12044,7 @@
                 <a:latin typeface="Calibri" panose="020F0502020204030204" pitchFamily="34" charset="0"/>
                 <a:cs typeface="Calibri" panose="020F0502020204030204" pitchFamily="34" charset="0"/>
               </a:rPr>
-              <a:t>To add/remove job in workflow, wrapper sequence needs to be changed which is time consuming and involves risk.</a:t>
+              <a:t>To add/remove job in workflow, DS wrapper sequence needs to be changed which is time consuming and involves risk.</a:t>
             </a:r>
           </a:p>
           <a:p>
@@ -10156,8 +12101,8 @@
         </p:nvSpPr>
         <p:spPr bwMode="gray">
           <a:xfrm>
-            <a:off x="1724025" y="1667819"/>
-            <a:ext cx="8877715" cy="949699"/>
+            <a:off x="2205945" y="1485256"/>
+            <a:ext cx="8468140" cy="949699"/>
           </a:xfrm>
           <a:custGeom>
             <a:avLst/>
@@ -10372,6 +12317,17 @@
             <a:r>
               <a:rPr lang="en-US" sz="2400" dirty="0">
                 <a:solidFill>
+                  <a:srgbClr val="ED8B00"/>
+                </a:solidFill>
+                <a:latin typeface="Open Sans" panose="020B0606030504020204" pitchFamily="34" charset="0"/>
+                <a:ea typeface="Open Sans" panose="020B0606030504020204" pitchFamily="34" charset="0"/>
+                <a:cs typeface="Open Sans" panose="020B0606030504020204" pitchFamily="34" charset="0"/>
+              </a:rPr>
+              <a:t>JobHoncho</a:t>
+            </a:r>
+            <a:r>
+              <a:rPr lang="en-US" sz="2400" dirty="0">
+                <a:solidFill>
                   <a:schemeClr val="accent6">
                     <a:lumMod val="50000"/>
                   </a:schemeClr>
@@ -10380,7 +12336,7 @@
                 <a:ea typeface="Open Sans" panose="020B0606030504020204" pitchFamily="34" charset="0"/>
                 <a:cs typeface="Open Sans" panose="020B0606030504020204" pitchFamily="34" charset="0"/>
               </a:rPr>
-              <a:t>JobHoncho Architecture:</a:t>
+              <a:t> Architecture:</a:t>
             </a:r>
           </a:p>
         </p:txBody>
@@ -11459,6 +13415,17 @@
             <a:r>
               <a:rPr lang="en-US" sz="2400" dirty="0">
                 <a:solidFill>
+                  <a:srgbClr val="ED8B00"/>
+                </a:solidFill>
+                <a:latin typeface="Open Sans" panose="020B0606030504020204" pitchFamily="34" charset="0"/>
+                <a:ea typeface="Open Sans" panose="020B0606030504020204" pitchFamily="34" charset="0"/>
+                <a:cs typeface="Open Sans" panose="020B0606030504020204" pitchFamily="34" charset="0"/>
+              </a:rPr>
+              <a:t>JobHoncho</a:t>
+            </a:r>
+            <a:r>
+              <a:rPr lang="en-US" sz="2400" dirty="0">
+                <a:solidFill>
                   <a:schemeClr val="accent6">
                     <a:lumMod val="50000"/>
                   </a:schemeClr>
@@ -11467,7 +13434,7 @@
                 <a:ea typeface="Open Sans" panose="020B0606030504020204" pitchFamily="34" charset="0"/>
                 <a:cs typeface="Open Sans" panose="020B0606030504020204" pitchFamily="34" charset="0"/>
               </a:rPr>
-              <a:t>JobHoncho Process Flow:</a:t>
+              <a:t> Process Flow:</a:t>
             </a:r>
           </a:p>
         </p:txBody>
@@ -11593,10 +13560,10 @@
       </p:sp>
       <p:pic>
         <p:nvPicPr>
-          <p:cNvPr id="6" name="Picture 5">
+          <p:cNvPr id="3" name="Picture 2">
             <a:extLst>
               <a:ext uri="{FF2B5EF4-FFF2-40B4-BE49-F238E27FC236}">
-                <a16:creationId xmlns:a16="http://schemas.microsoft.com/office/drawing/2014/main" id="{8D8F9672-E542-4109-BE3C-3C7CA1BAEDDF}"/>
+                <a16:creationId xmlns:a16="http://schemas.microsoft.com/office/drawing/2014/main" id="{9644FC54-6930-434E-A5CF-DAB21813F9F2}"/>
               </a:ext>
             </a:extLst>
           </p:cNvPr>
@@ -11613,8 +13580,8 @@
         </p:blipFill>
         <p:spPr>
           <a:xfrm>
-            <a:off x="269565" y="1378827"/>
-            <a:ext cx="11652870" cy="4717173"/>
+            <a:off x="395290" y="1285892"/>
+            <a:ext cx="11077010" cy="4800583"/>
           </a:xfrm>
           <a:prstGeom prst="rect">
             <a:avLst/>
@@ -11700,7 +13667,642 @@
                 <a:ea typeface="Open Sans" panose="020B0606030504020204" pitchFamily="34" charset="0"/>
                 <a:cs typeface="Open Sans" panose="020B0606030504020204" pitchFamily="34" charset="0"/>
               </a:rPr>
-              <a:t>JobHoncho Control tables:</a:t>
+              <a:t>Why </a:t>
+            </a:r>
+            <a:r>
+              <a:rPr lang="en-US" sz="2400" dirty="0">
+                <a:solidFill>
+                  <a:srgbClr val="ED8B00"/>
+                </a:solidFill>
+                <a:latin typeface="Open Sans" panose="020B0606030504020204" pitchFamily="34" charset="0"/>
+                <a:ea typeface="Open Sans" panose="020B0606030504020204" pitchFamily="34" charset="0"/>
+                <a:cs typeface="Open Sans" panose="020B0606030504020204" pitchFamily="34" charset="0"/>
+              </a:rPr>
+              <a:t>JobHoncho</a:t>
+            </a:r>
+            <a:r>
+              <a:rPr lang="en-US" sz="2400" dirty="0">
+                <a:latin typeface="Open Sans" panose="020B0606030504020204" pitchFamily="34" charset="0"/>
+                <a:ea typeface="Open Sans" panose="020B0606030504020204" pitchFamily="34" charset="0"/>
+                <a:cs typeface="Open Sans" panose="020B0606030504020204" pitchFamily="34" charset="0"/>
+              </a:rPr>
+              <a:t>?</a:t>
+            </a:r>
+          </a:p>
+        </p:txBody>
+      </p:sp>
+      <p:cxnSp>
+        <p:nvCxnSpPr>
+          <p:cNvPr id="21" name="Straight Connector 20">
+            <a:extLst>
+              <a:ext uri="{FF2B5EF4-FFF2-40B4-BE49-F238E27FC236}">
+                <a16:creationId xmlns:a16="http://schemas.microsoft.com/office/drawing/2014/main" id="{2361655D-4055-4A5D-BE33-BE565AFE182E}"/>
+              </a:ext>
+            </a:extLst>
+          </p:cNvPr>
+          <p:cNvCxnSpPr>
+            <a:cxnSpLocks/>
+          </p:cNvCxnSpPr>
+          <p:nvPr/>
+        </p:nvCxnSpPr>
+        <p:spPr>
+          <a:xfrm>
+            <a:off x="228599" y="762000"/>
+            <a:ext cx="11355190" cy="0"/>
+          </a:xfrm>
+          <a:prstGeom prst="line">
+            <a:avLst/>
+          </a:prstGeom>
+          <a:ln/>
+        </p:spPr>
+        <p:style>
+          <a:lnRef idx="3">
+            <a:schemeClr val="accent6"/>
+          </a:lnRef>
+          <a:fillRef idx="0">
+            <a:schemeClr val="accent6"/>
+          </a:fillRef>
+          <a:effectRef idx="2">
+            <a:schemeClr val="accent6"/>
+          </a:effectRef>
+          <a:fontRef idx="minor">
+            <a:schemeClr val="tx1"/>
+          </a:fontRef>
+        </p:style>
+      </p:cxnSp>
+      <p:sp>
+        <p:nvSpPr>
+          <p:cNvPr id="4" name="TextBox 3">
+            <a:extLst>
+              <a:ext uri="{FF2B5EF4-FFF2-40B4-BE49-F238E27FC236}">
+                <a16:creationId xmlns:a16="http://schemas.microsoft.com/office/drawing/2014/main" id="{EC3D4B4E-40A4-4FA3-B39F-A4BBCD4702B2}"/>
+              </a:ext>
+            </a:extLst>
+          </p:cNvPr>
+          <p:cNvSpPr txBox="1"/>
+          <p:nvPr/>
+        </p:nvSpPr>
+        <p:spPr bwMode="gray">
+          <a:xfrm>
+            <a:off x="395290" y="1295400"/>
+            <a:ext cx="914400" cy="914400"/>
+          </a:xfrm>
+          <a:prstGeom prst="rect">
+            <a:avLst/>
+          </a:prstGeom>
+        </p:spPr>
+        <p:txBody>
+          <a:bodyPr wrap="none" lIns="0" rIns="0" rtlCol="0" anchor="b" anchorCtr="0">
+            <a:normAutofit/>
+          </a:bodyPr>
+          <a:lstStyle/>
+          <a:p>
+            <a:pPr>
+              <a:lnSpc>
+                <a:spcPts val="900"/>
+              </a:lnSpc>
+            </a:pPr>
+            <a:endParaRPr lang="en-US" sz="1300" b="1" dirty="0">
+              <a:solidFill>
+                <a:schemeClr val="tx1"/>
+              </a:solidFill>
+            </a:endParaRPr>
+          </a:p>
+        </p:txBody>
+      </p:sp>
+      <p:grpSp>
+        <p:nvGrpSpPr>
+          <p:cNvPr id="5" name="Group 4">
+            <a:extLst>
+              <a:ext uri="{FF2B5EF4-FFF2-40B4-BE49-F238E27FC236}">
+                <a16:creationId xmlns:a16="http://schemas.microsoft.com/office/drawing/2014/main" id="{91481479-B419-4520-8D26-DB7E1B265F62}"/>
+              </a:ext>
+            </a:extLst>
+          </p:cNvPr>
+          <p:cNvGrpSpPr/>
+          <p:nvPr/>
+        </p:nvGrpSpPr>
+        <p:grpSpPr>
+          <a:xfrm>
+            <a:off x="729750" y="1187603"/>
+            <a:ext cx="3918450" cy="914391"/>
+            <a:chOff x="729750" y="1187604"/>
+            <a:chExt cx="3756344" cy="677776"/>
+          </a:xfrm>
+        </p:grpSpPr>
+        <p:sp>
+          <p:nvSpPr>
+            <p:cNvPr id="8" name="AutoShape 4">
+              <a:extLst>
+                <a:ext uri="{FF2B5EF4-FFF2-40B4-BE49-F238E27FC236}">
+                  <a16:creationId xmlns:a16="http://schemas.microsoft.com/office/drawing/2014/main" id="{6ADF9521-5D05-490C-8413-35FD8EF17EAA}"/>
+                </a:ext>
+              </a:extLst>
+            </p:cNvPr>
+            <p:cNvSpPr>
+              <a:spLocks noChangeArrowheads="1"/>
+            </p:cNvSpPr>
+            <p:nvPr/>
+          </p:nvSpPr>
+          <p:spPr bwMode="auto">
+            <a:xfrm>
+              <a:off x="1066800" y="1187612"/>
+              <a:ext cx="3419294" cy="676241"/>
+            </a:xfrm>
+            <a:prstGeom prst="homePlate">
+              <a:avLst>
+                <a:gd name="adj" fmla="val 51801"/>
+              </a:avLst>
+            </a:prstGeom>
+            <a:ln>
+              <a:headEnd/>
+              <a:tailEnd/>
+            </a:ln>
+          </p:spPr>
+          <p:style>
+            <a:lnRef idx="2">
+              <a:schemeClr val="accent2">
+                <a:shade val="50000"/>
+              </a:schemeClr>
+            </a:lnRef>
+            <a:fillRef idx="1">
+              <a:schemeClr val="accent2"/>
+            </a:fillRef>
+            <a:effectRef idx="0">
+              <a:schemeClr val="accent2"/>
+            </a:effectRef>
+            <a:fontRef idx="minor">
+              <a:schemeClr val="lt1"/>
+            </a:fontRef>
+          </p:style>
+          <p:txBody>
+            <a:bodyPr lIns="45720" rIns="45720" anchor="ctr"/>
+            <a:lstStyle/>
+            <a:p>
+              <a:pPr>
+                <a:spcBef>
+                  <a:spcPct val="0"/>
+                </a:spcBef>
+              </a:pPr>
+              <a:r>
+                <a:rPr lang="en-US" sz="1400" b="1" dirty="0">
+                  <a:latin typeface="+mj-lt"/>
+                  <a:cs typeface="Arial" charset="0"/>
+                </a:rPr>
+                <a:t>GPS Data security</a:t>
+              </a:r>
+            </a:p>
+          </p:txBody>
+        </p:sp>
+        <p:sp>
+          <p:nvSpPr>
+            <p:cNvPr id="9" name="Rectangle 6">
+              <a:extLst>
+                <a:ext uri="{FF2B5EF4-FFF2-40B4-BE49-F238E27FC236}">
+                  <a16:creationId xmlns:a16="http://schemas.microsoft.com/office/drawing/2014/main" id="{36B5A6C4-DB3D-4E52-847D-2BA493696D26}"/>
+                </a:ext>
+              </a:extLst>
+            </p:cNvPr>
+            <p:cNvSpPr>
+              <a:spLocks noChangeArrowheads="1"/>
+            </p:cNvSpPr>
+            <p:nvPr/>
+          </p:nvSpPr>
+          <p:spPr bwMode="auto">
+            <a:xfrm>
+              <a:off x="729750" y="1187604"/>
+              <a:ext cx="252536" cy="677776"/>
+            </a:xfrm>
+            <a:prstGeom prst="rect">
+              <a:avLst/>
+            </a:prstGeom>
+            <a:solidFill>
+              <a:schemeClr val="tx1"/>
+            </a:solidFill>
+            <a:ln w="9525" algn="ctr">
+              <a:noFill/>
+              <a:miter lim="800000"/>
+              <a:headEnd/>
+              <a:tailEnd/>
+            </a:ln>
+            <a:effectLst/>
+          </p:spPr>
+          <p:txBody>
+            <a:bodyPr lIns="0" tIns="0" rIns="0" bIns="0" anchor="ctr" anchorCtr="1"/>
+            <a:lstStyle/>
+            <a:p>
+              <a:pPr algn="l">
+                <a:spcBef>
+                  <a:spcPct val="0"/>
+                </a:spcBef>
+              </a:pPr>
+              <a:r>
+                <a:rPr lang="en-US" dirty="0">
+                  <a:solidFill>
+                    <a:srgbClr val="FFFFFF"/>
+                  </a:solidFill>
+                  <a:latin typeface="Arial" charset="0"/>
+                  <a:cs typeface="Arial" charset="0"/>
+                </a:rPr>
+                <a:t>1</a:t>
+              </a:r>
+            </a:p>
+          </p:txBody>
+        </p:sp>
+      </p:grpSp>
+      <p:sp>
+        <p:nvSpPr>
+          <p:cNvPr id="10" name="Rectangle 9">
+            <a:extLst>
+              <a:ext uri="{FF2B5EF4-FFF2-40B4-BE49-F238E27FC236}">
+                <a16:creationId xmlns:a16="http://schemas.microsoft.com/office/drawing/2014/main" id="{EE672E14-5F95-40AF-A553-35FD7C31FD2D}"/>
+              </a:ext>
+            </a:extLst>
+          </p:cNvPr>
+          <p:cNvSpPr/>
+          <p:nvPr/>
+        </p:nvSpPr>
+        <p:spPr>
+          <a:xfrm>
+            <a:off x="4724399" y="1233344"/>
+            <a:ext cx="6757969" cy="830997"/>
+          </a:xfrm>
+          <a:prstGeom prst="rect">
+            <a:avLst/>
+          </a:prstGeom>
+        </p:spPr>
+        <p:txBody>
+          <a:bodyPr wrap="square">
+            <a:spAutoFit/>
+          </a:bodyPr>
+          <a:lstStyle/>
+          <a:p>
+            <a:r>
+              <a:rPr lang="en-US" sz="1600" dirty="0"/>
+              <a:t>JobHoncho is inhouse code residing in the internal server. Hence give full control &amp; security of data.</a:t>
+            </a:r>
+          </a:p>
+          <a:p>
+            <a:endParaRPr lang="en-US" sz="1600" dirty="0"/>
+          </a:p>
+        </p:txBody>
+      </p:sp>
+      <p:grpSp>
+        <p:nvGrpSpPr>
+          <p:cNvPr id="12" name="Group 11">
+            <a:extLst>
+              <a:ext uri="{FF2B5EF4-FFF2-40B4-BE49-F238E27FC236}">
+                <a16:creationId xmlns:a16="http://schemas.microsoft.com/office/drawing/2014/main" id="{CA1699FD-C62C-4743-913B-C0FB746416FE}"/>
+              </a:ext>
+            </a:extLst>
+          </p:cNvPr>
+          <p:cNvGrpSpPr/>
+          <p:nvPr/>
+        </p:nvGrpSpPr>
+        <p:grpSpPr>
+          <a:xfrm>
+            <a:off x="395289" y="2479807"/>
+            <a:ext cx="10807502" cy="900915"/>
+            <a:chOff x="395289" y="2479807"/>
+            <a:chExt cx="10807502" cy="900915"/>
+          </a:xfrm>
+        </p:grpSpPr>
+        <p:sp>
+          <p:nvSpPr>
+            <p:cNvPr id="26" name="TextBox 25">
+              <a:extLst>
+                <a:ext uri="{FF2B5EF4-FFF2-40B4-BE49-F238E27FC236}">
+                  <a16:creationId xmlns:a16="http://schemas.microsoft.com/office/drawing/2014/main" id="{643B17CE-2645-465E-9891-0ABE2E3F21AD}"/>
+                </a:ext>
+              </a:extLst>
+            </p:cNvPr>
+            <p:cNvSpPr txBox="1"/>
+            <p:nvPr/>
+          </p:nvSpPr>
+          <p:spPr bwMode="gray">
+            <a:xfrm>
+              <a:off x="395289" y="2971152"/>
+              <a:ext cx="7473156" cy="409570"/>
+            </a:xfrm>
+            <a:prstGeom prst="rect">
+              <a:avLst/>
+            </a:prstGeom>
+          </p:spPr>
+          <p:txBody>
+            <a:bodyPr wrap="none" lIns="0" rIns="0" rtlCol="0" anchor="b" anchorCtr="0">
+              <a:normAutofit/>
+            </a:bodyPr>
+            <a:lstStyle/>
+            <a:p>
+              <a:pPr>
+                <a:lnSpc>
+                  <a:spcPts val="900"/>
+                </a:lnSpc>
+              </a:pPr>
+              <a:endParaRPr lang="en-US" sz="1300" b="1" dirty="0">
+                <a:solidFill>
+                  <a:schemeClr val="tx1"/>
+                </a:solidFill>
+              </a:endParaRPr>
+            </a:p>
+          </p:txBody>
+        </p:sp>
+        <p:grpSp>
+          <p:nvGrpSpPr>
+            <p:cNvPr id="15" name="Group 14">
+              <a:extLst>
+                <a:ext uri="{FF2B5EF4-FFF2-40B4-BE49-F238E27FC236}">
+                  <a16:creationId xmlns:a16="http://schemas.microsoft.com/office/drawing/2014/main" id="{DCE7C605-6FC9-40B6-8311-4B4E50749BAF}"/>
+                </a:ext>
+              </a:extLst>
+            </p:cNvPr>
+            <p:cNvGrpSpPr/>
+            <p:nvPr/>
+          </p:nvGrpSpPr>
+          <p:grpSpPr>
+            <a:xfrm>
+              <a:off x="729749" y="2479807"/>
+              <a:ext cx="3903904" cy="831005"/>
+              <a:chOff x="729750" y="1187604"/>
+              <a:chExt cx="3903904" cy="831005"/>
+            </a:xfrm>
+          </p:grpSpPr>
+          <p:sp>
+            <p:nvSpPr>
+              <p:cNvPr id="16" name="AutoShape 4">
+                <a:extLst>
+                  <a:ext uri="{FF2B5EF4-FFF2-40B4-BE49-F238E27FC236}">
+                    <a16:creationId xmlns:a16="http://schemas.microsoft.com/office/drawing/2014/main" id="{4C2666BE-5EF0-4D37-ABEE-06E36A296E2F}"/>
+                  </a:ext>
+                </a:extLst>
+              </p:cNvPr>
+              <p:cNvSpPr>
+                <a:spLocks noChangeArrowheads="1"/>
+              </p:cNvSpPr>
+              <p:nvPr/>
+            </p:nvSpPr>
+            <p:spPr bwMode="auto">
+              <a:xfrm>
+                <a:off x="1066800" y="1187612"/>
+                <a:ext cx="3566854" cy="830997"/>
+              </a:xfrm>
+              <a:prstGeom prst="homePlate">
+                <a:avLst>
+                  <a:gd name="adj" fmla="val 51801"/>
+                </a:avLst>
+              </a:prstGeom>
+              <a:ln>
+                <a:headEnd/>
+                <a:tailEnd/>
+              </a:ln>
+            </p:spPr>
+            <p:style>
+              <a:lnRef idx="2">
+                <a:schemeClr val="accent2">
+                  <a:shade val="50000"/>
+                </a:schemeClr>
+              </a:lnRef>
+              <a:fillRef idx="1">
+                <a:schemeClr val="accent2"/>
+              </a:fillRef>
+              <a:effectRef idx="0">
+                <a:schemeClr val="accent2"/>
+              </a:effectRef>
+              <a:fontRef idx="minor">
+                <a:schemeClr val="lt1"/>
+              </a:fontRef>
+            </p:style>
+            <p:txBody>
+              <a:bodyPr lIns="45720" rIns="45720" anchor="ctr"/>
+              <a:lstStyle/>
+              <a:p>
+                <a:pPr>
+                  <a:spcBef>
+                    <a:spcPct val="0"/>
+                  </a:spcBef>
+                </a:pPr>
+                <a:r>
+                  <a:rPr lang="en-US" sz="1400" b="1" dirty="0">
+                    <a:latin typeface="+mj-lt"/>
+                    <a:cs typeface="Arial" charset="0"/>
+                  </a:rPr>
+                  <a:t>Easy to configure &amp; use</a:t>
+                </a:r>
+              </a:p>
+            </p:txBody>
+          </p:sp>
+          <p:sp>
+            <p:nvSpPr>
+              <p:cNvPr id="17" name="Rectangle 6">
+                <a:extLst>
+                  <a:ext uri="{FF2B5EF4-FFF2-40B4-BE49-F238E27FC236}">
+                    <a16:creationId xmlns:a16="http://schemas.microsoft.com/office/drawing/2014/main" id="{F1961A8E-3A47-47AD-AC46-7E95B8C84D94}"/>
+                  </a:ext>
+                </a:extLst>
+              </p:cNvPr>
+              <p:cNvSpPr>
+                <a:spLocks noChangeArrowheads="1"/>
+              </p:cNvSpPr>
+              <p:nvPr/>
+            </p:nvSpPr>
+            <p:spPr bwMode="auto">
+              <a:xfrm>
+                <a:off x="729750" y="1187604"/>
+                <a:ext cx="246304" cy="830996"/>
+              </a:xfrm>
+              <a:prstGeom prst="rect">
+                <a:avLst/>
+              </a:prstGeom>
+              <a:solidFill>
+                <a:schemeClr val="tx1"/>
+              </a:solidFill>
+              <a:ln w="9525" algn="ctr">
+                <a:noFill/>
+                <a:miter lim="800000"/>
+                <a:headEnd/>
+                <a:tailEnd/>
+              </a:ln>
+              <a:effectLst/>
+            </p:spPr>
+            <p:txBody>
+              <a:bodyPr lIns="0" tIns="0" rIns="0" bIns="0" anchor="ctr" anchorCtr="1"/>
+              <a:lstStyle/>
+              <a:p>
+                <a:pPr algn="l">
+                  <a:spcBef>
+                    <a:spcPct val="0"/>
+                  </a:spcBef>
+                </a:pPr>
+                <a:r>
+                  <a:rPr lang="en-US" dirty="0">
+                    <a:solidFill>
+                      <a:srgbClr val="FFFFFF"/>
+                    </a:solidFill>
+                    <a:latin typeface="Arial" charset="0"/>
+                    <a:cs typeface="Arial" charset="0"/>
+                  </a:rPr>
+                  <a:t>2</a:t>
+                </a:r>
+              </a:p>
+            </p:txBody>
+          </p:sp>
+        </p:grpSp>
+        <p:sp>
+          <p:nvSpPr>
+            <p:cNvPr id="18" name="Rectangle 17">
+              <a:extLst>
+                <a:ext uri="{FF2B5EF4-FFF2-40B4-BE49-F238E27FC236}">
+                  <a16:creationId xmlns:a16="http://schemas.microsoft.com/office/drawing/2014/main" id="{417A17EF-9B1E-4B76-9A7B-7E9166527BD7}"/>
+                </a:ext>
+              </a:extLst>
+            </p:cNvPr>
+            <p:cNvSpPr/>
+            <p:nvPr/>
+          </p:nvSpPr>
+          <p:spPr>
+            <a:xfrm>
+              <a:off x="4724399" y="2525547"/>
+              <a:ext cx="6478392" cy="830997"/>
+            </a:xfrm>
+            <a:prstGeom prst="rect">
+              <a:avLst/>
+            </a:prstGeom>
+          </p:spPr>
+          <p:txBody>
+            <a:bodyPr wrap="square">
+              <a:spAutoFit/>
+            </a:bodyPr>
+            <a:lstStyle/>
+            <a:p>
+              <a:r>
+                <a:rPr lang="en-US" sz="1600" dirty="0"/>
+                <a:t>JobHoncho is exclusively built for internal scheduling purposes. That gives the ability to configure a job with a minimum understanding of the system.</a:t>
+              </a:r>
+            </a:p>
+          </p:txBody>
+        </p:sp>
+      </p:grpSp>
+      <p:pic>
+        <p:nvPicPr>
+          <p:cNvPr id="22" name="Picture 21">
+            <a:extLst>
+              <a:ext uri="{FF2B5EF4-FFF2-40B4-BE49-F238E27FC236}">
+                <a16:creationId xmlns:a16="http://schemas.microsoft.com/office/drawing/2014/main" id="{2E5ACB3C-D5B1-43F4-AA89-5F9DA0189E0B}"/>
+              </a:ext>
+            </a:extLst>
+          </p:cNvPr>
+          <p:cNvPicPr>
+            <a:picLocks noChangeAspect="1"/>
+          </p:cNvPicPr>
+          <p:nvPr/>
+        </p:nvPicPr>
+        <p:blipFill>
+          <a:blip r:embed="rId3"/>
+          <a:stretch>
+            <a:fillRect/>
+          </a:stretch>
+        </p:blipFill>
+        <p:spPr>
+          <a:xfrm>
+            <a:off x="3886200" y="4072164"/>
+            <a:ext cx="4714875" cy="1295400"/>
+          </a:xfrm>
+          <a:prstGeom prst="rect">
+            <a:avLst/>
+          </a:prstGeom>
+        </p:spPr>
+      </p:pic>
+    </p:spTree>
+    <p:extLst>
+      <p:ext uri="{BB962C8B-B14F-4D97-AF65-F5344CB8AC3E}">
+        <p14:creationId xmlns:p14="http://schemas.microsoft.com/office/powerpoint/2010/main" val="2449866574"/>
+      </p:ext>
+    </p:extLst>
+  </p:cSld>
+  <p:clrMapOvr>
+    <a:masterClrMapping/>
+  </p:clrMapOvr>
+  <mc:AlternateContent xmlns:mc="http://schemas.openxmlformats.org/markup-compatibility/2006" xmlns:p159="http://schemas.microsoft.com/office/powerpoint/2015/09/main">
+    <mc:Choice Requires="p159">
+      <p:transition xmlns:p14="http://schemas.microsoft.com/office/powerpoint/2010/main" spd="slow" p14:dur="2000">
+        <p159:morph option="byObject"/>
+      </p:transition>
+    </mc:Choice>
+    <mc:Fallback xmlns="">
+      <p:transition spd="slow">
+        <p:fade/>
+      </p:transition>
+    </mc:Fallback>
+  </mc:AlternateContent>
+</p:sld>
+</file>
+
+<file path=ppt/slides/slide7.xml><?xml version="1.0" encoding="utf-8"?>
+<p:sld xmlns:a="http://schemas.openxmlformats.org/drawingml/2006/main" xmlns:r="http://schemas.openxmlformats.org/officeDocument/2006/relationships" xmlns:p="http://schemas.openxmlformats.org/presentationml/2006/main">
+  <p:cSld>
+    <p:spTree>
+      <p:nvGrpSpPr>
+        <p:cNvPr id="1" name=""/>
+        <p:cNvGrpSpPr/>
+        <p:nvPr/>
+      </p:nvGrpSpPr>
+      <p:grpSpPr>
+        <a:xfrm>
+          <a:off x="0" y="0"/>
+          <a:ext cx="0" cy="0"/>
+          <a:chOff x="0" y="0"/>
+          <a:chExt cx="0" cy="0"/>
+        </a:xfrm>
+      </p:grpSpPr>
+      <p:sp>
+        <p:nvSpPr>
+          <p:cNvPr id="2" name="Title 1">
+            <a:extLst>
+              <a:ext uri="{FF2B5EF4-FFF2-40B4-BE49-F238E27FC236}">
+                <a16:creationId xmlns:a16="http://schemas.microsoft.com/office/drawing/2014/main" id="{F6C161A3-1086-4293-9AC5-471ED1338AB4}"/>
+              </a:ext>
+            </a:extLst>
+          </p:cNvPr>
+          <p:cNvSpPr>
+            <a:spLocks noGrp="1"/>
+          </p:cNvSpPr>
+          <p:nvPr>
+            <p:ph type="title"/>
+          </p:nvPr>
+        </p:nvSpPr>
+        <p:spPr>
+          <a:xfrm>
+            <a:off x="228599" y="228606"/>
+            <a:ext cx="11077575" cy="425607"/>
+          </a:xfrm>
+        </p:spPr>
+        <p:txBody>
+          <a:bodyPr/>
+          <a:lstStyle/>
+          <a:p>
+            <a:r>
+              <a:rPr lang="en-US" sz="2400" dirty="0">
+                <a:solidFill>
+                  <a:srgbClr val="ED8B00"/>
+                </a:solidFill>
+                <a:latin typeface="Open Sans" panose="020B0606030504020204" pitchFamily="34" charset="0"/>
+                <a:ea typeface="Open Sans" panose="020B0606030504020204" pitchFamily="34" charset="0"/>
+                <a:cs typeface="Open Sans" panose="020B0606030504020204" pitchFamily="34" charset="0"/>
+              </a:rPr>
+              <a:t>JobHoncho</a:t>
+            </a:r>
+            <a:r>
+              <a:rPr lang="en-US" sz="2400" dirty="0">
+                <a:solidFill>
+                  <a:schemeClr val="accent6">
+                    <a:lumMod val="50000"/>
+                  </a:schemeClr>
+                </a:solidFill>
+                <a:latin typeface="Open Sans" panose="020B0606030504020204" pitchFamily="34" charset="0"/>
+                <a:ea typeface="Open Sans" panose="020B0606030504020204" pitchFamily="34" charset="0"/>
+                <a:cs typeface="Open Sans" panose="020B0606030504020204" pitchFamily="34" charset="0"/>
+              </a:rPr>
+              <a:t> Control tables:</a:t>
             </a:r>
           </a:p>
         </p:txBody>
@@ -11786,46 +14388,6 @@
       </p:sp>
       <p:sp>
         <p:nvSpPr>
-          <p:cNvPr id="27" name="TextBox 26">
-            <a:extLst>
-              <a:ext uri="{FF2B5EF4-FFF2-40B4-BE49-F238E27FC236}">
-                <a16:creationId xmlns:a16="http://schemas.microsoft.com/office/drawing/2014/main" id="{90AE4991-9CC9-4E5B-A39C-7EFA49F710B7}"/>
-              </a:ext>
-            </a:extLst>
-          </p:cNvPr>
-          <p:cNvSpPr txBox="1"/>
-          <p:nvPr/>
-        </p:nvSpPr>
-        <p:spPr bwMode="gray">
-          <a:xfrm>
-            <a:off x="395290" y="2667000"/>
-            <a:ext cx="7473156" cy="409570"/>
-          </a:xfrm>
-          <a:prstGeom prst="rect">
-            <a:avLst/>
-          </a:prstGeom>
-        </p:spPr>
-        <p:txBody>
-          <a:bodyPr wrap="none" lIns="0" rIns="0" rtlCol="0" anchor="b" anchorCtr="0">
-            <a:normAutofit/>
-          </a:bodyPr>
-          <a:lstStyle/>
-          <a:p>
-            <a:pPr>
-              <a:lnSpc>
-                <a:spcPts val="900"/>
-              </a:lnSpc>
-            </a:pPr>
-            <a:endParaRPr lang="en-US" sz="1300" b="1" dirty="0">
-              <a:solidFill>
-                <a:schemeClr val="tx1"/>
-              </a:solidFill>
-            </a:endParaRPr>
-          </a:p>
-        </p:txBody>
-      </p:sp>
-      <p:sp>
-        <p:nvSpPr>
           <p:cNvPr id="62" name="Rectangle 61">
             <a:extLst>
               <a:ext uri="{FF2B5EF4-FFF2-40B4-BE49-F238E27FC236}">
@@ -11839,7 +14401,7 @@
         <p:spPr>
           <a:xfrm>
             <a:off x="336348" y="952613"/>
-            <a:ext cx="10862075" cy="1938992"/>
+            <a:ext cx="10862075" cy="1600438"/>
           </a:xfrm>
           <a:prstGeom prst="rect">
             <a:avLst/>
@@ -11852,12 +14414,12 @@
           <a:lstStyle/>
           <a:p>
             <a:r>
-              <a:rPr lang="en-US" sz="1500" dirty="0"/>
+              <a:rPr lang="en-US" sz="1400" dirty="0"/>
               <a:t>Below are the details about control tables. To configure JobHoncho for new ETL jobs, entries need to be created in the tables.</a:t>
             </a:r>
           </a:p>
           <a:p>
-            <a:endParaRPr lang="en-US" sz="1500" dirty="0"/>
+            <a:endParaRPr lang="en-US" sz="1400" dirty="0"/>
           </a:p>
           <a:p>
             <a:pPr marL="342900" indent="-342900">
@@ -11865,11 +14427,11 @@
               <a:buAutoNum type="arabicPeriod"/>
             </a:pPr>
             <a:r>
-              <a:rPr lang="en-US" sz="1500" b="1" dirty="0"/>
+              <a:rPr lang="en-US" sz="1400" b="1" dirty="0"/>
               <a:t>CTRL_ETL_JOBS:</a:t>
             </a:r>
             <a:r>
-              <a:rPr lang="en-US" sz="1500" dirty="0"/>
+              <a:rPr lang="en-US" sz="1400" dirty="0"/>
               <a:t> This table holds details of all ETL jobs that need to be triggered.</a:t>
             </a:r>
           </a:p>
@@ -11879,11 +14441,11 @@
               <a:buAutoNum type="arabicPeriod"/>
             </a:pPr>
             <a:r>
-              <a:rPr lang="en-US" sz="1500" b="1" dirty="0"/>
+              <a:rPr lang="en-US" sz="1400" b="1" dirty="0"/>
               <a:t>CTRL_JOB_DEPENDENCIES:</a:t>
             </a:r>
             <a:r>
-              <a:rPr lang="en-US" sz="1500" dirty="0"/>
+              <a:rPr lang="en-US" sz="1400" dirty="0"/>
               <a:t> Dependency between ETL jobs are maintained here.</a:t>
             </a:r>
           </a:p>
@@ -11893,11 +14455,11 @@
               <a:buAutoNum type="arabicPeriod"/>
             </a:pPr>
             <a:r>
-              <a:rPr lang="en-US" sz="1500" b="1" dirty="0"/>
+              <a:rPr lang="en-US" sz="1400" b="1" dirty="0"/>
               <a:t>CTRL_PARAMETERS:</a:t>
             </a:r>
             <a:r>
-              <a:rPr lang="en-US" sz="1500" dirty="0"/>
+              <a:rPr lang="en-US" sz="1400" dirty="0"/>
               <a:t> Details about job parameters are stored here.</a:t>
             </a:r>
           </a:p>
@@ -11907,11 +14469,11 @@
               <a:buAutoNum type="arabicPeriod"/>
             </a:pPr>
             <a:r>
-              <a:rPr lang="en-US" sz="1500" b="1" dirty="0"/>
+              <a:rPr lang="en-US" sz="1400" b="1" dirty="0"/>
               <a:t>CTRL_BATCH_JOBS:</a:t>
             </a:r>
             <a:r>
-              <a:rPr lang="en-US" sz="1500" dirty="0"/>
+              <a:rPr lang="en-US" sz="1400" dirty="0"/>
               <a:t> After new batch creation, all jobs that need to be triggered are inserted into this table.</a:t>
             </a:r>
           </a:p>
@@ -11919,10 +14481,10 @@
       </p:sp>
       <p:pic>
         <p:nvPicPr>
-          <p:cNvPr id="3" name="Picture 2">
+          <p:cNvPr id="5" name="Picture 4">
             <a:extLst>
               <a:ext uri="{FF2B5EF4-FFF2-40B4-BE49-F238E27FC236}">
-                <a16:creationId xmlns:a16="http://schemas.microsoft.com/office/drawing/2014/main" id="{DF96F430-6BDD-4404-A60D-2A6552006996}"/>
+                <a16:creationId xmlns:a16="http://schemas.microsoft.com/office/drawing/2014/main" id="{976D3289-8671-41EB-A587-8A03B7E41274}"/>
               </a:ext>
             </a:extLst>
           </p:cNvPr>
@@ -11939,84 +14501,8 @@
         </p:blipFill>
         <p:spPr>
           <a:xfrm>
-            <a:off x="483389" y="3302888"/>
-            <a:ext cx="5499499" cy="1296825"/>
-          </a:xfrm>
-          <a:prstGeom prst="rect">
-            <a:avLst/>
-          </a:prstGeom>
-          <a:effectLst>
-            <a:glow rad="101600">
-              <a:srgbClr val="313131">
-                <a:alpha val="40000"/>
-              </a:srgbClr>
-            </a:glow>
-            <a:softEdge rad="0"/>
-          </a:effectLst>
-        </p:spPr>
-      </p:pic>
-      <p:pic>
-        <p:nvPicPr>
-          <p:cNvPr id="4" name="Picture 3">
-            <a:extLst>
-              <a:ext uri="{FF2B5EF4-FFF2-40B4-BE49-F238E27FC236}">
-                <a16:creationId xmlns:a16="http://schemas.microsoft.com/office/drawing/2014/main" id="{AF2ADBD9-F48E-43B9-BD54-E700CB636D64}"/>
-              </a:ext>
-            </a:extLst>
-          </p:cNvPr>
-          <p:cNvPicPr>
-            <a:picLocks noChangeAspect="1"/>
-          </p:cNvPicPr>
-          <p:nvPr/>
-        </p:nvPicPr>
-        <p:blipFill>
-          <a:blip r:embed="rId4"/>
-          <a:stretch>
-            <a:fillRect/>
-          </a:stretch>
-        </p:blipFill>
-        <p:spPr>
-          <a:xfrm>
-            <a:off x="6400800" y="3362480"/>
-            <a:ext cx="4309463" cy="1237233"/>
-          </a:xfrm>
-          <a:prstGeom prst="rect">
-            <a:avLst/>
-          </a:prstGeom>
-          <a:effectLst>
-            <a:glow rad="101600">
-              <a:srgbClr val="313131">
-                <a:alpha val="40000"/>
-              </a:srgbClr>
-            </a:glow>
-            <a:softEdge rad="0"/>
-          </a:effectLst>
-        </p:spPr>
-      </p:pic>
-      <p:pic>
-        <p:nvPicPr>
-          <p:cNvPr id="5" name="Picture 4">
-            <a:extLst>
-              <a:ext uri="{FF2B5EF4-FFF2-40B4-BE49-F238E27FC236}">
-                <a16:creationId xmlns:a16="http://schemas.microsoft.com/office/drawing/2014/main" id="{976D3289-8671-41EB-A587-8A03B7E41274}"/>
-              </a:ext>
-            </a:extLst>
-          </p:cNvPr>
-          <p:cNvPicPr>
-            <a:picLocks noChangeAspect="1"/>
-          </p:cNvPicPr>
-          <p:nvPr/>
-        </p:nvPicPr>
-        <p:blipFill>
-          <a:blip r:embed="rId5"/>
-          <a:stretch>
-            <a:fillRect/>
-          </a:stretch>
-        </p:blipFill>
-        <p:spPr>
-          <a:xfrm>
-            <a:off x="395290" y="5227410"/>
-            <a:ext cx="5698402" cy="1296825"/>
+            <a:off x="355398" y="5230307"/>
+            <a:ext cx="5435802" cy="1237063"/>
           </a:xfrm>
           <a:prstGeom prst="rect">
             <a:avLst/>
@@ -12045,7 +14531,7 @@
         </p:nvSpPr>
         <p:spPr bwMode="gray">
           <a:xfrm>
-            <a:off x="6400800" y="3060652"/>
+            <a:off x="6477000" y="4888463"/>
             <a:ext cx="4481510" cy="203040"/>
           </a:xfrm>
           <a:prstGeom prst="rect">
@@ -12089,7 +14575,7 @@
         </p:nvSpPr>
         <p:spPr bwMode="gray">
           <a:xfrm>
-            <a:off x="385765" y="4981569"/>
+            <a:off x="364923" y="4854600"/>
             <a:ext cx="4481510" cy="203040"/>
           </a:xfrm>
           <a:prstGeom prst="rect">
@@ -12133,7 +14619,7 @@
         </p:nvSpPr>
         <p:spPr bwMode="gray">
           <a:xfrm>
-            <a:off x="464339" y="3033067"/>
+            <a:off x="395290" y="2841900"/>
             <a:ext cx="4481510" cy="203040"/>
           </a:xfrm>
           <a:prstGeom prst="rect">
@@ -12177,8 +14663,8 @@
         </p:nvSpPr>
         <p:spPr>
           <a:xfrm>
-            <a:off x="228599" y="2982050"/>
-            <a:ext cx="11201401" cy="3723543"/>
+            <a:off x="228599" y="2743664"/>
+            <a:ext cx="11355190" cy="3961930"/>
           </a:xfrm>
           <a:prstGeom prst="rect">
             <a:avLst/>
@@ -12215,6 +14701,82 @@
           </a:p>
         </p:txBody>
       </p:sp>
+      <p:pic>
+        <p:nvPicPr>
+          <p:cNvPr id="7" name="Picture 6">
+            <a:extLst>
+              <a:ext uri="{FF2B5EF4-FFF2-40B4-BE49-F238E27FC236}">
+                <a16:creationId xmlns:a16="http://schemas.microsoft.com/office/drawing/2014/main" id="{3F274588-B018-4D9B-B219-656AD9180E92}"/>
+              </a:ext>
+            </a:extLst>
+          </p:cNvPr>
+          <p:cNvPicPr>
+            <a:picLocks noChangeAspect="1"/>
+          </p:cNvPicPr>
+          <p:nvPr/>
+        </p:nvPicPr>
+        <p:blipFill>
+          <a:blip r:embed="rId4"/>
+          <a:stretch>
+            <a:fillRect/>
+          </a:stretch>
+        </p:blipFill>
+        <p:spPr>
+          <a:xfrm>
+            <a:off x="395290" y="3175925"/>
+            <a:ext cx="10969823" cy="1430589"/>
+          </a:xfrm>
+          <a:prstGeom prst="rect">
+            <a:avLst/>
+          </a:prstGeom>
+          <a:effectLst>
+            <a:glow rad="101600">
+              <a:srgbClr val="313131">
+                <a:alpha val="40000"/>
+              </a:srgbClr>
+            </a:glow>
+            <a:softEdge rad="0"/>
+          </a:effectLst>
+        </p:spPr>
+      </p:pic>
+      <p:pic>
+        <p:nvPicPr>
+          <p:cNvPr id="8" name="Picture 7">
+            <a:extLst>
+              <a:ext uri="{FF2B5EF4-FFF2-40B4-BE49-F238E27FC236}">
+                <a16:creationId xmlns:a16="http://schemas.microsoft.com/office/drawing/2014/main" id="{DF78A39F-CA7A-4B2F-AA38-784337ED2689}"/>
+              </a:ext>
+            </a:extLst>
+          </p:cNvPr>
+          <p:cNvPicPr>
+            <a:picLocks noChangeAspect="1"/>
+          </p:cNvPicPr>
+          <p:nvPr/>
+        </p:nvPicPr>
+        <p:blipFill>
+          <a:blip r:embed="rId5"/>
+          <a:stretch>
+            <a:fillRect/>
+          </a:stretch>
+        </p:blipFill>
+        <p:spPr>
+          <a:xfrm>
+            <a:off x="6350803" y="5230306"/>
+            <a:ext cx="5014310" cy="1237063"/>
+          </a:xfrm>
+          <a:prstGeom prst="rect">
+            <a:avLst/>
+          </a:prstGeom>
+          <a:effectLst>
+            <a:glow rad="101600">
+              <a:srgbClr val="313131">
+                <a:alpha val="40000"/>
+              </a:srgbClr>
+            </a:glow>
+            <a:softEdge rad="0"/>
+          </a:effectLst>
+        </p:spPr>
+      </p:pic>
     </p:spTree>
     <p:extLst>
       <p:ext uri="{BB962C8B-B14F-4D97-AF65-F5344CB8AC3E}">
@@ -12240,7 +14802,7 @@
 </p:sld>
 </file>
 
-<file path=ppt/slides/slide7.xml><?xml version="1.0" encoding="utf-8"?>
+<file path=ppt/slides/slide8.xml><?xml version="1.0" encoding="utf-8"?>
 <p:sld xmlns:a="http://schemas.openxmlformats.org/drawingml/2006/main" xmlns:r="http://schemas.openxmlformats.org/officeDocument/2006/relationships" xmlns:p="http://schemas.openxmlformats.org/presentationml/2006/main">
   <p:cSld>
     <p:spTree>
@@ -12464,7 +15026,7 @@
                   </a:schemeClr>
                 </a:solidFill>
               </a:rPr>
-              <a:t>New batch 62 created.......</a:t>
+              <a:t>New batch 181 created.......</a:t>
             </a:r>
           </a:p>
           <a:p>
@@ -12477,29 +15039,7 @@
                   </a:schemeClr>
                 </a:solidFill>
               </a:rPr>
-              <a:t>Start </a:t>
-            </a:r>
-            <a:r>
-              <a:rPr lang="en-US" sz="1400">
-                <a:solidFill>
-                  <a:schemeClr val="accent4">
-                    <a:lumMod val="60000"/>
-                    <a:lumOff val="40000"/>
-                  </a:schemeClr>
-                </a:solidFill>
-              </a:rPr>
-              <a:t>the daemon</a:t>
-            </a:r>
-            <a:r>
-              <a:rPr lang="en-US" sz="1400" dirty="0">
-                <a:solidFill>
-                  <a:schemeClr val="accent4">
-                    <a:lumMod val="60000"/>
-                    <a:lumOff val="40000"/>
-                  </a:schemeClr>
-                </a:solidFill>
-              </a:rPr>
-              <a:t>........</a:t>
+              <a:t>Start the daemon........</a:t>
             </a:r>
           </a:p>
           <a:p>
@@ -12578,82 +15118,6 @@
           </a:p>
         </p:txBody>
       </p:sp>
-      <p:pic>
-        <p:nvPicPr>
-          <p:cNvPr id="3" name="Picture 2">
-            <a:extLst>
-              <a:ext uri="{FF2B5EF4-FFF2-40B4-BE49-F238E27FC236}">
-                <a16:creationId xmlns:a16="http://schemas.microsoft.com/office/drawing/2014/main" id="{81F94EAC-1D4A-4C16-8625-80FE7179CB1D}"/>
-              </a:ext>
-            </a:extLst>
-          </p:cNvPr>
-          <p:cNvPicPr>
-            <a:picLocks noChangeAspect="1"/>
-          </p:cNvPicPr>
-          <p:nvPr/>
-        </p:nvPicPr>
-        <p:blipFill>
-          <a:blip r:embed="rId3"/>
-          <a:stretch>
-            <a:fillRect/>
-          </a:stretch>
-        </p:blipFill>
-        <p:spPr>
-          <a:xfrm>
-            <a:off x="520301" y="3632907"/>
-            <a:ext cx="5172974" cy="1066800"/>
-          </a:xfrm>
-          <a:prstGeom prst="rect">
-            <a:avLst/>
-          </a:prstGeom>
-          <a:effectLst>
-            <a:glow rad="101600">
-              <a:srgbClr val="313131">
-                <a:alpha val="40000"/>
-              </a:srgbClr>
-            </a:glow>
-            <a:softEdge rad="0"/>
-          </a:effectLst>
-        </p:spPr>
-      </p:pic>
-      <p:pic>
-        <p:nvPicPr>
-          <p:cNvPr id="4" name="Picture 3">
-            <a:extLst>
-              <a:ext uri="{FF2B5EF4-FFF2-40B4-BE49-F238E27FC236}">
-                <a16:creationId xmlns:a16="http://schemas.microsoft.com/office/drawing/2014/main" id="{506C7E03-C99D-43A1-A91E-551523831F78}"/>
-              </a:ext>
-            </a:extLst>
-          </p:cNvPr>
-          <p:cNvPicPr>
-            <a:picLocks noChangeAspect="1"/>
-          </p:cNvPicPr>
-          <p:nvPr/>
-        </p:nvPicPr>
-        <p:blipFill>
-          <a:blip r:embed="rId4"/>
-          <a:stretch>
-            <a:fillRect/>
-          </a:stretch>
-        </p:blipFill>
-        <p:spPr>
-          <a:xfrm>
-            <a:off x="548876" y="5321626"/>
-            <a:ext cx="9397760" cy="1108393"/>
-          </a:xfrm>
-          <a:prstGeom prst="rect">
-            <a:avLst/>
-          </a:prstGeom>
-          <a:effectLst>
-            <a:glow rad="101600">
-              <a:srgbClr val="313131">
-                <a:alpha val="40000"/>
-              </a:srgbClr>
-            </a:glow>
-            <a:softEdge rad="0"/>
-          </a:effectLst>
-        </p:spPr>
-      </p:pic>
       <p:sp>
         <p:nvSpPr>
           <p:cNvPr id="15" name="TextBox 14">
@@ -12712,7 +15176,7 @@
         </p:nvSpPr>
         <p:spPr bwMode="gray">
           <a:xfrm>
-            <a:off x="520301" y="5083957"/>
+            <a:off x="491726" y="5008912"/>
             <a:ext cx="4481510" cy="203040"/>
           </a:xfrm>
           <a:prstGeom prst="rect">
@@ -12757,7 +15221,7 @@
         <p:spPr>
           <a:xfrm>
             <a:off x="395290" y="3200399"/>
-            <a:ext cx="10987086" cy="3428989"/>
+            <a:ext cx="11112300" cy="3428989"/>
           </a:xfrm>
           <a:prstGeom prst="rect">
             <a:avLst/>
@@ -12794,6 +15258,82 @@
           </a:p>
         </p:txBody>
       </p:sp>
+      <p:pic>
+        <p:nvPicPr>
+          <p:cNvPr id="5" name="Picture 4">
+            <a:extLst>
+              <a:ext uri="{FF2B5EF4-FFF2-40B4-BE49-F238E27FC236}">
+                <a16:creationId xmlns:a16="http://schemas.microsoft.com/office/drawing/2014/main" id="{2427953B-E8A4-47E9-9028-7FE6B96B20AC}"/>
+              </a:ext>
+            </a:extLst>
+          </p:cNvPr>
+          <p:cNvPicPr>
+            <a:picLocks noChangeAspect="1"/>
+          </p:cNvPicPr>
+          <p:nvPr/>
+        </p:nvPicPr>
+        <p:blipFill>
+          <a:blip r:embed="rId3"/>
+          <a:stretch>
+            <a:fillRect/>
+          </a:stretch>
+        </p:blipFill>
+        <p:spPr>
+          <a:xfrm>
+            <a:off x="529826" y="3609317"/>
+            <a:ext cx="6099574" cy="1208853"/>
+          </a:xfrm>
+          <a:prstGeom prst="rect">
+            <a:avLst/>
+          </a:prstGeom>
+          <a:effectLst>
+            <a:glow rad="101600">
+              <a:srgbClr val="313131">
+                <a:alpha val="40000"/>
+              </a:srgbClr>
+            </a:glow>
+            <a:softEdge rad="0"/>
+          </a:effectLst>
+        </p:spPr>
+      </p:pic>
+      <p:pic>
+        <p:nvPicPr>
+          <p:cNvPr id="6" name="Picture 5">
+            <a:extLst>
+              <a:ext uri="{FF2B5EF4-FFF2-40B4-BE49-F238E27FC236}">
+                <a16:creationId xmlns:a16="http://schemas.microsoft.com/office/drawing/2014/main" id="{DD904479-2217-480E-835D-F1ECA8EC6610}"/>
+              </a:ext>
+            </a:extLst>
+          </p:cNvPr>
+          <p:cNvPicPr>
+            <a:picLocks noChangeAspect="1"/>
+          </p:cNvPicPr>
+          <p:nvPr/>
+        </p:nvPicPr>
+        <p:blipFill>
+          <a:blip r:embed="rId4"/>
+          <a:stretch>
+            <a:fillRect/>
+          </a:stretch>
+        </p:blipFill>
+        <p:spPr>
+          <a:xfrm>
+            <a:off x="491726" y="5286997"/>
+            <a:ext cx="10862075" cy="1240711"/>
+          </a:xfrm>
+          <a:prstGeom prst="rect">
+            <a:avLst/>
+          </a:prstGeom>
+          <a:effectLst>
+            <a:glow rad="101600">
+              <a:srgbClr val="313131">
+                <a:alpha val="40000"/>
+              </a:srgbClr>
+            </a:glow>
+            <a:softEdge rad="0"/>
+          </a:effectLst>
+        </p:spPr>
+      </p:pic>
     </p:spTree>
     <p:extLst>
       <p:ext uri="{BB962C8B-B14F-4D97-AF65-F5344CB8AC3E}">
@@ -12819,7 +15359,7 @@
 </p:sld>
 </file>
 
-<file path=ppt/slides/slide8.xml><?xml version="1.0" encoding="utf-8"?>
+<file path=ppt/slides/slide9.xml><?xml version="1.0" encoding="utf-8"?>
 <p:sld xmlns:a="http://schemas.openxmlformats.org/drawingml/2006/main" xmlns:r="http://schemas.openxmlformats.org/officeDocument/2006/relationships" xmlns:p="http://schemas.openxmlformats.org/presentationml/2006/main">
   <p:cSld>
     <p:spTree>
@@ -13109,7 +15649,7 @@
         </p:nvSpPr>
         <p:spPr bwMode="gray">
           <a:xfrm>
-            <a:off x="539351" y="5129242"/>
+            <a:off x="520301" y="5212005"/>
             <a:ext cx="4481510" cy="203040"/>
           </a:xfrm>
           <a:prstGeom prst="rect">
@@ -13225,10 +15765,10 @@
       </p:sp>
       <p:pic>
         <p:nvPicPr>
-          <p:cNvPr id="6" name="Picture 5">
+          <p:cNvPr id="3" name="Picture 2">
             <a:extLst>
               <a:ext uri="{FF2B5EF4-FFF2-40B4-BE49-F238E27FC236}">
-                <a16:creationId xmlns:a16="http://schemas.microsoft.com/office/drawing/2014/main" id="{8F0EA8B2-B386-41B4-88E0-F0713959BE70}"/>
+                <a16:creationId xmlns:a16="http://schemas.microsoft.com/office/drawing/2014/main" id="{F5B7A363-3EAF-406C-9507-6C12661200C7}"/>
               </a:ext>
             </a:extLst>
           </p:cNvPr>
@@ -13245,8 +15785,8 @@
         </p:blipFill>
         <p:spPr>
           <a:xfrm>
-            <a:off x="548876" y="5431717"/>
-            <a:ext cx="5166124" cy="888211"/>
+            <a:off x="475156" y="3819229"/>
+            <a:ext cx="10862075" cy="1245222"/>
           </a:xfrm>
           <a:prstGeom prst="rect">
             <a:avLst/>
@@ -13263,10 +15803,10 @@
       </p:pic>
       <p:pic>
         <p:nvPicPr>
-          <p:cNvPr id="7" name="Picture 6">
+          <p:cNvPr id="4" name="Picture 3">
             <a:extLst>
               <a:ext uri="{FF2B5EF4-FFF2-40B4-BE49-F238E27FC236}">
-                <a16:creationId xmlns:a16="http://schemas.microsoft.com/office/drawing/2014/main" id="{09A1DC2D-AFFD-4D34-8F47-04E6DA8C007B}"/>
+                <a16:creationId xmlns:a16="http://schemas.microsoft.com/office/drawing/2014/main" id="{925A0B48-6377-4028-9B84-FA64C948A725}"/>
               </a:ext>
             </a:extLst>
           </p:cNvPr>
@@ -13283,8 +15823,8 @@
         </p:blipFill>
         <p:spPr>
           <a:xfrm>
-            <a:off x="520301" y="3878294"/>
-            <a:ext cx="8610600" cy="990408"/>
+            <a:off x="520301" y="5461568"/>
+            <a:ext cx="6109099" cy="1019355"/>
           </a:xfrm>
           <a:prstGeom prst="rect">
             <a:avLst/>
@@ -13321,85 +15861,6 @@
       </p:transition>
     </mc:Fallback>
   </mc:AlternateContent>
-</p:sld>
-</file>
-
-<file path=ppt/slides/slide9.xml><?xml version="1.0" encoding="utf-8"?>
-<p:sld xmlns:a="http://schemas.openxmlformats.org/drawingml/2006/main" xmlns:r="http://schemas.openxmlformats.org/officeDocument/2006/relationships" xmlns:p="http://schemas.openxmlformats.org/presentationml/2006/main">
-  <p:cSld>
-    <p:spTree>
-      <p:nvGrpSpPr>
-        <p:cNvPr id="1" name=""/>
-        <p:cNvGrpSpPr/>
-        <p:nvPr/>
-      </p:nvGrpSpPr>
-      <p:grpSpPr>
-        <a:xfrm>
-          <a:off x="0" y="0"/>
-          <a:ext cx="0" cy="0"/>
-          <a:chOff x="0" y="0"/>
-          <a:chExt cx="0" cy="0"/>
-        </a:xfrm>
-      </p:grpSpPr>
-      <p:sp>
-        <p:nvSpPr>
-          <p:cNvPr id="3" name="TextBox 2">
-            <a:extLst>
-              <a:ext uri="{FF2B5EF4-FFF2-40B4-BE49-F238E27FC236}">
-                <a16:creationId xmlns:a16="http://schemas.microsoft.com/office/drawing/2014/main" id="{1DC72E19-7867-414D-8554-70CA520BA699}"/>
-              </a:ext>
-            </a:extLst>
-          </p:cNvPr>
-          <p:cNvSpPr txBox="1"/>
-          <p:nvPr/>
-        </p:nvSpPr>
-        <p:spPr bwMode="gray">
-          <a:xfrm>
-            <a:off x="4610100" y="1600200"/>
-            <a:ext cx="2971800" cy="1828800"/>
-          </a:xfrm>
-          <a:prstGeom prst="rect">
-            <a:avLst/>
-          </a:prstGeom>
-        </p:spPr>
-        <p:txBody>
-          <a:bodyPr wrap="square" lIns="0" rIns="0" rtlCol="0" anchor="b" anchorCtr="0">
-            <a:normAutofit/>
-          </a:bodyPr>
-          <a:lstStyle/>
-          <a:p>
-            <a:pPr>
-              <a:lnSpc>
-                <a:spcPts val="900"/>
-              </a:lnSpc>
-            </a:pPr>
-            <a:r>
-              <a:rPr lang="en-US" sz="2800" b="1" kern="1200" dirty="0">
-                <a:solidFill>
-                  <a:schemeClr val="tx1"/>
-                </a:solidFill>
-                <a:latin typeface="+mn-lt"/>
-                <a:ea typeface="+mn-ea"/>
-                <a:cs typeface="+mn-cs"/>
-              </a:rPr>
-              <a:t>Thank You</a:t>
-            </a:r>
-          </a:p>
-        </p:txBody>
-      </p:sp>
-    </p:spTree>
-    <p:extLst>
-      <p:ext uri="{BB962C8B-B14F-4D97-AF65-F5344CB8AC3E}">
-        <p14:creationId xmlns:p14="http://schemas.microsoft.com/office/powerpoint/2010/main" val="2424806456"/>
-      </p:ext>
-    </p:extLst>
-  </p:cSld>
-  <p:clrMapOvr>
-    <a:masterClrMapping/>
-  </p:clrMapOvr>
-  <p:transition>
-    <p:fade/>
-  </p:transition>
 </p:sld>
 </file>
 
@@ -14387,6 +16848,65 @@
 </file>
 
 <file path=customXml/item1.xml><?xml version="1.0" encoding="utf-8"?>
+<?mso-contentType ?>
+<spe:Receivers xmlns:spe="http://schemas.microsoft.com/sharepoint/events">
+  <Receiver>
+    <Name>Document ID Generator</Name>
+    <Synchronization>Synchronous</Synchronization>
+    <Type>10001</Type>
+    <SequenceNumber>1000</SequenceNumber>
+    <Url/>
+    <Assembly>Microsoft.Office.DocumentManagement, Version=15.0.0.0, Culture=neutral, PublicKeyToken=71e9bce111e9429c</Assembly>
+    <Class>Microsoft.Office.DocumentManagement.Internal.DocIdHandler</Class>
+    <Data/>
+    <Filter/>
+  </Receiver>
+  <Receiver>
+    <Name>Document ID Generator</Name>
+    <Synchronization>Synchronous</Synchronization>
+    <Type>10002</Type>
+    <SequenceNumber>1001</SequenceNumber>
+    <Url/>
+    <Assembly>Microsoft.Office.DocumentManagement, Version=15.0.0.0, Culture=neutral, PublicKeyToken=71e9bce111e9429c</Assembly>
+    <Class>Microsoft.Office.DocumentManagement.Internal.DocIdHandler</Class>
+    <Data/>
+    <Filter/>
+  </Receiver>
+  <Receiver>
+    <Name>Document ID Generator</Name>
+    <Synchronization>Synchronous</Synchronization>
+    <Type>10004</Type>
+    <SequenceNumber>1002</SequenceNumber>
+    <Url/>
+    <Assembly>Microsoft.Office.DocumentManagement, Version=15.0.0.0, Culture=neutral, PublicKeyToken=71e9bce111e9429c</Assembly>
+    <Class>Microsoft.Office.DocumentManagement.Internal.DocIdHandler</Class>
+    <Data/>
+    <Filter/>
+  </Receiver>
+  <Receiver>
+    <Name>Document ID Generator</Name>
+    <Synchronization>Synchronous</Synchronization>
+    <Type>10006</Type>
+    <SequenceNumber>1003</SequenceNumber>
+    <Url/>
+    <Assembly>Microsoft.Office.DocumentManagement, Version=15.0.0.0, Culture=neutral, PublicKeyToken=71e9bce111e9429c</Assembly>
+    <Class>Microsoft.Office.DocumentManagement.Internal.DocIdHandler</Class>
+    <Data/>
+    <Filter/>
+  </Receiver>
+</spe:Receivers>
+</file>
+
+<file path=customXml/item2.xml><?xml version="1.0" encoding="utf-8"?>
+<?mso-contentType ?>
+<FormTemplates xmlns="http://schemas.microsoft.com/sharepoint/v3/contenttype/forms">
+  <Display>DocumentLibraryForm</Display>
+  <Edit>DocumentLibraryForm</Edit>
+  <New>DocumentLibraryForm</New>
+</FormTemplates>
+</file>
+
+<file path=customXml/item3.xml><?xml version="1.0" encoding="utf-8"?>
 <p:properties xmlns:p="http://schemas.microsoft.com/office/2006/metadata/properties" xmlns:xsi="http://www.w3.org/2001/XMLSchema-instance" xmlns:pc="http://schemas.microsoft.com/office/infopath/2007/PartnerControls">
   <documentManagement>
     <Author_selected xmlns="http://schemas.microsoft.com/sharepoint/v3">
@@ -14542,65 +17062,6 @@
     </Secondary_x0020_Local_x0020_ClieTaxHTField0>
   </documentManagement>
 </p:properties>
-</file>
-
-<file path=customXml/item2.xml><?xml version="1.0" encoding="utf-8"?>
-<?mso-contentType ?>
-<FormTemplates xmlns="http://schemas.microsoft.com/sharepoint/v3/contenttype/forms">
-  <Display>DocumentLibraryForm</Display>
-  <Edit>DocumentLibraryForm</Edit>
-  <New>DocumentLibraryForm</New>
-</FormTemplates>
-</file>
-
-<file path=customXml/item3.xml><?xml version="1.0" encoding="utf-8"?>
-<?mso-contentType ?>
-<spe:Receivers xmlns:spe="http://schemas.microsoft.com/sharepoint/events">
-  <Receiver>
-    <Name>Document ID Generator</Name>
-    <Synchronization>Synchronous</Synchronization>
-    <Type>10001</Type>
-    <SequenceNumber>1000</SequenceNumber>
-    <Url/>
-    <Assembly>Microsoft.Office.DocumentManagement, Version=15.0.0.0, Culture=neutral, PublicKeyToken=71e9bce111e9429c</Assembly>
-    <Class>Microsoft.Office.DocumentManagement.Internal.DocIdHandler</Class>
-    <Data/>
-    <Filter/>
-  </Receiver>
-  <Receiver>
-    <Name>Document ID Generator</Name>
-    <Synchronization>Synchronous</Synchronization>
-    <Type>10002</Type>
-    <SequenceNumber>1001</SequenceNumber>
-    <Url/>
-    <Assembly>Microsoft.Office.DocumentManagement, Version=15.0.0.0, Culture=neutral, PublicKeyToken=71e9bce111e9429c</Assembly>
-    <Class>Microsoft.Office.DocumentManagement.Internal.DocIdHandler</Class>
-    <Data/>
-    <Filter/>
-  </Receiver>
-  <Receiver>
-    <Name>Document ID Generator</Name>
-    <Synchronization>Synchronous</Synchronization>
-    <Type>10004</Type>
-    <SequenceNumber>1002</SequenceNumber>
-    <Url/>
-    <Assembly>Microsoft.Office.DocumentManagement, Version=15.0.0.0, Culture=neutral, PublicKeyToken=71e9bce111e9429c</Assembly>
-    <Class>Microsoft.Office.DocumentManagement.Internal.DocIdHandler</Class>
-    <Data/>
-    <Filter/>
-  </Receiver>
-  <Receiver>
-    <Name>Document ID Generator</Name>
-    <Synchronization>Synchronous</Synchronization>
-    <Type>10006</Type>
-    <SequenceNumber>1003</SequenceNumber>
-    <Url/>
-    <Assembly>Microsoft.Office.DocumentManagement, Version=15.0.0.0, Culture=neutral, PublicKeyToken=71e9bce111e9429c</Assembly>
-    <Class>Microsoft.Office.DocumentManagement.Internal.DocIdHandler</Class>
-    <Data/>
-    <Filter/>
-  </Receiver>
-</spe:Receivers>
 </file>
 
 <file path=customXml/item4.xml><?xml version="1.0" encoding="utf-8"?>
@@ -15060,6 +17521,22 @@
 </file>
 
 <file path=customXml/itemProps1.xml><?xml version="1.0" encoding="utf-8"?>
+<ds:datastoreItem xmlns:ds="http://schemas.openxmlformats.org/officeDocument/2006/customXml" ds:itemID="{CC507161-D8B6-4EBB-ACB6-D2CC33103BBC}">
+  <ds:schemaRefs>
+    <ds:schemaRef ds:uri="http://schemas.microsoft.com/sharepoint/events"/>
+  </ds:schemaRefs>
+</ds:datastoreItem>
+</file>
+
+<file path=customXml/itemProps2.xml><?xml version="1.0" encoding="utf-8"?>
+<ds:datastoreItem xmlns:ds="http://schemas.openxmlformats.org/officeDocument/2006/customXml" ds:itemID="{9AA2B45F-2AAE-484A-AE34-30C67E584A89}">
+  <ds:schemaRefs>
+    <ds:schemaRef ds:uri="http://schemas.microsoft.com/sharepoint/v3/contenttype/forms"/>
+  </ds:schemaRefs>
+</ds:datastoreItem>
+</file>
+
+<file path=customXml/itemProps3.xml><?xml version="1.0" encoding="utf-8"?>
 <ds:datastoreItem xmlns:ds="http://schemas.openxmlformats.org/officeDocument/2006/customXml" ds:itemID="{22D25CBF-9565-48BD-89D2-9796ED69D6DB}">
   <ds:schemaRefs>
     <ds:schemaRef ds:uri="a3273937-55e7-450c-ac1f-0f7de532f690"/>
@@ -15083,22 +17560,6 @@
     <ds:schemaRef ds:uri="3A0186DE-B11E-4A29-9C82-428D45BCA71F"/>
     <ds:schemaRef ds:uri="http://schemas.microsoft.com/office/2006/metadata/properties"/>
     <ds:schemaRef ds:uri="http://purl.org/dc/dcmitype/"/>
-  </ds:schemaRefs>
-</ds:datastoreItem>
-</file>
-
-<file path=customXml/itemProps2.xml><?xml version="1.0" encoding="utf-8"?>
-<ds:datastoreItem xmlns:ds="http://schemas.openxmlformats.org/officeDocument/2006/customXml" ds:itemID="{9AA2B45F-2AAE-484A-AE34-30C67E584A89}">
-  <ds:schemaRefs>
-    <ds:schemaRef ds:uri="http://schemas.microsoft.com/sharepoint/v3/contenttype/forms"/>
-  </ds:schemaRefs>
-</ds:datastoreItem>
-</file>
-
-<file path=customXml/itemProps3.xml><?xml version="1.0" encoding="utf-8"?>
-<ds:datastoreItem xmlns:ds="http://schemas.openxmlformats.org/officeDocument/2006/customXml" ds:itemID="{CC507161-D8B6-4EBB-ACB6-D2CC33103BBC}">
-  <ds:schemaRefs>
-    <ds:schemaRef ds:uri="http://schemas.microsoft.com/sharepoint/events"/>
   </ds:schemaRefs>
 </ds:datastoreItem>
 </file>
